--- a/instructor/l23/lec23-wrap.pptx
+++ b/instructor/l23/lec23-wrap.pptx
@@ -18,12 +18,12 @@
     <p:sldId id="266" r:id="rId6"/>
     <p:sldId id="287" r:id="rId7"/>
     <p:sldId id="272" r:id="rId8"/>
-    <p:sldId id="276" r:id="rId9"/>
-    <p:sldId id="277" r:id="rId10"/>
-    <p:sldId id="278" r:id="rId11"/>
-    <p:sldId id="279" r:id="rId12"/>
-    <p:sldId id="280" r:id="rId13"/>
-    <p:sldId id="281" r:id="rId14"/>
+    <p:sldId id="278" r:id="rId9"/>
+    <p:sldId id="279" r:id="rId10"/>
+    <p:sldId id="280" r:id="rId11"/>
+    <p:sldId id="281" r:id="rId12"/>
+    <p:sldId id="276" r:id="rId13"/>
+    <p:sldId id="277" r:id="rId14"/>
     <p:sldId id="259" r:id="rId15"/>
     <p:sldId id="256" r:id="rId16"/>
     <p:sldId id="282" r:id="rId17"/>
@@ -231,7 +231,7 @@
           <a:p>
             <a:fld id="{840221F2-9221-C947-8AA1-B2ECA6CA3F5F}" type="datetimeFigureOut">
               <a:rPr lang="en-US" smtClean="0"/>
-              <a:t>4/10/23</a:t>
+              <a:t>12/4/23</a:t>
             </a:fld>
             <a:endParaRPr lang="en-US"/>
           </a:p>
@@ -408,7 +408,7 @@
           <a:p>
             <a:fld id="{C6FAA5DE-27F5-9745-9CE3-8D5124841CBB}" type="datetimeFigureOut">
               <a:rPr lang="en-US" smtClean="0"/>
-              <a:t>4/10/23</a:t>
+              <a:t>12/4/23</a:t>
             </a:fld>
             <a:endParaRPr lang="en-US"/>
           </a:p>
@@ -888,7 +888,7 @@
           <a:p>
             <a:fld id="{43C25A20-5354-3B46-B5A4-C1220A4644A2}" type="datetimeFigureOut">
               <a:rPr lang="en-US" smtClean="0"/>
-              <a:t>4/10/23</a:t>
+              <a:t>12/4/23</a:t>
             </a:fld>
             <a:endParaRPr lang="en-US"/>
           </a:p>
@@ -1056,7 +1056,7 @@
           <a:p>
             <a:fld id="{43C25A20-5354-3B46-B5A4-C1220A4644A2}" type="datetimeFigureOut">
               <a:rPr lang="en-US" smtClean="0"/>
-              <a:t>4/10/23</a:t>
+              <a:t>12/4/23</a:t>
             </a:fld>
             <a:endParaRPr lang="en-US"/>
           </a:p>
@@ -1234,7 +1234,7 @@
           <a:p>
             <a:fld id="{43C25A20-5354-3B46-B5A4-C1220A4644A2}" type="datetimeFigureOut">
               <a:rPr lang="en-US" smtClean="0"/>
-              <a:t>4/10/23</a:t>
+              <a:t>12/4/23</a:t>
             </a:fld>
             <a:endParaRPr lang="en-US"/>
           </a:p>
@@ -1402,7 +1402,7 @@
           <a:p>
             <a:fld id="{43C25A20-5354-3B46-B5A4-C1220A4644A2}" type="datetimeFigureOut">
               <a:rPr lang="en-US" smtClean="0"/>
-              <a:t>4/10/23</a:t>
+              <a:t>12/4/23</a:t>
             </a:fld>
             <a:endParaRPr lang="en-US"/>
           </a:p>
@@ -1647,7 +1647,7 @@
           <a:p>
             <a:fld id="{43C25A20-5354-3B46-B5A4-C1220A4644A2}" type="datetimeFigureOut">
               <a:rPr lang="en-US" smtClean="0"/>
-              <a:t>4/10/23</a:t>
+              <a:t>12/4/23</a:t>
             </a:fld>
             <a:endParaRPr lang="en-US"/>
           </a:p>
@@ -1876,7 +1876,7 @@
           <a:p>
             <a:fld id="{43C25A20-5354-3B46-B5A4-C1220A4644A2}" type="datetimeFigureOut">
               <a:rPr lang="en-US" smtClean="0"/>
-              <a:t>4/10/23</a:t>
+              <a:t>12/4/23</a:t>
             </a:fld>
             <a:endParaRPr lang="en-US"/>
           </a:p>
@@ -2240,7 +2240,7 @@
           <a:p>
             <a:fld id="{43C25A20-5354-3B46-B5A4-C1220A4644A2}" type="datetimeFigureOut">
               <a:rPr lang="en-US" smtClean="0"/>
-              <a:t>4/10/23</a:t>
+              <a:t>12/4/23</a:t>
             </a:fld>
             <a:endParaRPr lang="en-US"/>
           </a:p>
@@ -2357,7 +2357,7 @@
           <a:p>
             <a:fld id="{43C25A20-5354-3B46-B5A4-C1220A4644A2}" type="datetimeFigureOut">
               <a:rPr lang="en-US" smtClean="0"/>
-              <a:t>4/10/23</a:t>
+              <a:t>12/4/23</a:t>
             </a:fld>
             <a:endParaRPr lang="en-US"/>
           </a:p>
@@ -2452,7 +2452,7 @@
           <a:p>
             <a:fld id="{43C25A20-5354-3B46-B5A4-C1220A4644A2}" type="datetimeFigureOut">
               <a:rPr lang="en-US" smtClean="0"/>
-              <a:t>4/10/23</a:t>
+              <a:t>12/4/23</a:t>
             </a:fld>
             <a:endParaRPr lang="en-US"/>
           </a:p>
@@ -2727,7 +2727,7 @@
           <a:p>
             <a:fld id="{43C25A20-5354-3B46-B5A4-C1220A4644A2}" type="datetimeFigureOut">
               <a:rPr lang="en-US" smtClean="0"/>
-              <a:t>4/10/23</a:t>
+              <a:t>12/4/23</a:t>
             </a:fld>
             <a:endParaRPr lang="en-US"/>
           </a:p>
@@ -2979,7 +2979,7 @@
           <a:p>
             <a:fld id="{43C25A20-5354-3B46-B5A4-C1220A4644A2}" type="datetimeFigureOut">
               <a:rPr lang="en-US" smtClean="0"/>
-              <a:t>4/10/23</a:t>
+              <a:t>12/4/23</a:t>
             </a:fld>
             <a:endParaRPr lang="en-US"/>
           </a:p>
@@ -3190,7 +3190,7 @@
           <a:p>
             <a:fld id="{43C25A20-5354-3B46-B5A4-C1220A4644A2}" type="datetimeFigureOut">
               <a:rPr lang="en-US" smtClean="0"/>
-              <a:t>4/10/23</a:t>
+              <a:t>12/4/23</a:t>
             </a:fld>
             <a:endParaRPr lang="en-US"/>
           </a:p>
@@ -3669,38 +3669,57 @@
             <p:ph idx="1"/>
           </p:nvPr>
         </p:nvSpPr>
-        <p:spPr/>
-        <p:txBody>
-          <a:bodyPr/>
+        <p:spPr>
+          <a:xfrm>
+            <a:off x="838200" y="1825625"/>
+            <a:ext cx="10515600" cy="4830356"/>
+          </a:xfrm>
+        </p:spPr>
+        <p:txBody>
+          <a:bodyPr>
+            <a:normAutofit/>
+          </a:bodyPr>
           <a:lstStyle/>
           <a:p>
             <a:r>
               <a:rPr lang="en-US" sz="3600" dirty="0"/>
-              <a:t>Figuring out what you actually want is half the battle</a:t>
+              <a:t>but sometimes</a:t>
             </a:r>
           </a:p>
           <a:p>
             <a:endParaRPr lang="en-US" dirty="0"/>
           </a:p>
           <a:p>
+            <a:endParaRPr lang="en-US" dirty="0"/>
+          </a:p>
+          <a:p>
+            <a:endParaRPr lang="en-US" dirty="0"/>
+          </a:p>
+          <a:p>
+            <a:endParaRPr lang="en-US" dirty="0"/>
+          </a:p>
+          <a:p>
+            <a:endParaRPr lang="en-US" dirty="0"/>
+          </a:p>
+          <a:p>
             <a:pPr lvl="1"/>
             <a:r>
               <a:rPr lang="en-US" dirty="0"/>
-              <a:t>signature</a:t>
+              <a:t>despite your best efforts</a:t>
             </a:r>
           </a:p>
           <a:p>
             <a:pPr lvl="1"/>
             <a:r>
               <a:rPr lang="en-US" dirty="0"/>
-              <a:t>purpose</a:t>
+              <a:t>what you end up with is not what you really wanted</a:t>
             </a:r>
           </a:p>
           <a:p>
             <a:pPr lvl="1"/>
             <a:r>
               <a:rPr lang="en-US" dirty="0"/>
-              <a:t>examples (wrapped in check-expect)</a:t>
+              <a:t>go back and systematically revise the design, and learn from that error</a:t>
             </a:r>
           </a:p>
           <a:p>
@@ -3708,25 +3727,80 @@
             <a:endParaRPr lang="en-US" dirty="0"/>
           </a:p>
           <a:p>
-            <a:pPr lvl="1"/>
-            <a:r>
-              <a:rPr lang="en-US" dirty="0"/>
-              <a:t>information examples</a:t>
-            </a:r>
-          </a:p>
-          <a:p>
-            <a:pPr lvl="1"/>
-            <a:r>
-              <a:rPr lang="en-US" dirty="0"/>
-              <a:t>interpretation</a:t>
-            </a:r>
+            <a:pPr marL="457200" lvl="1" indent="0">
+              <a:buNone/>
+            </a:pPr>
+            <a:endParaRPr lang="en-US" dirty="0"/>
+          </a:p>
+          <a:p>
+            <a:endParaRPr lang="en-US" dirty="0"/>
+          </a:p>
+        </p:txBody>
+      </p:sp>
+      <p:sp>
+        <p:nvSpPr>
+          <p:cNvPr id="4" name="TextBox 3">
+            <a:extLst>
+              <a:ext uri="{FF2B5EF4-FFF2-40B4-BE49-F238E27FC236}">
+                <a16:creationId xmlns:a16="http://schemas.microsoft.com/office/drawing/2014/main" id="{9DAEF986-FC6E-2540-8868-F58DD833305B}"/>
+              </a:ext>
+            </a:extLst>
+          </p:cNvPr>
+          <p:cNvSpPr txBox="1"/>
+          <p:nvPr/>
+        </p:nvSpPr>
+        <p:spPr>
+          <a:xfrm>
+            <a:off x="170121" y="2858034"/>
+            <a:ext cx="11851758" cy="1323439"/>
+          </a:xfrm>
+          <a:prstGeom prst="rect">
+            <a:avLst/>
+          </a:prstGeom>
+          <a:noFill/>
+        </p:spPr>
+        <p:txBody>
+          <a:bodyPr wrap="square" rtlCol="0">
+            <a:spAutoFit/>
+          </a:bodyPr>
+          <a:lstStyle/>
+          <a:p>
+            <a:br>
+              <a:rPr lang="en-CA" sz="1600" dirty="0">
+                <a:latin typeface="Monaco" pitchFamily="2" charset="77"/>
+              </a:rPr>
+            </a:br>
+            <a:endParaRPr lang="en-CA" sz="1600" dirty="0">
+              <a:latin typeface="Monaco" pitchFamily="2" charset="77"/>
+            </a:endParaRPr>
+          </a:p>
+          <a:p>
+            <a:r>
+              <a:rPr lang="en-CA" sz="1600" dirty="0">
+                <a:latin typeface="Monaco" pitchFamily="2" charset="77"/>
+              </a:rPr>
+              <a:t>  50% of  50%   Submitted tests: correct - all submitted test pass. </a:t>
+            </a:r>
+          </a:p>
+          <a:p>
+            <a:r>
+              <a:rPr lang="en-CA" sz="1600" dirty="0">
+                <a:latin typeface="Monaco" pitchFamily="2" charset="77"/>
+              </a:rPr>
+              <a:t>   0% of  50%   Additional tests: incorrect - 3 autograder internal additional tests failed. </a:t>
+            </a:r>
+          </a:p>
+          <a:p>
+            <a:endParaRPr lang="en-US" sz="1600" dirty="0">
+              <a:latin typeface="Monaco" pitchFamily="2" charset="77"/>
+            </a:endParaRPr>
           </a:p>
         </p:txBody>
       </p:sp>
     </p:spTree>
     <p:extLst>
       <p:ext uri="{BB962C8B-B14F-4D97-AF65-F5344CB8AC3E}">
-        <p14:creationId xmlns:p14="http://schemas.microsoft.com/office/powerpoint/2010/main" val="861622272"/>
+        <p14:creationId xmlns:p14="http://schemas.microsoft.com/office/powerpoint/2010/main" val="491170874"/>
       </p:ext>
     </p:extLst>
   </p:cSld>
@@ -3769,14 +3843,19 @@
             <p:ph type="title"/>
           </p:nvPr>
         </p:nvSpPr>
-        <p:spPr/>
+        <p:spPr>
+          <a:xfrm>
+            <a:off x="838200" y="365125"/>
+            <a:ext cx="10515600" cy="1325563"/>
+          </a:xfrm>
+        </p:spPr>
         <p:txBody>
           <a:bodyPr/>
           <a:lstStyle/>
           <a:p>
             <a:r>
               <a:rPr lang="en-US" dirty="0"/>
-              <a:t>What have you learned ... about design?</a:t>
+              <a:t>Hopefully you also learned</a:t>
             </a:r>
           </a:p>
         </p:txBody>
@@ -3797,31 +3876,43 @@
             <p:ph idx="1"/>
           </p:nvPr>
         </p:nvSpPr>
-        <p:spPr/>
+        <p:spPr>
+          <a:xfrm>
+            <a:off x="838200" y="1825625"/>
+            <a:ext cx="10515600" cy="4351338"/>
+          </a:xfrm>
+        </p:spPr>
         <p:txBody>
           <a:bodyPr/>
           <a:lstStyle/>
           <a:p>
-            <a:r>
-              <a:rPr lang="en-US" sz="3600" dirty="0"/>
-              <a:t>then the structure of the solution</a:t>
-            </a:r>
-          </a:p>
-          <a:p>
             <a:endParaRPr lang="en-US" dirty="0"/>
           </a:p>
           <a:p>
-            <a:pPr lvl="1"/>
-            <a:r>
-              <a:rPr lang="en-US" dirty="0"/>
-              <a:t>template origins</a:t>
-            </a:r>
-          </a:p>
-          <a:p>
-            <a:pPr lvl="1"/>
-            <a:r>
-              <a:rPr lang="en-US" dirty="0"/>
-              <a:t>accumulator types and invariants</a:t>
+            <a:r>
+              <a:rPr lang="en-US" dirty="0"/>
+              <a:t>that you can solve larger and harder problems than you thought</a:t>
+            </a:r>
+          </a:p>
+          <a:p>
+            <a:r>
+              <a:rPr lang="en-US" dirty="0"/>
+              <a:t>some of what it will take to solve harder and harder problems</a:t>
+            </a:r>
+          </a:p>
+          <a:p>
+            <a:endParaRPr lang="en-US" dirty="0"/>
+          </a:p>
+          <a:p>
+            <a:endParaRPr lang="en-US" dirty="0"/>
+          </a:p>
+          <a:p>
+            <a:endParaRPr lang="en-US" dirty="0"/>
+          </a:p>
+          <a:p>
+            <a:r>
+              <a:rPr lang="en-US" dirty="0"/>
+              <a:t>patience, attention to detail, humility are important parts of it</a:t>
             </a:r>
           </a:p>
           <a:p>
@@ -3829,74 +3920,14 @@
             <a:endParaRPr lang="en-US" dirty="0"/>
           </a:p>
           <a:p>
-            <a:r>
-              <a:rPr lang="en-US" sz="3600" dirty="0"/>
-              <a:t>and the details</a:t>
-            </a:r>
-          </a:p>
-          <a:p>
             <a:endParaRPr lang="en-US" dirty="0"/>
-          </a:p>
-          <a:p>
-            <a:pPr lvl="1"/>
-            <a:r>
-              <a:rPr lang="en-US" dirty="0"/>
-              <a:t>fill in … according to all above</a:t>
-            </a:r>
-          </a:p>
-          <a:p>
-            <a:pPr lvl="1"/>
-            <a:r>
-              <a:rPr lang="en-US" dirty="0"/>
-              <a:t>debug</a:t>
-            </a:r>
-          </a:p>
-          <a:p>
-            <a:endParaRPr lang="en-US" dirty="0"/>
-          </a:p>
-        </p:txBody>
-      </p:sp>
-      <p:sp>
-        <p:nvSpPr>
-          <p:cNvPr id="4" name="TextBox 3">
-            <a:extLst>
-              <a:ext uri="{FF2B5EF4-FFF2-40B4-BE49-F238E27FC236}">
-                <a16:creationId xmlns:a16="http://schemas.microsoft.com/office/drawing/2014/main" id="{A5490351-7D8A-D040-AC37-B7B0B88C93A9}"/>
-              </a:ext>
-            </a:extLst>
-          </p:cNvPr>
-          <p:cNvSpPr txBox="1"/>
-          <p:nvPr/>
-        </p:nvSpPr>
-        <p:spPr>
-          <a:xfrm>
-            <a:off x="7506586" y="5653743"/>
-            <a:ext cx="4391245" cy="523220"/>
-          </a:xfrm>
-          <a:prstGeom prst="rect">
-            <a:avLst/>
-          </a:prstGeom>
-          <a:noFill/>
-        </p:spPr>
-        <p:txBody>
-          <a:bodyPr wrap="square" rtlCol="0">
-            <a:spAutoFit/>
-          </a:bodyPr>
-          <a:lstStyle/>
-          <a:p>
-            <a:r>
-              <a:rPr lang="en-US" sz="2800" dirty="0">
-                <a:latin typeface="Monaco" pitchFamily="2" charset="77"/>
-              </a:rPr>
-              <a:t>All 5 tests pass!</a:t>
-            </a:r>
           </a:p>
         </p:txBody>
       </p:sp>
     </p:spTree>
     <p:extLst>
       <p:ext uri="{BB962C8B-B14F-4D97-AF65-F5344CB8AC3E}">
-        <p14:creationId xmlns:p14="http://schemas.microsoft.com/office/powerpoint/2010/main" val="406896256"/>
+        <p14:creationId xmlns:p14="http://schemas.microsoft.com/office/powerpoint/2010/main" val="3995558550"/>
       </p:ext>
     </p:extLst>
   </p:cSld>
@@ -3928,7 +3959,7 @@
           <p:cNvPr id="2" name="Title 1">
             <a:extLst>
               <a:ext uri="{FF2B5EF4-FFF2-40B4-BE49-F238E27FC236}">
-                <a16:creationId xmlns:a16="http://schemas.microsoft.com/office/drawing/2014/main" id="{628B3CBF-7A18-F54F-92E2-B975D203BF2F}"/>
+                <a16:creationId xmlns:a16="http://schemas.microsoft.com/office/drawing/2014/main" id="{30EDED6A-0994-6C41-BD42-CD8F0E615378}"/>
               </a:ext>
             </a:extLst>
           </p:cNvPr>
@@ -3946,7 +3977,7 @@
           <a:p>
             <a:r>
               <a:rPr lang="en-US" dirty="0"/>
-              <a:t>What have you learned ... about design?</a:t>
+              <a:t>Other languages</a:t>
             </a:r>
           </a:p>
         </p:txBody>
@@ -3956,7 +3987,7 @@
           <p:cNvPr id="3" name="Content Placeholder 2">
             <a:extLst>
               <a:ext uri="{FF2B5EF4-FFF2-40B4-BE49-F238E27FC236}">
-                <a16:creationId xmlns:a16="http://schemas.microsoft.com/office/drawing/2014/main" id="{22ACEF78-0A45-E74E-9B25-4DB16636EE7C}"/>
+                <a16:creationId xmlns:a16="http://schemas.microsoft.com/office/drawing/2014/main" id="{4E5B8446-E292-8F48-BACA-ECAF7A46BEB1}"/>
               </a:ext>
             </a:extLst>
           </p:cNvPr>
@@ -3969,136 +4000,69 @@
         </p:nvSpPr>
         <p:spPr>
           <a:xfrm>
-            <a:off x="838200" y="1825625"/>
-            <a:ext cx="10515600" cy="4830356"/>
+            <a:off x="838199" y="1825625"/>
+            <a:ext cx="11029749" cy="4351338"/>
           </a:xfrm>
         </p:spPr>
         <p:txBody>
-          <a:bodyPr>
-            <a:normAutofit/>
-          </a:bodyPr>
-          <a:lstStyle/>
-          <a:p>
-            <a:r>
-              <a:rPr lang="en-US" sz="3600" dirty="0"/>
-              <a:t>but sometimes</a:t>
+          <a:bodyPr/>
+          <a:lstStyle/>
+          <a:p>
+            <a:r>
+              <a:rPr lang="en-US" dirty="0"/>
+              <a:t>Everything you’ve learned in 110 works in other languages</a:t>
+            </a:r>
+          </a:p>
+          <a:p>
+            <a:pPr lvl="1"/>
+            <a:r>
+              <a:rPr lang="en-US" dirty="0"/>
+              <a:t>data design, function design, tests, templates…</a:t>
+            </a:r>
+          </a:p>
+          <a:p>
+            <a:pPr lvl="1"/>
+            <a:r>
+              <a:rPr lang="en-US" dirty="0"/>
+              <a:t>above all, working systematically to narrow the gap between problem and solution</a:t>
             </a:r>
           </a:p>
           <a:p>
             <a:endParaRPr lang="en-US" dirty="0"/>
           </a:p>
           <a:p>
-            <a:endParaRPr lang="en-US" dirty="0"/>
-          </a:p>
-          <a:p>
-            <a:endParaRPr lang="en-US" dirty="0"/>
-          </a:p>
-          <a:p>
-            <a:endParaRPr lang="en-US" dirty="0"/>
-          </a:p>
-          <a:p>
-            <a:endParaRPr lang="en-US" dirty="0"/>
+            <a:r>
+              <a:rPr lang="en-US" dirty="0"/>
+              <a:t>Learn new languages by reading code</a:t>
+            </a:r>
           </a:p>
           <a:p>
             <a:pPr lvl="1"/>
             <a:r>
               <a:rPr lang="en-US" dirty="0"/>
-              <a:t>despite your best efforts</a:t>
+              <a:t>find code that “must do X”</a:t>
             </a:r>
           </a:p>
           <a:p>
             <a:pPr lvl="1"/>
             <a:r>
               <a:rPr lang="en-US" dirty="0"/>
-              <a:t>what you end up with is not what you really wanted</a:t>
+              <a:t>use what you know to understand the chunks (the templates)</a:t>
             </a:r>
           </a:p>
           <a:p>
             <a:pPr lvl="1"/>
             <a:r>
               <a:rPr lang="en-US" dirty="0"/>
-              <a:t>go back and systematically revise the design, and learn from that error</a:t>
-            </a:r>
-          </a:p>
-          <a:p>
-            <a:pPr lvl="1"/>
-            <a:endParaRPr lang="en-US" dirty="0"/>
-          </a:p>
-          <a:p>
-            <a:pPr marL="457200" lvl="1" indent="0">
-              <a:buNone/>
-            </a:pPr>
-            <a:endParaRPr lang="en-US" dirty="0"/>
-          </a:p>
-          <a:p>
-            <a:endParaRPr lang="en-US" dirty="0"/>
-          </a:p>
-        </p:txBody>
-      </p:sp>
-      <p:sp>
-        <p:nvSpPr>
-          <p:cNvPr id="4" name="TextBox 3">
-            <a:extLst>
-              <a:ext uri="{FF2B5EF4-FFF2-40B4-BE49-F238E27FC236}">
-                <a16:creationId xmlns:a16="http://schemas.microsoft.com/office/drawing/2014/main" id="{9DAEF986-FC6E-2540-8868-F58DD833305B}"/>
-              </a:ext>
-            </a:extLst>
-          </p:cNvPr>
-          <p:cNvSpPr txBox="1"/>
-          <p:nvPr/>
-        </p:nvSpPr>
-        <p:spPr>
-          <a:xfrm>
-            <a:off x="170121" y="2858034"/>
-            <a:ext cx="11851758" cy="1323439"/>
-          </a:xfrm>
-          <a:prstGeom prst="rect">
-            <a:avLst/>
-          </a:prstGeom>
-          <a:noFill/>
-        </p:spPr>
-        <p:txBody>
-          <a:bodyPr wrap="square" rtlCol="0">
-            <a:spAutoFit/>
-          </a:bodyPr>
-          <a:lstStyle/>
-          <a:p>
-            <a:br>
-              <a:rPr lang="en-CA" sz="1600" dirty="0">
-                <a:latin typeface="Monaco" pitchFamily="2" charset="77"/>
-              </a:rPr>
-            </a:br>
-            <a:endParaRPr lang="en-CA" sz="1600" dirty="0">
-              <a:latin typeface="Monaco" pitchFamily="2" charset="77"/>
-            </a:endParaRPr>
-          </a:p>
-          <a:p>
-            <a:r>
-              <a:rPr lang="en-CA" sz="1600" dirty="0">
-                <a:latin typeface="Monaco" pitchFamily="2" charset="77"/>
-              </a:rPr>
-              <a:t>  50% of  50%   Submitted tests: correct - all submitted test pass. </a:t>
-            </a:r>
-          </a:p>
-          <a:p>
-            <a:r>
-              <a:rPr lang="en-CA" sz="1600" dirty="0">
-                <a:latin typeface="Monaco" pitchFamily="2" charset="77"/>
-              </a:rPr>
-              <a:t>   0% of  50%   Additional tests: incorrect - 3 autograder internal additional tests failed. </a:t>
-            </a:r>
-          </a:p>
-          <a:p>
-            <a:endParaRPr lang="en-US" sz="1600" dirty="0">
-              <a:latin typeface="Monaco" pitchFamily="2" charset="77"/>
-            </a:endParaRPr>
+              <a:t>figure it out from there</a:t>
+            </a:r>
           </a:p>
         </p:txBody>
       </p:sp>
     </p:spTree>
     <p:extLst>
       <p:ext uri="{BB962C8B-B14F-4D97-AF65-F5344CB8AC3E}">
-        <p14:creationId xmlns:p14="http://schemas.microsoft.com/office/powerpoint/2010/main" val="491170874"/>
+        <p14:creationId xmlns:p14="http://schemas.microsoft.com/office/powerpoint/2010/main" val="3377514866"/>
       </p:ext>
     </p:extLst>
   </p:cSld>
@@ -4130,7 +4094,7 @@
           <p:cNvPr id="2" name="Title 1">
             <a:extLst>
               <a:ext uri="{FF2B5EF4-FFF2-40B4-BE49-F238E27FC236}">
-                <a16:creationId xmlns:a16="http://schemas.microsoft.com/office/drawing/2014/main" id="{628B3CBF-7A18-F54F-92E2-B975D203BF2F}"/>
+                <a16:creationId xmlns:a16="http://schemas.microsoft.com/office/drawing/2014/main" id="{30EDED6A-0994-6C41-BD42-CD8F0E615378}"/>
               </a:ext>
             </a:extLst>
           </p:cNvPr>
@@ -4141,91 +4105,136 @@
             <p:ph type="title"/>
           </p:nvPr>
         </p:nvSpPr>
-        <p:spPr>
-          <a:xfrm>
-            <a:off x="838200" y="365125"/>
-            <a:ext cx="10515600" cy="1325563"/>
-          </a:xfrm>
-        </p:spPr>
+        <p:spPr/>
         <p:txBody>
           <a:bodyPr/>
           <a:lstStyle/>
           <a:p>
             <a:r>
               <a:rPr lang="en-US" dirty="0"/>
-              <a:t>Hopefully you also learned</a:t>
-            </a:r>
-          </a:p>
-        </p:txBody>
-      </p:sp>
-      <p:sp>
-        <p:nvSpPr>
-          <p:cNvPr id="3" name="Content Placeholder 2">
+              <a:t>Our last starter…</a:t>
+            </a:r>
+          </a:p>
+        </p:txBody>
+      </p:sp>
+      <p:sp>
+        <p:nvSpPr>
+          <p:cNvPr id="4" name="TextBox 3">
             <a:extLst>
               <a:ext uri="{FF2B5EF4-FFF2-40B4-BE49-F238E27FC236}">
-                <a16:creationId xmlns:a16="http://schemas.microsoft.com/office/drawing/2014/main" id="{22ACEF78-0A45-E74E-9B25-4DB16636EE7C}"/>
+                <a16:creationId xmlns:a16="http://schemas.microsoft.com/office/drawing/2014/main" id="{6A685CB8-FCB3-4040-9D05-4A07FCFABFF5}"/>
               </a:ext>
             </a:extLst>
           </p:cNvPr>
-          <p:cNvSpPr>
-            <a:spLocks noGrp="1"/>
-          </p:cNvSpPr>
-          <p:nvPr>
-            <p:ph idx="1"/>
-          </p:nvPr>
+          <p:cNvSpPr txBox="1"/>
+          <p:nvPr/>
         </p:nvSpPr>
         <p:spPr>
           <a:xfrm>
-            <a:off x="838200" y="1825625"/>
-            <a:ext cx="10515600" cy="4351338"/>
+            <a:off x="838200" y="2179674"/>
+            <a:ext cx="8304027" cy="4031873"/>
           </a:xfrm>
+          <a:prstGeom prst="rect">
+            <a:avLst/>
+          </a:prstGeom>
+          <a:noFill/>
         </p:spPr>
         <p:txBody>
-          <a:bodyPr/>
-          <a:lstStyle/>
-          <a:p>
-            <a:endParaRPr lang="en-US" dirty="0"/>
-          </a:p>
-          <a:p>
-            <a:r>
-              <a:rPr lang="en-US" dirty="0"/>
-              <a:t>that you can solve larger and harder problems than you thought</a:t>
-            </a:r>
-          </a:p>
-          <a:p>
-            <a:r>
-              <a:rPr lang="en-US" dirty="0"/>
-              <a:t>some of what it will take to solve harder and harder problems</a:t>
-            </a:r>
-          </a:p>
-          <a:p>
-            <a:endParaRPr lang="en-US" dirty="0"/>
-          </a:p>
-          <a:p>
-            <a:endParaRPr lang="en-US" dirty="0"/>
-          </a:p>
-          <a:p>
-            <a:endParaRPr lang="en-US" dirty="0"/>
-          </a:p>
-          <a:p>
-            <a:r>
-              <a:rPr lang="en-US" dirty="0"/>
-              <a:t>patience, attention to detail, humility are not small parts of it</a:t>
-            </a:r>
-          </a:p>
-          <a:p>
-            <a:pPr lvl="1"/>
-            <a:endParaRPr lang="en-US" dirty="0"/>
-          </a:p>
-          <a:p>
-            <a:endParaRPr lang="en-US" dirty="0"/>
+          <a:bodyPr wrap="square" rtlCol="0">
+            <a:spAutoFit/>
+          </a:bodyPr>
+          <a:lstStyle/>
+          <a:p>
+            <a:r>
+              <a:rPr lang="en-US" sz="3200" dirty="0">
+                <a:latin typeface="Monaco" pitchFamily="2" charset="77"/>
+              </a:rPr>
+              <a:t>//@template (</a:t>
+            </a:r>
+            <a:r>
+              <a:rPr lang="en-US" sz="3200" dirty="0" err="1">
+                <a:latin typeface="Monaco" pitchFamily="2" charset="77"/>
+              </a:rPr>
+              <a:t>listof</a:t>
+            </a:r>
+            <a:r>
+              <a:rPr lang="en-US" sz="3200" dirty="0">
+                <a:latin typeface="Monaco" pitchFamily="2" charset="77"/>
+              </a:rPr>
+              <a:t> X) w/ acc</a:t>
+            </a:r>
+          </a:p>
+          <a:p>
+            <a:r>
+              <a:rPr lang="en-US" sz="3200" dirty="0">
+                <a:latin typeface="Monaco" pitchFamily="2" charset="77"/>
+              </a:rPr>
+              <a:t>//@template [X, ..] w/ acc</a:t>
+            </a:r>
+          </a:p>
+          <a:p>
+            <a:r>
+              <a:rPr lang="en-US" sz="3200" dirty="0">
+                <a:latin typeface="Monaco" pitchFamily="2" charset="77"/>
+              </a:rPr>
+              <a:t>def </a:t>
+            </a:r>
+            <a:r>
+              <a:rPr lang="en-US" sz="3200" dirty="0" err="1">
+                <a:latin typeface="Monaco" pitchFamily="2" charset="77"/>
+              </a:rPr>
+              <a:t>fn</a:t>
+            </a:r>
+            <a:r>
+              <a:rPr lang="en-US" sz="3200" dirty="0">
+                <a:latin typeface="Monaco" pitchFamily="2" charset="77"/>
+              </a:rPr>
+              <a:t>(lox):</a:t>
+            </a:r>
+          </a:p>
+          <a:p>
+            <a:r>
+              <a:rPr lang="en-US" sz="3200" dirty="0">
+                <a:latin typeface="Monaco" pitchFamily="2" charset="77"/>
+              </a:rPr>
+              <a:t>    res = ...</a:t>
+            </a:r>
+          </a:p>
+          <a:p>
+            <a:r>
+              <a:rPr lang="en-US" sz="3200" dirty="0">
+                <a:latin typeface="Monaco" pitchFamily="2" charset="77"/>
+              </a:rPr>
+              <a:t>    for x in lox:</a:t>
+            </a:r>
+          </a:p>
+          <a:p>
+            <a:r>
+              <a:rPr lang="en-US" sz="3200" dirty="0">
+                <a:latin typeface="Monaco" pitchFamily="2" charset="77"/>
+              </a:rPr>
+              <a:t>        res = res...x</a:t>
+            </a:r>
+          </a:p>
+          <a:p>
+            <a:r>
+              <a:rPr lang="en-US" sz="3200" dirty="0">
+                <a:latin typeface="Monaco" pitchFamily="2" charset="77"/>
+              </a:rPr>
+              <a:t>    return ...x</a:t>
+            </a:r>
+          </a:p>
+          <a:p>
+            <a:endParaRPr lang="en-US" sz="3200" dirty="0">
+              <a:latin typeface="Monaco" pitchFamily="2" charset="77"/>
+            </a:endParaRPr>
           </a:p>
         </p:txBody>
       </p:sp>
     </p:spTree>
     <p:extLst>
       <p:ext uri="{BB962C8B-B14F-4D97-AF65-F5344CB8AC3E}">
-        <p14:creationId xmlns:p14="http://schemas.microsoft.com/office/powerpoint/2010/main" val="3995558550"/>
+        <p14:creationId xmlns:p14="http://schemas.microsoft.com/office/powerpoint/2010/main" val="2178470596"/>
       </p:ext>
     </p:extLst>
   </p:cSld>
@@ -5782,7 +5791,7 @@
           <a:p>
             <a:r>
               <a:rPr lang="en-US" dirty="0"/>
-              <a:t>A diversity of specializations: programming languages, software engineering, CS education, systems, graphics, HCI, machine learning, algorithms, numerical computation… and more</a:t>
+              <a:t>A diversity of specializations: programming languages, software engineering, systems, graphics, HCI, machine learning, algorithms, numerical computation, CS education, … and more</a:t>
             </a:r>
           </a:p>
           <a:p>
@@ -5958,7 +5967,7 @@
           <p:cNvPr id="2" name="Title 1">
             <a:extLst>
               <a:ext uri="{FF2B5EF4-FFF2-40B4-BE49-F238E27FC236}">
-                <a16:creationId xmlns:a16="http://schemas.microsoft.com/office/drawing/2014/main" id="{30EDED6A-0994-6C41-BD42-CD8F0E615378}"/>
+                <a16:creationId xmlns:a16="http://schemas.microsoft.com/office/drawing/2014/main" id="{628B3CBF-7A18-F54F-92E2-B975D203BF2F}"/>
               </a:ext>
             </a:extLst>
           </p:cNvPr>
@@ -5976,7 +5985,7 @@
           <a:p>
             <a:r>
               <a:rPr lang="en-US" dirty="0"/>
-              <a:t>Other languages</a:t>
+              <a:t>What have you learned ... about design?</a:t>
             </a:r>
           </a:p>
         </p:txBody>
@@ -5986,7 +5995,7 @@
           <p:cNvPr id="3" name="Content Placeholder 2">
             <a:extLst>
               <a:ext uri="{FF2B5EF4-FFF2-40B4-BE49-F238E27FC236}">
-                <a16:creationId xmlns:a16="http://schemas.microsoft.com/office/drawing/2014/main" id="{4E5B8446-E292-8F48-BACA-ECAF7A46BEB1}"/>
+                <a16:creationId xmlns:a16="http://schemas.microsoft.com/office/drawing/2014/main" id="{22ACEF78-0A45-E74E-9B25-4DB16636EE7C}"/>
               </a:ext>
             </a:extLst>
           </p:cNvPr>
@@ -5997,63 +6006,56 @@
             <p:ph idx="1"/>
           </p:nvPr>
         </p:nvSpPr>
-        <p:spPr>
-          <a:xfrm>
-            <a:off x="838199" y="1825625"/>
-            <a:ext cx="11029749" cy="4351338"/>
-          </a:xfrm>
-        </p:spPr>
+        <p:spPr/>
         <p:txBody>
           <a:bodyPr/>
           <a:lstStyle/>
           <a:p>
             <a:r>
-              <a:rPr lang="en-US" dirty="0"/>
-              <a:t>Everything you’ve learned in 110 works in other languages</a:t>
-            </a:r>
+              <a:rPr lang="en-US" sz="3600" dirty="0"/>
+              <a:t>Figuring out what you actually want is half the battle</a:t>
+            </a:r>
+          </a:p>
+          <a:p>
+            <a:endParaRPr lang="en-US" dirty="0"/>
           </a:p>
           <a:p>
             <a:pPr lvl="1"/>
             <a:r>
               <a:rPr lang="en-US" dirty="0"/>
-              <a:t>data design, function design, tests, templates…</a:t>
+              <a:t>signature</a:t>
             </a:r>
           </a:p>
           <a:p>
             <a:pPr lvl="1"/>
             <a:r>
               <a:rPr lang="en-US" dirty="0"/>
-              <a:t>above all, working systematically to narrow the gap between problem and solution</a:t>
-            </a:r>
-          </a:p>
-          <a:p>
+              <a:t>purpose</a:t>
+            </a:r>
+          </a:p>
+          <a:p>
+            <a:pPr lvl="1"/>
+            <a:r>
+              <a:rPr lang="en-US" dirty="0"/>
+              <a:t>examples (wrapped in check-expect)</a:t>
+            </a:r>
+          </a:p>
+          <a:p>
+            <a:pPr lvl="1"/>
             <a:endParaRPr lang="en-US" dirty="0"/>
           </a:p>
           <a:p>
-            <a:r>
-              <a:rPr lang="en-US" dirty="0"/>
-              <a:t>Learn new languages by reading code</a:t>
-            </a:r>
-          </a:p>
-          <a:p>
             <a:pPr lvl="1"/>
             <a:r>
               <a:rPr lang="en-US" dirty="0"/>
-              <a:t>find code that “must do X”</a:t>
+              <a:t>information examples</a:t>
             </a:r>
           </a:p>
           <a:p>
             <a:pPr lvl="1"/>
             <a:r>
               <a:rPr lang="en-US" dirty="0"/>
-              <a:t>use what you know to understand the chunks (the templates)</a:t>
-            </a:r>
-          </a:p>
-          <a:p>
-            <a:pPr lvl="1"/>
-            <a:r>
-              <a:rPr lang="en-US" dirty="0"/>
-              <a:t>figure it out from there</a:t>
+              <a:t>interpretation</a:t>
             </a:r>
           </a:p>
         </p:txBody>
@@ -6061,7 +6063,7 @@
     </p:spTree>
     <p:extLst>
       <p:ext uri="{BB962C8B-B14F-4D97-AF65-F5344CB8AC3E}">
-        <p14:creationId xmlns:p14="http://schemas.microsoft.com/office/powerpoint/2010/main" val="1327172558"/>
+        <p14:creationId xmlns:p14="http://schemas.microsoft.com/office/powerpoint/2010/main" val="861622272"/>
       </p:ext>
     </p:extLst>
   </p:cSld>
@@ -6093,7 +6095,7 @@
           <p:cNvPr id="2" name="Title 1">
             <a:extLst>
               <a:ext uri="{FF2B5EF4-FFF2-40B4-BE49-F238E27FC236}">
-                <a16:creationId xmlns:a16="http://schemas.microsoft.com/office/drawing/2014/main" id="{30EDED6A-0994-6C41-BD42-CD8F0E615378}"/>
+                <a16:creationId xmlns:a16="http://schemas.microsoft.com/office/drawing/2014/main" id="{628B3CBF-7A18-F54F-92E2-B975D203BF2F}"/>
               </a:ext>
             </a:extLst>
           </p:cNvPr>
@@ -6111,8 +6113,83 @@
           <a:p>
             <a:r>
               <a:rPr lang="en-US" dirty="0"/>
-              <a:t>Our last starter…</a:t>
-            </a:r>
+              <a:t>What have you learned ... about design?</a:t>
+            </a:r>
+          </a:p>
+        </p:txBody>
+      </p:sp>
+      <p:sp>
+        <p:nvSpPr>
+          <p:cNvPr id="3" name="Content Placeholder 2">
+            <a:extLst>
+              <a:ext uri="{FF2B5EF4-FFF2-40B4-BE49-F238E27FC236}">
+                <a16:creationId xmlns:a16="http://schemas.microsoft.com/office/drawing/2014/main" id="{22ACEF78-0A45-E74E-9B25-4DB16636EE7C}"/>
+              </a:ext>
+            </a:extLst>
+          </p:cNvPr>
+          <p:cNvSpPr>
+            <a:spLocks noGrp="1"/>
+          </p:cNvSpPr>
+          <p:nvPr>
+            <p:ph idx="1"/>
+          </p:nvPr>
+        </p:nvSpPr>
+        <p:spPr/>
+        <p:txBody>
+          <a:bodyPr/>
+          <a:lstStyle/>
+          <a:p>
+            <a:r>
+              <a:rPr lang="en-US" sz="3600" dirty="0"/>
+              <a:t>then the structure of the solution</a:t>
+            </a:r>
+          </a:p>
+          <a:p>
+            <a:endParaRPr lang="en-US" dirty="0"/>
+          </a:p>
+          <a:p>
+            <a:pPr lvl="1"/>
+            <a:r>
+              <a:rPr lang="en-US" dirty="0"/>
+              <a:t>template origins</a:t>
+            </a:r>
+          </a:p>
+          <a:p>
+            <a:pPr lvl="1"/>
+            <a:r>
+              <a:rPr lang="en-US" dirty="0"/>
+              <a:t>accumulator types and invariants</a:t>
+            </a:r>
+          </a:p>
+          <a:p>
+            <a:pPr lvl="1"/>
+            <a:endParaRPr lang="en-US" dirty="0"/>
+          </a:p>
+          <a:p>
+            <a:r>
+              <a:rPr lang="en-US" sz="3600" dirty="0"/>
+              <a:t>and the details</a:t>
+            </a:r>
+          </a:p>
+          <a:p>
+            <a:endParaRPr lang="en-US" dirty="0"/>
+          </a:p>
+          <a:p>
+            <a:pPr lvl="1"/>
+            <a:r>
+              <a:rPr lang="en-US" dirty="0"/>
+              <a:t>fill in … according to all above</a:t>
+            </a:r>
+          </a:p>
+          <a:p>
+            <a:pPr lvl="1"/>
+            <a:r>
+              <a:rPr lang="en-US" dirty="0"/>
+              <a:t>debug</a:t>
+            </a:r>
+          </a:p>
+          <a:p>
+            <a:endParaRPr lang="en-US" dirty="0"/>
           </a:p>
         </p:txBody>
       </p:sp>
@@ -6121,7 +6198,7 @@
           <p:cNvPr id="4" name="TextBox 3">
             <a:extLst>
               <a:ext uri="{FF2B5EF4-FFF2-40B4-BE49-F238E27FC236}">
-                <a16:creationId xmlns:a16="http://schemas.microsoft.com/office/drawing/2014/main" id="{6A685CB8-FCB3-4040-9D05-4A07FCFABFF5}"/>
+                <a16:creationId xmlns:a16="http://schemas.microsoft.com/office/drawing/2014/main" id="{A5490351-7D8A-D040-AC37-B7B0B88C93A9}"/>
               </a:ext>
             </a:extLst>
           </p:cNvPr>
@@ -6130,8 +6207,8 @@
         </p:nvSpPr>
         <p:spPr>
           <a:xfrm>
-            <a:off x="838200" y="2179674"/>
-            <a:ext cx="8304027" cy="3539430"/>
+            <a:off x="7506586" y="5653743"/>
+            <a:ext cx="4391245" cy="523220"/>
           </a:xfrm>
           <a:prstGeom prst="rect">
             <a:avLst/>
@@ -6145,87 +6222,18 @@
           <a:lstStyle/>
           <a:p>
             <a:r>
-              <a:rPr lang="en-US" sz="3200" dirty="0">
+              <a:rPr lang="en-US" sz="2800" dirty="0">
                 <a:latin typeface="Monaco" pitchFamily="2" charset="77"/>
               </a:rPr>
-              <a:t>//@template (</a:t>
-            </a:r>
-            <a:r>
-              <a:rPr lang="en-US" sz="3200" dirty="0" err="1">
-                <a:latin typeface="Monaco" pitchFamily="2" charset="77"/>
-              </a:rPr>
-              <a:t>listof</a:t>
-            </a:r>
-            <a:r>
-              <a:rPr lang="en-US" sz="3200" dirty="0">
-                <a:latin typeface="Monaco" pitchFamily="2" charset="77"/>
-              </a:rPr>
-              <a:t> X) w/ acc</a:t>
-            </a:r>
-          </a:p>
-          <a:p>
-            <a:r>
-              <a:rPr lang="en-US" sz="3200" dirty="0">
-                <a:latin typeface="Monaco" pitchFamily="2" charset="77"/>
-              </a:rPr>
-              <a:t>def </a:t>
-            </a:r>
-            <a:r>
-              <a:rPr lang="en-US" sz="3200" dirty="0" err="1">
-                <a:latin typeface="Monaco" pitchFamily="2" charset="77"/>
-              </a:rPr>
-              <a:t>fn</a:t>
-            </a:r>
-            <a:r>
-              <a:rPr lang="en-US" sz="3200" dirty="0">
-                <a:latin typeface="Monaco" pitchFamily="2" charset="77"/>
-              </a:rPr>
-              <a:t>(lox):</a:t>
-            </a:r>
-          </a:p>
-          <a:p>
-            <a:r>
-              <a:rPr lang="en-US" sz="3200" dirty="0">
-                <a:latin typeface="Monaco" pitchFamily="2" charset="77"/>
-              </a:rPr>
-              <a:t>    res = ...</a:t>
-            </a:r>
-          </a:p>
-          <a:p>
-            <a:r>
-              <a:rPr lang="en-US" sz="3200" dirty="0">
-                <a:latin typeface="Monaco" pitchFamily="2" charset="77"/>
-              </a:rPr>
-              <a:t>    for x in lox:</a:t>
-            </a:r>
-          </a:p>
-          <a:p>
-            <a:r>
-              <a:rPr lang="en-US" sz="3200" dirty="0">
-                <a:latin typeface="Monaco" pitchFamily="2" charset="77"/>
-              </a:rPr>
-              <a:t>        res = res...x</a:t>
-            </a:r>
-          </a:p>
-          <a:p>
-            <a:r>
-              <a:rPr lang="en-US" sz="3200" dirty="0">
-                <a:latin typeface="Monaco" pitchFamily="2" charset="77"/>
-              </a:rPr>
-              <a:t>    return ...x</a:t>
-            </a:r>
-          </a:p>
-          <a:p>
-            <a:endParaRPr lang="en-US" sz="3200" dirty="0">
-              <a:latin typeface="Monaco" pitchFamily="2" charset="77"/>
-            </a:endParaRPr>
+              <a:t>All 5 tests pass!</a:t>
+            </a:r>
           </a:p>
         </p:txBody>
       </p:sp>
     </p:spTree>
     <p:extLst>
       <p:ext uri="{BB962C8B-B14F-4D97-AF65-F5344CB8AC3E}">
-        <p14:creationId xmlns:p14="http://schemas.microsoft.com/office/powerpoint/2010/main" val="358398739"/>
+        <p14:creationId xmlns:p14="http://schemas.microsoft.com/office/powerpoint/2010/main" val="406896256"/>
       </p:ext>
     </p:extLst>
   </p:cSld>

--- a/instructor/l23/lec23-wrap.pptx
+++ b/instructor/l23/lec23-wrap.pptx
@@ -5,32 +5,34 @@
     <p:sldMasterId id="2147483648" r:id="rId1"/>
   </p:sldMasterIdLst>
   <p:notesMasterIdLst>
-    <p:notesMasterId r:id="rId22"/>
+    <p:notesMasterId r:id="rId24"/>
   </p:notesMasterIdLst>
   <p:handoutMasterIdLst>
-    <p:handoutMasterId r:id="rId23"/>
+    <p:handoutMasterId r:id="rId25"/>
   </p:handoutMasterIdLst>
   <p:sldIdLst>
-    <p:sldId id="288" r:id="rId2"/>
+    <p:sldId id="292" r:id="rId2"/>
     <p:sldId id="284" r:id="rId3"/>
     <p:sldId id="285" r:id="rId4"/>
     <p:sldId id="286" r:id="rId5"/>
     <p:sldId id="266" r:id="rId6"/>
-    <p:sldId id="287" r:id="rId7"/>
-    <p:sldId id="272" r:id="rId8"/>
-    <p:sldId id="278" r:id="rId9"/>
-    <p:sldId id="279" r:id="rId10"/>
-    <p:sldId id="280" r:id="rId11"/>
-    <p:sldId id="281" r:id="rId12"/>
-    <p:sldId id="276" r:id="rId13"/>
-    <p:sldId id="277" r:id="rId14"/>
-    <p:sldId id="259" r:id="rId15"/>
-    <p:sldId id="256" r:id="rId16"/>
-    <p:sldId id="282" r:id="rId17"/>
-    <p:sldId id="260" r:id="rId18"/>
+    <p:sldId id="272" r:id="rId7"/>
+    <p:sldId id="278" r:id="rId8"/>
+    <p:sldId id="279" r:id="rId9"/>
+    <p:sldId id="280" r:id="rId10"/>
+    <p:sldId id="281" r:id="rId11"/>
+    <p:sldId id="276" r:id="rId12"/>
+    <p:sldId id="277" r:id="rId13"/>
+    <p:sldId id="259" r:id="rId14"/>
+    <p:sldId id="256" r:id="rId15"/>
+    <p:sldId id="282" r:id="rId16"/>
+    <p:sldId id="290" r:id="rId17"/>
+    <p:sldId id="289" r:id="rId18"/>
     <p:sldId id="283" r:id="rId19"/>
-    <p:sldId id="264" r:id="rId20"/>
-    <p:sldId id="275" r:id="rId21"/>
+    <p:sldId id="291" r:id="rId20"/>
+    <p:sldId id="293" r:id="rId21"/>
+    <p:sldId id="264" r:id="rId22"/>
+    <p:sldId id="275" r:id="rId23"/>
   </p:sldIdLst>
   <p:sldSz cx="12192000" cy="6858000"/>
   <p:notesSz cx="6858000" cy="9144000"/>
@@ -231,7 +233,7 @@
           <a:p>
             <a:fld id="{840221F2-9221-C947-8AA1-B2ECA6CA3F5F}" type="datetimeFigureOut">
               <a:rPr lang="en-US" smtClean="0"/>
-              <a:t>12/4/23</a:t>
+              <a:t>12/6/23</a:t>
             </a:fld>
             <a:endParaRPr lang="en-US"/>
           </a:p>
@@ -408,7 +410,7 @@
           <a:p>
             <a:fld id="{C6FAA5DE-27F5-9745-9CE3-8D5124841CBB}" type="datetimeFigureOut">
               <a:rPr lang="en-US" smtClean="0"/>
-              <a:t>12/4/23</a:t>
+              <a:t>12/6/23</a:t>
             </a:fld>
             <a:endParaRPr lang="en-US"/>
           </a:p>
@@ -740,7 +742,7 @@
           <a:p>
             <a:fld id="{0C7229E6-C67A-E449-A6EE-0F1EA2469FC1}" type="slidenum">
               <a:rPr lang="en-US" smtClean="0"/>
-              <a:t>19</a:t>
+              <a:t>21</a:t>
             </a:fld>
             <a:endParaRPr lang="en-US"/>
           </a:p>
@@ -888,7 +890,7 @@
           <a:p>
             <a:fld id="{43C25A20-5354-3B46-B5A4-C1220A4644A2}" type="datetimeFigureOut">
               <a:rPr lang="en-US" smtClean="0"/>
-              <a:t>12/4/23</a:t>
+              <a:t>12/6/23</a:t>
             </a:fld>
             <a:endParaRPr lang="en-US"/>
           </a:p>
@@ -1056,7 +1058,7 @@
           <a:p>
             <a:fld id="{43C25A20-5354-3B46-B5A4-C1220A4644A2}" type="datetimeFigureOut">
               <a:rPr lang="en-US" smtClean="0"/>
-              <a:t>12/4/23</a:t>
+              <a:t>12/6/23</a:t>
             </a:fld>
             <a:endParaRPr lang="en-US"/>
           </a:p>
@@ -1234,7 +1236,7 @@
           <a:p>
             <a:fld id="{43C25A20-5354-3B46-B5A4-C1220A4644A2}" type="datetimeFigureOut">
               <a:rPr lang="en-US" smtClean="0"/>
-              <a:t>12/4/23</a:t>
+              <a:t>12/6/23</a:t>
             </a:fld>
             <a:endParaRPr lang="en-US"/>
           </a:p>
@@ -1402,7 +1404,7 @@
           <a:p>
             <a:fld id="{43C25A20-5354-3B46-B5A4-C1220A4644A2}" type="datetimeFigureOut">
               <a:rPr lang="en-US" smtClean="0"/>
-              <a:t>12/4/23</a:t>
+              <a:t>12/6/23</a:t>
             </a:fld>
             <a:endParaRPr lang="en-US"/>
           </a:p>
@@ -1647,7 +1649,7 @@
           <a:p>
             <a:fld id="{43C25A20-5354-3B46-B5A4-C1220A4644A2}" type="datetimeFigureOut">
               <a:rPr lang="en-US" smtClean="0"/>
-              <a:t>12/4/23</a:t>
+              <a:t>12/6/23</a:t>
             </a:fld>
             <a:endParaRPr lang="en-US"/>
           </a:p>
@@ -1876,7 +1878,7 @@
           <a:p>
             <a:fld id="{43C25A20-5354-3B46-B5A4-C1220A4644A2}" type="datetimeFigureOut">
               <a:rPr lang="en-US" smtClean="0"/>
-              <a:t>12/4/23</a:t>
+              <a:t>12/6/23</a:t>
             </a:fld>
             <a:endParaRPr lang="en-US"/>
           </a:p>
@@ -2240,7 +2242,7 @@
           <a:p>
             <a:fld id="{43C25A20-5354-3B46-B5A4-C1220A4644A2}" type="datetimeFigureOut">
               <a:rPr lang="en-US" smtClean="0"/>
-              <a:t>12/4/23</a:t>
+              <a:t>12/6/23</a:t>
             </a:fld>
             <a:endParaRPr lang="en-US"/>
           </a:p>
@@ -2357,7 +2359,7 @@
           <a:p>
             <a:fld id="{43C25A20-5354-3B46-B5A4-C1220A4644A2}" type="datetimeFigureOut">
               <a:rPr lang="en-US" smtClean="0"/>
-              <a:t>12/4/23</a:t>
+              <a:t>12/6/23</a:t>
             </a:fld>
             <a:endParaRPr lang="en-US"/>
           </a:p>
@@ -2452,7 +2454,7 @@
           <a:p>
             <a:fld id="{43C25A20-5354-3B46-B5A4-C1220A4644A2}" type="datetimeFigureOut">
               <a:rPr lang="en-US" smtClean="0"/>
-              <a:t>12/4/23</a:t>
+              <a:t>12/6/23</a:t>
             </a:fld>
             <a:endParaRPr lang="en-US"/>
           </a:p>
@@ -2727,7 +2729,7 @@
           <a:p>
             <a:fld id="{43C25A20-5354-3B46-B5A4-C1220A4644A2}" type="datetimeFigureOut">
               <a:rPr lang="en-US" smtClean="0"/>
-              <a:t>12/4/23</a:t>
+              <a:t>12/6/23</a:t>
             </a:fld>
             <a:endParaRPr lang="en-US"/>
           </a:p>
@@ -2979,7 +2981,7 @@
           <a:p>
             <a:fld id="{43C25A20-5354-3B46-B5A4-C1220A4644A2}" type="datetimeFigureOut">
               <a:rPr lang="en-US" smtClean="0"/>
-              <a:t>12/4/23</a:t>
+              <a:t>12/6/23</a:t>
             </a:fld>
             <a:endParaRPr lang="en-US"/>
           </a:p>
@@ -3190,7 +3192,7 @@
           <a:p>
             <a:fld id="{43C25A20-5354-3B46-B5A4-C1220A4644A2}" type="datetimeFigureOut">
               <a:rPr lang="en-US" smtClean="0"/>
-              <a:t>12/4/23</a:t>
+              <a:t>12/6/23</a:t>
             </a:fld>
             <a:endParaRPr lang="en-US"/>
           </a:p>
@@ -3595,10 +3597,56 @@
           <a:chExt cx="0" cy="0"/>
         </a:xfrm>
       </p:grpSpPr>
+      <p:sp>
+        <p:nvSpPr>
+          <p:cNvPr id="2" name="Title 1">
+            <a:extLst>
+              <a:ext uri="{FF2B5EF4-FFF2-40B4-BE49-F238E27FC236}">
+                <a16:creationId xmlns:a16="http://schemas.microsoft.com/office/drawing/2014/main" id="{F0F6F5A2-0E5D-D7F9-6CE9-ECBFB496FC2B}"/>
+              </a:ext>
+            </a:extLst>
+          </p:cNvPr>
+          <p:cNvSpPr>
+            <a:spLocks noGrp="1"/>
+          </p:cNvSpPr>
+          <p:nvPr>
+            <p:ph type="title"/>
+          </p:nvPr>
+        </p:nvSpPr>
+        <p:spPr>
+          <a:xfrm>
+            <a:off x="838200" y="2385058"/>
+            <a:ext cx="10515600" cy="1980879"/>
+          </a:xfrm>
+        </p:spPr>
+        <p:txBody>
+          <a:bodyPr>
+            <a:normAutofit fontScale="90000"/>
+          </a:bodyPr>
+          <a:lstStyle/>
+          <a:p>
+            <a:r>
+              <a:rPr lang="en-US" sz="9600" dirty="0"/>
+              <a:t>Lecture 23</a:t>
+            </a:r>
+            <a:br>
+              <a:rPr lang="en-US" sz="9600" dirty="0"/>
+            </a:br>
+            <a:br>
+              <a:rPr lang="en-US" sz="6000" dirty="0"/>
+            </a:br>
+            <a:r>
+              <a:rPr lang="en-US" sz="6000" dirty="0"/>
+              <a:t>and then we were done</a:t>
+            </a:r>
+            <a:endParaRPr lang="en-US" sz="9600" dirty="0"/>
+          </a:p>
+        </p:txBody>
+      </p:sp>
     </p:spTree>
     <p:extLst>
       <p:ext uri="{BB962C8B-B14F-4D97-AF65-F5344CB8AC3E}">
-        <p14:creationId xmlns:p14="http://schemas.microsoft.com/office/powerpoint/2010/main" val="1685011336"/>
+        <p14:creationId xmlns:p14="http://schemas.microsoft.com/office/powerpoint/2010/main" val="3557917577"/>
       </p:ext>
     </p:extLst>
   </p:cSld>
@@ -3641,14 +3689,19 @@
             <p:ph type="title"/>
           </p:nvPr>
         </p:nvSpPr>
-        <p:spPr/>
+        <p:spPr>
+          <a:xfrm>
+            <a:off x="838200" y="365125"/>
+            <a:ext cx="10515600" cy="1325563"/>
+          </a:xfrm>
+        </p:spPr>
         <p:txBody>
           <a:bodyPr/>
           <a:lstStyle/>
           <a:p>
             <a:r>
               <a:rPr lang="en-US" dirty="0"/>
-              <a:t>What have you learned ... about design?</a:t>
+              <a:t>Hopefully you also learned</a:t>
             </a:r>
           </a:p>
         </p:txBody>
@@ -3672,24 +3725,28 @@
         <p:spPr>
           <a:xfrm>
             <a:off x="838200" y="1825625"/>
-            <a:ext cx="10515600" cy="4830356"/>
+            <a:ext cx="10515600" cy="4351338"/>
           </a:xfrm>
         </p:spPr>
         <p:txBody>
-          <a:bodyPr>
-            <a:normAutofit/>
-          </a:bodyPr>
-          <a:lstStyle/>
-          <a:p>
-            <a:r>
-              <a:rPr lang="en-US" sz="3600" dirty="0"/>
-              <a:t>but sometimes</a:t>
-            </a:r>
-          </a:p>
+          <a:bodyPr/>
+          <a:lstStyle/>
           <a:p>
             <a:endParaRPr lang="en-US" dirty="0"/>
           </a:p>
           <a:p>
+            <a:r>
+              <a:rPr lang="en-US" dirty="0"/>
+              <a:t>that you can solve larger and harder problems than you thought</a:t>
+            </a:r>
+          </a:p>
+          <a:p>
+            <a:r>
+              <a:rPr lang="en-US" dirty="0"/>
+              <a:t>some of what it will take to solve harder and harder problems</a:t>
+            </a:r>
+          </a:p>
+          <a:p>
             <a:endParaRPr lang="en-US" dirty="0"/>
           </a:p>
           <a:p>
@@ -3699,27 +3756,9 @@
             <a:endParaRPr lang="en-US" dirty="0"/>
           </a:p>
           <a:p>
-            <a:endParaRPr lang="en-US" dirty="0"/>
-          </a:p>
-          <a:p>
-            <a:pPr lvl="1"/>
-            <a:r>
-              <a:rPr lang="en-US" dirty="0"/>
-              <a:t>despite your best efforts</a:t>
-            </a:r>
-          </a:p>
-          <a:p>
-            <a:pPr lvl="1"/>
-            <a:r>
-              <a:rPr lang="en-US" dirty="0"/>
-              <a:t>what you end up with is not what you really wanted</a:t>
-            </a:r>
-          </a:p>
-          <a:p>
-            <a:pPr lvl="1"/>
-            <a:r>
-              <a:rPr lang="en-US" dirty="0"/>
-              <a:t>go back and systematically revise the design, and learn from that error</a:t>
+            <a:r>
+              <a:rPr lang="en-US" dirty="0"/>
+              <a:t>patience, attention to detail, humility are important parts of it</a:t>
             </a:r>
           </a:p>
           <a:p>
@@ -3727,80 +3766,14 @@
             <a:endParaRPr lang="en-US" dirty="0"/>
           </a:p>
           <a:p>
-            <a:pPr marL="457200" lvl="1" indent="0">
-              <a:buNone/>
-            </a:pPr>
             <a:endParaRPr lang="en-US" dirty="0"/>
-          </a:p>
-          <a:p>
-            <a:endParaRPr lang="en-US" dirty="0"/>
-          </a:p>
-        </p:txBody>
-      </p:sp>
-      <p:sp>
-        <p:nvSpPr>
-          <p:cNvPr id="4" name="TextBox 3">
-            <a:extLst>
-              <a:ext uri="{FF2B5EF4-FFF2-40B4-BE49-F238E27FC236}">
-                <a16:creationId xmlns:a16="http://schemas.microsoft.com/office/drawing/2014/main" id="{9DAEF986-FC6E-2540-8868-F58DD833305B}"/>
-              </a:ext>
-            </a:extLst>
-          </p:cNvPr>
-          <p:cNvSpPr txBox="1"/>
-          <p:nvPr/>
-        </p:nvSpPr>
-        <p:spPr>
-          <a:xfrm>
-            <a:off x="170121" y="2858034"/>
-            <a:ext cx="11851758" cy="1323439"/>
-          </a:xfrm>
-          <a:prstGeom prst="rect">
-            <a:avLst/>
-          </a:prstGeom>
-          <a:noFill/>
-        </p:spPr>
-        <p:txBody>
-          <a:bodyPr wrap="square" rtlCol="0">
-            <a:spAutoFit/>
-          </a:bodyPr>
-          <a:lstStyle/>
-          <a:p>
-            <a:br>
-              <a:rPr lang="en-CA" sz="1600" dirty="0">
-                <a:latin typeface="Monaco" pitchFamily="2" charset="77"/>
-              </a:rPr>
-            </a:br>
-            <a:endParaRPr lang="en-CA" sz="1600" dirty="0">
-              <a:latin typeface="Monaco" pitchFamily="2" charset="77"/>
-            </a:endParaRPr>
-          </a:p>
-          <a:p>
-            <a:r>
-              <a:rPr lang="en-CA" sz="1600" dirty="0">
-                <a:latin typeface="Monaco" pitchFamily="2" charset="77"/>
-              </a:rPr>
-              <a:t>  50% of  50%   Submitted tests: correct - all submitted test pass. </a:t>
-            </a:r>
-          </a:p>
-          <a:p>
-            <a:r>
-              <a:rPr lang="en-CA" sz="1600" dirty="0">
-                <a:latin typeface="Monaco" pitchFamily="2" charset="77"/>
-              </a:rPr>
-              <a:t>   0% of  50%   Additional tests: incorrect - 3 autograder internal additional tests failed. </a:t>
-            </a:r>
-          </a:p>
-          <a:p>
-            <a:endParaRPr lang="en-US" sz="1600" dirty="0">
-              <a:latin typeface="Monaco" pitchFamily="2" charset="77"/>
-            </a:endParaRPr>
           </a:p>
         </p:txBody>
       </p:sp>
     </p:spTree>
     <p:extLst>
       <p:ext uri="{BB962C8B-B14F-4D97-AF65-F5344CB8AC3E}">
-        <p14:creationId xmlns:p14="http://schemas.microsoft.com/office/powerpoint/2010/main" val="491170874"/>
+        <p14:creationId xmlns:p14="http://schemas.microsoft.com/office/powerpoint/2010/main" val="3995558550"/>
       </p:ext>
     </p:extLst>
   </p:cSld>
@@ -3832,7 +3805,7 @@
           <p:cNvPr id="2" name="Title 1">
             <a:extLst>
               <a:ext uri="{FF2B5EF4-FFF2-40B4-BE49-F238E27FC236}">
-                <a16:creationId xmlns:a16="http://schemas.microsoft.com/office/drawing/2014/main" id="{628B3CBF-7A18-F54F-92E2-B975D203BF2F}"/>
+                <a16:creationId xmlns:a16="http://schemas.microsoft.com/office/drawing/2014/main" id="{30EDED6A-0994-6C41-BD42-CD8F0E615378}"/>
               </a:ext>
             </a:extLst>
           </p:cNvPr>
@@ -3843,19 +3816,14 @@
             <p:ph type="title"/>
           </p:nvPr>
         </p:nvSpPr>
-        <p:spPr>
-          <a:xfrm>
-            <a:off x="838200" y="365125"/>
-            <a:ext cx="10515600" cy="1325563"/>
-          </a:xfrm>
-        </p:spPr>
+        <p:spPr/>
         <p:txBody>
           <a:bodyPr/>
           <a:lstStyle/>
           <a:p>
             <a:r>
               <a:rPr lang="en-US" dirty="0"/>
-              <a:t>Hopefully you also learned</a:t>
+              <a:t>Other languages</a:t>
             </a:r>
           </a:p>
         </p:txBody>
@@ -3865,7 +3833,7 @@
           <p:cNvPr id="3" name="Content Placeholder 2">
             <a:extLst>
               <a:ext uri="{FF2B5EF4-FFF2-40B4-BE49-F238E27FC236}">
-                <a16:creationId xmlns:a16="http://schemas.microsoft.com/office/drawing/2014/main" id="{22ACEF78-0A45-E74E-9B25-4DB16636EE7C}"/>
+                <a16:creationId xmlns:a16="http://schemas.microsoft.com/office/drawing/2014/main" id="{4E5B8446-E292-8F48-BACA-ECAF7A46BEB1}"/>
               </a:ext>
             </a:extLst>
           </p:cNvPr>
@@ -3878,56 +3846,69 @@
         </p:nvSpPr>
         <p:spPr>
           <a:xfrm>
-            <a:off x="838200" y="1825625"/>
-            <a:ext cx="10515600" cy="4351338"/>
+            <a:off x="838199" y="1825625"/>
+            <a:ext cx="11029749" cy="4351338"/>
           </a:xfrm>
         </p:spPr>
         <p:txBody>
           <a:bodyPr/>
           <a:lstStyle/>
           <a:p>
+            <a:r>
+              <a:rPr lang="en-US" dirty="0"/>
+              <a:t>Everything you’ve learned in 110 works in other languages</a:t>
+            </a:r>
+          </a:p>
+          <a:p>
+            <a:pPr lvl="1"/>
+            <a:r>
+              <a:rPr lang="en-US" dirty="0"/>
+              <a:t>data design, function design, tests, templates…</a:t>
+            </a:r>
+          </a:p>
+          <a:p>
+            <a:pPr lvl="1"/>
+            <a:r>
+              <a:rPr lang="en-US" dirty="0"/>
+              <a:t>above all, working systematically to narrow the gap between problem and solution</a:t>
+            </a:r>
+          </a:p>
+          <a:p>
             <a:endParaRPr lang="en-US" dirty="0"/>
           </a:p>
           <a:p>
             <a:r>
               <a:rPr lang="en-US" dirty="0"/>
-              <a:t>that you can solve larger and harder problems than you thought</a:t>
-            </a:r>
-          </a:p>
-          <a:p>
-            <a:r>
-              <a:rPr lang="en-US" dirty="0"/>
-              <a:t>some of what it will take to solve harder and harder problems</a:t>
-            </a:r>
-          </a:p>
-          <a:p>
-            <a:endParaRPr lang="en-US" dirty="0"/>
-          </a:p>
-          <a:p>
-            <a:endParaRPr lang="en-US" dirty="0"/>
-          </a:p>
-          <a:p>
-            <a:endParaRPr lang="en-US" dirty="0"/>
-          </a:p>
-          <a:p>
-            <a:r>
-              <a:rPr lang="en-US" dirty="0"/>
-              <a:t>patience, attention to detail, humility are important parts of it</a:t>
+              <a:t>Learn new languages by reading code</a:t>
             </a:r>
           </a:p>
           <a:p>
             <a:pPr lvl="1"/>
-            <a:endParaRPr lang="en-US" dirty="0"/>
-          </a:p>
-          <a:p>
-            <a:endParaRPr lang="en-US" dirty="0"/>
+            <a:r>
+              <a:rPr lang="en-US" dirty="0"/>
+              <a:t>find code that “must do X”</a:t>
+            </a:r>
+          </a:p>
+          <a:p>
+            <a:pPr lvl="1"/>
+            <a:r>
+              <a:rPr lang="en-US" dirty="0"/>
+              <a:t>use what you know to understand the chunks (the templates)</a:t>
+            </a:r>
+          </a:p>
+          <a:p>
+            <a:pPr lvl="1"/>
+            <a:r>
+              <a:rPr lang="en-US" dirty="0"/>
+              <a:t>figure it out from there</a:t>
+            </a:r>
           </a:p>
         </p:txBody>
       </p:sp>
     </p:spTree>
     <p:extLst>
       <p:ext uri="{BB962C8B-B14F-4D97-AF65-F5344CB8AC3E}">
-        <p14:creationId xmlns:p14="http://schemas.microsoft.com/office/powerpoint/2010/main" val="3995558550"/>
+        <p14:creationId xmlns:p14="http://schemas.microsoft.com/office/powerpoint/2010/main" val="3377514866"/>
       </p:ext>
     </p:extLst>
   </p:cSld>
@@ -3977,92 +3958,129 @@
           <a:p>
             <a:r>
               <a:rPr lang="en-US" dirty="0"/>
-              <a:t>Other languages</a:t>
-            </a:r>
-          </a:p>
-        </p:txBody>
-      </p:sp>
-      <p:sp>
-        <p:nvSpPr>
-          <p:cNvPr id="3" name="Content Placeholder 2">
+              <a:t>Our last starter…</a:t>
+            </a:r>
+          </a:p>
+        </p:txBody>
+      </p:sp>
+      <p:sp>
+        <p:nvSpPr>
+          <p:cNvPr id="4" name="TextBox 3">
             <a:extLst>
               <a:ext uri="{FF2B5EF4-FFF2-40B4-BE49-F238E27FC236}">
-                <a16:creationId xmlns:a16="http://schemas.microsoft.com/office/drawing/2014/main" id="{4E5B8446-E292-8F48-BACA-ECAF7A46BEB1}"/>
+                <a16:creationId xmlns:a16="http://schemas.microsoft.com/office/drawing/2014/main" id="{6A685CB8-FCB3-4040-9D05-4A07FCFABFF5}"/>
               </a:ext>
             </a:extLst>
           </p:cNvPr>
-          <p:cNvSpPr>
-            <a:spLocks noGrp="1"/>
-          </p:cNvSpPr>
-          <p:nvPr>
-            <p:ph idx="1"/>
-          </p:nvPr>
+          <p:cNvSpPr txBox="1"/>
+          <p:nvPr/>
         </p:nvSpPr>
         <p:spPr>
           <a:xfrm>
-            <a:off x="838199" y="1825625"/>
-            <a:ext cx="11029749" cy="4351338"/>
+            <a:off x="838200" y="2179674"/>
+            <a:ext cx="8304027" cy="4031873"/>
           </a:xfrm>
+          <a:prstGeom prst="rect">
+            <a:avLst/>
+          </a:prstGeom>
+          <a:noFill/>
         </p:spPr>
         <p:txBody>
-          <a:bodyPr/>
-          <a:lstStyle/>
-          <a:p>
-            <a:r>
-              <a:rPr lang="en-US" dirty="0"/>
-              <a:t>Everything you’ve learned in 110 works in other languages</a:t>
-            </a:r>
-          </a:p>
-          <a:p>
-            <a:pPr lvl="1"/>
-            <a:r>
-              <a:rPr lang="en-US" dirty="0"/>
-              <a:t>data design, function design, tests, templates…</a:t>
-            </a:r>
-          </a:p>
-          <a:p>
-            <a:pPr lvl="1"/>
-            <a:r>
-              <a:rPr lang="en-US" dirty="0"/>
-              <a:t>above all, working systematically to narrow the gap between problem and solution</a:t>
-            </a:r>
-          </a:p>
-          <a:p>
-            <a:endParaRPr lang="en-US" dirty="0"/>
-          </a:p>
-          <a:p>
-            <a:r>
-              <a:rPr lang="en-US" dirty="0"/>
-              <a:t>Learn new languages by reading code</a:t>
-            </a:r>
-          </a:p>
-          <a:p>
-            <a:pPr lvl="1"/>
-            <a:r>
-              <a:rPr lang="en-US" dirty="0"/>
-              <a:t>find code that “must do X”</a:t>
-            </a:r>
-          </a:p>
-          <a:p>
-            <a:pPr lvl="1"/>
-            <a:r>
-              <a:rPr lang="en-US" dirty="0"/>
-              <a:t>use what you know to understand the chunks (the templates)</a:t>
-            </a:r>
-          </a:p>
-          <a:p>
-            <a:pPr lvl="1"/>
-            <a:r>
-              <a:rPr lang="en-US" dirty="0"/>
-              <a:t>figure it out from there</a:t>
-            </a:r>
+          <a:bodyPr wrap="square" rtlCol="0">
+            <a:spAutoFit/>
+          </a:bodyPr>
+          <a:lstStyle/>
+          <a:p>
+            <a:r>
+              <a:rPr lang="en-US" sz="3200" dirty="0">
+                <a:latin typeface="Monaco" pitchFamily="2" charset="77"/>
+              </a:rPr>
+              <a:t>//@template (</a:t>
+            </a:r>
+            <a:r>
+              <a:rPr lang="en-US" sz="3200" dirty="0" err="1">
+                <a:latin typeface="Monaco" pitchFamily="2" charset="77"/>
+              </a:rPr>
+              <a:t>listof</a:t>
+            </a:r>
+            <a:r>
+              <a:rPr lang="en-US" sz="3200" dirty="0">
+                <a:latin typeface="Monaco" pitchFamily="2" charset="77"/>
+              </a:rPr>
+              <a:t> X) w/ acc</a:t>
+            </a:r>
+          </a:p>
+          <a:p>
+            <a:r>
+              <a:rPr lang="en-US" sz="3200" dirty="0">
+                <a:latin typeface="Monaco" pitchFamily="2" charset="77"/>
+              </a:rPr>
+              <a:t>//@template [X, ..] w/ acc</a:t>
+            </a:r>
+          </a:p>
+          <a:p>
+            <a:r>
+              <a:rPr lang="en-US" sz="3200" dirty="0">
+                <a:latin typeface="Monaco" pitchFamily="2" charset="77"/>
+              </a:rPr>
+              <a:t>def </a:t>
+            </a:r>
+            <a:r>
+              <a:rPr lang="en-US" sz="3200" dirty="0" err="1">
+                <a:latin typeface="Monaco" pitchFamily="2" charset="77"/>
+              </a:rPr>
+              <a:t>fn</a:t>
+            </a:r>
+            <a:r>
+              <a:rPr lang="en-US" sz="3200" dirty="0">
+                <a:latin typeface="Monaco" pitchFamily="2" charset="77"/>
+              </a:rPr>
+              <a:t>(lox):</a:t>
+            </a:r>
+          </a:p>
+          <a:p>
+            <a:r>
+              <a:rPr lang="en-US" sz="3200" dirty="0">
+                <a:latin typeface="Monaco" pitchFamily="2" charset="77"/>
+              </a:rPr>
+              <a:t>    res = ...</a:t>
+            </a:r>
+          </a:p>
+          <a:p>
+            <a:r>
+              <a:rPr lang="en-US" sz="3200" dirty="0">
+                <a:latin typeface="Monaco" pitchFamily="2" charset="77"/>
+              </a:rPr>
+              <a:t>    for x in lox:</a:t>
+            </a:r>
+          </a:p>
+          <a:p>
+            <a:r>
+              <a:rPr lang="en-US" sz="3200" dirty="0">
+                <a:latin typeface="Monaco" pitchFamily="2" charset="77"/>
+              </a:rPr>
+              <a:t>        res = res...x</a:t>
+            </a:r>
+          </a:p>
+          <a:p>
+            <a:r>
+              <a:rPr lang="en-US" sz="3200" dirty="0">
+                <a:latin typeface="Monaco" pitchFamily="2" charset="77"/>
+              </a:rPr>
+              <a:t>    return ...x</a:t>
+            </a:r>
+          </a:p>
+          <a:p>
+            <a:endParaRPr lang="en-US" sz="3200" dirty="0">
+              <a:latin typeface="Monaco" pitchFamily="2" charset="77"/>
+            </a:endParaRPr>
           </a:p>
         </p:txBody>
       </p:sp>
     </p:spTree>
     <p:extLst>
       <p:ext uri="{BB962C8B-B14F-4D97-AF65-F5344CB8AC3E}">
-        <p14:creationId xmlns:p14="http://schemas.microsoft.com/office/powerpoint/2010/main" val="3377514866"/>
+        <p14:creationId xmlns:p14="http://schemas.microsoft.com/office/powerpoint/2010/main" val="2178470596"/>
       </p:ext>
     </p:extLst>
   </p:cSld>
@@ -4091,13 +4109,7 @@
       </p:grpSpPr>
       <p:sp>
         <p:nvSpPr>
-          <p:cNvPr id="2" name="Title 1">
-            <a:extLst>
-              <a:ext uri="{FF2B5EF4-FFF2-40B4-BE49-F238E27FC236}">
-                <a16:creationId xmlns:a16="http://schemas.microsoft.com/office/drawing/2014/main" id="{30EDED6A-0994-6C41-BD42-CD8F0E615378}"/>
-              </a:ext>
-            </a:extLst>
-          </p:cNvPr>
+          <p:cNvPr id="2" name="Title 1"/>
           <p:cNvSpPr>
             <a:spLocks noGrp="1"/>
           </p:cNvSpPr>
@@ -4112,129 +4124,138 @@
           <a:p>
             <a:r>
               <a:rPr lang="en-US" dirty="0"/>
-              <a:t>Our last starter…</a:t>
-            </a:r>
-          </a:p>
-        </p:txBody>
-      </p:sp>
-      <p:sp>
-        <p:nvSpPr>
-          <p:cNvPr id="4" name="TextBox 3">
-            <a:extLst>
-              <a:ext uri="{FF2B5EF4-FFF2-40B4-BE49-F238E27FC236}">
-                <a16:creationId xmlns:a16="http://schemas.microsoft.com/office/drawing/2014/main" id="{6A685CB8-FCB3-4040-9D05-4A07FCFABFF5}"/>
-              </a:ext>
-            </a:extLst>
-          </p:cNvPr>
-          <p:cNvSpPr txBox="1"/>
-          <p:nvPr/>
+              <a:t>The Recipes are about</a:t>
+            </a:r>
+          </a:p>
+        </p:txBody>
+      </p:sp>
+      <p:sp>
+        <p:nvSpPr>
+          <p:cNvPr id="3" name="Content Placeholder 2"/>
+          <p:cNvSpPr>
+            <a:spLocks noGrp="1"/>
+          </p:cNvSpPr>
+          <p:nvPr>
+            <p:ph idx="1"/>
+          </p:nvPr>
         </p:nvSpPr>
         <p:spPr>
           <a:xfrm>
-            <a:off x="838200" y="2179674"/>
-            <a:ext cx="8304027" cy="4031873"/>
+            <a:off x="838200" y="1825624"/>
+            <a:ext cx="10515600" cy="4826635"/>
           </a:xfrm>
-          <a:prstGeom prst="rect">
-            <a:avLst/>
-          </a:prstGeom>
-          <a:noFill/>
         </p:spPr>
         <p:txBody>
-          <a:bodyPr wrap="square" rtlCol="0">
-            <a:spAutoFit/>
+          <a:bodyPr>
+            <a:normAutofit fontScale="77500" lnSpcReduction="20000"/>
           </a:bodyPr>
           <a:lstStyle/>
           <a:p>
             <a:r>
-              <a:rPr lang="en-US" sz="3200" dirty="0">
-                <a:latin typeface="Monaco" pitchFamily="2" charset="77"/>
-              </a:rPr>
-              <a:t>//@template (</a:t>
-            </a:r>
-            <a:r>
-              <a:rPr lang="en-US" sz="3200" dirty="0" err="1">
-                <a:latin typeface="Monaco" pitchFamily="2" charset="77"/>
-              </a:rPr>
-              <a:t>listof</a:t>
-            </a:r>
-            <a:r>
-              <a:rPr lang="en-US" sz="3200" dirty="0">
-                <a:latin typeface="Monaco" pitchFamily="2" charset="77"/>
-              </a:rPr>
-              <a:t> X) w/ acc</a:t>
-            </a:r>
-          </a:p>
-          <a:p>
-            <a:r>
-              <a:rPr lang="en-US" sz="3200" dirty="0">
-                <a:latin typeface="Monaco" pitchFamily="2" charset="77"/>
-              </a:rPr>
-              <a:t>//@template [X, ..] w/ acc</a:t>
-            </a:r>
-          </a:p>
-          <a:p>
-            <a:r>
-              <a:rPr lang="en-US" sz="3200" dirty="0">
-                <a:latin typeface="Monaco" pitchFamily="2" charset="77"/>
-              </a:rPr>
-              <a:t>def </a:t>
-            </a:r>
-            <a:r>
-              <a:rPr lang="en-US" sz="3200" dirty="0" err="1">
-                <a:latin typeface="Monaco" pitchFamily="2" charset="77"/>
-              </a:rPr>
+              <a:rPr lang="en-US" dirty="0"/>
+              <a:t>Making systematic progress, bit by bit, to solve a complex problem.</a:t>
+            </a:r>
+          </a:p>
+          <a:p>
+            <a:r>
+              <a:rPr lang="en-US" dirty="0"/>
+              <a:t>Write down the easiest thing first</a:t>
+            </a:r>
+          </a:p>
+          <a:p>
+            <a:pPr lvl="1"/>
+            <a:r>
+              <a:rPr lang="en-US" dirty="0"/>
+              <a:t>what is information in problem domain, form of information, type comment, examples, template</a:t>
+            </a:r>
+          </a:p>
+          <a:p>
+            <a:pPr lvl="1"/>
+            <a:r>
+              <a:rPr lang="en-US" dirty="0" err="1"/>
               <a:t>fn</a:t>
             </a:r>
             <a:r>
-              <a:rPr lang="en-US" sz="3200" dirty="0">
-                <a:latin typeface="Monaco" pitchFamily="2" charset="77"/>
-              </a:rPr>
-              <a:t>(lox):</a:t>
-            </a:r>
-          </a:p>
-          <a:p>
-            <a:r>
-              <a:rPr lang="en-US" sz="3200" dirty="0">
-                <a:latin typeface="Monaco" pitchFamily="2" charset="77"/>
-              </a:rPr>
-              <a:t>    res = ...</a:t>
-            </a:r>
-          </a:p>
-          <a:p>
-            <a:r>
-              <a:rPr lang="en-US" sz="3200" dirty="0">
-                <a:latin typeface="Monaco" pitchFamily="2" charset="77"/>
-              </a:rPr>
-              <a:t>    for x in lox:</a:t>
-            </a:r>
-          </a:p>
-          <a:p>
-            <a:r>
-              <a:rPr lang="en-US" sz="3200" dirty="0">
-                <a:latin typeface="Monaco" pitchFamily="2" charset="77"/>
-              </a:rPr>
-              <a:t>        res = res...x</a:t>
-            </a:r>
-          </a:p>
-          <a:p>
-            <a:r>
-              <a:rPr lang="en-US" sz="3200" dirty="0">
-                <a:latin typeface="Monaco" pitchFamily="2" charset="77"/>
-              </a:rPr>
-              <a:t>    return ...x</a:t>
-            </a:r>
-          </a:p>
-          <a:p>
-            <a:endParaRPr lang="en-US" sz="3200" dirty="0">
-              <a:latin typeface="Monaco" pitchFamily="2" charset="77"/>
-            </a:endParaRPr>
+              <a:rPr lang="en-US" dirty="0"/>
+              <a:t> name, signature, purpose, examples, template, code rest of function body</a:t>
+            </a:r>
+          </a:p>
+          <a:p>
+            <a:r>
+              <a:rPr lang="en-US" dirty="0"/>
+              <a:t>Don’t jump to a solution too soon</a:t>
+            </a:r>
+          </a:p>
+          <a:p>
+            <a:pPr lvl="1"/>
+            <a:r>
+              <a:rPr lang="en-US" dirty="0"/>
+              <a:t>information, form, DD, signature, purpose, template, fill in …   vs.  just start coding</a:t>
+            </a:r>
+          </a:p>
+          <a:p>
+            <a:r>
+              <a:rPr lang="en-US" dirty="0"/>
+              <a:t>Describe the goal in different forms.</a:t>
+            </a:r>
+          </a:p>
+          <a:p>
+            <a:pPr lvl="1"/>
+            <a:r>
+              <a:rPr lang="en-US" dirty="0"/>
+              <a:t>types (signature), text (purpose), examples, template</a:t>
+            </a:r>
+          </a:p>
+          <a:p>
+            <a:r>
+              <a:rPr lang="en-US" dirty="0"/>
+              <a:t>Work it out, piece by piece, always writing down what you just figured out.</a:t>
+            </a:r>
+          </a:p>
+          <a:p>
+            <a:r>
+              <a:rPr lang="en-US" dirty="0"/>
+              <a:t>Using software engineering and computer science to structure the solution into separate parts</a:t>
+            </a:r>
+          </a:p>
+          <a:p>
+            <a:pPr lvl="1"/>
+            <a:r>
+              <a:rPr lang="en-US" dirty="0"/>
+              <a:t>What’s the information? What’s the changing information?</a:t>
+            </a:r>
+          </a:p>
+          <a:p>
+            <a:pPr lvl="1"/>
+            <a:r>
+              <a:rPr lang="en-US" dirty="0"/>
+              <a:t>What kind of problem is it? (Simple functional, World, Search</a:t>
+            </a:r>
+            <a:r>
+              <a:rPr lang="is-IS" dirty="0"/>
+              <a:t>…)</a:t>
+            </a:r>
+          </a:p>
+          <a:p>
+            <a:pPr lvl="1"/>
+            <a:r>
+              <a:rPr lang="is-IS" dirty="0"/>
+              <a:t>What‘s the basic function strategy? (structural, generative, search...)</a:t>
+            </a:r>
+          </a:p>
+          <a:p>
+            <a:pPr lvl="1"/>
+            <a:r>
+              <a:rPr lang="is-IS" dirty="0"/>
+              <a:t>What are the templates?</a:t>
+            </a:r>
           </a:p>
         </p:txBody>
       </p:sp>
     </p:spTree>
     <p:extLst>
       <p:ext uri="{BB962C8B-B14F-4D97-AF65-F5344CB8AC3E}">
-        <p14:creationId xmlns:p14="http://schemas.microsoft.com/office/powerpoint/2010/main" val="2178470596"/>
+        <p14:creationId xmlns:p14="http://schemas.microsoft.com/office/powerpoint/2010/main" val="1201202662"/>
       </p:ext>
     </p:extLst>
   </p:cSld>
@@ -4263,145 +4284,70 @@
       </p:grpSpPr>
       <p:sp>
         <p:nvSpPr>
-          <p:cNvPr id="2" name="Title 1"/>
-          <p:cNvSpPr>
-            <a:spLocks noGrp="1"/>
-          </p:cNvSpPr>
-          <p:nvPr>
-            <p:ph type="title"/>
-          </p:nvPr>
-        </p:nvSpPr>
-        <p:spPr/>
-        <p:txBody>
-          <a:bodyPr/>
-          <a:lstStyle/>
-          <a:p>
-            <a:r>
-              <a:rPr lang="en-US" dirty="0"/>
-              <a:t>The Recipes are about</a:t>
-            </a:r>
-          </a:p>
-        </p:txBody>
-      </p:sp>
-      <p:sp>
-        <p:nvSpPr>
-          <p:cNvPr id="3" name="Content Placeholder 2"/>
-          <p:cNvSpPr>
-            <a:spLocks noGrp="1"/>
-          </p:cNvSpPr>
-          <p:nvPr>
-            <p:ph idx="1"/>
-          </p:nvPr>
+          <p:cNvPr id="2" name="TextBox 1">
+            <a:extLst>
+              <a:ext uri="{FF2B5EF4-FFF2-40B4-BE49-F238E27FC236}">
+                <a16:creationId xmlns:a16="http://schemas.microsoft.com/office/drawing/2014/main" id="{CD640059-CBBA-724D-B422-AD9FCD400497}"/>
+              </a:ext>
+            </a:extLst>
+          </p:cNvPr>
+          <p:cNvSpPr txBox="1"/>
+          <p:nvPr/>
         </p:nvSpPr>
         <p:spPr>
           <a:xfrm>
-            <a:off x="838200" y="1825624"/>
-            <a:ext cx="10515600" cy="4826635"/>
+            <a:off x="1005840" y="587849"/>
+            <a:ext cx="10268047" cy="5509200"/>
           </a:xfrm>
+          <a:prstGeom prst="rect">
+            <a:avLst/>
+          </a:prstGeom>
+          <a:noFill/>
         </p:spPr>
         <p:txBody>
-          <a:bodyPr>
-            <a:normAutofit fontScale="77500" lnSpcReduction="20000"/>
+          <a:bodyPr wrap="square" rtlCol="0">
+            <a:spAutoFit/>
           </a:bodyPr>
           <a:lstStyle/>
           <a:p>
             <a:r>
-              <a:rPr lang="en-US" dirty="0"/>
-              <a:t>Making systematic progress, bit by bit, to solve a complex problem.</a:t>
-            </a:r>
-          </a:p>
-          <a:p>
-            <a:r>
-              <a:rPr lang="en-US" dirty="0"/>
-              <a:t>Write down the easiest thing first</a:t>
-            </a:r>
-          </a:p>
-          <a:p>
-            <a:pPr lvl="1"/>
-            <a:r>
-              <a:rPr lang="en-US" dirty="0"/>
-              <a:t>what is information in problem domain, form of information, type comment, examples, template</a:t>
-            </a:r>
-          </a:p>
-          <a:p>
-            <a:pPr lvl="1"/>
-            <a:r>
-              <a:rPr lang="en-US" dirty="0" err="1"/>
-              <a:t>fn</a:t>
-            </a:r>
-            <a:r>
-              <a:rPr lang="en-US" dirty="0"/>
-              <a:t> name, signature, purpose, examples, template, code rest of function body</a:t>
-            </a:r>
-          </a:p>
-          <a:p>
-            <a:r>
-              <a:rPr lang="en-US" dirty="0"/>
-              <a:t>Don’t jump to a solution too soon</a:t>
-            </a:r>
-          </a:p>
-          <a:p>
-            <a:pPr lvl="1"/>
-            <a:r>
-              <a:rPr lang="en-US" dirty="0"/>
-              <a:t>information, form, DD, signature, purpose, template, fill in …   vs.  just start coding</a:t>
-            </a:r>
-          </a:p>
-          <a:p>
-            <a:r>
-              <a:rPr lang="en-US" dirty="0"/>
-              <a:t>Describe the goal in different forms.</a:t>
-            </a:r>
-          </a:p>
-          <a:p>
-            <a:pPr lvl="1"/>
-            <a:r>
-              <a:rPr lang="en-US" dirty="0"/>
-              <a:t>types (signature), text (purpose), examples, template</a:t>
-            </a:r>
-          </a:p>
-          <a:p>
-            <a:r>
-              <a:rPr lang="en-US" dirty="0"/>
-              <a:t>Work it out, piece by piece, always writing down what you just figured out.</a:t>
-            </a:r>
-          </a:p>
-          <a:p>
-            <a:r>
-              <a:rPr lang="en-US" dirty="0"/>
-              <a:t>Using software engineering and computer science to structure the solution into separate parts</a:t>
-            </a:r>
-          </a:p>
-          <a:p>
-            <a:pPr lvl="1"/>
-            <a:r>
-              <a:rPr lang="en-US" dirty="0"/>
-              <a:t>What’s the information? What’s the changing information?</a:t>
-            </a:r>
-          </a:p>
-          <a:p>
-            <a:pPr lvl="1"/>
-            <a:r>
-              <a:rPr lang="en-US" dirty="0"/>
-              <a:t>What kind of problem is it? (Simple functional, World, Search</a:t>
-            </a:r>
-            <a:r>
-              <a:rPr lang="is-IS" dirty="0"/>
-              <a:t>…)</a:t>
-            </a:r>
-          </a:p>
-          <a:p>
-            <a:pPr lvl="1"/>
-            <a:r>
-              <a:rPr lang="is-IS" dirty="0"/>
-              <a:t>What‘s the basic function strategy? (structural, generative, search...)</a:t>
-            </a:r>
-          </a:p>
-          <a:p>
-            <a:pPr lvl="1"/>
-            <a:r>
-              <a:rPr lang="is-IS" dirty="0"/>
-              <a:t>What are the templates?</a:t>
+              <a:rPr lang="en-US" sz="4400" dirty="0"/>
+              <a:t>“We are what we repeatedly do. Excellence, then, is not an act, but a habit.”</a:t>
+            </a:r>
+          </a:p>
+          <a:p>
+            <a:endParaRPr lang="en-US" sz="4400" dirty="0"/>
+          </a:p>
+          <a:p>
+            <a:r>
+              <a:rPr lang="en-US" sz="4400" dirty="0"/>
+              <a:t>- Many</a:t>
+            </a:r>
+          </a:p>
+          <a:p>
+            <a:endParaRPr lang="en-US" sz="4400" dirty="0"/>
+          </a:p>
+          <a:p>
+            <a:r>
+              <a:rPr lang="en-US" sz="4400" dirty="0"/>
+              <a:t>“Chance </a:t>
+            </a:r>
+            <a:r>
+              <a:rPr lang="en-US" sz="4400" dirty="0" err="1"/>
+              <a:t>favours</a:t>
+            </a:r>
+            <a:r>
+              <a:rPr lang="en-US" sz="4400" dirty="0"/>
+              <a:t> the prepared mind.”</a:t>
+            </a:r>
+          </a:p>
+          <a:p>
+            <a:endParaRPr lang="en-US" sz="4400" dirty="0"/>
+          </a:p>
+          <a:p>
+            <a:r>
+              <a:rPr lang="en-US" sz="4400" dirty="0"/>
+              <a:t>- Louis Pasteur</a:t>
             </a:r>
           </a:p>
         </p:txBody>
@@ -4409,7 +4355,7 @@
     </p:spTree>
     <p:extLst>
       <p:ext uri="{BB962C8B-B14F-4D97-AF65-F5344CB8AC3E}">
-        <p14:creationId xmlns:p14="http://schemas.microsoft.com/office/powerpoint/2010/main" val="1201202662"/>
+        <p14:creationId xmlns:p14="http://schemas.microsoft.com/office/powerpoint/2010/main" val="918546987"/>
       </p:ext>
     </p:extLst>
   </p:cSld>
@@ -4438,78 +4384,151 @@
       </p:grpSpPr>
       <p:sp>
         <p:nvSpPr>
-          <p:cNvPr id="2" name="TextBox 1">
+          <p:cNvPr id="2" name="Title 1">
             <a:extLst>
               <a:ext uri="{FF2B5EF4-FFF2-40B4-BE49-F238E27FC236}">
-                <a16:creationId xmlns:a16="http://schemas.microsoft.com/office/drawing/2014/main" id="{CD640059-CBBA-724D-B422-AD9FCD400497}"/>
+                <a16:creationId xmlns:a16="http://schemas.microsoft.com/office/drawing/2014/main" id="{628B3CBF-7A18-F54F-92E2-B975D203BF2F}"/>
               </a:ext>
             </a:extLst>
           </p:cNvPr>
-          <p:cNvSpPr txBox="1"/>
-          <p:nvPr/>
+          <p:cNvSpPr>
+            <a:spLocks noGrp="1"/>
+          </p:cNvSpPr>
+          <p:nvPr>
+            <p:ph type="title"/>
+          </p:nvPr>
         </p:nvSpPr>
         <p:spPr>
           <a:xfrm>
-            <a:off x="1005840" y="587849"/>
-            <a:ext cx="10268047" cy="5509200"/>
+            <a:off x="838200" y="365125"/>
+            <a:ext cx="10515600" cy="1325563"/>
           </a:xfrm>
-          <a:prstGeom prst="rect">
-            <a:avLst/>
-          </a:prstGeom>
-          <a:noFill/>
         </p:spPr>
         <p:txBody>
-          <a:bodyPr wrap="square" rtlCol="0">
-            <a:spAutoFit/>
+          <a:bodyPr>
+            <a:normAutofit/>
           </a:bodyPr>
           <a:lstStyle/>
           <a:p>
             <a:r>
-              <a:rPr lang="en-US" sz="4400" dirty="0"/>
-              <a:t>“We are what we repeatedly do. Excellence, then, is not an act, but a habit.”</a:t>
-            </a:r>
-          </a:p>
-          <a:p>
-            <a:endParaRPr lang="en-US" sz="4400" dirty="0"/>
-          </a:p>
-          <a:p>
-            <a:r>
-              <a:rPr lang="en-US" sz="4400" dirty="0"/>
-              <a:t>- Many</a:t>
-            </a:r>
-          </a:p>
-          <a:p>
-            <a:endParaRPr lang="en-US" sz="4400" dirty="0"/>
-          </a:p>
-          <a:p>
-            <a:r>
-              <a:rPr lang="en-US" sz="4400" dirty="0"/>
-              <a:t>“Chance </a:t>
-            </a:r>
-            <a:r>
-              <a:rPr lang="en-US" sz="4400" dirty="0" err="1"/>
-              <a:t>favours</a:t>
-            </a:r>
-            <a:r>
-              <a:rPr lang="en-US" sz="4400" dirty="0"/>
-              <a:t> the prepared mind.”</a:t>
-            </a:r>
-          </a:p>
-          <a:p>
-            <a:endParaRPr lang="en-US" sz="4400" dirty="0"/>
-          </a:p>
-          <a:p>
-            <a:r>
-              <a:rPr lang="en-US" sz="4400" dirty="0"/>
-              <a:t>- Louis Pasteur</a:t>
-            </a:r>
+              <a:rPr lang="en-US" dirty="0"/>
+              <a:t>What have you learned ... about Computer Science?</a:t>
+            </a:r>
+          </a:p>
+        </p:txBody>
+      </p:sp>
+      <p:sp>
+        <p:nvSpPr>
+          <p:cNvPr id="3" name="Content Placeholder 2">
+            <a:extLst>
+              <a:ext uri="{FF2B5EF4-FFF2-40B4-BE49-F238E27FC236}">
+                <a16:creationId xmlns:a16="http://schemas.microsoft.com/office/drawing/2014/main" id="{22ACEF78-0A45-E74E-9B25-4DB16636EE7C}"/>
+              </a:ext>
+            </a:extLst>
+          </p:cNvPr>
+          <p:cNvSpPr>
+            <a:spLocks noGrp="1"/>
+          </p:cNvSpPr>
+          <p:nvPr>
+            <p:ph idx="1"/>
+          </p:nvPr>
+        </p:nvSpPr>
+        <p:spPr>
+          <a:xfrm>
+            <a:off x="838200" y="1825625"/>
+            <a:ext cx="10515600" cy="4351338"/>
+          </a:xfrm>
+        </p:spPr>
+        <p:txBody>
+          <a:bodyPr>
+            <a:normAutofit fontScale="92500" lnSpcReduction="10000"/>
+          </a:bodyPr>
+          <a:lstStyle/>
+          <a:p>
+            <a:r>
+              <a:rPr lang="en-US" dirty="0"/>
+              <a:t>foundations of software engineering</a:t>
+            </a:r>
+          </a:p>
+          <a:p>
+            <a:pPr lvl="1"/>
+            <a:r>
+              <a:rPr lang="en-US" dirty="0"/>
+              <a:t>much more in 210, 310, 410</a:t>
+            </a:r>
+          </a:p>
+          <a:p>
+            <a:r>
+              <a:rPr lang="en-US" dirty="0"/>
+              <a:t>simple functional programming language</a:t>
+            </a:r>
+          </a:p>
+          <a:p>
+            <a:pPr lvl="1"/>
+            <a:r>
+              <a:rPr lang="en-US" dirty="0"/>
+              <a:t>much more in 311, 312, 411</a:t>
+            </a:r>
+          </a:p>
+          <a:p>
+            <a:r>
+              <a:rPr lang="en-US" dirty="0"/>
+              <a:t>a bit about algorithms and data structures</a:t>
+            </a:r>
+          </a:p>
+          <a:p>
+            <a:pPr lvl="1"/>
+            <a:r>
+              <a:rPr lang="en-US" dirty="0"/>
+              <a:t>trees, graphs, sorting, searching</a:t>
+            </a:r>
+          </a:p>
+          <a:p>
+            <a:pPr lvl="1"/>
+            <a:r>
+              <a:rPr lang="en-US" dirty="0"/>
+              <a:t>much more in 221, 320, 420</a:t>
+            </a:r>
+          </a:p>
+          <a:p>
+            <a:r>
+              <a:rPr lang="en-US" dirty="0"/>
+              <a:t>a very little bit about systems and architecture (MVC)</a:t>
+            </a:r>
+          </a:p>
+          <a:p>
+            <a:pPr lvl="1"/>
+            <a:r>
+              <a:rPr lang="en-US" dirty="0"/>
+              <a:t>much much more in 213, 313, 317</a:t>
+            </a:r>
+          </a:p>
+          <a:p>
+            <a:pPr lvl="1"/>
+            <a:endParaRPr lang="en-US" dirty="0"/>
+          </a:p>
+          <a:p>
+            <a:r>
+              <a:rPr lang="en-US" dirty="0"/>
+              <a:t>but there’s much much much much more beyond that</a:t>
+            </a:r>
+          </a:p>
+          <a:p>
+            <a:pPr lvl="1"/>
+            <a:endParaRPr lang="en-US" dirty="0"/>
+          </a:p>
+          <a:p>
+            <a:endParaRPr lang="en-US" dirty="0"/>
+          </a:p>
+          <a:p>
+            <a:endParaRPr lang="en-US" dirty="0"/>
           </a:p>
         </p:txBody>
       </p:sp>
     </p:spTree>
     <p:extLst>
       <p:ext uri="{BB962C8B-B14F-4D97-AF65-F5344CB8AC3E}">
-        <p14:creationId xmlns:p14="http://schemas.microsoft.com/office/powerpoint/2010/main" val="918546987"/>
+        <p14:creationId xmlns:p14="http://schemas.microsoft.com/office/powerpoint/2010/main" val="4276937663"/>
       </p:ext>
     </p:extLst>
   </p:cSld>
@@ -4536,153 +4555,39 @@
           <a:chExt cx="0" cy="0"/>
         </a:xfrm>
       </p:grpSpPr>
-      <p:sp>
-        <p:nvSpPr>
-          <p:cNvPr id="2" name="Title 1">
+      <p:pic>
+        <p:nvPicPr>
+          <p:cNvPr id="6" name="Content Placeholder 5">
             <a:extLst>
               <a:ext uri="{FF2B5EF4-FFF2-40B4-BE49-F238E27FC236}">
-                <a16:creationId xmlns:a16="http://schemas.microsoft.com/office/drawing/2014/main" id="{628B3CBF-7A18-F54F-92E2-B975D203BF2F}"/>
+                <a16:creationId xmlns:a16="http://schemas.microsoft.com/office/drawing/2014/main" id="{FDEC46FB-98D1-0892-8DC8-45686D55813D}"/>
               </a:ext>
             </a:extLst>
           </p:cNvPr>
-          <p:cNvSpPr>
-            <a:spLocks noGrp="1"/>
-          </p:cNvSpPr>
-          <p:nvPr>
-            <p:ph type="title"/>
-          </p:nvPr>
-        </p:nvSpPr>
+          <p:cNvPicPr>
+            <a:picLocks noGrp="1" noChangeAspect="1"/>
+          </p:cNvPicPr>
+          <p:nvPr>
+            <p:ph sz="half" idx="1"/>
+          </p:nvPr>
+        </p:nvPicPr>
+        <p:blipFill>
+          <a:blip r:embed="rId2"/>
+          <a:stretch>
+            <a:fillRect/>
+          </a:stretch>
+        </p:blipFill>
         <p:spPr>
           <a:xfrm>
-            <a:off x="838200" y="365125"/>
-            <a:ext cx="10515600" cy="1325563"/>
+            <a:off x="284013" y="711445"/>
+            <a:ext cx="11826253" cy="4363987"/>
           </a:xfrm>
         </p:spPr>
-        <p:txBody>
-          <a:bodyPr>
-            <a:normAutofit/>
-          </a:bodyPr>
-          <a:lstStyle/>
-          <a:p>
-            <a:r>
-              <a:rPr lang="en-US" dirty="0"/>
-              <a:t>What have you learned ... about Computer Science?</a:t>
-            </a:r>
-          </a:p>
-        </p:txBody>
-      </p:sp>
-      <p:sp>
-        <p:nvSpPr>
-          <p:cNvPr id="3" name="Content Placeholder 2">
-            <a:extLst>
-              <a:ext uri="{FF2B5EF4-FFF2-40B4-BE49-F238E27FC236}">
-                <a16:creationId xmlns:a16="http://schemas.microsoft.com/office/drawing/2014/main" id="{22ACEF78-0A45-E74E-9B25-4DB16636EE7C}"/>
-              </a:ext>
-            </a:extLst>
-          </p:cNvPr>
-          <p:cNvSpPr>
-            <a:spLocks noGrp="1"/>
-          </p:cNvSpPr>
-          <p:nvPr>
-            <p:ph idx="1"/>
-          </p:nvPr>
-        </p:nvSpPr>
-        <p:spPr>
-          <a:xfrm>
-            <a:off x="838200" y="1825625"/>
-            <a:ext cx="10515600" cy="4351338"/>
-          </a:xfrm>
-        </p:spPr>
-        <p:txBody>
-          <a:bodyPr>
-            <a:normAutofit fontScale="92500" lnSpcReduction="10000"/>
-          </a:bodyPr>
-          <a:lstStyle/>
-          <a:p>
-            <a:r>
-              <a:rPr lang="en-US" dirty="0"/>
-              <a:t>foundations of software engineering</a:t>
-            </a:r>
-          </a:p>
-          <a:p>
-            <a:pPr lvl="1"/>
-            <a:r>
-              <a:rPr lang="en-US" dirty="0"/>
-              <a:t>much more in 210, 310, 410</a:t>
-            </a:r>
-          </a:p>
-          <a:p>
-            <a:r>
-              <a:rPr lang="en-US" dirty="0"/>
-              <a:t>simple functional programming language</a:t>
-            </a:r>
-          </a:p>
-          <a:p>
-            <a:pPr lvl="1"/>
-            <a:r>
-              <a:rPr lang="en-US" dirty="0"/>
-              <a:t>much more in 311, 312, 411</a:t>
-            </a:r>
-          </a:p>
-          <a:p>
-            <a:r>
-              <a:rPr lang="en-US" dirty="0"/>
-              <a:t>a bit about algorithms and data structures</a:t>
-            </a:r>
-          </a:p>
-          <a:p>
-            <a:pPr lvl="1"/>
-            <a:r>
-              <a:rPr lang="en-US" dirty="0"/>
-              <a:t>trees, graphs, sorting, searching</a:t>
-            </a:r>
-          </a:p>
-          <a:p>
-            <a:pPr lvl="1"/>
-            <a:r>
-              <a:rPr lang="en-US" dirty="0"/>
-              <a:t>much more in 221, 320, 420</a:t>
-            </a:r>
-          </a:p>
-          <a:p>
-            <a:r>
-              <a:rPr lang="en-US" dirty="0"/>
-              <a:t>a very little bit about systems and architecture (MVC)</a:t>
-            </a:r>
-          </a:p>
-          <a:p>
-            <a:pPr lvl="1"/>
-            <a:r>
-              <a:rPr lang="en-US" dirty="0"/>
-              <a:t>much much more in 213, 313, 317</a:t>
-            </a:r>
-          </a:p>
-          <a:p>
-            <a:pPr lvl="1"/>
-            <a:endParaRPr lang="en-US" dirty="0"/>
-          </a:p>
-          <a:p>
-            <a:r>
-              <a:rPr lang="en-US" dirty="0"/>
-              <a:t>but there’s much much much much more beyond that</a:t>
-            </a:r>
-          </a:p>
-          <a:p>
-            <a:pPr lvl="1"/>
-            <a:endParaRPr lang="en-US" dirty="0"/>
-          </a:p>
-          <a:p>
-            <a:endParaRPr lang="en-US" dirty="0"/>
-          </a:p>
-          <a:p>
-            <a:endParaRPr lang="en-US" dirty="0"/>
-          </a:p>
-        </p:txBody>
-      </p:sp>
+      </p:pic>
     </p:spTree>
     <p:extLst>
       <p:ext uri="{BB962C8B-B14F-4D97-AF65-F5344CB8AC3E}">
-        <p14:creationId xmlns:p14="http://schemas.microsoft.com/office/powerpoint/2010/main" val="4276937663"/>
+        <p14:creationId xmlns:p14="http://schemas.microsoft.com/office/powerpoint/2010/main" val="2723216611"/>
       </p:ext>
     </p:extLst>
   </p:cSld>
@@ -4711,136 +4616,223 @@
       </p:grpSpPr>
       <p:sp>
         <p:nvSpPr>
-          <p:cNvPr id="4" name="Rectangle 3"/>
-          <p:cNvSpPr/>
-          <p:nvPr/>
+          <p:cNvPr id="2" name="Title 1">
+            <a:extLst>
+              <a:ext uri="{FF2B5EF4-FFF2-40B4-BE49-F238E27FC236}">
+                <a16:creationId xmlns:a16="http://schemas.microsoft.com/office/drawing/2014/main" id="{01AAAE51-2865-259F-1D86-B02F80AAC6B2}"/>
+              </a:ext>
+            </a:extLst>
+          </p:cNvPr>
+          <p:cNvSpPr>
+            <a:spLocks noGrp="1"/>
+          </p:cNvSpPr>
+          <p:nvPr>
+            <p:ph type="title"/>
+          </p:nvPr>
+        </p:nvSpPr>
+        <p:spPr/>
+        <p:txBody>
+          <a:bodyPr/>
+          <a:lstStyle/>
+          <a:p>
+            <a:r>
+              <a:rPr lang="en-US" dirty="0"/>
+              <a:t>Faculty In A Large Research University</a:t>
+            </a:r>
+          </a:p>
+        </p:txBody>
+      </p:sp>
+      <p:sp>
+        <p:nvSpPr>
+          <p:cNvPr id="6" name="Content Placeholder 5">
+            <a:extLst>
+              <a:ext uri="{FF2B5EF4-FFF2-40B4-BE49-F238E27FC236}">
+                <a16:creationId xmlns:a16="http://schemas.microsoft.com/office/drawing/2014/main" id="{818E9D68-7649-6F66-6984-0B907CB2A24E}"/>
+              </a:ext>
+            </a:extLst>
+          </p:cNvPr>
+          <p:cNvSpPr>
+            <a:spLocks noGrp="1"/>
+          </p:cNvSpPr>
+          <p:nvPr>
+            <p:ph sz="half" idx="1"/>
+          </p:nvPr>
         </p:nvSpPr>
         <p:spPr>
           <a:xfrm>
-            <a:off x="509017" y="152900"/>
-            <a:ext cx="11554029" cy="6740307"/>
+            <a:off x="2250040" y="2835735"/>
+            <a:ext cx="3769759" cy="4876115"/>
           </a:xfrm>
-          <a:prstGeom prst="rect">
+        </p:spPr>
+        <p:txBody>
+          <a:bodyPr>
+            <a:normAutofit/>
+          </a:bodyPr>
+          <a:lstStyle/>
+          <a:p>
+            <a:pPr>
+              <a:lnSpc>
+                <a:spcPct val="150000"/>
+              </a:lnSpc>
+            </a:pPr>
+            <a:r>
+              <a:rPr lang="en-US" dirty="0"/>
+              <a:t>Professor</a:t>
+            </a:r>
+          </a:p>
+          <a:p>
+            <a:pPr>
+              <a:lnSpc>
+                <a:spcPct val="150000"/>
+              </a:lnSpc>
+            </a:pPr>
+            <a:r>
+              <a:rPr lang="en-US" dirty="0"/>
+              <a:t>Associate Professor</a:t>
+            </a:r>
+          </a:p>
+          <a:p>
+            <a:pPr>
+              <a:lnSpc>
+                <a:spcPct val="150000"/>
+              </a:lnSpc>
+            </a:pPr>
+            <a:r>
+              <a:rPr lang="en-US" dirty="0"/>
+              <a:t>Assistant Professor</a:t>
+            </a:r>
+          </a:p>
+        </p:txBody>
+      </p:sp>
+      <p:sp>
+        <p:nvSpPr>
+          <p:cNvPr id="7" name="Content Placeholder 6">
+            <a:extLst>
+              <a:ext uri="{FF2B5EF4-FFF2-40B4-BE49-F238E27FC236}">
+                <a16:creationId xmlns:a16="http://schemas.microsoft.com/office/drawing/2014/main" id="{7D909184-1E12-9F41-A070-2B401A16DAD8}"/>
+              </a:ext>
+            </a:extLst>
+          </p:cNvPr>
+          <p:cNvSpPr>
+            <a:spLocks noGrp="1"/>
+          </p:cNvSpPr>
+          <p:nvPr>
+            <p:ph sz="half" idx="2"/>
+          </p:nvPr>
+        </p:nvSpPr>
+        <p:spPr>
+          <a:xfrm>
+            <a:off x="6172200" y="2835735"/>
+            <a:ext cx="5181600" cy="4876115"/>
+          </a:xfrm>
+        </p:spPr>
+        <p:txBody>
+          <a:bodyPr>
+            <a:normAutofit/>
+          </a:bodyPr>
+          <a:lstStyle/>
+          <a:p>
+            <a:pPr>
+              <a:lnSpc>
+                <a:spcPct val="150000"/>
+              </a:lnSpc>
+            </a:pPr>
+            <a:r>
+              <a:rPr lang="en-US" dirty="0"/>
+              <a:t>Professor of Teaching</a:t>
+            </a:r>
+          </a:p>
+          <a:p>
+            <a:pPr>
+              <a:lnSpc>
+                <a:spcPct val="150000"/>
+              </a:lnSpc>
+            </a:pPr>
+            <a:r>
+              <a:rPr lang="en-US" dirty="0"/>
+              <a:t>Associate Professor of Teaching</a:t>
+            </a:r>
+          </a:p>
+          <a:p>
+            <a:pPr>
+              <a:lnSpc>
+                <a:spcPct val="150000"/>
+              </a:lnSpc>
+            </a:pPr>
+            <a:r>
+              <a:rPr lang="en-US" dirty="0"/>
+              <a:t>Assistant Professor of Teaching</a:t>
+            </a:r>
+          </a:p>
+          <a:p>
+            <a:pPr>
+              <a:lnSpc>
+                <a:spcPct val="150000"/>
+              </a:lnSpc>
+            </a:pPr>
+            <a:r>
+              <a:rPr lang="en-US" dirty="0"/>
+              <a:t>Lecturer</a:t>
+            </a:r>
+          </a:p>
+          <a:p>
+            <a:pPr>
+              <a:lnSpc>
+                <a:spcPct val="150000"/>
+              </a:lnSpc>
+            </a:pPr>
+            <a:r>
+              <a:rPr lang="en-US" dirty="0"/>
+              <a:t>Sessional</a:t>
+            </a:r>
+          </a:p>
+        </p:txBody>
+      </p:sp>
+      <p:cxnSp>
+        <p:nvCxnSpPr>
+          <p:cNvPr id="9" name="Straight Connector 8">
+            <a:extLst>
+              <a:ext uri="{FF2B5EF4-FFF2-40B4-BE49-F238E27FC236}">
+                <a16:creationId xmlns:a16="http://schemas.microsoft.com/office/drawing/2014/main" id="{7CFC6EFD-3B2E-1EBC-BD44-8865415C6CA5}"/>
+              </a:ext>
+            </a:extLst>
+          </p:cNvPr>
+          <p:cNvCxnSpPr>
+            <a:cxnSpLocks/>
+          </p:cNvCxnSpPr>
+          <p:nvPr/>
+        </p:nvCxnSpPr>
+        <p:spPr>
+          <a:xfrm>
+            <a:off x="309080" y="4415085"/>
+            <a:ext cx="11311848" cy="0"/>
+          </a:xfrm>
+          <a:prstGeom prst="line">
             <a:avLst/>
           </a:prstGeom>
+          <a:ln w="19050"/>
         </p:spPr>
-        <p:txBody>
-          <a:bodyPr wrap="square">
-            <a:spAutoFit/>
-          </a:bodyPr>
-          <a:lstStyle/>
-          <a:p>
-            <a:r>
-              <a:rPr lang="en-US" sz="2400" dirty="0"/>
-              <a:t>203			Non-majors 2</a:t>
-            </a:r>
-            <a:r>
-              <a:rPr lang="en-US" sz="2400" baseline="30000" dirty="0"/>
-              <a:t>nd</a:t>
-            </a:r>
-            <a:r>
-              <a:rPr lang="en-US" sz="2400" dirty="0"/>
-              <a:t> course in programming  NEW</a:t>
-            </a:r>
-          </a:p>
-          <a:p>
-            <a:r>
-              <a:rPr lang="en-US" sz="2400" dirty="0"/>
-              <a:t>330			Non-majors machine learning NEW</a:t>
-            </a:r>
-          </a:p>
-          <a:p>
-            <a:endParaRPr lang="en-US" sz="2400" dirty="0"/>
-          </a:p>
-          <a:p>
-            <a:r>
-              <a:rPr lang="en-US" sz="2400" dirty="0"/>
-              <a:t>210, 310, 410            	Software Engineering</a:t>
-            </a:r>
-          </a:p>
-          <a:p>
-            <a:r>
-              <a:rPr lang="en-US" sz="2400" dirty="0"/>
-              <a:t>311, 411                     	Programming languages</a:t>
-            </a:r>
-          </a:p>
-          <a:p>
-            <a:endParaRPr lang="en-US" sz="2400" dirty="0"/>
-          </a:p>
-          <a:p>
-            <a:r>
-              <a:rPr lang="en-US" sz="2400" dirty="0"/>
-              <a:t>213, 313, 317, 415       Systems…</a:t>
-            </a:r>
-          </a:p>
-          <a:p>
-            <a:r>
-              <a:rPr lang="en-US" sz="2400" dirty="0"/>
-              <a:t>304, 404                	Databases</a:t>
-            </a:r>
-          </a:p>
-          <a:p>
-            <a:endParaRPr lang="en-US" sz="2400" dirty="0"/>
-          </a:p>
-          <a:p>
-            <a:r>
-              <a:rPr lang="en-US" sz="2400" dirty="0"/>
-              <a:t>121, 221, 320, 420	Algorithms, data structures, theory</a:t>
-            </a:r>
-          </a:p>
-          <a:p>
-            <a:endParaRPr lang="en-US" sz="2400" dirty="0"/>
-          </a:p>
-          <a:p>
-            <a:r>
-              <a:rPr lang="en-US" sz="2400" dirty="0"/>
-              <a:t>302, 303            	Numerical computation             +inf.0</a:t>
-            </a:r>
-          </a:p>
-          <a:p>
-            <a:r>
-              <a:rPr lang="en-US" sz="2400" dirty="0"/>
-              <a:t>322, 340                 	AI and machine learning             speech,  vision, “you may like”…</a:t>
-            </a:r>
-          </a:p>
-          <a:p>
-            <a:r>
-              <a:rPr lang="en-US" sz="2400" dirty="0"/>
-              <a:t>314, 424              	Graphics                                         movies</a:t>
-            </a:r>
-          </a:p>
-          <a:p>
-            <a:r>
-              <a:rPr lang="en-US" sz="2400" dirty="0"/>
-              <a:t>344, 444		Human Computer Interaction    how do people interact with tech…</a:t>
-            </a:r>
-          </a:p>
-          <a:p>
-            <a:r>
-              <a:rPr lang="en-US" sz="2400" dirty="0"/>
-              <a:t>436			Visualization                                   presenting complex information</a:t>
-            </a:r>
-          </a:p>
-          <a:p>
-            <a:r>
-              <a:rPr lang="en-US" sz="2400" dirty="0"/>
-              <a:t>… </a:t>
-            </a:r>
-          </a:p>
-          <a:p>
-            <a:r>
-              <a:rPr lang="en-US" sz="2400" dirty="0"/>
-              <a:t>DSCI			Data science</a:t>
-            </a:r>
-          </a:p>
-        </p:txBody>
-      </p:sp>
-      <p:sp>
-        <p:nvSpPr>
-          <p:cNvPr id="3" name="TextBox 2">
+        <p:style>
+          <a:lnRef idx="1">
+            <a:schemeClr val="accent1"/>
+          </a:lnRef>
+          <a:fillRef idx="0">
+            <a:schemeClr val="accent1"/>
+          </a:fillRef>
+          <a:effectRef idx="0">
+            <a:schemeClr val="accent1"/>
+          </a:effectRef>
+          <a:fontRef idx="minor">
+            <a:schemeClr val="tx1"/>
+          </a:fontRef>
+        </p:style>
+      </p:cxnSp>
+      <p:sp>
+        <p:nvSpPr>
+          <p:cNvPr id="10" name="TextBox 9">
             <a:extLst>
               <a:ext uri="{FF2B5EF4-FFF2-40B4-BE49-F238E27FC236}">
-                <a16:creationId xmlns:a16="http://schemas.microsoft.com/office/drawing/2014/main" id="{8D0F29C9-44C6-6A4F-9F7D-E2BAFB46B036}"/>
+                <a16:creationId xmlns:a16="http://schemas.microsoft.com/office/drawing/2014/main" id="{0E25CB95-7CD8-C04D-EBB4-2F5E2FB6ACE9}"/>
               </a:ext>
             </a:extLst>
           </p:cNvPr>
@@ -4849,8 +4841,8 @@
         </p:nvSpPr>
         <p:spPr>
           <a:xfrm>
-            <a:off x="8768615" y="1511166"/>
-            <a:ext cx="2204186" cy="369332"/>
+            <a:off x="384583" y="3490863"/>
+            <a:ext cx="1608881" cy="369332"/>
           </a:xfrm>
           <a:prstGeom prst="rect">
             <a:avLst/>
@@ -4864,18 +4856,22 @@
           <a:lstStyle/>
           <a:p>
             <a:r>
-              <a:rPr lang="en-US" dirty="0"/>
-              <a:t>SE/PL</a:t>
-            </a:r>
-          </a:p>
-        </p:txBody>
-      </p:sp>
-      <p:sp>
-        <p:nvSpPr>
-          <p:cNvPr id="5" name="TextBox 4">
+              <a:rPr lang="en-US" dirty="0">
+                <a:solidFill>
+                  <a:srgbClr val="FF0000"/>
+                </a:solidFill>
+              </a:rPr>
+              <a:t>tenured</a:t>
+            </a:r>
+          </a:p>
+        </p:txBody>
+      </p:sp>
+      <p:sp>
+        <p:nvSpPr>
+          <p:cNvPr id="11" name="TextBox 10">
             <a:extLst>
               <a:ext uri="{FF2B5EF4-FFF2-40B4-BE49-F238E27FC236}">
-                <a16:creationId xmlns:a16="http://schemas.microsoft.com/office/drawing/2014/main" id="{1A601818-6D7B-4545-98AC-0626BFD49620}"/>
+                <a16:creationId xmlns:a16="http://schemas.microsoft.com/office/drawing/2014/main" id="{5D3A548F-612B-14C1-B870-B060CECAA02D}"/>
               </a:ext>
             </a:extLst>
           </p:cNvPr>
@@ -4884,8 +4880,8 @@
         </p:nvSpPr>
         <p:spPr>
           <a:xfrm>
-            <a:off x="8768615" y="2539464"/>
-            <a:ext cx="2204186" cy="369332"/>
+            <a:off x="384583" y="4628828"/>
+            <a:ext cx="1608881" cy="369332"/>
           </a:xfrm>
           <a:prstGeom prst="rect">
             <a:avLst/>
@@ -4899,18 +4895,61 @@
           <a:lstStyle/>
           <a:p>
             <a:r>
-              <a:rPr lang="en-US" dirty="0"/>
-              <a:t>Systems</a:t>
-            </a:r>
-          </a:p>
-        </p:txBody>
-      </p:sp>
-      <p:sp>
-        <p:nvSpPr>
-          <p:cNvPr id="6" name="TextBox 5">
+              <a:rPr lang="en-US" dirty="0">
+                <a:solidFill>
+                  <a:srgbClr val="FF0000"/>
+                </a:solidFill>
+              </a:rPr>
+              <a:t>tenure-track</a:t>
+            </a:r>
+          </a:p>
+        </p:txBody>
+      </p:sp>
+      <p:cxnSp>
+        <p:nvCxnSpPr>
+          <p:cNvPr id="12" name="Straight Connector 11">
             <a:extLst>
               <a:ext uri="{FF2B5EF4-FFF2-40B4-BE49-F238E27FC236}">
-                <a16:creationId xmlns:a16="http://schemas.microsoft.com/office/drawing/2014/main" id="{B9D1EBE1-E0A4-5C44-B44E-E5865F526904}"/>
+                <a16:creationId xmlns:a16="http://schemas.microsoft.com/office/drawing/2014/main" id="{FD56F9B6-4C81-DD7A-C529-367A8BD48B92}"/>
+              </a:ext>
+            </a:extLst>
+          </p:cNvPr>
+          <p:cNvCxnSpPr>
+            <a:cxnSpLocks/>
+          </p:cNvCxnSpPr>
+          <p:nvPr/>
+        </p:nvCxnSpPr>
+        <p:spPr>
+          <a:xfrm>
+            <a:off x="309080" y="5211902"/>
+            <a:ext cx="11311848" cy="0"/>
+          </a:xfrm>
+          <a:prstGeom prst="line">
+            <a:avLst/>
+          </a:prstGeom>
+          <a:ln w="19050"/>
+        </p:spPr>
+        <p:style>
+          <a:lnRef idx="1">
+            <a:schemeClr val="accent1"/>
+          </a:lnRef>
+          <a:fillRef idx="0">
+            <a:schemeClr val="accent1"/>
+          </a:fillRef>
+          <a:effectRef idx="0">
+            <a:schemeClr val="accent1"/>
+          </a:effectRef>
+          <a:fontRef idx="minor">
+            <a:schemeClr val="tx1"/>
+          </a:fontRef>
+        </p:style>
+      </p:cxnSp>
+      <p:sp>
+        <p:nvSpPr>
+          <p:cNvPr id="13" name="TextBox 12">
+            <a:extLst>
+              <a:ext uri="{FF2B5EF4-FFF2-40B4-BE49-F238E27FC236}">
+                <a16:creationId xmlns:a16="http://schemas.microsoft.com/office/drawing/2014/main" id="{79DAE71E-E2CE-9DA2-16F4-52790EF15ADF}"/>
               </a:ext>
             </a:extLst>
           </p:cNvPr>
@@ -4919,8 +4958,8 @@
         </p:nvSpPr>
         <p:spPr>
           <a:xfrm>
-            <a:off x="8768615" y="3567762"/>
-            <a:ext cx="2204186" cy="369332"/>
+            <a:off x="384583" y="5272669"/>
+            <a:ext cx="2069247" cy="369332"/>
           </a:xfrm>
           <a:prstGeom prst="rect">
             <a:avLst/>
@@ -4934,18 +4973,61 @@
           <a:lstStyle/>
           <a:p>
             <a:r>
-              <a:rPr lang="en-US" dirty="0"/>
-              <a:t>Theory</a:t>
-            </a:r>
-          </a:p>
-        </p:txBody>
-      </p:sp>
-      <p:sp>
-        <p:nvSpPr>
-          <p:cNvPr id="8" name="TextBox 7">
+              <a:rPr lang="en-US" dirty="0">
+                <a:solidFill>
+                  <a:srgbClr val="FF0000"/>
+                </a:solidFill>
+              </a:rPr>
+              <a:t>not tenure-track</a:t>
+            </a:r>
+          </a:p>
+        </p:txBody>
+      </p:sp>
+      <p:cxnSp>
+        <p:nvCxnSpPr>
+          <p:cNvPr id="14" name="Straight Connector 13">
             <a:extLst>
               <a:ext uri="{FF2B5EF4-FFF2-40B4-BE49-F238E27FC236}">
-                <a16:creationId xmlns:a16="http://schemas.microsoft.com/office/drawing/2014/main" id="{1B4807E7-D132-A34F-A289-E923FE0D4FA7}"/>
+                <a16:creationId xmlns:a16="http://schemas.microsoft.com/office/drawing/2014/main" id="{20A276CB-DC80-31BA-90E6-0544B1B8DEB5}"/>
+              </a:ext>
+            </a:extLst>
+          </p:cNvPr>
+          <p:cNvCxnSpPr>
+            <a:cxnSpLocks/>
+          </p:cNvCxnSpPr>
+          <p:nvPr/>
+        </p:nvCxnSpPr>
+        <p:spPr>
+          <a:xfrm>
+            <a:off x="5787343" y="1936085"/>
+            <a:ext cx="0" cy="4649650"/>
+          </a:xfrm>
+          <a:prstGeom prst="line">
+            <a:avLst/>
+          </a:prstGeom>
+          <a:ln w="19050"/>
+        </p:spPr>
+        <p:style>
+          <a:lnRef idx="1">
+            <a:schemeClr val="accent1"/>
+          </a:lnRef>
+          <a:fillRef idx="0">
+            <a:schemeClr val="accent1"/>
+          </a:fillRef>
+          <a:effectRef idx="0">
+            <a:schemeClr val="accent1"/>
+          </a:effectRef>
+          <a:fontRef idx="minor">
+            <a:schemeClr val="tx1"/>
+          </a:fontRef>
+        </p:style>
+      </p:cxnSp>
+      <p:sp>
+        <p:nvSpPr>
+          <p:cNvPr id="22" name="TextBox 21">
+            <a:extLst>
+              <a:ext uri="{FF2B5EF4-FFF2-40B4-BE49-F238E27FC236}">
+                <a16:creationId xmlns:a16="http://schemas.microsoft.com/office/drawing/2014/main" id="{018A04AE-1153-E68E-01A7-9F7BBF3D4B95}"/>
               </a:ext>
             </a:extLst>
           </p:cNvPr>
@@ -4954,8 +5036,8 @@
         </p:nvSpPr>
         <p:spPr>
           <a:xfrm>
-            <a:off x="10252648" y="152900"/>
-            <a:ext cx="1810398" cy="1077218"/>
+            <a:off x="3325381" y="2131129"/>
+            <a:ext cx="2338542" cy="369332"/>
           </a:xfrm>
           <a:prstGeom prst="rect">
             <a:avLst/>
@@ -4968,14 +5050,53 @@
           </a:bodyPr>
           <a:lstStyle/>
           <a:p>
-            <a:pPr algn="ctr"/>
-            <a:r>
-              <a:rPr lang="en-US" sz="3200" dirty="0">
+            <a:pPr algn="r"/>
+            <a:r>
+              <a:rPr lang="en-US" dirty="0">
                 <a:solidFill>
                   <a:srgbClr val="FF0000"/>
                 </a:solidFill>
               </a:rPr>
-              <a:t>Ask your TAs!!!</a:t>
+              <a:t>subject matter expert</a:t>
+            </a:r>
+          </a:p>
+        </p:txBody>
+      </p:sp>
+      <p:sp>
+        <p:nvSpPr>
+          <p:cNvPr id="23" name="TextBox 22">
+            <a:extLst>
+              <a:ext uri="{FF2B5EF4-FFF2-40B4-BE49-F238E27FC236}">
+                <a16:creationId xmlns:a16="http://schemas.microsoft.com/office/drawing/2014/main" id="{B3D6A0EF-6DFD-29F7-61C9-BC575E8744D6}"/>
+              </a:ext>
+            </a:extLst>
+          </p:cNvPr>
+          <p:cNvSpPr txBox="1"/>
+          <p:nvPr/>
+        </p:nvSpPr>
+        <p:spPr>
+          <a:xfrm>
+            <a:off x="5903228" y="2131129"/>
+            <a:ext cx="4263085" cy="369332"/>
+          </a:xfrm>
+          <a:prstGeom prst="rect">
+            <a:avLst/>
+          </a:prstGeom>
+          <a:noFill/>
+        </p:spPr>
+        <p:txBody>
+          <a:bodyPr wrap="square" rtlCol="0">
+            <a:spAutoFit/>
+          </a:bodyPr>
+          <a:lstStyle/>
+          <a:p>
+            <a:r>
+              <a:rPr lang="en-US" dirty="0">
+                <a:solidFill>
+                  <a:srgbClr val="FF0000"/>
+                </a:solidFill>
+              </a:rPr>
+              <a:t>teaching science and practice expert</a:t>
             </a:r>
           </a:p>
         </p:txBody>
@@ -4983,7 +5104,7 @@
     </p:spTree>
     <p:extLst>
       <p:ext uri="{BB962C8B-B14F-4D97-AF65-F5344CB8AC3E}">
-        <p14:creationId xmlns:p14="http://schemas.microsoft.com/office/powerpoint/2010/main" val="818717256"/>
+        <p14:creationId xmlns:p14="http://schemas.microsoft.com/office/powerpoint/2010/main" val="523766726"/>
       </p:ext>
     </p:extLst>
   </p:cSld>
@@ -5031,7 +5152,10 @@
           <a:bodyPr/>
           <a:lstStyle/>
           <a:p>
-            <a:endParaRPr lang="en-US"/>
+            <a:r>
+              <a:rPr lang="en-US" dirty="0"/>
+              <a:t>Job Search Process Points</a:t>
+            </a:r>
           </a:p>
         </p:txBody>
       </p:sp>
@@ -5054,7 +5178,7 @@
         <p:spPr>
           <a:xfrm>
             <a:off x="838200" y="1825625"/>
-            <a:ext cx="10515600" cy="4121641"/>
+            <a:ext cx="10515600" cy="4914679"/>
           </a:xfrm>
           <a:prstGeom prst="rect">
             <a:avLst/>
@@ -5083,7 +5207,15 @@
           <a:p>
             <a:r>
               <a:rPr lang="en-US" dirty="0"/>
-              <a:t>Build your own portfolio, get internships, COOP  and/or work with faculty</a:t>
+              <a:t>Build your own portfolio</a:t>
+            </a:r>
+            <a:r>
+              <a:rPr lang="en-US" baseline="30000" dirty="0"/>
+              <a:t>1</a:t>
+            </a:r>
+            <a:r>
+              <a:rPr lang="en-US" dirty="0"/>
+              <a:t>, get internships, COOP  and/or work with faculty</a:t>
             </a:r>
           </a:p>
           <a:p>
@@ -5123,6 +5255,19 @@
             <a:r>
               <a:rPr lang="en-US" dirty="0"/>
               <a:t>says specific things about you that compare favorably with rest of group</a:t>
+            </a:r>
+            <a:br>
+              <a:rPr lang="en-US" dirty="0"/>
+            </a:br>
+            <a:endParaRPr lang="en-US" dirty="0"/>
+          </a:p>
+          <a:p>
+            <a:pPr marL="0" indent="0">
+              <a:buNone/>
+            </a:pPr>
+            <a:r>
+              <a:rPr lang="en-US" sz="2400" dirty="0"/>
+              <a:t>1. I wish this wasn’t good advice, it’s blatantly discriminatory.</a:t>
             </a:r>
           </a:p>
         </p:txBody>
@@ -5159,7 +5304,13 @@
       </p:grpSpPr>
       <p:sp>
         <p:nvSpPr>
-          <p:cNvPr id="2" name="Title 1"/>
+          <p:cNvPr id="2" name="Title 1">
+            <a:extLst>
+              <a:ext uri="{FF2B5EF4-FFF2-40B4-BE49-F238E27FC236}">
+                <a16:creationId xmlns:a16="http://schemas.microsoft.com/office/drawing/2014/main" id="{10F9E1B0-4780-53FD-26CE-FDA8D545D7C3}"/>
+              </a:ext>
+            </a:extLst>
+          </p:cNvPr>
           <p:cNvSpPr>
             <a:spLocks noGrp="1"/>
           </p:cNvSpPr>
@@ -5174,14 +5325,20 @@
           <a:p>
             <a:r>
               <a:rPr lang="en-US" dirty="0"/>
-              <a:t>Final review</a:t>
-            </a:r>
-          </a:p>
-        </p:txBody>
-      </p:sp>
-      <p:sp>
-        <p:nvSpPr>
-          <p:cNvPr id="3" name="Content Placeholder 2"/>
+              <a:t>At work</a:t>
+            </a:r>
+          </a:p>
+        </p:txBody>
+      </p:sp>
+      <p:sp>
+        <p:nvSpPr>
+          <p:cNvPr id="3" name="Content Placeholder 2">
+            <a:extLst>
+              <a:ext uri="{FF2B5EF4-FFF2-40B4-BE49-F238E27FC236}">
+                <a16:creationId xmlns:a16="http://schemas.microsoft.com/office/drawing/2014/main" id="{C8B8F99D-3492-A1A3-25A4-18B2BBF50294}"/>
+              </a:ext>
+            </a:extLst>
+          </p:cNvPr>
           <p:cNvSpPr>
             <a:spLocks noGrp="1"/>
           </p:cNvSpPr>
@@ -5191,87 +5348,36 @@
         </p:nvSpPr>
         <p:spPr/>
         <p:txBody>
-          <a:bodyPr>
-            <a:normAutofit fontScale="85000" lnSpcReduction="20000"/>
-          </a:bodyPr>
-          <a:lstStyle/>
-          <a:p>
-            <a:r>
-              <a:rPr lang="en-US" dirty="0"/>
-              <a:t>Monitor Piazza forum closely – ask well setup questions</a:t>
-            </a:r>
-          </a:p>
-          <a:p>
-            <a:r>
-              <a:rPr lang="en-US" dirty="0"/>
-              <a:t>Work through problems (as opposed to reviewing solutions)</a:t>
-            </a:r>
-          </a:p>
-          <a:p>
-            <a:r>
-              <a:rPr lang="en-US" dirty="0"/>
-              <a:t>Focus on WHY you type the code you do</a:t>
+          <a:bodyPr/>
+          <a:lstStyle/>
+          <a:p>
+            <a:r>
+              <a:rPr lang="en-US" dirty="0"/>
+              <a:t>No one has time for the employee who needs to be given a detailed description of what to do</a:t>
+            </a:r>
+          </a:p>
+          <a:p>
+            <a:endParaRPr lang="en-US" dirty="0"/>
+          </a:p>
+          <a:p>
+            <a:r>
+              <a:rPr lang="en-US" dirty="0"/>
+              <a:t>It’s easy to be fun to be around when you know what you are doing</a:t>
             </a:r>
           </a:p>
           <a:p>
             <a:pPr lvl="1"/>
             <a:r>
               <a:rPr lang="en-US" dirty="0"/>
-              <a:t>What rule? What observation? What idea?</a:t>
-            </a:r>
-          </a:p>
-          <a:p>
-            <a:pPr lvl="1"/>
-            <a:endParaRPr lang="en-US" dirty="0"/>
-          </a:p>
-          <a:p>
-            <a:r>
-              <a:rPr lang="en-US" dirty="0"/>
-              <a:t>Work through them online</a:t>
-            </a:r>
-          </a:p>
-          <a:p>
-            <a:r>
-              <a:rPr lang="en-US" dirty="0"/>
-              <a:t>Practice getting RUNNING solutions</a:t>
-            </a:r>
-          </a:p>
-          <a:p>
-            <a:r>
-              <a:rPr lang="en-US" dirty="0"/>
-              <a:t>Work through being stuck, don’t just look at the solution</a:t>
-            </a:r>
-          </a:p>
-          <a:p>
-            <a:r>
-              <a:rPr lang="en-US" dirty="0"/>
-              <a:t>Work in office hours (hints are better than looking at solutions)</a:t>
-            </a:r>
-          </a:p>
-          <a:p>
-            <a:r>
-              <a:rPr lang="en-US" dirty="0"/>
-              <a:t>Work in 2.5 hour chunks w/o interruption</a:t>
-            </a:r>
-          </a:p>
-          <a:p>
-            <a:endParaRPr lang="en-US" dirty="0"/>
-          </a:p>
-          <a:p>
-            <a:r>
-              <a:rPr lang="en-US" dirty="0"/>
-              <a:t>Several hours every day beats 24 hours the day before the exam</a:t>
-            </a:r>
-          </a:p>
-          <a:p>
-            <a:endParaRPr lang="en-US" dirty="0"/>
+              <a:t>teams want people who are fun to be around when they don’t know what they are doing</a:t>
+            </a:r>
           </a:p>
         </p:txBody>
       </p:sp>
     </p:spTree>
     <p:extLst>
       <p:ext uri="{BB962C8B-B14F-4D97-AF65-F5344CB8AC3E}">
-        <p14:creationId xmlns:p14="http://schemas.microsoft.com/office/powerpoint/2010/main" val="1012606840"/>
+        <p14:creationId xmlns:p14="http://schemas.microsoft.com/office/powerpoint/2010/main" val="2549518288"/>
       </p:ext>
     </p:extLst>
   </p:cSld>
@@ -5328,6 +5434,55 @@
           </a:prstGeom>
         </p:spPr>
       </p:pic>
+      <p:sp>
+        <p:nvSpPr>
+          <p:cNvPr id="2" name="TextBox 1">
+            <a:extLst>
+              <a:ext uri="{FF2B5EF4-FFF2-40B4-BE49-F238E27FC236}">
+                <a16:creationId xmlns:a16="http://schemas.microsoft.com/office/drawing/2014/main" id="{C8C9AB69-8F61-25CD-E749-5C435BF45CEA}"/>
+              </a:ext>
+            </a:extLst>
+          </p:cNvPr>
+          <p:cNvSpPr txBox="1"/>
+          <p:nvPr/>
+        </p:nvSpPr>
+        <p:spPr>
+          <a:xfrm>
+            <a:off x="7941923" y="421241"/>
+            <a:ext cx="3883631" cy="1015663"/>
+          </a:xfrm>
+          <a:prstGeom prst="rect">
+            <a:avLst/>
+          </a:prstGeom>
+          <a:noFill/>
+        </p:spPr>
+        <p:txBody>
+          <a:bodyPr wrap="square" rtlCol="0">
+            <a:spAutoFit/>
+          </a:bodyPr>
+          <a:lstStyle/>
+          <a:p>
+            <a:r>
+              <a:rPr lang="en-US" sz="2000" dirty="0">
+                <a:solidFill>
+                  <a:srgbClr val="FF0000"/>
+                </a:solidFill>
+              </a:rPr>
+              <a:t>There will be a number of clickers!</a:t>
+            </a:r>
+          </a:p>
+          <a:p>
+            <a:r>
+              <a:rPr lang="en-US" sz="2000" dirty="0">
+                <a:solidFill>
+                  <a:srgbClr val="FF0000"/>
+                </a:solidFill>
+              </a:rPr>
+              <a:t>All answers will be correct, but not answering will not be correct.</a:t>
+            </a:r>
+          </a:p>
+        </p:txBody>
+      </p:sp>
     </p:spTree>
     <p:extLst>
       <p:ext uri="{BB962C8B-B14F-4D97-AF65-F5344CB8AC3E}">
@@ -5342,6 +5497,311 @@
 </file>
 
 <file path=ppt/slides/slide20.xml><?xml version="1.0" encoding="utf-8"?>
+<p:sld xmlns:a="http://schemas.openxmlformats.org/drawingml/2006/main" xmlns:r="http://schemas.openxmlformats.org/officeDocument/2006/relationships" xmlns:p="http://schemas.openxmlformats.org/presentationml/2006/main">
+  <p:cSld>
+    <p:spTree>
+      <p:nvGrpSpPr>
+        <p:cNvPr id="1" name=""/>
+        <p:cNvGrpSpPr/>
+        <p:nvPr/>
+      </p:nvGrpSpPr>
+      <p:grpSpPr>
+        <a:xfrm>
+          <a:off x="0" y="0"/>
+          <a:ext cx="0" cy="0"/>
+          <a:chOff x="0" y="0"/>
+          <a:chExt cx="0" cy="0"/>
+        </a:xfrm>
+      </p:grpSpPr>
+      <p:sp>
+        <p:nvSpPr>
+          <p:cNvPr id="2" name="Title 1">
+            <a:extLst>
+              <a:ext uri="{FF2B5EF4-FFF2-40B4-BE49-F238E27FC236}">
+                <a16:creationId xmlns:a16="http://schemas.microsoft.com/office/drawing/2014/main" id="{024C97C4-0C09-B6D4-7A37-41DFBC6D4691}"/>
+              </a:ext>
+            </a:extLst>
+          </p:cNvPr>
+          <p:cNvSpPr>
+            <a:spLocks noGrp="1"/>
+          </p:cNvSpPr>
+          <p:nvPr>
+            <p:ph type="title"/>
+          </p:nvPr>
+        </p:nvSpPr>
+        <p:spPr/>
+        <p:txBody>
+          <a:bodyPr/>
+          <a:lstStyle/>
+          <a:p>
+            <a:r>
+              <a:rPr lang="en-US" dirty="0"/>
+              <a:t>What About Generative AI?</a:t>
+            </a:r>
+          </a:p>
+        </p:txBody>
+      </p:sp>
+      <p:sp>
+        <p:nvSpPr>
+          <p:cNvPr id="3" name="Content Placeholder 2">
+            <a:extLst>
+              <a:ext uri="{FF2B5EF4-FFF2-40B4-BE49-F238E27FC236}">
+                <a16:creationId xmlns:a16="http://schemas.microsoft.com/office/drawing/2014/main" id="{FA19CDD8-6D31-8ACA-AB4E-08B4DDDE49BA}"/>
+              </a:ext>
+            </a:extLst>
+          </p:cNvPr>
+          <p:cNvSpPr>
+            <a:spLocks noGrp="1"/>
+          </p:cNvSpPr>
+          <p:nvPr>
+            <p:ph idx="1"/>
+          </p:nvPr>
+        </p:nvSpPr>
+        <p:spPr>
+          <a:xfrm>
+            <a:off x="838199" y="1825625"/>
+            <a:ext cx="11254483" cy="4351338"/>
+          </a:xfrm>
+        </p:spPr>
+        <p:txBody>
+          <a:bodyPr>
+            <a:normAutofit fontScale="92500" lnSpcReduction="10000"/>
+          </a:bodyPr>
+          <a:lstStyle/>
+          <a:p>
+            <a:r>
+              <a:rPr lang="en-US" dirty="0"/>
+              <a:t>All kinds of work is about to change – maybe a lot</a:t>
+            </a:r>
+          </a:p>
+          <a:p>
+            <a:r>
+              <a:rPr lang="en-US" dirty="0"/>
+              <a:t>Long term isn’t clear</a:t>
+            </a:r>
+          </a:p>
+          <a:p>
+            <a:r>
+              <a:rPr lang="en-US" dirty="0"/>
+              <a:t>It does seem clear that in 2-3 years or less</a:t>
+            </a:r>
+          </a:p>
+          <a:p>
+            <a:pPr lvl="1"/>
+            <a:r>
+              <a:rPr lang="en-US" dirty="0"/>
+              <a:t>software engineers (including interns) will need to be able to use tools like Copilot (or similar tools) to be more </a:t>
+            </a:r>
+            <a:r>
+              <a:rPr lang="en-US" u="sng" dirty="0"/>
+              <a:t>productive</a:t>
+            </a:r>
+          </a:p>
+          <a:p>
+            <a:pPr lvl="2"/>
+            <a:r>
+              <a:rPr lang="en-US" dirty="0"/>
+              <a:t>produce/revise code faster</a:t>
+            </a:r>
+          </a:p>
+          <a:p>
+            <a:pPr lvl="2"/>
+            <a:r>
+              <a:rPr lang="en-US" dirty="0"/>
+              <a:t>produce better code</a:t>
+            </a:r>
+          </a:p>
+          <a:p>
+            <a:pPr lvl="2"/>
+            <a:r>
+              <a:rPr lang="en-US" dirty="0"/>
+              <a:t>…</a:t>
+            </a:r>
+          </a:p>
+          <a:p>
+            <a:pPr lvl="1"/>
+            <a:r>
+              <a:rPr lang="en-US" dirty="0"/>
+              <a:t>One part of that will be quickly evaluating code an AI tool proposes</a:t>
+            </a:r>
+          </a:p>
+          <a:p>
+            <a:pPr lvl="1"/>
+            <a:r>
+              <a:rPr lang="en-US" dirty="0"/>
+              <a:t>One part of that will be having a dialog with an AI tool about code you have written</a:t>
+            </a:r>
+          </a:p>
+          <a:p>
+            <a:r>
+              <a:rPr lang="en-US" dirty="0"/>
+              <a:t>We have tried to given you a foundation for that</a:t>
+            </a:r>
+          </a:p>
+          <a:p>
+            <a:pPr lvl="1"/>
+            <a:r>
+              <a:rPr lang="en-US" dirty="0"/>
+              <a:t>by focusing on design level constructs that exist across all languages and tools</a:t>
+            </a:r>
+          </a:p>
+        </p:txBody>
+      </p:sp>
+    </p:spTree>
+    <p:extLst>
+      <p:ext uri="{BB962C8B-B14F-4D97-AF65-F5344CB8AC3E}">
+        <p14:creationId xmlns:p14="http://schemas.microsoft.com/office/powerpoint/2010/main" val="1899560148"/>
+      </p:ext>
+    </p:extLst>
+  </p:cSld>
+  <p:clrMapOvr>
+    <a:masterClrMapping/>
+  </p:clrMapOvr>
+</p:sld>
+</file>
+
+<file path=ppt/slides/slide21.xml><?xml version="1.0" encoding="utf-8"?>
+<p:sld xmlns:a="http://schemas.openxmlformats.org/drawingml/2006/main" xmlns:r="http://schemas.openxmlformats.org/officeDocument/2006/relationships" xmlns:p="http://schemas.openxmlformats.org/presentationml/2006/main">
+  <p:cSld>
+    <p:spTree>
+      <p:nvGrpSpPr>
+        <p:cNvPr id="1" name=""/>
+        <p:cNvGrpSpPr/>
+        <p:nvPr/>
+      </p:nvGrpSpPr>
+      <p:grpSpPr>
+        <a:xfrm>
+          <a:off x="0" y="0"/>
+          <a:ext cx="0" cy="0"/>
+          <a:chOff x="0" y="0"/>
+          <a:chExt cx="0" cy="0"/>
+        </a:xfrm>
+      </p:grpSpPr>
+      <p:sp>
+        <p:nvSpPr>
+          <p:cNvPr id="2" name="Title 1"/>
+          <p:cNvSpPr>
+            <a:spLocks noGrp="1"/>
+          </p:cNvSpPr>
+          <p:nvPr>
+            <p:ph type="title"/>
+          </p:nvPr>
+        </p:nvSpPr>
+        <p:spPr/>
+        <p:txBody>
+          <a:bodyPr/>
+          <a:lstStyle/>
+          <a:p>
+            <a:r>
+              <a:rPr lang="en-US" dirty="0"/>
+              <a:t>Final review</a:t>
+            </a:r>
+          </a:p>
+        </p:txBody>
+      </p:sp>
+      <p:sp>
+        <p:nvSpPr>
+          <p:cNvPr id="3" name="Content Placeholder 2"/>
+          <p:cNvSpPr>
+            <a:spLocks noGrp="1"/>
+          </p:cNvSpPr>
+          <p:nvPr>
+            <p:ph idx="1"/>
+          </p:nvPr>
+        </p:nvSpPr>
+        <p:spPr/>
+        <p:txBody>
+          <a:bodyPr>
+            <a:normAutofit fontScale="85000" lnSpcReduction="20000"/>
+          </a:bodyPr>
+          <a:lstStyle/>
+          <a:p>
+            <a:r>
+              <a:rPr lang="en-US" dirty="0"/>
+              <a:t>Monitor Piazza forum closely – ask well setup questions</a:t>
+            </a:r>
+          </a:p>
+          <a:p>
+            <a:r>
+              <a:rPr lang="en-US" dirty="0"/>
+              <a:t>Work through problems (as opposed to reviewing solutions)</a:t>
+            </a:r>
+          </a:p>
+          <a:p>
+            <a:r>
+              <a:rPr lang="en-US" dirty="0"/>
+              <a:t>Focus on WHY you type the code you do</a:t>
+            </a:r>
+          </a:p>
+          <a:p>
+            <a:pPr lvl="1"/>
+            <a:r>
+              <a:rPr lang="en-US" dirty="0"/>
+              <a:t>What rule? What observation? What idea?</a:t>
+            </a:r>
+          </a:p>
+          <a:p>
+            <a:pPr lvl="1"/>
+            <a:endParaRPr lang="en-US" dirty="0"/>
+          </a:p>
+          <a:p>
+            <a:r>
+              <a:rPr lang="en-US" dirty="0"/>
+              <a:t>Work through them online</a:t>
+            </a:r>
+          </a:p>
+          <a:p>
+            <a:r>
+              <a:rPr lang="en-US" dirty="0"/>
+              <a:t>Practice getting RUNNING solutions</a:t>
+            </a:r>
+          </a:p>
+          <a:p>
+            <a:r>
+              <a:rPr lang="en-US" dirty="0"/>
+              <a:t>Work through being stuck, don’t just look at the solution</a:t>
+            </a:r>
+          </a:p>
+          <a:p>
+            <a:r>
+              <a:rPr lang="en-US" dirty="0"/>
+              <a:t>Work in office hours (hints are better than looking at solutions)</a:t>
+            </a:r>
+          </a:p>
+          <a:p>
+            <a:r>
+              <a:rPr lang="en-US" dirty="0"/>
+              <a:t>Work in 2.5 hour chunks w/o interruption</a:t>
+            </a:r>
+          </a:p>
+          <a:p>
+            <a:endParaRPr lang="en-US" dirty="0"/>
+          </a:p>
+          <a:p>
+            <a:r>
+              <a:rPr lang="en-US" dirty="0"/>
+              <a:t>Several hours every day beats 24 hours the day before the exam</a:t>
+            </a:r>
+          </a:p>
+          <a:p>
+            <a:endParaRPr lang="en-US" dirty="0"/>
+          </a:p>
+        </p:txBody>
+      </p:sp>
+    </p:spTree>
+    <p:extLst>
+      <p:ext uri="{BB962C8B-B14F-4D97-AF65-F5344CB8AC3E}">
+        <p14:creationId xmlns:p14="http://schemas.microsoft.com/office/powerpoint/2010/main" val="1012606840"/>
+      </p:ext>
+    </p:extLst>
+  </p:cSld>
+  <p:clrMapOvr>
+    <a:masterClrMapping/>
+  </p:clrMapOvr>
+</p:sld>
+</file>
+
+<file path=ppt/slides/slide22.xml><?xml version="1.0" encoding="utf-8"?>
 <p:sld xmlns:a="http://schemas.openxmlformats.org/drawingml/2006/main" xmlns:r="http://schemas.openxmlformats.org/officeDocument/2006/relationships" xmlns:p="http://schemas.openxmlformats.org/presentationml/2006/main">
   <p:cSld>
     <p:spTree>
@@ -5742,10 +6202,39 @@
       </p:grpSpPr>
       <p:sp>
         <p:nvSpPr>
-          <p:cNvPr id="2" name="Title 1">
+          <p:cNvPr id="2" name="Title 1"/>
+          <p:cNvSpPr>
+            <a:spLocks noGrp="1"/>
+          </p:cNvSpPr>
+          <p:nvPr>
+            <p:ph type="title"/>
+          </p:nvPr>
+        </p:nvSpPr>
+        <p:spPr/>
+        <p:txBody>
+          <a:bodyPr>
+            <a:normAutofit/>
+          </a:bodyPr>
+          <a:lstStyle/>
+          <a:p>
+            <a:pPr>
+              <a:lnSpc>
+                <a:spcPct val="150000"/>
+              </a:lnSpc>
+            </a:pPr>
+            <a:r>
+              <a:rPr lang="en-US" dirty="0"/>
+              <a:t>Plan for rest of today</a:t>
+            </a:r>
+          </a:p>
+        </p:txBody>
+      </p:sp>
+      <p:sp>
+        <p:nvSpPr>
+          <p:cNvPr id="8" name="Content Placeholder 7">
             <a:extLst>
               <a:ext uri="{FF2B5EF4-FFF2-40B4-BE49-F238E27FC236}">
-                <a16:creationId xmlns:a16="http://schemas.microsoft.com/office/drawing/2014/main" id="{01AAAE51-2865-259F-1D86-B02F80AAC6B2}"/>
+                <a16:creationId xmlns:a16="http://schemas.microsoft.com/office/drawing/2014/main" id="{DE8A77DE-1B86-0D4B-9485-4E45BC312FF9}"/>
               </a:ext>
             </a:extLst>
           </p:cNvPr>
@@ -5753,7 +6242,7 @@
             <a:spLocks noGrp="1"/>
           </p:cNvSpPr>
           <p:nvPr>
-            <p:ph type="title"/>
+            <p:ph idx="1"/>
           </p:nvPr>
         </p:nvSpPr>
         <p:spPr/>
@@ -5763,60 +6252,25 @@
           <a:p>
             <a:r>
               <a:rPr lang="en-US" dirty="0"/>
-              <a:t>Faculty In Your Future CS Courses</a:t>
-            </a:r>
-          </a:p>
-        </p:txBody>
-      </p:sp>
-      <p:sp>
-        <p:nvSpPr>
-          <p:cNvPr id="3" name="Content Placeholder 2">
-            <a:extLst>
-              <a:ext uri="{FF2B5EF4-FFF2-40B4-BE49-F238E27FC236}">
-                <a16:creationId xmlns:a16="http://schemas.microsoft.com/office/drawing/2014/main" id="{F0900D4D-9701-789B-B8AC-7723F07A0E40}"/>
-              </a:ext>
-            </a:extLst>
-          </p:cNvPr>
-          <p:cNvSpPr>
-            <a:spLocks noGrp="1"/>
-          </p:cNvSpPr>
-          <p:nvPr>
-            <p:ph idx="1"/>
-          </p:nvPr>
-        </p:nvSpPr>
-        <p:spPr/>
-        <p:txBody>
-          <a:bodyPr/>
-          <a:lstStyle/>
-          <a:p>
-            <a:r>
-              <a:rPr lang="en-US" dirty="0"/>
-              <a:t>A diversity of specializations: programming languages, software engineering, systems, graphics, HCI, machine learning, algorithms, numerical computation, CS education, … and more</a:t>
-            </a:r>
-          </a:p>
-          <a:p>
-            <a:r>
-              <a:rPr lang="en-US" dirty="0"/>
-              <a:t>And lots of other diversity too</a:t>
-            </a:r>
-          </a:p>
-          <a:p>
-            <a:pPr lvl="2"/>
-            <a:r>
-              <a:rPr lang="en-US" dirty="0"/>
-              <a:t>black, Asian… gay, straight… cisgender, trans… native, immigrant…</a:t>
-            </a:r>
-          </a:p>
-          <a:p>
-            <a:r>
-              <a:rPr lang="en-US" dirty="0"/>
-              <a:t>Respect every one of them</a:t>
-            </a:r>
-          </a:p>
-          <a:p>
-            <a:r>
-              <a:rPr lang="en-US" dirty="0"/>
-              <a:t>They are great people and great teachers</a:t>
+              <a:t>What have you learned?</a:t>
+            </a:r>
+          </a:p>
+          <a:p>
+            <a:r>
+              <a:rPr lang="en-US" dirty="0"/>
+              <a:t>What about other languages?</a:t>
+            </a:r>
+          </a:p>
+          <a:p>
+            <a:r>
+              <a:rPr lang="en-US" dirty="0"/>
+              <a:t>What’s next?</a:t>
+            </a:r>
+          </a:p>
+          <a:p>
+            <a:r>
+              <a:rPr lang="en-US" dirty="0"/>
+              <a:t>Student Survey</a:t>
             </a:r>
           </a:p>
         </p:txBody>
@@ -5824,7 +6278,7 @@
     </p:spTree>
     <p:extLst>
       <p:ext uri="{BB962C8B-B14F-4D97-AF65-F5344CB8AC3E}">
-        <p14:creationId xmlns:p14="http://schemas.microsoft.com/office/powerpoint/2010/main" val="2754269088"/>
+        <p14:creationId xmlns:p14="http://schemas.microsoft.com/office/powerpoint/2010/main" val="2630507906"/>
       </p:ext>
     </p:extLst>
   </p:cSld>
@@ -5853,39 +6307,10 @@
       </p:grpSpPr>
       <p:sp>
         <p:nvSpPr>
-          <p:cNvPr id="2" name="Title 1"/>
-          <p:cNvSpPr>
-            <a:spLocks noGrp="1"/>
-          </p:cNvSpPr>
-          <p:nvPr>
-            <p:ph type="title"/>
-          </p:nvPr>
-        </p:nvSpPr>
-        <p:spPr/>
-        <p:txBody>
-          <a:bodyPr>
-            <a:normAutofit/>
-          </a:bodyPr>
-          <a:lstStyle/>
-          <a:p>
-            <a:pPr>
-              <a:lnSpc>
-                <a:spcPct val="150000"/>
-              </a:lnSpc>
-            </a:pPr>
-            <a:r>
-              <a:rPr lang="en-US" dirty="0"/>
-              <a:t>Plan for rest of today</a:t>
-            </a:r>
-          </a:p>
-        </p:txBody>
-      </p:sp>
-      <p:sp>
-        <p:nvSpPr>
-          <p:cNvPr id="8" name="Content Placeholder 7">
+          <p:cNvPr id="2" name="Title 1">
             <a:extLst>
               <a:ext uri="{FF2B5EF4-FFF2-40B4-BE49-F238E27FC236}">
-                <a16:creationId xmlns:a16="http://schemas.microsoft.com/office/drawing/2014/main" id="{DE8A77DE-1B86-0D4B-9485-4E45BC312FF9}"/>
+                <a16:creationId xmlns:a16="http://schemas.microsoft.com/office/drawing/2014/main" id="{628B3CBF-7A18-F54F-92E2-B975D203BF2F}"/>
               </a:ext>
             </a:extLst>
           </p:cNvPr>
@@ -5893,6 +6318,34 @@
             <a:spLocks noGrp="1"/>
           </p:cNvSpPr>
           <p:nvPr>
+            <p:ph type="title"/>
+          </p:nvPr>
+        </p:nvSpPr>
+        <p:spPr/>
+        <p:txBody>
+          <a:bodyPr/>
+          <a:lstStyle/>
+          <a:p>
+            <a:r>
+              <a:rPr lang="en-US" dirty="0"/>
+              <a:t>What have you learned ... about design?</a:t>
+            </a:r>
+          </a:p>
+        </p:txBody>
+      </p:sp>
+      <p:sp>
+        <p:nvSpPr>
+          <p:cNvPr id="3" name="Content Placeholder 2">
+            <a:extLst>
+              <a:ext uri="{FF2B5EF4-FFF2-40B4-BE49-F238E27FC236}">
+                <a16:creationId xmlns:a16="http://schemas.microsoft.com/office/drawing/2014/main" id="{22ACEF78-0A45-E74E-9B25-4DB16636EE7C}"/>
+              </a:ext>
+            </a:extLst>
+          </p:cNvPr>
+          <p:cNvSpPr>
+            <a:spLocks noGrp="1"/>
+          </p:cNvSpPr>
+          <p:nvPr>
             <p:ph idx="1"/>
           </p:nvPr>
         </p:nvSpPr>
@@ -5902,32 +6355,50 @@
           <a:lstStyle/>
           <a:p>
             <a:r>
-              <a:rPr lang="en-US" dirty="0"/>
-              <a:t>What about other languages?</a:t>
-            </a:r>
-          </a:p>
-          <a:p>
-            <a:r>
-              <a:rPr lang="en-US" dirty="0"/>
-              <a:t>What have you learned?</a:t>
-            </a:r>
-          </a:p>
-          <a:p>
-            <a:r>
-              <a:rPr lang="en-US" dirty="0"/>
-              <a:t>How do we feel about the final?</a:t>
-            </a:r>
-          </a:p>
-          <a:p>
-            <a:r>
-              <a:rPr lang="en-US" dirty="0"/>
-              <a:t>What’s next?</a:t>
-            </a:r>
-          </a:p>
-          <a:p>
-            <a:r>
-              <a:rPr lang="en-US" dirty="0"/>
-              <a:t>Student Survey</a:t>
+              <a:rPr lang="en-US" sz="3600" dirty="0"/>
+              <a:t>Figuring out what you actually want is half the battle</a:t>
+            </a:r>
+          </a:p>
+          <a:p>
+            <a:endParaRPr lang="en-US" dirty="0"/>
+          </a:p>
+          <a:p>
+            <a:pPr lvl="1"/>
+            <a:r>
+              <a:rPr lang="en-US" dirty="0"/>
+              <a:t>signature</a:t>
+            </a:r>
+          </a:p>
+          <a:p>
+            <a:pPr lvl="1"/>
+            <a:r>
+              <a:rPr lang="en-US" dirty="0"/>
+              <a:t>purpose</a:t>
+            </a:r>
+          </a:p>
+          <a:p>
+            <a:pPr lvl="1"/>
+            <a:r>
+              <a:rPr lang="en-US" dirty="0"/>
+              <a:t>examples (wrapped in check-expect)</a:t>
+            </a:r>
+          </a:p>
+          <a:p>
+            <a:pPr lvl="1"/>
+            <a:endParaRPr lang="en-US" dirty="0"/>
+          </a:p>
+          <a:p>
+            <a:pPr lvl="1"/>
+            <a:r>
+              <a:rPr lang="en-US" dirty="0"/>
+              <a:t>information examples</a:t>
+            </a:r>
+          </a:p>
+          <a:p>
+            <a:pPr lvl="1"/>
+            <a:r>
+              <a:rPr lang="en-US" dirty="0"/>
+              <a:t>interpretation</a:t>
             </a:r>
           </a:p>
         </p:txBody>
@@ -5935,7 +6406,7 @@
     </p:spTree>
     <p:extLst>
       <p:ext uri="{BB962C8B-B14F-4D97-AF65-F5344CB8AC3E}">
-        <p14:creationId xmlns:p14="http://schemas.microsoft.com/office/powerpoint/2010/main" val="2630507906"/>
+        <p14:creationId xmlns:p14="http://schemas.microsoft.com/office/powerpoint/2010/main" val="861622272"/>
       </p:ext>
     </p:extLst>
   </p:cSld>
@@ -6013,7 +6484,7 @@
           <a:p>
             <a:r>
               <a:rPr lang="en-US" sz="3600" dirty="0"/>
-              <a:t>Figuring out what you actually want is half the battle</a:t>
+              <a:t>then the structure of the solution</a:t>
             </a:r>
           </a:p>
           <a:p>
@@ -6023,21 +6494,14 @@
             <a:pPr lvl="1"/>
             <a:r>
               <a:rPr lang="en-US" dirty="0"/>
-              <a:t>signature</a:t>
+              <a:t>template origins</a:t>
             </a:r>
           </a:p>
           <a:p>
             <a:pPr lvl="1"/>
             <a:r>
               <a:rPr lang="en-US" dirty="0"/>
-              <a:t>purpose</a:t>
-            </a:r>
-          </a:p>
-          <a:p>
-            <a:pPr lvl="1"/>
-            <a:r>
-              <a:rPr lang="en-US" dirty="0"/>
-              <a:t>examples (wrapped in check-expect)</a:t>
+              <a:t>accumulator types and invariants</a:t>
             </a:r>
           </a:p>
           <a:p>
@@ -6045,17 +6509,66 @@
             <a:endParaRPr lang="en-US" dirty="0"/>
           </a:p>
           <a:p>
+            <a:r>
+              <a:rPr lang="en-US" sz="3600" dirty="0"/>
+              <a:t>and the details</a:t>
+            </a:r>
+          </a:p>
+          <a:p>
+            <a:endParaRPr lang="en-US" dirty="0"/>
+          </a:p>
+          <a:p>
             <a:pPr lvl="1"/>
             <a:r>
               <a:rPr lang="en-US" dirty="0"/>
-              <a:t>information examples</a:t>
+              <a:t>fill in … according to all above</a:t>
             </a:r>
           </a:p>
           <a:p>
             <a:pPr lvl="1"/>
             <a:r>
               <a:rPr lang="en-US" dirty="0"/>
-              <a:t>interpretation</a:t>
+              <a:t>debug</a:t>
+            </a:r>
+          </a:p>
+          <a:p>
+            <a:endParaRPr lang="en-US" dirty="0"/>
+          </a:p>
+        </p:txBody>
+      </p:sp>
+      <p:sp>
+        <p:nvSpPr>
+          <p:cNvPr id="4" name="TextBox 3">
+            <a:extLst>
+              <a:ext uri="{FF2B5EF4-FFF2-40B4-BE49-F238E27FC236}">
+                <a16:creationId xmlns:a16="http://schemas.microsoft.com/office/drawing/2014/main" id="{A5490351-7D8A-D040-AC37-B7B0B88C93A9}"/>
+              </a:ext>
+            </a:extLst>
+          </p:cNvPr>
+          <p:cNvSpPr txBox="1"/>
+          <p:nvPr/>
+        </p:nvSpPr>
+        <p:spPr>
+          <a:xfrm>
+            <a:off x="7506586" y="5653743"/>
+            <a:ext cx="4391245" cy="523220"/>
+          </a:xfrm>
+          <a:prstGeom prst="rect">
+            <a:avLst/>
+          </a:prstGeom>
+          <a:noFill/>
+        </p:spPr>
+        <p:txBody>
+          <a:bodyPr wrap="square" rtlCol="0">
+            <a:spAutoFit/>
+          </a:bodyPr>
+          <a:lstStyle/>
+          <a:p>
+            <a:r>
+              <a:rPr lang="en-US" sz="2800" dirty="0">
+                <a:latin typeface="Monaco" pitchFamily="2" charset="77"/>
+              </a:rPr>
+              <a:t>All 5 tests pass!</a:t>
             </a:r>
           </a:p>
         </p:txBody>
@@ -6063,7 +6576,7 @@
     </p:spTree>
     <p:extLst>
       <p:ext uri="{BB962C8B-B14F-4D97-AF65-F5344CB8AC3E}">
-        <p14:creationId xmlns:p14="http://schemas.microsoft.com/office/powerpoint/2010/main" val="861622272"/>
+        <p14:creationId xmlns:p14="http://schemas.microsoft.com/office/powerpoint/2010/main" val="406896256"/>
       </p:ext>
     </p:extLst>
   </p:cSld>
@@ -6134,31 +6647,57 @@
             <p:ph idx="1"/>
           </p:nvPr>
         </p:nvSpPr>
-        <p:spPr/>
-        <p:txBody>
-          <a:bodyPr/>
+        <p:spPr>
+          <a:xfrm>
+            <a:off x="838200" y="1825625"/>
+            <a:ext cx="10515600" cy="4830356"/>
+          </a:xfrm>
+        </p:spPr>
+        <p:txBody>
+          <a:bodyPr>
+            <a:normAutofit/>
+          </a:bodyPr>
           <a:lstStyle/>
           <a:p>
             <a:r>
               <a:rPr lang="en-US" sz="3600" dirty="0"/>
-              <a:t>then the structure of the solution</a:t>
+              <a:t>but sometimes</a:t>
             </a:r>
           </a:p>
           <a:p>
             <a:endParaRPr lang="en-US" dirty="0"/>
           </a:p>
           <a:p>
+            <a:endParaRPr lang="en-US" dirty="0"/>
+          </a:p>
+          <a:p>
+            <a:endParaRPr lang="en-US" dirty="0"/>
+          </a:p>
+          <a:p>
+            <a:endParaRPr lang="en-US" dirty="0"/>
+          </a:p>
+          <a:p>
+            <a:endParaRPr lang="en-US" dirty="0"/>
+          </a:p>
+          <a:p>
             <a:pPr lvl="1"/>
             <a:r>
               <a:rPr lang="en-US" dirty="0"/>
-              <a:t>template origins</a:t>
+              <a:t>despite your best efforts</a:t>
             </a:r>
           </a:p>
           <a:p>
             <a:pPr lvl="1"/>
             <a:r>
               <a:rPr lang="en-US" dirty="0"/>
-              <a:t>accumulator types and invariants</a:t>
+              <a:t>what you end up with is not what you really wanted</a:t>
+            </a:r>
+          </a:p>
+          <a:p>
+            <a:pPr lvl="1"/>
+            <a:r>
+              <a:rPr lang="en-US" dirty="0"/>
+              <a:t>go back and systematically revise the design, and learn from that error</a:t>
             </a:r>
           </a:p>
           <a:p>
@@ -6166,27 +6705,10 @@
             <a:endParaRPr lang="en-US" dirty="0"/>
           </a:p>
           <a:p>
-            <a:r>
-              <a:rPr lang="en-US" sz="3600" dirty="0"/>
-              <a:t>and the details</a:t>
-            </a:r>
-          </a:p>
-          <a:p>
+            <a:pPr marL="457200" lvl="1" indent="0">
+              <a:buNone/>
+            </a:pPr>
             <a:endParaRPr lang="en-US" dirty="0"/>
-          </a:p>
-          <a:p>
-            <a:pPr lvl="1"/>
-            <a:r>
-              <a:rPr lang="en-US" dirty="0"/>
-              <a:t>fill in … according to all above</a:t>
-            </a:r>
-          </a:p>
-          <a:p>
-            <a:pPr lvl="1"/>
-            <a:r>
-              <a:rPr lang="en-US" dirty="0"/>
-              <a:t>debug</a:t>
-            </a:r>
           </a:p>
           <a:p>
             <a:endParaRPr lang="en-US" dirty="0"/>
@@ -6198,7 +6720,7 @@
           <p:cNvPr id="4" name="TextBox 3">
             <a:extLst>
               <a:ext uri="{FF2B5EF4-FFF2-40B4-BE49-F238E27FC236}">
-                <a16:creationId xmlns:a16="http://schemas.microsoft.com/office/drawing/2014/main" id="{A5490351-7D8A-D040-AC37-B7B0B88C93A9}"/>
+                <a16:creationId xmlns:a16="http://schemas.microsoft.com/office/drawing/2014/main" id="{9DAEF986-FC6E-2540-8868-F58DD833305B}"/>
               </a:ext>
             </a:extLst>
           </p:cNvPr>
@@ -6207,8 +6729,8 @@
         </p:nvSpPr>
         <p:spPr>
           <a:xfrm>
-            <a:off x="7506586" y="5653743"/>
-            <a:ext cx="4391245" cy="523220"/>
+            <a:off x="170121" y="2858034"/>
+            <a:ext cx="11851758" cy="1323439"/>
           </a:xfrm>
           <a:prstGeom prst="rect">
             <a:avLst/>
@@ -6221,19 +6743,42 @@
           </a:bodyPr>
           <a:lstStyle/>
           <a:p>
-            <a:r>
-              <a:rPr lang="en-US" sz="2800" dirty="0">
+            <a:br>
+              <a:rPr lang="en-CA" sz="1600" dirty="0">
                 <a:latin typeface="Monaco" pitchFamily="2" charset="77"/>
               </a:rPr>
-              <a:t>All 5 tests pass!</a:t>
-            </a:r>
+            </a:br>
+            <a:endParaRPr lang="en-CA" sz="1600" dirty="0">
+              <a:latin typeface="Monaco" pitchFamily="2" charset="77"/>
+            </a:endParaRPr>
+          </a:p>
+          <a:p>
+            <a:r>
+              <a:rPr lang="en-CA" sz="1600" dirty="0">
+                <a:latin typeface="Monaco" pitchFamily="2" charset="77"/>
+              </a:rPr>
+              <a:t>  50% of  50%   Submitted tests: correct - all submitted test pass. </a:t>
+            </a:r>
+          </a:p>
+          <a:p>
+            <a:r>
+              <a:rPr lang="en-CA" sz="1600" dirty="0">
+                <a:latin typeface="Monaco" pitchFamily="2" charset="77"/>
+              </a:rPr>
+              <a:t>   0% of  50%   Additional tests: incorrect - 3 autograder internal additional tests failed. </a:t>
+            </a:r>
+          </a:p>
+          <a:p>
+            <a:endParaRPr lang="en-US" sz="1600" dirty="0">
+              <a:latin typeface="Monaco" pitchFamily="2" charset="77"/>
+            </a:endParaRPr>
           </a:p>
         </p:txBody>
       </p:sp>
     </p:spTree>
     <p:extLst>
       <p:ext uri="{BB962C8B-B14F-4D97-AF65-F5344CB8AC3E}">
-        <p14:creationId xmlns:p14="http://schemas.microsoft.com/office/powerpoint/2010/main" val="406896256"/>
+        <p14:creationId xmlns:p14="http://schemas.microsoft.com/office/powerpoint/2010/main" val="491170874"/>
       </p:ext>
     </p:extLst>
   </p:cSld>

--- a/instructor/l23/lec23-wrap.pptx
+++ b/instructor/l23/lec23-wrap.pptx
@@ -5,34 +5,35 @@
     <p:sldMasterId id="2147483648" r:id="rId1"/>
   </p:sldMasterIdLst>
   <p:notesMasterIdLst>
-    <p:notesMasterId r:id="rId24"/>
+    <p:notesMasterId r:id="rId25"/>
   </p:notesMasterIdLst>
   <p:handoutMasterIdLst>
-    <p:handoutMasterId r:id="rId25"/>
+    <p:handoutMasterId r:id="rId26"/>
   </p:handoutMasterIdLst>
   <p:sldIdLst>
     <p:sldId id="292" r:id="rId2"/>
-    <p:sldId id="284" r:id="rId3"/>
-    <p:sldId id="285" r:id="rId4"/>
-    <p:sldId id="286" r:id="rId5"/>
-    <p:sldId id="266" r:id="rId6"/>
-    <p:sldId id="272" r:id="rId7"/>
+    <p:sldId id="272" r:id="rId3"/>
+    <p:sldId id="284" r:id="rId4"/>
+    <p:sldId id="285" r:id="rId5"/>
+    <p:sldId id="286" r:id="rId6"/>
+    <p:sldId id="266" r:id="rId7"/>
     <p:sldId id="278" r:id="rId8"/>
     <p:sldId id="279" r:id="rId9"/>
     <p:sldId id="280" r:id="rId10"/>
     <p:sldId id="281" r:id="rId11"/>
     <p:sldId id="276" r:id="rId12"/>
     <p:sldId id="277" r:id="rId13"/>
-    <p:sldId id="259" r:id="rId14"/>
-    <p:sldId id="256" r:id="rId15"/>
-    <p:sldId id="282" r:id="rId16"/>
-    <p:sldId id="290" r:id="rId17"/>
-    <p:sldId id="289" r:id="rId18"/>
-    <p:sldId id="283" r:id="rId19"/>
+    <p:sldId id="282" r:id="rId14"/>
+    <p:sldId id="294" r:id="rId15"/>
+    <p:sldId id="290" r:id="rId16"/>
+    <p:sldId id="289" r:id="rId17"/>
+    <p:sldId id="283" r:id="rId18"/>
+    <p:sldId id="295" r:id="rId19"/>
     <p:sldId id="291" r:id="rId20"/>
     <p:sldId id="293" r:id="rId21"/>
     <p:sldId id="264" r:id="rId22"/>
     <p:sldId id="275" r:id="rId23"/>
+    <p:sldId id="259" r:id="rId24"/>
   </p:sldIdLst>
   <p:sldSz cx="12192000" cy="6858000"/>
   <p:notesSz cx="6858000" cy="9144000"/>
@@ -233,7 +234,7 @@
           <a:p>
             <a:fld id="{840221F2-9221-C947-8AA1-B2ECA6CA3F5F}" type="datetimeFigureOut">
               <a:rPr lang="en-US" smtClean="0"/>
-              <a:t>12/6/23</a:t>
+              <a:t>12/7/23</a:t>
             </a:fld>
             <a:endParaRPr lang="en-US"/>
           </a:p>
@@ -410,7 +411,7 @@
           <a:p>
             <a:fld id="{C6FAA5DE-27F5-9745-9CE3-8D5124841CBB}" type="datetimeFigureOut">
               <a:rPr lang="en-US" smtClean="0"/>
-              <a:t>12/6/23</a:t>
+              <a:t>12/7/23</a:t>
             </a:fld>
             <a:endParaRPr lang="en-US"/>
           </a:p>
@@ -890,7 +891,7 @@
           <a:p>
             <a:fld id="{43C25A20-5354-3B46-B5A4-C1220A4644A2}" type="datetimeFigureOut">
               <a:rPr lang="en-US" smtClean="0"/>
-              <a:t>12/6/23</a:t>
+              <a:t>12/7/23</a:t>
             </a:fld>
             <a:endParaRPr lang="en-US"/>
           </a:p>
@@ -1058,7 +1059,7 @@
           <a:p>
             <a:fld id="{43C25A20-5354-3B46-B5A4-C1220A4644A2}" type="datetimeFigureOut">
               <a:rPr lang="en-US" smtClean="0"/>
-              <a:t>12/6/23</a:t>
+              <a:t>12/7/23</a:t>
             </a:fld>
             <a:endParaRPr lang="en-US"/>
           </a:p>
@@ -1236,7 +1237,7 @@
           <a:p>
             <a:fld id="{43C25A20-5354-3B46-B5A4-C1220A4644A2}" type="datetimeFigureOut">
               <a:rPr lang="en-US" smtClean="0"/>
-              <a:t>12/6/23</a:t>
+              <a:t>12/7/23</a:t>
             </a:fld>
             <a:endParaRPr lang="en-US"/>
           </a:p>
@@ -1404,7 +1405,7 @@
           <a:p>
             <a:fld id="{43C25A20-5354-3B46-B5A4-C1220A4644A2}" type="datetimeFigureOut">
               <a:rPr lang="en-US" smtClean="0"/>
-              <a:t>12/6/23</a:t>
+              <a:t>12/7/23</a:t>
             </a:fld>
             <a:endParaRPr lang="en-US"/>
           </a:p>
@@ -1649,7 +1650,7 @@
           <a:p>
             <a:fld id="{43C25A20-5354-3B46-B5A4-C1220A4644A2}" type="datetimeFigureOut">
               <a:rPr lang="en-US" smtClean="0"/>
-              <a:t>12/6/23</a:t>
+              <a:t>12/7/23</a:t>
             </a:fld>
             <a:endParaRPr lang="en-US"/>
           </a:p>
@@ -1878,7 +1879,7 @@
           <a:p>
             <a:fld id="{43C25A20-5354-3B46-B5A4-C1220A4644A2}" type="datetimeFigureOut">
               <a:rPr lang="en-US" smtClean="0"/>
-              <a:t>12/6/23</a:t>
+              <a:t>12/7/23</a:t>
             </a:fld>
             <a:endParaRPr lang="en-US"/>
           </a:p>
@@ -2242,7 +2243,7 @@
           <a:p>
             <a:fld id="{43C25A20-5354-3B46-B5A4-C1220A4644A2}" type="datetimeFigureOut">
               <a:rPr lang="en-US" smtClean="0"/>
-              <a:t>12/6/23</a:t>
+              <a:t>12/7/23</a:t>
             </a:fld>
             <a:endParaRPr lang="en-US"/>
           </a:p>
@@ -2359,7 +2360,7 @@
           <a:p>
             <a:fld id="{43C25A20-5354-3B46-B5A4-C1220A4644A2}" type="datetimeFigureOut">
               <a:rPr lang="en-US" smtClean="0"/>
-              <a:t>12/6/23</a:t>
+              <a:t>12/7/23</a:t>
             </a:fld>
             <a:endParaRPr lang="en-US"/>
           </a:p>
@@ -2454,7 +2455,7 @@
           <a:p>
             <a:fld id="{43C25A20-5354-3B46-B5A4-C1220A4644A2}" type="datetimeFigureOut">
               <a:rPr lang="en-US" smtClean="0"/>
-              <a:t>12/6/23</a:t>
+              <a:t>12/7/23</a:t>
             </a:fld>
             <a:endParaRPr lang="en-US"/>
           </a:p>
@@ -2729,7 +2730,7 @@
           <a:p>
             <a:fld id="{43C25A20-5354-3B46-B5A4-C1220A4644A2}" type="datetimeFigureOut">
               <a:rPr lang="en-US" smtClean="0"/>
-              <a:t>12/6/23</a:t>
+              <a:t>12/7/23</a:t>
             </a:fld>
             <a:endParaRPr lang="en-US"/>
           </a:p>
@@ -2981,7 +2982,7 @@
           <a:p>
             <a:fld id="{43C25A20-5354-3B46-B5A4-C1220A4644A2}" type="datetimeFigureOut">
               <a:rPr lang="en-US" smtClean="0"/>
-              <a:t>12/6/23</a:t>
+              <a:t>12/7/23</a:t>
             </a:fld>
             <a:endParaRPr lang="en-US"/>
           </a:p>
@@ -3192,7 +3193,7 @@
           <a:p>
             <a:fld id="{43C25A20-5354-3B46-B5A4-C1220A4644A2}" type="datetimeFigureOut">
               <a:rPr lang="en-US" smtClean="0"/>
-              <a:t>12/6/23</a:t>
+              <a:t>12/7/23</a:t>
             </a:fld>
             <a:endParaRPr lang="en-US"/>
           </a:p>
@@ -3951,7 +3952,12 @@
             <p:ph type="title"/>
           </p:nvPr>
         </p:nvSpPr>
-        <p:spPr/>
+        <p:spPr>
+          <a:xfrm>
+            <a:off x="838200" y="365125"/>
+            <a:ext cx="10515600" cy="1325563"/>
+          </a:xfrm>
+        </p:spPr>
         <p:txBody>
           <a:bodyPr/>
           <a:lstStyle/>
@@ -3965,115 +3971,56 @@
       </p:sp>
       <p:sp>
         <p:nvSpPr>
-          <p:cNvPr id="4" name="TextBox 3">
+          <p:cNvPr id="5" name="Content Placeholder 4">
             <a:extLst>
               <a:ext uri="{FF2B5EF4-FFF2-40B4-BE49-F238E27FC236}">
-                <a16:creationId xmlns:a16="http://schemas.microsoft.com/office/drawing/2014/main" id="{6A685CB8-FCB3-4040-9D05-4A07FCFABFF5}"/>
+                <a16:creationId xmlns:a16="http://schemas.microsoft.com/office/drawing/2014/main" id="{014611F3-48D9-5558-FBE0-329A6EBF2055}"/>
               </a:ext>
             </a:extLst>
           </p:cNvPr>
-          <p:cNvSpPr txBox="1"/>
-          <p:nvPr/>
-        </p:nvSpPr>
-        <p:spPr>
-          <a:xfrm>
-            <a:off x="838200" y="2179674"/>
-            <a:ext cx="8304027" cy="4031873"/>
-          </a:xfrm>
-          <a:prstGeom prst="rect">
-            <a:avLst/>
-          </a:prstGeom>
-          <a:noFill/>
-        </p:spPr>
-        <p:txBody>
-          <a:bodyPr wrap="square" rtlCol="0">
-            <a:spAutoFit/>
-          </a:bodyPr>
-          <a:lstStyle/>
-          <a:p>
-            <a:r>
-              <a:rPr lang="en-US" sz="3200" dirty="0">
-                <a:latin typeface="Monaco" pitchFamily="2" charset="77"/>
-              </a:rPr>
-              <a:t>//@template (</a:t>
-            </a:r>
-            <a:r>
-              <a:rPr lang="en-US" sz="3200" dirty="0" err="1">
-                <a:latin typeface="Monaco" pitchFamily="2" charset="77"/>
-              </a:rPr>
-              <a:t>listof</a:t>
-            </a:r>
-            <a:r>
-              <a:rPr lang="en-US" sz="3200" dirty="0">
-                <a:latin typeface="Monaco" pitchFamily="2" charset="77"/>
-              </a:rPr>
-              <a:t> X) w/ acc</a:t>
-            </a:r>
-          </a:p>
-          <a:p>
-            <a:r>
-              <a:rPr lang="en-US" sz="3200" dirty="0">
-                <a:latin typeface="Monaco" pitchFamily="2" charset="77"/>
-              </a:rPr>
-              <a:t>//@template [X, ..] w/ acc</a:t>
-            </a:r>
-          </a:p>
-          <a:p>
-            <a:r>
-              <a:rPr lang="en-US" sz="3200" dirty="0">
-                <a:latin typeface="Monaco" pitchFamily="2" charset="77"/>
-              </a:rPr>
-              <a:t>def </a:t>
-            </a:r>
-            <a:r>
-              <a:rPr lang="en-US" sz="3200" dirty="0" err="1">
-                <a:latin typeface="Monaco" pitchFamily="2" charset="77"/>
-              </a:rPr>
-              <a:t>fn</a:t>
-            </a:r>
-            <a:r>
-              <a:rPr lang="en-US" sz="3200" dirty="0">
-                <a:latin typeface="Monaco" pitchFamily="2" charset="77"/>
-              </a:rPr>
-              <a:t>(lox):</a:t>
-            </a:r>
-          </a:p>
-          <a:p>
-            <a:r>
-              <a:rPr lang="en-US" sz="3200" dirty="0">
-                <a:latin typeface="Monaco" pitchFamily="2" charset="77"/>
-              </a:rPr>
-              <a:t>    res = ...</a:t>
-            </a:r>
-          </a:p>
-          <a:p>
-            <a:r>
-              <a:rPr lang="en-US" sz="3200" dirty="0">
-                <a:latin typeface="Monaco" pitchFamily="2" charset="77"/>
-              </a:rPr>
-              <a:t>    for x in lox:</a:t>
-            </a:r>
-          </a:p>
-          <a:p>
-            <a:r>
-              <a:rPr lang="en-US" sz="3200" dirty="0">
-                <a:latin typeface="Monaco" pitchFamily="2" charset="77"/>
-              </a:rPr>
-              <a:t>        res = res...x</a:t>
-            </a:r>
-          </a:p>
-          <a:p>
-            <a:r>
-              <a:rPr lang="en-US" sz="3200" dirty="0">
-                <a:latin typeface="Monaco" pitchFamily="2" charset="77"/>
-              </a:rPr>
-              <a:t>    return ...x</a:t>
-            </a:r>
-          </a:p>
-          <a:p>
-            <a:endParaRPr lang="en-US" sz="3200" dirty="0">
-              <a:latin typeface="Monaco" pitchFamily="2" charset="77"/>
-            </a:endParaRPr>
+          <p:cNvSpPr>
+            <a:spLocks noGrp="1"/>
+          </p:cNvSpPr>
+          <p:nvPr>
+            <p:ph idx="1"/>
+          </p:nvPr>
+        </p:nvSpPr>
+        <p:spPr/>
+        <p:txBody>
+          <a:bodyPr/>
+          <a:lstStyle/>
+          <a:p>
+            <a:r>
+              <a:rPr lang="en-US" dirty="0"/>
+              <a:t>I feel like when the code is explained to me</a:t>
+            </a:r>
+          </a:p>
+          <a:p>
+            <a:pPr marL="914400" lvl="1" indent="-457200">
+              <a:buAutoNum type="alphaUcParenBoth"/>
+            </a:pPr>
+            <a:r>
+              <a:rPr lang="en-US" dirty="0"/>
+              <a:t>I can see the parts of it and sort of understand it</a:t>
+            </a:r>
+          </a:p>
+          <a:p>
+            <a:pPr marL="914400" lvl="1" indent="-457200">
+              <a:buAutoNum type="alphaUcParenBoth"/>
+            </a:pPr>
+            <a:r>
+              <a:rPr lang="en-US" dirty="0"/>
+              <a:t>I can see and understand only a small part of it</a:t>
+            </a:r>
+          </a:p>
+          <a:p>
+            <a:pPr marL="914400" lvl="1" indent="-457200">
+              <a:buAutoNum type="alphaUcParenBoth"/>
+            </a:pPr>
+            <a:r>
+              <a:rPr lang="en-US" dirty="0"/>
+              <a:t>I have no idea what I’m reading when I look at the code</a:t>
+            </a:r>
           </a:p>
         </p:txBody>
       </p:sp>
@@ -4109,153 +4056,151 @@
       </p:grpSpPr>
       <p:sp>
         <p:nvSpPr>
-          <p:cNvPr id="2" name="Title 1"/>
+          <p:cNvPr id="2" name="Title 1">
+            <a:extLst>
+              <a:ext uri="{FF2B5EF4-FFF2-40B4-BE49-F238E27FC236}">
+                <a16:creationId xmlns:a16="http://schemas.microsoft.com/office/drawing/2014/main" id="{628B3CBF-7A18-F54F-92E2-B975D203BF2F}"/>
+              </a:ext>
+            </a:extLst>
+          </p:cNvPr>
           <p:cNvSpPr>
             <a:spLocks noGrp="1"/>
           </p:cNvSpPr>
           <p:nvPr>
             <p:ph type="title"/>
-          </p:nvPr>
-        </p:nvSpPr>
-        <p:spPr/>
-        <p:txBody>
-          <a:bodyPr/>
-          <a:lstStyle/>
-          <a:p>
-            <a:r>
-              <a:rPr lang="en-US" dirty="0"/>
-              <a:t>The Recipes are about</a:t>
-            </a:r>
-          </a:p>
-        </p:txBody>
-      </p:sp>
-      <p:sp>
-        <p:nvSpPr>
-          <p:cNvPr id="3" name="Content Placeholder 2"/>
-          <p:cNvSpPr>
-            <a:spLocks noGrp="1"/>
-          </p:cNvSpPr>
-          <p:nvPr>
-            <p:ph idx="1"/>
           </p:nvPr>
         </p:nvSpPr>
         <p:spPr>
           <a:xfrm>
-            <a:off x="838200" y="1825624"/>
-            <a:ext cx="10515600" cy="4826635"/>
+            <a:off x="838200" y="365125"/>
+            <a:ext cx="10515600" cy="1325563"/>
           </a:xfrm>
         </p:spPr>
         <p:txBody>
           <a:bodyPr>
-            <a:normAutofit fontScale="77500" lnSpcReduction="20000"/>
+            <a:normAutofit/>
           </a:bodyPr>
           <a:lstStyle/>
           <a:p>
             <a:r>
               <a:rPr lang="en-US" dirty="0"/>
-              <a:t>Making systematic progress, bit by bit, to solve a complex problem.</a:t>
-            </a:r>
-          </a:p>
-          <a:p>
-            <a:r>
-              <a:rPr lang="en-US" dirty="0"/>
-              <a:t>Write down the easiest thing first</a:t>
+              <a:t>What have you learned ... about Computer Science?</a:t>
+            </a:r>
+          </a:p>
+        </p:txBody>
+      </p:sp>
+      <p:sp>
+        <p:nvSpPr>
+          <p:cNvPr id="3" name="Content Placeholder 2">
+            <a:extLst>
+              <a:ext uri="{FF2B5EF4-FFF2-40B4-BE49-F238E27FC236}">
+                <a16:creationId xmlns:a16="http://schemas.microsoft.com/office/drawing/2014/main" id="{22ACEF78-0A45-E74E-9B25-4DB16636EE7C}"/>
+              </a:ext>
+            </a:extLst>
+          </p:cNvPr>
+          <p:cNvSpPr>
+            <a:spLocks noGrp="1"/>
+          </p:cNvSpPr>
+          <p:nvPr>
+            <p:ph idx="1"/>
+          </p:nvPr>
+        </p:nvSpPr>
+        <p:spPr>
+          <a:xfrm>
+            <a:off x="838200" y="1825625"/>
+            <a:ext cx="10515600" cy="4351338"/>
+          </a:xfrm>
+        </p:spPr>
+        <p:txBody>
+          <a:bodyPr>
+            <a:normAutofit fontScale="92500" lnSpcReduction="10000"/>
+          </a:bodyPr>
+          <a:lstStyle/>
+          <a:p>
+            <a:r>
+              <a:rPr lang="en-US" dirty="0"/>
+              <a:t>foundations of software engineering</a:t>
             </a:r>
           </a:p>
           <a:p>
             <a:pPr lvl="1"/>
             <a:r>
               <a:rPr lang="en-US" dirty="0"/>
-              <a:t>what is information in problem domain, form of information, type comment, examples, template</a:t>
+              <a:t>much more in 210, 310, 410</a:t>
+            </a:r>
+          </a:p>
+          <a:p>
+            <a:r>
+              <a:rPr lang="en-US" dirty="0"/>
+              <a:t>simple functional programming language</a:t>
             </a:r>
           </a:p>
           <a:p>
             <a:pPr lvl="1"/>
             <a:r>
-              <a:rPr lang="en-US" dirty="0" err="1"/>
-              <a:t>fn</a:t>
-            </a:r>
-            <a:r>
-              <a:rPr lang="en-US" dirty="0"/>
-              <a:t> name, signature, purpose, examples, template, code rest of function body</a:t>
-            </a:r>
-          </a:p>
-          <a:p>
-            <a:r>
-              <a:rPr lang="en-US" dirty="0"/>
-              <a:t>Don’t jump to a solution too soon</a:t>
+              <a:rPr lang="en-US" dirty="0"/>
+              <a:t>much more in 311, 312, 411</a:t>
+            </a:r>
+          </a:p>
+          <a:p>
+            <a:r>
+              <a:rPr lang="en-US" dirty="0"/>
+              <a:t>a bit about algorithms and data structures</a:t>
             </a:r>
           </a:p>
           <a:p>
             <a:pPr lvl="1"/>
             <a:r>
               <a:rPr lang="en-US" dirty="0"/>
-              <a:t>information, form, DD, signature, purpose, template, fill in …   vs.  just start coding</a:t>
-            </a:r>
-          </a:p>
-          <a:p>
-            <a:r>
-              <a:rPr lang="en-US" dirty="0"/>
-              <a:t>Describe the goal in different forms.</a:t>
+              <a:t>trees, graphs, sorting, searching</a:t>
             </a:r>
           </a:p>
           <a:p>
             <a:pPr lvl="1"/>
             <a:r>
               <a:rPr lang="en-US" dirty="0"/>
-              <a:t>types (signature), text (purpose), examples, template</a:t>
-            </a:r>
-          </a:p>
-          <a:p>
-            <a:r>
-              <a:rPr lang="en-US" dirty="0"/>
-              <a:t>Work it out, piece by piece, always writing down what you just figured out.</a:t>
-            </a:r>
-          </a:p>
-          <a:p>
-            <a:r>
-              <a:rPr lang="en-US" dirty="0"/>
-              <a:t>Using software engineering and computer science to structure the solution into separate parts</a:t>
+              <a:t>much more in 221, 320, 420</a:t>
+            </a:r>
+          </a:p>
+          <a:p>
+            <a:r>
+              <a:rPr lang="en-US" dirty="0"/>
+              <a:t>a very little bit about systems and architecture (MVC)</a:t>
             </a:r>
           </a:p>
           <a:p>
             <a:pPr lvl="1"/>
             <a:r>
               <a:rPr lang="en-US" dirty="0"/>
-              <a:t>What’s the information? What’s the changing information?</a:t>
+              <a:t>much much more in 213, 313, 317</a:t>
             </a:r>
           </a:p>
           <a:p>
             <a:pPr lvl="1"/>
-            <a:r>
-              <a:rPr lang="en-US" dirty="0"/>
-              <a:t>What kind of problem is it? (Simple functional, World, Search</a:t>
-            </a:r>
-            <a:r>
-              <a:rPr lang="is-IS" dirty="0"/>
-              <a:t>…)</a:t>
+            <a:endParaRPr lang="en-US" dirty="0"/>
+          </a:p>
+          <a:p>
+            <a:r>
+              <a:rPr lang="en-US" dirty="0"/>
+              <a:t>but there’s much much much much more beyond that</a:t>
             </a:r>
           </a:p>
           <a:p>
             <a:pPr lvl="1"/>
-            <a:r>
-              <a:rPr lang="is-IS" dirty="0"/>
-              <a:t>What‘s the basic function strategy? (structural, generative, search...)</a:t>
-            </a:r>
-          </a:p>
-          <a:p>
-            <a:pPr lvl="1"/>
-            <a:r>
-              <a:rPr lang="is-IS" dirty="0"/>
-              <a:t>What are the templates?</a:t>
-            </a:r>
+            <a:endParaRPr lang="en-US" dirty="0"/>
+          </a:p>
+          <a:p>
+            <a:endParaRPr lang="en-US" dirty="0"/>
+          </a:p>
+          <a:p>
+            <a:endParaRPr lang="en-US" dirty="0"/>
           </a:p>
         </p:txBody>
       </p:sp>
     </p:spTree>
     <p:extLst>
       <p:ext uri="{BB962C8B-B14F-4D97-AF65-F5344CB8AC3E}">
-        <p14:creationId xmlns:p14="http://schemas.microsoft.com/office/powerpoint/2010/main" val="1201202662"/>
+        <p14:creationId xmlns:p14="http://schemas.microsoft.com/office/powerpoint/2010/main" val="4276937663"/>
       </p:ext>
     </p:extLst>
   </p:cSld>
@@ -4284,70 +4229,68 @@
       </p:grpSpPr>
       <p:sp>
         <p:nvSpPr>
-          <p:cNvPr id="2" name="TextBox 1">
+          <p:cNvPr id="2" name="Title 1">
             <a:extLst>
               <a:ext uri="{FF2B5EF4-FFF2-40B4-BE49-F238E27FC236}">
-                <a16:creationId xmlns:a16="http://schemas.microsoft.com/office/drawing/2014/main" id="{CD640059-CBBA-724D-B422-AD9FCD400497}"/>
+                <a16:creationId xmlns:a16="http://schemas.microsoft.com/office/drawing/2014/main" id="{5D3C8597-DB1E-45FB-3D67-247B6DDF234E}"/>
               </a:ext>
             </a:extLst>
           </p:cNvPr>
-          <p:cNvSpPr txBox="1"/>
-          <p:nvPr/>
-        </p:nvSpPr>
-        <p:spPr>
-          <a:xfrm>
-            <a:off x="1005840" y="587849"/>
-            <a:ext cx="10268047" cy="5509200"/>
-          </a:xfrm>
-          <a:prstGeom prst="rect">
-            <a:avLst/>
-          </a:prstGeom>
-          <a:noFill/>
-        </p:spPr>
-        <p:txBody>
-          <a:bodyPr wrap="square" rtlCol="0">
-            <a:spAutoFit/>
-          </a:bodyPr>
-          <a:lstStyle/>
-          <a:p>
-            <a:r>
-              <a:rPr lang="en-US" sz="4400" dirty="0"/>
-              <a:t>“We are what we repeatedly do. Excellence, then, is not an act, but a habit.”</a:t>
-            </a:r>
-          </a:p>
-          <a:p>
-            <a:endParaRPr lang="en-US" sz="4400" dirty="0"/>
-          </a:p>
-          <a:p>
-            <a:r>
-              <a:rPr lang="en-US" sz="4400" dirty="0"/>
-              <a:t>- Many</a:t>
-            </a:r>
-          </a:p>
-          <a:p>
-            <a:endParaRPr lang="en-US" sz="4400" dirty="0"/>
-          </a:p>
-          <a:p>
-            <a:r>
-              <a:rPr lang="en-US" sz="4400" dirty="0"/>
-              <a:t>“Chance </a:t>
-            </a:r>
-            <a:r>
-              <a:rPr lang="en-US" sz="4400" dirty="0" err="1"/>
-              <a:t>favours</a:t>
-            </a:r>
-            <a:r>
-              <a:rPr lang="en-US" sz="4400" dirty="0"/>
-              <a:t> the prepared mind.”</a:t>
-            </a:r>
-          </a:p>
-          <a:p>
-            <a:endParaRPr lang="en-US" sz="4400" dirty="0"/>
-          </a:p>
-          <a:p>
-            <a:r>
-              <a:rPr lang="en-US" sz="4400" dirty="0"/>
-              <a:t>- Louis Pasteur</a:t>
+          <p:cNvSpPr>
+            <a:spLocks noGrp="1"/>
+          </p:cNvSpPr>
+          <p:nvPr>
+            <p:ph type="title"/>
+          </p:nvPr>
+        </p:nvSpPr>
+        <p:spPr/>
+        <p:txBody>
+          <a:bodyPr/>
+          <a:lstStyle/>
+          <a:p>
+            <a:r>
+              <a:rPr lang="en-US" dirty="0"/>
+              <a:t>In the rest of my time at UBC</a:t>
+            </a:r>
+          </a:p>
+        </p:txBody>
+      </p:sp>
+      <p:sp>
+        <p:nvSpPr>
+          <p:cNvPr id="3" name="Content Placeholder 2">
+            <a:extLst>
+              <a:ext uri="{FF2B5EF4-FFF2-40B4-BE49-F238E27FC236}">
+                <a16:creationId xmlns:a16="http://schemas.microsoft.com/office/drawing/2014/main" id="{7FB85522-0404-9ABE-2149-8803C071D4F1}"/>
+              </a:ext>
+            </a:extLst>
+          </p:cNvPr>
+          <p:cNvSpPr>
+            <a:spLocks noGrp="1"/>
+          </p:cNvSpPr>
+          <p:nvPr>
+            <p:ph idx="1"/>
+          </p:nvPr>
+        </p:nvSpPr>
+        <p:spPr/>
+        <p:txBody>
+          <a:bodyPr/>
+          <a:lstStyle/>
+          <a:p>
+            <a:pPr marL="514350" indent="-514350">
+              <a:buAutoNum type="alphaUcParenBoth"/>
+            </a:pPr>
+            <a:r>
+              <a:rPr lang="en-US" dirty="0"/>
+              <a:t>I plan to take more CS courses</a:t>
+            </a:r>
+          </a:p>
+          <a:p>
+            <a:pPr marL="514350" indent="-514350">
+              <a:buAutoNum type="alphaUcParenBoth"/>
+            </a:pPr>
+            <a:r>
+              <a:rPr lang="en-US" dirty="0"/>
+              <a:t>I do not want to take another CS course</a:t>
             </a:r>
           </a:p>
         </p:txBody>
@@ -4355,7 +4298,7 @@
     </p:spTree>
     <p:extLst>
       <p:ext uri="{BB962C8B-B14F-4D97-AF65-F5344CB8AC3E}">
-        <p14:creationId xmlns:p14="http://schemas.microsoft.com/office/powerpoint/2010/main" val="918546987"/>
+        <p14:creationId xmlns:p14="http://schemas.microsoft.com/office/powerpoint/2010/main" val="3926665538"/>
       </p:ext>
     </p:extLst>
   </p:cSld>
@@ -4366,179 +4309,6 @@
 </file>
 
 <file path=ppt/slides/slide15.xml><?xml version="1.0" encoding="utf-8"?>
-<p:sld xmlns:a="http://schemas.openxmlformats.org/drawingml/2006/main" xmlns:r="http://schemas.openxmlformats.org/officeDocument/2006/relationships" xmlns:p="http://schemas.openxmlformats.org/presentationml/2006/main">
-  <p:cSld>
-    <p:spTree>
-      <p:nvGrpSpPr>
-        <p:cNvPr id="1" name=""/>
-        <p:cNvGrpSpPr/>
-        <p:nvPr/>
-      </p:nvGrpSpPr>
-      <p:grpSpPr>
-        <a:xfrm>
-          <a:off x="0" y="0"/>
-          <a:ext cx="0" cy="0"/>
-          <a:chOff x="0" y="0"/>
-          <a:chExt cx="0" cy="0"/>
-        </a:xfrm>
-      </p:grpSpPr>
-      <p:sp>
-        <p:nvSpPr>
-          <p:cNvPr id="2" name="Title 1">
-            <a:extLst>
-              <a:ext uri="{FF2B5EF4-FFF2-40B4-BE49-F238E27FC236}">
-                <a16:creationId xmlns:a16="http://schemas.microsoft.com/office/drawing/2014/main" id="{628B3CBF-7A18-F54F-92E2-B975D203BF2F}"/>
-              </a:ext>
-            </a:extLst>
-          </p:cNvPr>
-          <p:cNvSpPr>
-            <a:spLocks noGrp="1"/>
-          </p:cNvSpPr>
-          <p:nvPr>
-            <p:ph type="title"/>
-          </p:nvPr>
-        </p:nvSpPr>
-        <p:spPr>
-          <a:xfrm>
-            <a:off x="838200" y="365125"/>
-            <a:ext cx="10515600" cy="1325563"/>
-          </a:xfrm>
-        </p:spPr>
-        <p:txBody>
-          <a:bodyPr>
-            <a:normAutofit/>
-          </a:bodyPr>
-          <a:lstStyle/>
-          <a:p>
-            <a:r>
-              <a:rPr lang="en-US" dirty="0"/>
-              <a:t>What have you learned ... about Computer Science?</a:t>
-            </a:r>
-          </a:p>
-        </p:txBody>
-      </p:sp>
-      <p:sp>
-        <p:nvSpPr>
-          <p:cNvPr id="3" name="Content Placeholder 2">
-            <a:extLst>
-              <a:ext uri="{FF2B5EF4-FFF2-40B4-BE49-F238E27FC236}">
-                <a16:creationId xmlns:a16="http://schemas.microsoft.com/office/drawing/2014/main" id="{22ACEF78-0A45-E74E-9B25-4DB16636EE7C}"/>
-              </a:ext>
-            </a:extLst>
-          </p:cNvPr>
-          <p:cNvSpPr>
-            <a:spLocks noGrp="1"/>
-          </p:cNvSpPr>
-          <p:nvPr>
-            <p:ph idx="1"/>
-          </p:nvPr>
-        </p:nvSpPr>
-        <p:spPr>
-          <a:xfrm>
-            <a:off x="838200" y="1825625"/>
-            <a:ext cx="10515600" cy="4351338"/>
-          </a:xfrm>
-        </p:spPr>
-        <p:txBody>
-          <a:bodyPr>
-            <a:normAutofit fontScale="92500" lnSpcReduction="10000"/>
-          </a:bodyPr>
-          <a:lstStyle/>
-          <a:p>
-            <a:r>
-              <a:rPr lang="en-US" dirty="0"/>
-              <a:t>foundations of software engineering</a:t>
-            </a:r>
-          </a:p>
-          <a:p>
-            <a:pPr lvl="1"/>
-            <a:r>
-              <a:rPr lang="en-US" dirty="0"/>
-              <a:t>much more in 210, 310, 410</a:t>
-            </a:r>
-          </a:p>
-          <a:p>
-            <a:r>
-              <a:rPr lang="en-US" dirty="0"/>
-              <a:t>simple functional programming language</a:t>
-            </a:r>
-          </a:p>
-          <a:p>
-            <a:pPr lvl="1"/>
-            <a:r>
-              <a:rPr lang="en-US" dirty="0"/>
-              <a:t>much more in 311, 312, 411</a:t>
-            </a:r>
-          </a:p>
-          <a:p>
-            <a:r>
-              <a:rPr lang="en-US" dirty="0"/>
-              <a:t>a bit about algorithms and data structures</a:t>
-            </a:r>
-          </a:p>
-          <a:p>
-            <a:pPr lvl="1"/>
-            <a:r>
-              <a:rPr lang="en-US" dirty="0"/>
-              <a:t>trees, graphs, sorting, searching</a:t>
-            </a:r>
-          </a:p>
-          <a:p>
-            <a:pPr lvl="1"/>
-            <a:r>
-              <a:rPr lang="en-US" dirty="0"/>
-              <a:t>much more in 221, 320, 420</a:t>
-            </a:r>
-          </a:p>
-          <a:p>
-            <a:r>
-              <a:rPr lang="en-US" dirty="0"/>
-              <a:t>a very little bit about systems and architecture (MVC)</a:t>
-            </a:r>
-          </a:p>
-          <a:p>
-            <a:pPr lvl="1"/>
-            <a:r>
-              <a:rPr lang="en-US" dirty="0"/>
-              <a:t>much much more in 213, 313, 317</a:t>
-            </a:r>
-          </a:p>
-          <a:p>
-            <a:pPr lvl="1"/>
-            <a:endParaRPr lang="en-US" dirty="0"/>
-          </a:p>
-          <a:p>
-            <a:r>
-              <a:rPr lang="en-US" dirty="0"/>
-              <a:t>but there’s much much much much more beyond that</a:t>
-            </a:r>
-          </a:p>
-          <a:p>
-            <a:pPr lvl="1"/>
-            <a:endParaRPr lang="en-US" dirty="0"/>
-          </a:p>
-          <a:p>
-            <a:endParaRPr lang="en-US" dirty="0"/>
-          </a:p>
-          <a:p>
-            <a:endParaRPr lang="en-US" dirty="0"/>
-          </a:p>
-        </p:txBody>
-      </p:sp>
-    </p:spTree>
-    <p:extLst>
-      <p:ext uri="{BB962C8B-B14F-4D97-AF65-F5344CB8AC3E}">
-        <p14:creationId xmlns:p14="http://schemas.microsoft.com/office/powerpoint/2010/main" val="4276937663"/>
-      </p:ext>
-    </p:extLst>
-  </p:cSld>
-  <p:clrMapOvr>
-    <a:masterClrMapping/>
-  </p:clrMapOvr>
-</p:sld>
-</file>
-
-<file path=ppt/slides/slide16.xml><?xml version="1.0" encoding="utf-8"?>
 <p:sld xmlns:a="http://schemas.openxmlformats.org/drawingml/2006/main" xmlns:r="http://schemas.openxmlformats.org/officeDocument/2006/relationships" xmlns:p="http://schemas.openxmlformats.org/presentationml/2006/main">
   <p:cSld>
     <p:spTree>
@@ -4584,6 +4354,76 @@
           </a:xfrm>
         </p:spPr>
       </p:pic>
+      <p:sp>
+        <p:nvSpPr>
+          <p:cNvPr id="2" name="TextBox 1">
+            <a:extLst>
+              <a:ext uri="{FF2B5EF4-FFF2-40B4-BE49-F238E27FC236}">
+                <a16:creationId xmlns:a16="http://schemas.microsoft.com/office/drawing/2014/main" id="{F8AFA4D5-0C01-48E0-3CA0-F204B73125CC}"/>
+              </a:ext>
+            </a:extLst>
+          </p:cNvPr>
+          <p:cNvSpPr txBox="1"/>
+          <p:nvPr/>
+        </p:nvSpPr>
+        <p:spPr>
+          <a:xfrm>
+            <a:off x="390418" y="6246688"/>
+            <a:ext cx="4715838" cy="369332"/>
+          </a:xfrm>
+          <a:prstGeom prst="rect">
+            <a:avLst/>
+          </a:prstGeom>
+          <a:noFill/>
+        </p:spPr>
+        <p:txBody>
+          <a:bodyPr wrap="square" rtlCol="0">
+            <a:spAutoFit/>
+          </a:bodyPr>
+          <a:lstStyle/>
+          <a:p>
+            <a:r>
+              <a:rPr lang="en-US" dirty="0"/>
+              <a:t>Which kind of course most interests you now?</a:t>
+            </a:r>
+          </a:p>
+        </p:txBody>
+      </p:sp>
+      <p:sp>
+        <p:nvSpPr>
+          <p:cNvPr id="3" name="TextBox 2">
+            <a:extLst>
+              <a:ext uri="{FF2B5EF4-FFF2-40B4-BE49-F238E27FC236}">
+                <a16:creationId xmlns:a16="http://schemas.microsoft.com/office/drawing/2014/main" id="{DFABF5A3-2D4D-354B-6CF9-323F6A278F67}"/>
+              </a:ext>
+            </a:extLst>
+          </p:cNvPr>
+          <p:cNvSpPr txBox="1"/>
+          <p:nvPr/>
+        </p:nvSpPr>
+        <p:spPr>
+          <a:xfrm>
+            <a:off x="1772292" y="5250094"/>
+            <a:ext cx="9878602" cy="584775"/>
+          </a:xfrm>
+          <a:prstGeom prst="rect">
+            <a:avLst/>
+          </a:prstGeom>
+          <a:noFill/>
+        </p:spPr>
+        <p:txBody>
+          <a:bodyPr wrap="square" rtlCol="0">
+            <a:spAutoFit/>
+          </a:bodyPr>
+          <a:lstStyle/>
+          <a:p>
+            <a:r>
+              <a:rPr lang="en-US" sz="3200" dirty="0"/>
+              <a:t>A		    B			C		   D		       E</a:t>
+            </a:r>
+          </a:p>
+        </p:txBody>
+      </p:sp>
     </p:spTree>
     <p:extLst>
       <p:ext uri="{BB962C8B-B14F-4D97-AF65-F5344CB8AC3E}">
@@ -4597,7 +4437,7 @@
 </p:sld>
 </file>
 
-<file path=ppt/slides/slide17.xml><?xml version="1.0" encoding="utf-8"?>
+<file path=ppt/slides/slide16.xml><?xml version="1.0" encoding="utf-8"?>
 <p:sld xmlns:a="http://schemas.openxmlformats.org/drawingml/2006/main" xmlns:r="http://schemas.openxmlformats.org/officeDocument/2006/relationships" xmlns:p="http://schemas.openxmlformats.org/presentationml/2006/main">
   <p:cSld>
     <p:spTree>
@@ -5036,8 +4876,8 @@
         </p:nvSpPr>
         <p:spPr>
           <a:xfrm>
-            <a:off x="3325381" y="2131129"/>
-            <a:ext cx="2338542" cy="369332"/>
+            <a:off x="1335646" y="2131129"/>
+            <a:ext cx="4328277" cy="369332"/>
           </a:xfrm>
           <a:prstGeom prst="rect">
             <a:avLst/>
@@ -5057,7 +4897,7 @@
                   <a:srgbClr val="FF0000"/>
                 </a:solidFill>
               </a:rPr>
-              <a:t>subject matter expert</a:t>
+              <a:t>exceptional subject matter expertise</a:t>
             </a:r>
           </a:p>
         </p:txBody>
@@ -5077,7 +4917,7 @@
         <p:spPr>
           <a:xfrm>
             <a:off x="5903228" y="2131129"/>
-            <a:ext cx="4263085" cy="369332"/>
+            <a:ext cx="5254505" cy="369332"/>
           </a:xfrm>
           <a:prstGeom prst="rect">
             <a:avLst/>
@@ -5096,7 +4936,7 @@
                   <a:srgbClr val="FF0000"/>
                 </a:solidFill>
               </a:rPr>
-              <a:t>teaching science and practice expert</a:t>
+              <a:t>exceptional teaching science and practice expertise</a:t>
             </a:r>
           </a:p>
         </p:txBody>
@@ -5105,6 +4945,177 @@
     <p:extLst>
       <p:ext uri="{BB962C8B-B14F-4D97-AF65-F5344CB8AC3E}">
         <p14:creationId xmlns:p14="http://schemas.microsoft.com/office/powerpoint/2010/main" val="523766726"/>
+      </p:ext>
+    </p:extLst>
+  </p:cSld>
+  <p:clrMapOvr>
+    <a:masterClrMapping/>
+  </p:clrMapOvr>
+</p:sld>
+</file>
+
+<file path=ppt/slides/slide17.xml><?xml version="1.0" encoding="utf-8"?>
+<p:sld xmlns:a="http://schemas.openxmlformats.org/drawingml/2006/main" xmlns:r="http://schemas.openxmlformats.org/officeDocument/2006/relationships" xmlns:p="http://schemas.openxmlformats.org/presentationml/2006/main">
+  <p:cSld>
+    <p:spTree>
+      <p:nvGrpSpPr>
+        <p:cNvPr id="1" name=""/>
+        <p:cNvGrpSpPr/>
+        <p:nvPr/>
+      </p:nvGrpSpPr>
+      <p:grpSpPr>
+        <a:xfrm>
+          <a:off x="0" y="0"/>
+          <a:ext cx="0" cy="0"/>
+          <a:chOff x="0" y="0"/>
+          <a:chExt cx="0" cy="0"/>
+        </a:xfrm>
+      </p:grpSpPr>
+      <p:sp>
+        <p:nvSpPr>
+          <p:cNvPr id="2" name="Title 1">
+            <a:extLst>
+              <a:ext uri="{FF2B5EF4-FFF2-40B4-BE49-F238E27FC236}">
+                <a16:creationId xmlns:a16="http://schemas.microsoft.com/office/drawing/2014/main" id="{9CE5A388-A163-D443-8402-C789EC09967D}"/>
+              </a:ext>
+            </a:extLst>
+          </p:cNvPr>
+          <p:cNvSpPr>
+            <a:spLocks noGrp="1"/>
+          </p:cNvSpPr>
+          <p:nvPr>
+            <p:ph type="title"/>
+          </p:nvPr>
+        </p:nvSpPr>
+        <p:spPr/>
+        <p:txBody>
+          <a:bodyPr/>
+          <a:lstStyle/>
+          <a:p>
+            <a:r>
+              <a:rPr lang="en-US" dirty="0"/>
+              <a:t>Job Search Process Points</a:t>
+            </a:r>
+          </a:p>
+        </p:txBody>
+      </p:sp>
+      <p:sp>
+        <p:nvSpPr>
+          <p:cNvPr id="4" name="Content Placeholder 3">
+            <a:extLst>
+              <a:ext uri="{FF2B5EF4-FFF2-40B4-BE49-F238E27FC236}">
+                <a16:creationId xmlns:a16="http://schemas.microsoft.com/office/drawing/2014/main" id="{70EFB29E-530E-7E40-959E-039ADEDC4A5E}"/>
+              </a:ext>
+            </a:extLst>
+          </p:cNvPr>
+          <p:cNvSpPr txBox="1">
+            <a:spLocks noGrp="1"/>
+          </p:cNvSpPr>
+          <p:nvPr>
+            <p:ph idx="1"/>
+          </p:nvPr>
+        </p:nvSpPr>
+        <p:spPr>
+          <a:xfrm>
+            <a:off x="838200" y="1825625"/>
+            <a:ext cx="10515600" cy="4914679"/>
+          </a:xfrm>
+          <a:prstGeom prst="rect">
+            <a:avLst/>
+          </a:prstGeom>
+          <a:noFill/>
+          <a:ln>
+            <a:solidFill>
+              <a:schemeClr val="tx1"/>
+            </a:solidFill>
+          </a:ln>
+        </p:spPr>
+        <p:txBody>
+          <a:bodyPr wrap="square" rtlCol="0">
+            <a:spAutoFit/>
+          </a:bodyPr>
+          <a:lstStyle/>
+          <a:p>
+            <a:pPr marL="0" indent="0">
+              <a:buNone/>
+            </a:pPr>
+            <a:r>
+              <a:rPr lang="en-US" dirty="0"/>
+              <a:t>Jobs outside universities…</a:t>
+            </a:r>
+          </a:p>
+          <a:p>
+            <a:r>
+              <a:rPr lang="en-US" dirty="0"/>
+              <a:t>Build your own portfolio</a:t>
+            </a:r>
+            <a:r>
+              <a:rPr lang="en-US" baseline="30000" dirty="0"/>
+              <a:t>1</a:t>
+            </a:r>
+            <a:r>
+              <a:rPr lang="en-US" dirty="0"/>
+              <a:t>, get internships, COOP  and/or work with faculty</a:t>
+            </a:r>
+          </a:p>
+          <a:p>
+            <a:r>
+              <a:rPr lang="en-US" dirty="0"/>
+              <a:t>Interviews are about what you can DO, not what you remember</a:t>
+            </a:r>
+          </a:p>
+          <a:p>
+            <a:pPr marL="0" indent="0">
+              <a:buNone/>
+            </a:pPr>
+            <a:endParaRPr lang="en-US" dirty="0"/>
+          </a:p>
+          <a:p>
+            <a:r>
+              <a:rPr lang="en-US" dirty="0"/>
+              <a:t>A reference letter that helps must have all three of these properties:</a:t>
+            </a:r>
+          </a:p>
+          <a:p>
+            <a:pPr lvl="1"/>
+            <a:r>
+              <a:rPr lang="en-US" dirty="0"/>
+              <a:t>comes from someone the committee will trust</a:t>
+            </a:r>
+          </a:p>
+          <a:p>
+            <a:pPr lvl="1"/>
+            <a:r>
+              <a:rPr lang="en-US" dirty="0"/>
+              <a:t>comes from someone who has something specific to say about you</a:t>
+            </a:r>
+          </a:p>
+          <a:p>
+            <a:pPr lvl="1"/>
+            <a:r>
+              <a:rPr lang="en-US" dirty="0"/>
+              <a:t>says specific things about you that compare favorably with rest of group</a:t>
+            </a:r>
+            <a:br>
+              <a:rPr lang="en-US" dirty="0"/>
+            </a:br>
+            <a:endParaRPr lang="en-US" dirty="0"/>
+          </a:p>
+          <a:p>
+            <a:pPr marL="0" indent="0">
+              <a:buNone/>
+            </a:pPr>
+            <a:r>
+              <a:rPr lang="en-US" sz="2400" dirty="0"/>
+              <a:t>1. I wish this wasn’t good advice, it’s blatantly discriminatory.</a:t>
+            </a:r>
+          </a:p>
+        </p:txBody>
+      </p:sp>
+    </p:spTree>
+    <p:extLst>
+      <p:ext uri="{BB962C8B-B14F-4D97-AF65-F5344CB8AC3E}">
+        <p14:creationId xmlns:p14="http://schemas.microsoft.com/office/powerpoint/2010/main" val="3924815329"/>
       </p:ext>
     </p:extLst>
   </p:cSld>
@@ -5136,7 +5147,7 @@
           <p:cNvPr id="2" name="Title 1">
             <a:extLst>
               <a:ext uri="{FF2B5EF4-FFF2-40B4-BE49-F238E27FC236}">
-                <a16:creationId xmlns:a16="http://schemas.microsoft.com/office/drawing/2014/main" id="{9CE5A388-A163-D443-8402-C789EC09967D}"/>
+                <a16:creationId xmlns:a16="http://schemas.microsoft.com/office/drawing/2014/main" id="{1B1D2B69-5FD4-C7DD-76D2-5188A6B8FF05}"/>
               </a:ext>
             </a:extLst>
           </p:cNvPr>
@@ -5154,120 +5165,55 @@
           <a:p>
             <a:r>
               <a:rPr lang="en-US" dirty="0"/>
-              <a:t>Job Search Process Points</a:t>
-            </a:r>
-          </a:p>
-        </p:txBody>
-      </p:sp>
-      <p:sp>
-        <p:nvSpPr>
-          <p:cNvPr id="4" name="Content Placeholder 3">
+              <a:t>Two summer interns	</a:t>
+            </a:r>
+          </a:p>
+        </p:txBody>
+      </p:sp>
+      <p:sp>
+        <p:nvSpPr>
+          <p:cNvPr id="3" name="Content Placeholder 2">
             <a:extLst>
               <a:ext uri="{FF2B5EF4-FFF2-40B4-BE49-F238E27FC236}">
-                <a16:creationId xmlns:a16="http://schemas.microsoft.com/office/drawing/2014/main" id="{70EFB29E-530E-7E40-959E-039ADEDC4A5E}"/>
+                <a16:creationId xmlns:a16="http://schemas.microsoft.com/office/drawing/2014/main" id="{A0ABE84E-1441-3092-392A-F63A46D76F18}"/>
               </a:ext>
             </a:extLst>
           </p:cNvPr>
-          <p:cNvSpPr txBox="1">
+          <p:cNvSpPr>
             <a:spLocks noGrp="1"/>
           </p:cNvSpPr>
           <p:nvPr>
             <p:ph idx="1"/>
           </p:nvPr>
         </p:nvSpPr>
-        <p:spPr>
-          <a:xfrm>
-            <a:off x="838200" y="1825625"/>
-            <a:ext cx="10515600" cy="4914679"/>
-          </a:xfrm>
-          <a:prstGeom prst="rect">
-            <a:avLst/>
-          </a:prstGeom>
-          <a:noFill/>
-          <a:ln>
-            <a:solidFill>
-              <a:schemeClr val="tx1"/>
-            </a:solidFill>
-          </a:ln>
-        </p:spPr>
-        <p:txBody>
-          <a:bodyPr wrap="square" rtlCol="0">
-            <a:spAutoFit/>
-          </a:bodyPr>
-          <a:lstStyle/>
-          <a:p>
-            <a:pPr marL="0" indent="0">
-              <a:buNone/>
-            </a:pPr>
-            <a:r>
-              <a:rPr lang="en-US" dirty="0"/>
-              <a:t>Jobs outside universities…</a:t>
-            </a:r>
-          </a:p>
-          <a:p>
-            <a:r>
-              <a:rPr lang="en-US" dirty="0"/>
-              <a:t>Build your own portfolio</a:t>
-            </a:r>
-            <a:r>
-              <a:rPr lang="en-US" baseline="30000" dirty="0"/>
-              <a:t>1</a:t>
-            </a:r>
-            <a:r>
-              <a:rPr lang="en-US" dirty="0"/>
-              <a:t>, get internships, COOP  and/or work with faculty</a:t>
-            </a:r>
-          </a:p>
-          <a:p>
-            <a:r>
-              <a:rPr lang="en-US" dirty="0"/>
-              <a:t>Interviews are about what you can DO, not what you remember</a:t>
-            </a:r>
-          </a:p>
-          <a:p>
-            <a:pPr marL="0" indent="0">
-              <a:buNone/>
-            </a:pPr>
-            <a:endParaRPr lang="en-US" dirty="0"/>
-          </a:p>
-          <a:p>
-            <a:r>
-              <a:rPr lang="en-US" dirty="0"/>
-              <a:t>A reference letter that helps must have all three of these properties:</a:t>
+        <p:spPr/>
+        <p:txBody>
+          <a:bodyPr/>
+          <a:lstStyle/>
+          <a:p>
+            <a:r>
+              <a:rPr lang="en-US" dirty="0"/>
+              <a:t>When faced with an underspecified task at work:</a:t>
             </a:r>
           </a:p>
           <a:p>
             <a:pPr lvl="1"/>
             <a:r>
               <a:rPr lang="en-US" dirty="0"/>
-              <a:t>comes from someone the committee will trust</a:t>
+              <a:t>Intern A usually goes to their manager to seek clarification before proceeding.</a:t>
             </a:r>
           </a:p>
           <a:p>
             <a:pPr lvl="1"/>
             <a:r>
               <a:rPr lang="en-US" dirty="0"/>
-              <a:t>comes from someone who has something specific to say about you</a:t>
-            </a:r>
-          </a:p>
-          <a:p>
-            <a:pPr lvl="1"/>
-            <a:r>
-              <a:rPr lang="en-US" dirty="0"/>
-              <a:t>says specific things about you that compare favorably with rest of group</a:t>
-            </a:r>
-            <a:br>
-              <a:rPr lang="en-US" dirty="0"/>
-            </a:br>
-            <a:endParaRPr lang="en-US" dirty="0"/>
-          </a:p>
-          <a:p>
-            <a:pPr marL="0" indent="0">
-              <a:buNone/>
-            </a:pPr>
-            <a:r>
-              <a:rPr lang="en-US" sz="2400" dirty="0"/>
-              <a:t>1. I wish this wasn’t good advice, it’s blatantly discriminatory.</a:t>
+              <a:t>Intern B usually tries to make a reasonable decision about what is needed and proceeds.</a:t>
+            </a:r>
+          </a:p>
+          <a:p>
+            <a:r>
+              <a:rPr lang="en-US" dirty="0"/>
+              <a:t>At the end of the summer, which one gets a permanent job offer?</a:t>
             </a:r>
           </a:p>
         </p:txBody>
@@ -5275,7 +5221,7 @@
     </p:spTree>
     <p:extLst>
       <p:ext uri="{BB962C8B-B14F-4D97-AF65-F5344CB8AC3E}">
-        <p14:creationId xmlns:p14="http://schemas.microsoft.com/office/powerpoint/2010/main" val="3924815329"/>
+        <p14:creationId xmlns:p14="http://schemas.microsoft.com/office/powerpoint/2010/main" val="3280050734"/>
       </p:ext>
     </p:extLst>
   </p:cSld>
@@ -5325,8 +5271,13 @@
           <a:p>
             <a:r>
               <a:rPr lang="en-US" dirty="0"/>
-              <a:t>At work</a:t>
-            </a:r>
+              <a:t>At work - </a:t>
+            </a:r>
+            <a:r>
+              <a:rPr lang="en-US" dirty="0" err="1"/>
+              <a:t>FtR</a:t>
+            </a:r>
+            <a:endParaRPr lang="en-US" dirty="0"/>
           </a:p>
         </p:txBody>
       </p:sp>
@@ -5346,14 +5297,42 @@
             <p:ph idx="1"/>
           </p:nvPr>
         </p:nvSpPr>
-        <p:spPr/>
-        <p:txBody>
-          <a:bodyPr/>
-          <a:lstStyle/>
-          <a:p>
-            <a:r>
-              <a:rPr lang="en-US" dirty="0"/>
-              <a:t>No one has time for the employee who needs to be given a detailed description of what to do</a:t>
+        <p:spPr>
+          <a:xfrm>
+            <a:off x="838200" y="1825625"/>
+            <a:ext cx="10515600" cy="4739562"/>
+          </a:xfrm>
+        </p:spPr>
+        <p:txBody>
+          <a:bodyPr>
+            <a:normAutofit lnSpcReduction="10000"/>
+          </a:bodyPr>
+          <a:lstStyle/>
+          <a:p>
+            <a:r>
+              <a:rPr lang="en-US" dirty="0"/>
+              <a:t>Managers don’t have time for employees who need to be given a detailed description of what to do</a:t>
+            </a:r>
+          </a:p>
+          <a:p>
+            <a:pPr lvl="1"/>
+            <a:r>
+              <a:rPr lang="en-US" dirty="0"/>
+              <a:t>figure it out</a:t>
+            </a:r>
+          </a:p>
+          <a:p>
+            <a:pPr lvl="1"/>
+            <a:r>
+              <a:rPr lang="en-US" dirty="0"/>
+              <a:t>do something reasonable</a:t>
+            </a:r>
+          </a:p>
+          <a:p>
+            <a:pPr lvl="1"/>
+            <a:r>
+              <a:rPr lang="en-US" dirty="0"/>
+              <a:t>ask only very well developed questions</a:t>
             </a:r>
           </a:p>
           <a:p>
@@ -5370,6 +5349,55 @@
             <a:r>
               <a:rPr lang="en-US" dirty="0"/>
               <a:t>teams want people who are fun to be around when they don’t know what they are doing</a:t>
+            </a:r>
+          </a:p>
+          <a:p>
+            <a:pPr lvl="1"/>
+            <a:r>
+              <a:rPr lang="en-US" dirty="0"/>
+              <a:t>interview processes are in part trying to uncover that, they want to push you into uncomfortable territory to see how you handle that – they aren’t trying to intimidate or be macho (many of them aren’t anyways)</a:t>
+            </a:r>
+          </a:p>
+        </p:txBody>
+      </p:sp>
+      <p:sp>
+        <p:nvSpPr>
+          <p:cNvPr id="5" name="TextBox 4">
+            <a:extLst>
+              <a:ext uri="{FF2B5EF4-FFF2-40B4-BE49-F238E27FC236}">
+                <a16:creationId xmlns:a16="http://schemas.microsoft.com/office/drawing/2014/main" id="{C936CEB3-555D-613B-3792-AEA2636E7C07}"/>
+              </a:ext>
+            </a:extLst>
+          </p:cNvPr>
+          <p:cNvSpPr txBox="1"/>
+          <p:nvPr/>
+        </p:nvSpPr>
+        <p:spPr>
+          <a:xfrm>
+            <a:off x="4826285" y="230188"/>
+            <a:ext cx="6979578" cy="954107"/>
+          </a:xfrm>
+          <a:prstGeom prst="rect">
+            <a:avLst/>
+          </a:prstGeom>
+          <a:noFill/>
+        </p:spPr>
+        <p:txBody>
+          <a:bodyPr wrap="square">
+            <a:spAutoFit/>
+          </a:bodyPr>
+          <a:lstStyle/>
+          <a:p>
+            <a:r>
+              <a:rPr lang="en-US" sz="2800" i="1" dirty="0"/>
+              <a:t>“We are what we repeatedly do.</a:t>
+            </a:r>
+            <a:br>
+              <a:rPr lang="en-US" sz="2800" i="1" dirty="0"/>
+            </a:br>
+            <a:r>
+              <a:rPr lang="en-US" sz="2800" i="1" dirty="0"/>
+              <a:t>Excellence, then, is not an act, but a habit.”</a:t>
             </a:r>
           </a:p>
         </p:txBody>
@@ -5388,6 +5416,852 @@
 </file>
 
 <file path=ppt/slides/slide2.xml><?xml version="1.0" encoding="utf-8"?>
+<p:sld xmlns:a="http://schemas.openxmlformats.org/drawingml/2006/main" xmlns:r="http://schemas.openxmlformats.org/officeDocument/2006/relationships" xmlns:p="http://schemas.openxmlformats.org/presentationml/2006/main">
+  <p:cSld>
+    <p:spTree>
+      <p:nvGrpSpPr>
+        <p:cNvPr id="1" name=""/>
+        <p:cNvGrpSpPr/>
+        <p:nvPr/>
+      </p:nvGrpSpPr>
+      <p:grpSpPr>
+        <a:xfrm>
+          <a:off x="0" y="0"/>
+          <a:ext cx="0" cy="0"/>
+          <a:chOff x="0" y="0"/>
+          <a:chExt cx="0" cy="0"/>
+        </a:xfrm>
+      </p:grpSpPr>
+      <p:sp>
+        <p:nvSpPr>
+          <p:cNvPr id="2" name="Title 1"/>
+          <p:cNvSpPr>
+            <a:spLocks noGrp="1"/>
+          </p:cNvSpPr>
+          <p:nvPr>
+            <p:ph type="title"/>
+          </p:nvPr>
+        </p:nvSpPr>
+        <p:spPr/>
+        <p:txBody>
+          <a:bodyPr>
+            <a:normAutofit/>
+          </a:bodyPr>
+          <a:lstStyle/>
+          <a:p>
+            <a:pPr>
+              <a:lnSpc>
+                <a:spcPct val="150000"/>
+              </a:lnSpc>
+            </a:pPr>
+            <a:r>
+              <a:rPr lang="en-US" dirty="0"/>
+              <a:t>Plan for rest of today</a:t>
+            </a:r>
+          </a:p>
+        </p:txBody>
+      </p:sp>
+      <p:sp>
+        <p:nvSpPr>
+          <p:cNvPr id="8" name="Content Placeholder 7">
+            <a:extLst>
+              <a:ext uri="{FF2B5EF4-FFF2-40B4-BE49-F238E27FC236}">
+                <a16:creationId xmlns:a16="http://schemas.microsoft.com/office/drawing/2014/main" id="{DE8A77DE-1B86-0D4B-9485-4E45BC312FF9}"/>
+              </a:ext>
+            </a:extLst>
+          </p:cNvPr>
+          <p:cNvSpPr>
+            <a:spLocks noGrp="1"/>
+          </p:cNvSpPr>
+          <p:nvPr>
+            <p:ph idx="1"/>
+          </p:nvPr>
+        </p:nvSpPr>
+        <p:spPr/>
+        <p:txBody>
+          <a:bodyPr/>
+          <a:lstStyle/>
+          <a:p>
+            <a:r>
+              <a:rPr lang="en-US" dirty="0"/>
+              <a:t>How do you feel about final?</a:t>
+            </a:r>
+          </a:p>
+          <a:p>
+            <a:r>
+              <a:rPr lang="en-US" dirty="0"/>
+              <a:t>What have you learned?</a:t>
+            </a:r>
+          </a:p>
+          <a:p>
+            <a:r>
+              <a:rPr lang="en-US" dirty="0"/>
+              <a:t>What about other languages?</a:t>
+            </a:r>
+          </a:p>
+          <a:p>
+            <a:r>
+              <a:rPr lang="en-US" dirty="0"/>
+              <a:t>What’s next?</a:t>
+            </a:r>
+          </a:p>
+          <a:p>
+            <a:r>
+              <a:rPr lang="en-US" dirty="0"/>
+              <a:t>A few thoughts on generative AI</a:t>
+            </a:r>
+          </a:p>
+          <a:p>
+            <a:r>
+              <a:rPr lang="en-US" dirty="0"/>
+              <a:t>Student Survey</a:t>
+            </a:r>
+          </a:p>
+        </p:txBody>
+      </p:sp>
+      <p:sp>
+        <p:nvSpPr>
+          <p:cNvPr id="3" name="TextBox 2">
+            <a:extLst>
+              <a:ext uri="{FF2B5EF4-FFF2-40B4-BE49-F238E27FC236}">
+                <a16:creationId xmlns:a16="http://schemas.microsoft.com/office/drawing/2014/main" id="{C3EEC4B3-2616-AEB3-48D8-3CF97E400DDC}"/>
+              </a:ext>
+            </a:extLst>
+          </p:cNvPr>
+          <p:cNvSpPr txBox="1"/>
+          <p:nvPr/>
+        </p:nvSpPr>
+        <p:spPr>
+          <a:xfrm>
+            <a:off x="7941923" y="421241"/>
+            <a:ext cx="3883631" cy="1323439"/>
+          </a:xfrm>
+          <a:prstGeom prst="rect">
+            <a:avLst/>
+          </a:prstGeom>
+          <a:noFill/>
+        </p:spPr>
+        <p:txBody>
+          <a:bodyPr wrap="square" rtlCol="0">
+            <a:spAutoFit/>
+          </a:bodyPr>
+          <a:lstStyle/>
+          <a:p>
+            <a:r>
+              <a:rPr lang="en-US" sz="2000" dirty="0">
+                <a:solidFill>
+                  <a:srgbClr val="FF0000"/>
+                </a:solidFill>
+              </a:rPr>
+              <a:t>There will be clickers!</a:t>
+            </a:r>
+          </a:p>
+          <a:p>
+            <a:r>
+              <a:rPr lang="en-US" sz="2000" dirty="0">
+                <a:solidFill>
+                  <a:srgbClr val="FF0000"/>
+                </a:solidFill>
+              </a:rPr>
+              <a:t>All answers will be correct, but not answering will not be correct.</a:t>
+            </a:r>
+            <a:br>
+              <a:rPr lang="en-US" sz="2000" dirty="0">
+                <a:solidFill>
+                  <a:srgbClr val="FF0000"/>
+                </a:solidFill>
+              </a:rPr>
+            </a:br>
+            <a:r>
+              <a:rPr lang="en-US" sz="2000" dirty="0">
+                <a:solidFill>
+                  <a:srgbClr val="FF0000"/>
+                </a:solidFill>
+              </a:rPr>
+              <a:t>Leave your devices open.</a:t>
+            </a:r>
+          </a:p>
+        </p:txBody>
+      </p:sp>
+    </p:spTree>
+    <p:extLst>
+      <p:ext uri="{BB962C8B-B14F-4D97-AF65-F5344CB8AC3E}">
+        <p14:creationId xmlns:p14="http://schemas.microsoft.com/office/powerpoint/2010/main" val="2630507906"/>
+      </p:ext>
+    </p:extLst>
+  </p:cSld>
+  <p:clrMapOvr>
+    <a:masterClrMapping/>
+  </p:clrMapOvr>
+</p:sld>
+</file>
+
+<file path=ppt/slides/slide20.xml><?xml version="1.0" encoding="utf-8"?>
+<p:sld xmlns:a="http://schemas.openxmlformats.org/drawingml/2006/main" xmlns:r="http://schemas.openxmlformats.org/officeDocument/2006/relationships" xmlns:p="http://schemas.openxmlformats.org/presentationml/2006/main">
+  <p:cSld>
+    <p:spTree>
+      <p:nvGrpSpPr>
+        <p:cNvPr id="1" name=""/>
+        <p:cNvGrpSpPr/>
+        <p:nvPr/>
+      </p:nvGrpSpPr>
+      <p:grpSpPr>
+        <a:xfrm>
+          <a:off x="0" y="0"/>
+          <a:ext cx="0" cy="0"/>
+          <a:chOff x="0" y="0"/>
+          <a:chExt cx="0" cy="0"/>
+        </a:xfrm>
+      </p:grpSpPr>
+      <p:sp>
+        <p:nvSpPr>
+          <p:cNvPr id="2" name="Title 1">
+            <a:extLst>
+              <a:ext uri="{FF2B5EF4-FFF2-40B4-BE49-F238E27FC236}">
+                <a16:creationId xmlns:a16="http://schemas.microsoft.com/office/drawing/2014/main" id="{024C97C4-0C09-B6D4-7A37-41DFBC6D4691}"/>
+              </a:ext>
+            </a:extLst>
+          </p:cNvPr>
+          <p:cNvSpPr>
+            <a:spLocks noGrp="1"/>
+          </p:cNvSpPr>
+          <p:nvPr>
+            <p:ph type="title"/>
+          </p:nvPr>
+        </p:nvSpPr>
+        <p:spPr/>
+        <p:txBody>
+          <a:bodyPr/>
+          <a:lstStyle/>
+          <a:p>
+            <a:r>
+              <a:rPr lang="en-US" dirty="0"/>
+              <a:t>What About Generative AI?</a:t>
+            </a:r>
+          </a:p>
+        </p:txBody>
+      </p:sp>
+      <p:sp>
+        <p:nvSpPr>
+          <p:cNvPr id="3" name="Content Placeholder 2">
+            <a:extLst>
+              <a:ext uri="{FF2B5EF4-FFF2-40B4-BE49-F238E27FC236}">
+                <a16:creationId xmlns:a16="http://schemas.microsoft.com/office/drawing/2014/main" id="{FA19CDD8-6D31-8ACA-AB4E-08B4DDDE49BA}"/>
+              </a:ext>
+            </a:extLst>
+          </p:cNvPr>
+          <p:cNvSpPr>
+            <a:spLocks noGrp="1"/>
+          </p:cNvSpPr>
+          <p:nvPr>
+            <p:ph idx="1"/>
+          </p:nvPr>
+        </p:nvSpPr>
+        <p:spPr>
+          <a:xfrm>
+            <a:off x="838199" y="1825625"/>
+            <a:ext cx="11254483" cy="4351338"/>
+          </a:xfrm>
+        </p:spPr>
+        <p:txBody>
+          <a:bodyPr>
+            <a:normAutofit fontScale="92500" lnSpcReduction="10000"/>
+          </a:bodyPr>
+          <a:lstStyle/>
+          <a:p>
+            <a:r>
+              <a:rPr lang="en-US" dirty="0"/>
+              <a:t>All kinds of work is about to change – maybe a lot</a:t>
+            </a:r>
+          </a:p>
+          <a:p>
+            <a:r>
+              <a:rPr lang="en-US" dirty="0"/>
+              <a:t>Long term isn’t clear (issues go way beyond technology)</a:t>
+            </a:r>
+          </a:p>
+          <a:p>
+            <a:r>
+              <a:rPr lang="en-US" dirty="0"/>
+              <a:t>It does seem clear that in 2-3 years or less</a:t>
+            </a:r>
+          </a:p>
+          <a:p>
+            <a:pPr lvl="1"/>
+            <a:r>
+              <a:rPr lang="en-US" dirty="0"/>
+              <a:t>software engineers (including interns) will need to be able to use tools like Copilot (or similar) to be more </a:t>
+            </a:r>
+            <a:r>
+              <a:rPr lang="en-US" u="sng" dirty="0"/>
+              <a:t>productive</a:t>
+            </a:r>
+            <a:r>
+              <a:rPr lang="en-US" dirty="0"/>
+              <a:t> (produce more value per salary dollar)</a:t>
+            </a:r>
+          </a:p>
+          <a:p>
+            <a:pPr lvl="2"/>
+            <a:r>
+              <a:rPr lang="en-US" dirty="0"/>
+              <a:t>produce/revise code faster</a:t>
+            </a:r>
+          </a:p>
+          <a:p>
+            <a:pPr lvl="2"/>
+            <a:r>
+              <a:rPr lang="en-US" dirty="0"/>
+              <a:t>produce better code</a:t>
+            </a:r>
+          </a:p>
+          <a:p>
+            <a:pPr lvl="2"/>
+            <a:r>
+              <a:rPr lang="en-US" dirty="0"/>
+              <a:t>…</a:t>
+            </a:r>
+          </a:p>
+          <a:p>
+            <a:pPr lvl="1"/>
+            <a:r>
+              <a:rPr lang="en-US" dirty="0"/>
+              <a:t>One part of that will be quickly evaluating code an AI tool proposes</a:t>
+            </a:r>
+          </a:p>
+          <a:p>
+            <a:pPr lvl="1"/>
+            <a:r>
+              <a:rPr lang="en-US" dirty="0"/>
+              <a:t>One part of that will be having a dialog with an AI tool about code you have written</a:t>
+            </a:r>
+          </a:p>
+          <a:p>
+            <a:r>
+              <a:rPr lang="en-US" dirty="0"/>
+              <a:t>We have tried to given you a foundation for that</a:t>
+            </a:r>
+          </a:p>
+          <a:p>
+            <a:pPr lvl="1"/>
+            <a:r>
+              <a:rPr lang="en-US" dirty="0"/>
+              <a:t>by focusing on design level constructs that exist across all languages and tools</a:t>
+            </a:r>
+          </a:p>
+        </p:txBody>
+      </p:sp>
+    </p:spTree>
+    <p:extLst>
+      <p:ext uri="{BB962C8B-B14F-4D97-AF65-F5344CB8AC3E}">
+        <p14:creationId xmlns:p14="http://schemas.microsoft.com/office/powerpoint/2010/main" val="1899560148"/>
+      </p:ext>
+    </p:extLst>
+  </p:cSld>
+  <p:clrMapOvr>
+    <a:masterClrMapping/>
+  </p:clrMapOvr>
+</p:sld>
+</file>
+
+<file path=ppt/slides/slide21.xml><?xml version="1.0" encoding="utf-8"?>
+<p:sld xmlns:a="http://schemas.openxmlformats.org/drawingml/2006/main" xmlns:r="http://schemas.openxmlformats.org/officeDocument/2006/relationships" xmlns:p="http://schemas.openxmlformats.org/presentationml/2006/main">
+  <p:cSld>
+    <p:spTree>
+      <p:nvGrpSpPr>
+        <p:cNvPr id="1" name=""/>
+        <p:cNvGrpSpPr/>
+        <p:nvPr/>
+      </p:nvGrpSpPr>
+      <p:grpSpPr>
+        <a:xfrm>
+          <a:off x="0" y="0"/>
+          <a:ext cx="0" cy="0"/>
+          <a:chOff x="0" y="0"/>
+          <a:chExt cx="0" cy="0"/>
+        </a:xfrm>
+      </p:grpSpPr>
+      <p:sp>
+        <p:nvSpPr>
+          <p:cNvPr id="2" name="Title 1"/>
+          <p:cNvSpPr>
+            <a:spLocks noGrp="1"/>
+          </p:cNvSpPr>
+          <p:nvPr>
+            <p:ph type="title"/>
+          </p:nvPr>
+        </p:nvSpPr>
+        <p:spPr/>
+        <p:txBody>
+          <a:bodyPr/>
+          <a:lstStyle/>
+          <a:p>
+            <a:r>
+              <a:rPr lang="en-US" dirty="0"/>
+              <a:t>Final review</a:t>
+            </a:r>
+          </a:p>
+        </p:txBody>
+      </p:sp>
+      <p:sp>
+        <p:nvSpPr>
+          <p:cNvPr id="3" name="Content Placeholder 2"/>
+          <p:cNvSpPr>
+            <a:spLocks noGrp="1"/>
+          </p:cNvSpPr>
+          <p:nvPr>
+            <p:ph idx="1"/>
+          </p:nvPr>
+        </p:nvSpPr>
+        <p:spPr/>
+        <p:txBody>
+          <a:bodyPr>
+            <a:normAutofit fontScale="85000" lnSpcReduction="20000"/>
+          </a:bodyPr>
+          <a:lstStyle/>
+          <a:p>
+            <a:r>
+              <a:rPr lang="en-US" dirty="0"/>
+              <a:t>Monitor Piazza forum closely – ask well setup questions</a:t>
+            </a:r>
+          </a:p>
+          <a:p>
+            <a:r>
+              <a:rPr lang="en-US" dirty="0"/>
+              <a:t>Work through problems (as opposed to reviewing solutions)</a:t>
+            </a:r>
+          </a:p>
+          <a:p>
+            <a:r>
+              <a:rPr lang="en-US" dirty="0"/>
+              <a:t>Focus on WHY you type the code you do</a:t>
+            </a:r>
+          </a:p>
+          <a:p>
+            <a:pPr lvl="1"/>
+            <a:r>
+              <a:rPr lang="en-US" dirty="0"/>
+              <a:t>What rule? What observation? What idea?</a:t>
+            </a:r>
+          </a:p>
+          <a:p>
+            <a:pPr lvl="1"/>
+            <a:endParaRPr lang="en-US" dirty="0"/>
+          </a:p>
+          <a:p>
+            <a:r>
+              <a:rPr lang="en-US" dirty="0"/>
+              <a:t>Work through them online</a:t>
+            </a:r>
+          </a:p>
+          <a:p>
+            <a:r>
+              <a:rPr lang="en-US" dirty="0"/>
+              <a:t>Practice getting RUNNING solutions</a:t>
+            </a:r>
+          </a:p>
+          <a:p>
+            <a:r>
+              <a:rPr lang="en-US" dirty="0"/>
+              <a:t>Work through being stuck, don’t just look at the solution</a:t>
+            </a:r>
+          </a:p>
+          <a:p>
+            <a:r>
+              <a:rPr lang="en-US" dirty="0"/>
+              <a:t>Work in office hours (hints are better than looking at solutions)</a:t>
+            </a:r>
+          </a:p>
+          <a:p>
+            <a:r>
+              <a:rPr lang="en-US" dirty="0"/>
+              <a:t>Work in 2.5 hour chunks w/o interruption</a:t>
+            </a:r>
+          </a:p>
+          <a:p>
+            <a:endParaRPr lang="en-US" dirty="0"/>
+          </a:p>
+          <a:p>
+            <a:r>
+              <a:rPr lang="en-US" dirty="0"/>
+              <a:t>Several hours every day beats 24 hours the day before the exam</a:t>
+            </a:r>
+          </a:p>
+          <a:p>
+            <a:endParaRPr lang="en-US" dirty="0"/>
+          </a:p>
+        </p:txBody>
+      </p:sp>
+    </p:spTree>
+    <p:extLst>
+      <p:ext uri="{BB962C8B-B14F-4D97-AF65-F5344CB8AC3E}">
+        <p14:creationId xmlns:p14="http://schemas.microsoft.com/office/powerpoint/2010/main" val="1012606840"/>
+      </p:ext>
+    </p:extLst>
+  </p:cSld>
+  <p:clrMapOvr>
+    <a:masterClrMapping/>
+  </p:clrMapOvr>
+</p:sld>
+</file>
+
+<file path=ppt/slides/slide22.xml><?xml version="1.0" encoding="utf-8"?>
+<p:sld xmlns:a="http://schemas.openxmlformats.org/drawingml/2006/main" xmlns:r="http://schemas.openxmlformats.org/officeDocument/2006/relationships" xmlns:p="http://schemas.openxmlformats.org/presentationml/2006/main">
+  <p:cSld>
+    <p:spTree>
+      <p:nvGrpSpPr>
+        <p:cNvPr id="1" name=""/>
+        <p:cNvGrpSpPr/>
+        <p:nvPr/>
+      </p:nvGrpSpPr>
+      <p:grpSpPr>
+        <a:xfrm>
+          <a:off x="0" y="0"/>
+          <a:ext cx="0" cy="0"/>
+          <a:chOff x="0" y="0"/>
+          <a:chExt cx="0" cy="0"/>
+        </a:xfrm>
+      </p:grpSpPr>
+      <p:sp>
+        <p:nvSpPr>
+          <p:cNvPr id="2" name="Title 1">
+            <a:extLst>
+              <a:ext uri="{FF2B5EF4-FFF2-40B4-BE49-F238E27FC236}">
+                <a16:creationId xmlns:a16="http://schemas.microsoft.com/office/drawing/2014/main" id="{D03972D7-CAB1-3C4D-A989-78EF897D24B0}"/>
+              </a:ext>
+            </a:extLst>
+          </p:cNvPr>
+          <p:cNvSpPr>
+            <a:spLocks noGrp="1"/>
+          </p:cNvSpPr>
+          <p:nvPr>
+            <p:ph type="title"/>
+          </p:nvPr>
+        </p:nvSpPr>
+        <p:spPr/>
+        <p:txBody>
+          <a:bodyPr/>
+          <a:lstStyle/>
+          <a:p>
+            <a:r>
+              <a:rPr lang="en-US" dirty="0"/>
+              <a:t>You are now bearers of IT sorcery…</a:t>
+            </a:r>
+          </a:p>
+        </p:txBody>
+      </p:sp>
+      <p:sp>
+        <p:nvSpPr>
+          <p:cNvPr id="3" name="Content Placeholder 2">
+            <a:extLst>
+              <a:ext uri="{FF2B5EF4-FFF2-40B4-BE49-F238E27FC236}">
+                <a16:creationId xmlns:a16="http://schemas.microsoft.com/office/drawing/2014/main" id="{B5309F92-A0A2-FE49-8EB8-A978133C80E3}"/>
+              </a:ext>
+            </a:extLst>
+          </p:cNvPr>
+          <p:cNvSpPr>
+            <a:spLocks noGrp="1"/>
+          </p:cNvSpPr>
+          <p:nvPr>
+            <p:ph idx="1"/>
+          </p:nvPr>
+        </p:nvSpPr>
+        <p:spPr>
+          <a:xfrm>
+            <a:off x="838199" y="1825625"/>
+            <a:ext cx="11102163" cy="4854308"/>
+          </a:xfrm>
+        </p:spPr>
+        <p:txBody>
+          <a:bodyPr>
+            <a:normAutofit fontScale="92500"/>
+          </a:bodyPr>
+          <a:lstStyle/>
+          <a:p>
+            <a:r>
+              <a:rPr lang="en-US" dirty="0"/>
+              <a:t>Information technology is extraordinarily powerful</a:t>
+            </a:r>
+          </a:p>
+          <a:p>
+            <a:pPr lvl="1"/>
+            <a:r>
+              <a:rPr lang="en-US" dirty="0"/>
+              <a:t>DeepMind protein folding</a:t>
+            </a:r>
+          </a:p>
+          <a:p>
+            <a:pPr lvl="1"/>
+            <a:r>
+              <a:rPr lang="en-US" dirty="0"/>
+              <a:t>Self driving cars</a:t>
+            </a:r>
+          </a:p>
+          <a:p>
+            <a:pPr lvl="1"/>
+            <a:r>
+              <a:rPr lang="en-US" dirty="0"/>
+              <a:t>…</a:t>
+            </a:r>
+          </a:p>
+          <a:p>
+            <a:pPr lvl="1"/>
+            <a:r>
+              <a:rPr lang="en-US" dirty="0"/>
+              <a:t>UBC SSC</a:t>
+            </a:r>
+          </a:p>
+          <a:p>
+            <a:r>
+              <a:rPr lang="en-US" dirty="0"/>
+              <a:t>Try to do good things with that power</a:t>
+            </a:r>
+          </a:p>
+          <a:p>
+            <a:pPr lvl="1"/>
+            <a:r>
+              <a:rPr lang="en-US" dirty="0"/>
+              <a:t>not everyone can work </a:t>
+            </a:r>
+            <a:r>
+              <a:rPr lang="en-US"/>
+              <a:t>on cancer</a:t>
+            </a:r>
+            <a:endParaRPr lang="en-US" dirty="0"/>
+          </a:p>
+          <a:p>
+            <a:pPr lvl="1"/>
+            <a:r>
+              <a:rPr lang="en-US" dirty="0"/>
+              <a:t>not everyone can go to cool hot company (former students are at all of them)</a:t>
+            </a:r>
+          </a:p>
+          <a:p>
+            <a:pPr lvl="1"/>
+            <a:r>
+              <a:rPr lang="en-US" dirty="0"/>
+              <a:t>we also need payroll systems, and traffic automation, and 10k+ other important systems</a:t>
+            </a:r>
+          </a:p>
+          <a:p>
+            <a:pPr lvl="1"/>
+            <a:r>
+              <a:rPr lang="en-US" dirty="0"/>
+              <a:t>but some things are less good…, some questions to ask</a:t>
+            </a:r>
+          </a:p>
+          <a:p>
+            <a:pPr lvl="2"/>
+            <a:r>
+              <a:rPr lang="en-US" dirty="0"/>
+              <a:t>where does the wealth go? where does it come from?</a:t>
+            </a:r>
+          </a:p>
+          <a:p>
+            <a:pPr lvl="2"/>
+            <a:r>
+              <a:rPr lang="en-US" dirty="0"/>
+              <a:t>who has the power over the information?</a:t>
+            </a:r>
+          </a:p>
+          <a:p>
+            <a:pPr lvl="2"/>
+            <a:r>
+              <a:rPr lang="en-US" dirty="0"/>
+              <a:t>who has agency in how the system works?</a:t>
+            </a:r>
+          </a:p>
+        </p:txBody>
+      </p:sp>
+    </p:spTree>
+    <p:extLst>
+      <p:ext uri="{BB962C8B-B14F-4D97-AF65-F5344CB8AC3E}">
+        <p14:creationId xmlns:p14="http://schemas.microsoft.com/office/powerpoint/2010/main" val="35273196"/>
+      </p:ext>
+    </p:extLst>
+  </p:cSld>
+  <p:clrMapOvr>
+    <a:masterClrMapping/>
+  </p:clrMapOvr>
+</p:sld>
+</file>
+
+<file path=ppt/slides/slide23.xml><?xml version="1.0" encoding="utf-8"?>
+<p:sld xmlns:a="http://schemas.openxmlformats.org/drawingml/2006/main" xmlns:r="http://schemas.openxmlformats.org/officeDocument/2006/relationships" xmlns:p="http://schemas.openxmlformats.org/presentationml/2006/main">
+  <p:cSld>
+    <p:spTree>
+      <p:nvGrpSpPr>
+        <p:cNvPr id="1" name=""/>
+        <p:cNvGrpSpPr/>
+        <p:nvPr/>
+      </p:nvGrpSpPr>
+      <p:grpSpPr>
+        <a:xfrm>
+          <a:off x="0" y="0"/>
+          <a:ext cx="0" cy="0"/>
+          <a:chOff x="0" y="0"/>
+          <a:chExt cx="0" cy="0"/>
+        </a:xfrm>
+      </p:grpSpPr>
+      <p:sp>
+        <p:nvSpPr>
+          <p:cNvPr id="2" name="Title 1"/>
+          <p:cNvSpPr>
+            <a:spLocks noGrp="1"/>
+          </p:cNvSpPr>
+          <p:nvPr>
+            <p:ph type="title"/>
+          </p:nvPr>
+        </p:nvSpPr>
+        <p:spPr/>
+        <p:txBody>
+          <a:bodyPr/>
+          <a:lstStyle/>
+          <a:p>
+            <a:r>
+              <a:rPr lang="en-US" dirty="0"/>
+              <a:t>The Recipes are about</a:t>
+            </a:r>
+          </a:p>
+        </p:txBody>
+      </p:sp>
+      <p:sp>
+        <p:nvSpPr>
+          <p:cNvPr id="3" name="Content Placeholder 2"/>
+          <p:cNvSpPr>
+            <a:spLocks noGrp="1"/>
+          </p:cNvSpPr>
+          <p:nvPr>
+            <p:ph idx="1"/>
+          </p:nvPr>
+        </p:nvSpPr>
+        <p:spPr>
+          <a:xfrm>
+            <a:off x="838200" y="1825624"/>
+            <a:ext cx="10515600" cy="4826635"/>
+          </a:xfrm>
+        </p:spPr>
+        <p:txBody>
+          <a:bodyPr>
+            <a:normAutofit fontScale="77500" lnSpcReduction="20000"/>
+          </a:bodyPr>
+          <a:lstStyle/>
+          <a:p>
+            <a:r>
+              <a:rPr lang="en-US" dirty="0"/>
+              <a:t>Making systematic progress, bit by bit, to solve a complex problem.</a:t>
+            </a:r>
+          </a:p>
+          <a:p>
+            <a:r>
+              <a:rPr lang="en-US" dirty="0"/>
+              <a:t>Write down the easiest thing first</a:t>
+            </a:r>
+          </a:p>
+          <a:p>
+            <a:pPr lvl="1"/>
+            <a:r>
+              <a:rPr lang="en-US" dirty="0"/>
+              <a:t>what is information in problem domain, form of information, type comment, examples, template</a:t>
+            </a:r>
+          </a:p>
+          <a:p>
+            <a:pPr lvl="1"/>
+            <a:r>
+              <a:rPr lang="en-US" dirty="0" err="1"/>
+              <a:t>fn</a:t>
+            </a:r>
+            <a:r>
+              <a:rPr lang="en-US" dirty="0"/>
+              <a:t> name, signature, purpose, examples, template, code rest of function body</a:t>
+            </a:r>
+          </a:p>
+          <a:p>
+            <a:r>
+              <a:rPr lang="en-US" dirty="0"/>
+              <a:t>Don’t jump to a solution too soon</a:t>
+            </a:r>
+          </a:p>
+          <a:p>
+            <a:pPr lvl="1"/>
+            <a:r>
+              <a:rPr lang="en-US" dirty="0"/>
+              <a:t>information, form, DD, signature, purpose, template, fill in …   vs.  just start coding</a:t>
+            </a:r>
+          </a:p>
+          <a:p>
+            <a:r>
+              <a:rPr lang="en-US" dirty="0"/>
+              <a:t>Describe the goal in different forms.</a:t>
+            </a:r>
+          </a:p>
+          <a:p>
+            <a:pPr lvl="1"/>
+            <a:r>
+              <a:rPr lang="en-US" dirty="0"/>
+              <a:t>types (signature), text (purpose), examples, template</a:t>
+            </a:r>
+          </a:p>
+          <a:p>
+            <a:r>
+              <a:rPr lang="en-US" dirty="0"/>
+              <a:t>Work it out, piece by piece, always writing down what you just figured out.</a:t>
+            </a:r>
+          </a:p>
+          <a:p>
+            <a:r>
+              <a:rPr lang="en-US" dirty="0"/>
+              <a:t>Using software engineering and computer science to structure the solution into separate parts</a:t>
+            </a:r>
+          </a:p>
+          <a:p>
+            <a:pPr lvl="1"/>
+            <a:r>
+              <a:rPr lang="en-US" dirty="0"/>
+              <a:t>What’s the information? What’s the changing information?</a:t>
+            </a:r>
+          </a:p>
+          <a:p>
+            <a:pPr lvl="1"/>
+            <a:r>
+              <a:rPr lang="en-US" dirty="0"/>
+              <a:t>What kind of problem is it? (Simple functional, World, Search</a:t>
+            </a:r>
+            <a:r>
+              <a:rPr lang="is-IS" dirty="0"/>
+              <a:t>…)</a:t>
+            </a:r>
+          </a:p>
+          <a:p>
+            <a:pPr lvl="1"/>
+            <a:r>
+              <a:rPr lang="is-IS" dirty="0"/>
+              <a:t>What‘s the basic function strategy? (structural, generative, search...)</a:t>
+            </a:r>
+          </a:p>
+          <a:p>
+            <a:pPr lvl="1"/>
+            <a:r>
+              <a:rPr lang="is-IS" dirty="0"/>
+              <a:t>What are the templates?</a:t>
+            </a:r>
+          </a:p>
+        </p:txBody>
+      </p:sp>
+    </p:spTree>
+    <p:extLst>
+      <p:ext uri="{BB962C8B-B14F-4D97-AF65-F5344CB8AC3E}">
+        <p14:creationId xmlns:p14="http://schemas.microsoft.com/office/powerpoint/2010/main" val="1201202662"/>
+      </p:ext>
+    </p:extLst>
+  </p:cSld>
+  <p:clrMapOvr>
+    <a:masterClrMapping/>
+  </p:clrMapOvr>
+</p:sld>
+</file>
+
+<file path=ppt/slides/slide3.xml><?xml version="1.0" encoding="utf-8"?>
 <p:sld xmlns:a="http://schemas.openxmlformats.org/drawingml/2006/main" xmlns:r="http://schemas.openxmlformats.org/officeDocument/2006/relationships" xmlns:p="http://schemas.openxmlformats.org/presentationml/2006/main">
   <p:cSld>
     <p:spTree>
@@ -5434,55 +6308,6 @@
           </a:prstGeom>
         </p:spPr>
       </p:pic>
-      <p:sp>
-        <p:nvSpPr>
-          <p:cNvPr id="2" name="TextBox 1">
-            <a:extLst>
-              <a:ext uri="{FF2B5EF4-FFF2-40B4-BE49-F238E27FC236}">
-                <a16:creationId xmlns:a16="http://schemas.microsoft.com/office/drawing/2014/main" id="{C8C9AB69-8F61-25CD-E749-5C435BF45CEA}"/>
-              </a:ext>
-            </a:extLst>
-          </p:cNvPr>
-          <p:cNvSpPr txBox="1"/>
-          <p:nvPr/>
-        </p:nvSpPr>
-        <p:spPr>
-          <a:xfrm>
-            <a:off x="7941923" y="421241"/>
-            <a:ext cx="3883631" cy="1015663"/>
-          </a:xfrm>
-          <a:prstGeom prst="rect">
-            <a:avLst/>
-          </a:prstGeom>
-          <a:noFill/>
-        </p:spPr>
-        <p:txBody>
-          <a:bodyPr wrap="square" rtlCol="0">
-            <a:spAutoFit/>
-          </a:bodyPr>
-          <a:lstStyle/>
-          <a:p>
-            <a:r>
-              <a:rPr lang="en-US" sz="2000" dirty="0">
-                <a:solidFill>
-                  <a:srgbClr val="FF0000"/>
-                </a:solidFill>
-              </a:rPr>
-              <a:t>There will be a number of clickers!</a:t>
-            </a:r>
-          </a:p>
-          <a:p>
-            <a:r>
-              <a:rPr lang="en-US" sz="2000" dirty="0">
-                <a:solidFill>
-                  <a:srgbClr val="FF0000"/>
-                </a:solidFill>
-              </a:rPr>
-              <a:t>All answers will be correct, but not answering will not be correct.</a:t>
-            </a:r>
-          </a:p>
-        </p:txBody>
-      </p:sp>
     </p:spTree>
     <p:extLst>
       <p:ext uri="{BB962C8B-B14F-4D97-AF65-F5344CB8AC3E}">
@@ -5496,488 +6321,7 @@
 </p:sld>
 </file>
 
-<file path=ppt/slides/slide20.xml><?xml version="1.0" encoding="utf-8"?>
-<p:sld xmlns:a="http://schemas.openxmlformats.org/drawingml/2006/main" xmlns:r="http://schemas.openxmlformats.org/officeDocument/2006/relationships" xmlns:p="http://schemas.openxmlformats.org/presentationml/2006/main">
-  <p:cSld>
-    <p:spTree>
-      <p:nvGrpSpPr>
-        <p:cNvPr id="1" name=""/>
-        <p:cNvGrpSpPr/>
-        <p:nvPr/>
-      </p:nvGrpSpPr>
-      <p:grpSpPr>
-        <a:xfrm>
-          <a:off x="0" y="0"/>
-          <a:ext cx="0" cy="0"/>
-          <a:chOff x="0" y="0"/>
-          <a:chExt cx="0" cy="0"/>
-        </a:xfrm>
-      </p:grpSpPr>
-      <p:sp>
-        <p:nvSpPr>
-          <p:cNvPr id="2" name="Title 1">
-            <a:extLst>
-              <a:ext uri="{FF2B5EF4-FFF2-40B4-BE49-F238E27FC236}">
-                <a16:creationId xmlns:a16="http://schemas.microsoft.com/office/drawing/2014/main" id="{024C97C4-0C09-B6D4-7A37-41DFBC6D4691}"/>
-              </a:ext>
-            </a:extLst>
-          </p:cNvPr>
-          <p:cNvSpPr>
-            <a:spLocks noGrp="1"/>
-          </p:cNvSpPr>
-          <p:nvPr>
-            <p:ph type="title"/>
-          </p:nvPr>
-        </p:nvSpPr>
-        <p:spPr/>
-        <p:txBody>
-          <a:bodyPr/>
-          <a:lstStyle/>
-          <a:p>
-            <a:r>
-              <a:rPr lang="en-US" dirty="0"/>
-              <a:t>What About Generative AI?</a:t>
-            </a:r>
-          </a:p>
-        </p:txBody>
-      </p:sp>
-      <p:sp>
-        <p:nvSpPr>
-          <p:cNvPr id="3" name="Content Placeholder 2">
-            <a:extLst>
-              <a:ext uri="{FF2B5EF4-FFF2-40B4-BE49-F238E27FC236}">
-                <a16:creationId xmlns:a16="http://schemas.microsoft.com/office/drawing/2014/main" id="{FA19CDD8-6D31-8ACA-AB4E-08B4DDDE49BA}"/>
-              </a:ext>
-            </a:extLst>
-          </p:cNvPr>
-          <p:cNvSpPr>
-            <a:spLocks noGrp="1"/>
-          </p:cNvSpPr>
-          <p:nvPr>
-            <p:ph idx="1"/>
-          </p:nvPr>
-        </p:nvSpPr>
-        <p:spPr>
-          <a:xfrm>
-            <a:off x="838199" y="1825625"/>
-            <a:ext cx="11254483" cy="4351338"/>
-          </a:xfrm>
-        </p:spPr>
-        <p:txBody>
-          <a:bodyPr>
-            <a:normAutofit fontScale="92500" lnSpcReduction="10000"/>
-          </a:bodyPr>
-          <a:lstStyle/>
-          <a:p>
-            <a:r>
-              <a:rPr lang="en-US" dirty="0"/>
-              <a:t>All kinds of work is about to change – maybe a lot</a:t>
-            </a:r>
-          </a:p>
-          <a:p>
-            <a:r>
-              <a:rPr lang="en-US" dirty="0"/>
-              <a:t>Long term isn’t clear</a:t>
-            </a:r>
-          </a:p>
-          <a:p>
-            <a:r>
-              <a:rPr lang="en-US" dirty="0"/>
-              <a:t>It does seem clear that in 2-3 years or less</a:t>
-            </a:r>
-          </a:p>
-          <a:p>
-            <a:pPr lvl="1"/>
-            <a:r>
-              <a:rPr lang="en-US" dirty="0"/>
-              <a:t>software engineers (including interns) will need to be able to use tools like Copilot (or similar tools) to be more </a:t>
-            </a:r>
-            <a:r>
-              <a:rPr lang="en-US" u="sng" dirty="0"/>
-              <a:t>productive</a:t>
-            </a:r>
-          </a:p>
-          <a:p>
-            <a:pPr lvl="2"/>
-            <a:r>
-              <a:rPr lang="en-US" dirty="0"/>
-              <a:t>produce/revise code faster</a:t>
-            </a:r>
-          </a:p>
-          <a:p>
-            <a:pPr lvl="2"/>
-            <a:r>
-              <a:rPr lang="en-US" dirty="0"/>
-              <a:t>produce better code</a:t>
-            </a:r>
-          </a:p>
-          <a:p>
-            <a:pPr lvl="2"/>
-            <a:r>
-              <a:rPr lang="en-US" dirty="0"/>
-              <a:t>…</a:t>
-            </a:r>
-          </a:p>
-          <a:p>
-            <a:pPr lvl="1"/>
-            <a:r>
-              <a:rPr lang="en-US" dirty="0"/>
-              <a:t>One part of that will be quickly evaluating code an AI tool proposes</a:t>
-            </a:r>
-          </a:p>
-          <a:p>
-            <a:pPr lvl="1"/>
-            <a:r>
-              <a:rPr lang="en-US" dirty="0"/>
-              <a:t>One part of that will be having a dialog with an AI tool about code you have written</a:t>
-            </a:r>
-          </a:p>
-          <a:p>
-            <a:r>
-              <a:rPr lang="en-US" dirty="0"/>
-              <a:t>We have tried to given you a foundation for that</a:t>
-            </a:r>
-          </a:p>
-          <a:p>
-            <a:pPr lvl="1"/>
-            <a:r>
-              <a:rPr lang="en-US" dirty="0"/>
-              <a:t>by focusing on design level constructs that exist across all languages and tools</a:t>
-            </a:r>
-          </a:p>
-        </p:txBody>
-      </p:sp>
-    </p:spTree>
-    <p:extLst>
-      <p:ext uri="{BB962C8B-B14F-4D97-AF65-F5344CB8AC3E}">
-        <p14:creationId xmlns:p14="http://schemas.microsoft.com/office/powerpoint/2010/main" val="1899560148"/>
-      </p:ext>
-    </p:extLst>
-  </p:cSld>
-  <p:clrMapOvr>
-    <a:masterClrMapping/>
-  </p:clrMapOvr>
-</p:sld>
-</file>
-
-<file path=ppt/slides/slide21.xml><?xml version="1.0" encoding="utf-8"?>
-<p:sld xmlns:a="http://schemas.openxmlformats.org/drawingml/2006/main" xmlns:r="http://schemas.openxmlformats.org/officeDocument/2006/relationships" xmlns:p="http://schemas.openxmlformats.org/presentationml/2006/main">
-  <p:cSld>
-    <p:spTree>
-      <p:nvGrpSpPr>
-        <p:cNvPr id="1" name=""/>
-        <p:cNvGrpSpPr/>
-        <p:nvPr/>
-      </p:nvGrpSpPr>
-      <p:grpSpPr>
-        <a:xfrm>
-          <a:off x="0" y="0"/>
-          <a:ext cx="0" cy="0"/>
-          <a:chOff x="0" y="0"/>
-          <a:chExt cx="0" cy="0"/>
-        </a:xfrm>
-      </p:grpSpPr>
-      <p:sp>
-        <p:nvSpPr>
-          <p:cNvPr id="2" name="Title 1"/>
-          <p:cNvSpPr>
-            <a:spLocks noGrp="1"/>
-          </p:cNvSpPr>
-          <p:nvPr>
-            <p:ph type="title"/>
-          </p:nvPr>
-        </p:nvSpPr>
-        <p:spPr/>
-        <p:txBody>
-          <a:bodyPr/>
-          <a:lstStyle/>
-          <a:p>
-            <a:r>
-              <a:rPr lang="en-US" dirty="0"/>
-              <a:t>Final review</a:t>
-            </a:r>
-          </a:p>
-        </p:txBody>
-      </p:sp>
-      <p:sp>
-        <p:nvSpPr>
-          <p:cNvPr id="3" name="Content Placeholder 2"/>
-          <p:cNvSpPr>
-            <a:spLocks noGrp="1"/>
-          </p:cNvSpPr>
-          <p:nvPr>
-            <p:ph idx="1"/>
-          </p:nvPr>
-        </p:nvSpPr>
-        <p:spPr/>
-        <p:txBody>
-          <a:bodyPr>
-            <a:normAutofit fontScale="85000" lnSpcReduction="20000"/>
-          </a:bodyPr>
-          <a:lstStyle/>
-          <a:p>
-            <a:r>
-              <a:rPr lang="en-US" dirty="0"/>
-              <a:t>Monitor Piazza forum closely – ask well setup questions</a:t>
-            </a:r>
-          </a:p>
-          <a:p>
-            <a:r>
-              <a:rPr lang="en-US" dirty="0"/>
-              <a:t>Work through problems (as opposed to reviewing solutions)</a:t>
-            </a:r>
-          </a:p>
-          <a:p>
-            <a:r>
-              <a:rPr lang="en-US" dirty="0"/>
-              <a:t>Focus on WHY you type the code you do</a:t>
-            </a:r>
-          </a:p>
-          <a:p>
-            <a:pPr lvl="1"/>
-            <a:r>
-              <a:rPr lang="en-US" dirty="0"/>
-              <a:t>What rule? What observation? What idea?</a:t>
-            </a:r>
-          </a:p>
-          <a:p>
-            <a:pPr lvl="1"/>
-            <a:endParaRPr lang="en-US" dirty="0"/>
-          </a:p>
-          <a:p>
-            <a:r>
-              <a:rPr lang="en-US" dirty="0"/>
-              <a:t>Work through them online</a:t>
-            </a:r>
-          </a:p>
-          <a:p>
-            <a:r>
-              <a:rPr lang="en-US" dirty="0"/>
-              <a:t>Practice getting RUNNING solutions</a:t>
-            </a:r>
-          </a:p>
-          <a:p>
-            <a:r>
-              <a:rPr lang="en-US" dirty="0"/>
-              <a:t>Work through being stuck, don’t just look at the solution</a:t>
-            </a:r>
-          </a:p>
-          <a:p>
-            <a:r>
-              <a:rPr lang="en-US" dirty="0"/>
-              <a:t>Work in office hours (hints are better than looking at solutions)</a:t>
-            </a:r>
-          </a:p>
-          <a:p>
-            <a:r>
-              <a:rPr lang="en-US" dirty="0"/>
-              <a:t>Work in 2.5 hour chunks w/o interruption</a:t>
-            </a:r>
-          </a:p>
-          <a:p>
-            <a:endParaRPr lang="en-US" dirty="0"/>
-          </a:p>
-          <a:p>
-            <a:r>
-              <a:rPr lang="en-US" dirty="0"/>
-              <a:t>Several hours every day beats 24 hours the day before the exam</a:t>
-            </a:r>
-          </a:p>
-          <a:p>
-            <a:endParaRPr lang="en-US" dirty="0"/>
-          </a:p>
-        </p:txBody>
-      </p:sp>
-    </p:spTree>
-    <p:extLst>
-      <p:ext uri="{BB962C8B-B14F-4D97-AF65-F5344CB8AC3E}">
-        <p14:creationId xmlns:p14="http://schemas.microsoft.com/office/powerpoint/2010/main" val="1012606840"/>
-      </p:ext>
-    </p:extLst>
-  </p:cSld>
-  <p:clrMapOvr>
-    <a:masterClrMapping/>
-  </p:clrMapOvr>
-</p:sld>
-</file>
-
-<file path=ppt/slides/slide22.xml><?xml version="1.0" encoding="utf-8"?>
-<p:sld xmlns:a="http://schemas.openxmlformats.org/drawingml/2006/main" xmlns:r="http://schemas.openxmlformats.org/officeDocument/2006/relationships" xmlns:p="http://schemas.openxmlformats.org/presentationml/2006/main">
-  <p:cSld>
-    <p:spTree>
-      <p:nvGrpSpPr>
-        <p:cNvPr id="1" name=""/>
-        <p:cNvGrpSpPr/>
-        <p:nvPr/>
-      </p:nvGrpSpPr>
-      <p:grpSpPr>
-        <a:xfrm>
-          <a:off x="0" y="0"/>
-          <a:ext cx="0" cy="0"/>
-          <a:chOff x="0" y="0"/>
-          <a:chExt cx="0" cy="0"/>
-        </a:xfrm>
-      </p:grpSpPr>
-      <p:sp>
-        <p:nvSpPr>
-          <p:cNvPr id="2" name="Title 1">
-            <a:extLst>
-              <a:ext uri="{FF2B5EF4-FFF2-40B4-BE49-F238E27FC236}">
-                <a16:creationId xmlns:a16="http://schemas.microsoft.com/office/drawing/2014/main" id="{D03972D7-CAB1-3C4D-A989-78EF897D24B0}"/>
-              </a:ext>
-            </a:extLst>
-          </p:cNvPr>
-          <p:cNvSpPr>
-            <a:spLocks noGrp="1"/>
-          </p:cNvSpPr>
-          <p:nvPr>
-            <p:ph type="title"/>
-          </p:nvPr>
-        </p:nvSpPr>
-        <p:spPr/>
-        <p:txBody>
-          <a:bodyPr/>
-          <a:lstStyle/>
-          <a:p>
-            <a:r>
-              <a:rPr lang="en-US" dirty="0"/>
-              <a:t>You are now bearers of IT sorcery…</a:t>
-            </a:r>
-          </a:p>
-        </p:txBody>
-      </p:sp>
-      <p:sp>
-        <p:nvSpPr>
-          <p:cNvPr id="3" name="Content Placeholder 2">
-            <a:extLst>
-              <a:ext uri="{FF2B5EF4-FFF2-40B4-BE49-F238E27FC236}">
-                <a16:creationId xmlns:a16="http://schemas.microsoft.com/office/drawing/2014/main" id="{B5309F92-A0A2-FE49-8EB8-A978133C80E3}"/>
-              </a:ext>
-            </a:extLst>
-          </p:cNvPr>
-          <p:cNvSpPr>
-            <a:spLocks noGrp="1"/>
-          </p:cNvSpPr>
-          <p:nvPr>
-            <p:ph idx="1"/>
-          </p:nvPr>
-        </p:nvSpPr>
-        <p:spPr>
-          <a:xfrm>
-            <a:off x="838199" y="1825625"/>
-            <a:ext cx="11102163" cy="4854308"/>
-          </a:xfrm>
-        </p:spPr>
-        <p:txBody>
-          <a:bodyPr>
-            <a:normAutofit fontScale="92500"/>
-          </a:bodyPr>
-          <a:lstStyle/>
-          <a:p>
-            <a:r>
-              <a:rPr lang="en-US" dirty="0"/>
-              <a:t>Information technology is extraordinarily powerful</a:t>
-            </a:r>
-          </a:p>
-          <a:p>
-            <a:pPr lvl="1"/>
-            <a:r>
-              <a:rPr lang="en-US" dirty="0"/>
-              <a:t>DeepMind protein folding</a:t>
-            </a:r>
-          </a:p>
-          <a:p>
-            <a:pPr lvl="1"/>
-            <a:r>
-              <a:rPr lang="en-US" dirty="0"/>
-              <a:t>Self driving cars</a:t>
-            </a:r>
-          </a:p>
-          <a:p>
-            <a:pPr lvl="1"/>
-            <a:r>
-              <a:rPr lang="en-US" dirty="0"/>
-              <a:t>…</a:t>
-            </a:r>
-          </a:p>
-          <a:p>
-            <a:pPr lvl="1"/>
-            <a:r>
-              <a:rPr lang="en-US" dirty="0"/>
-              <a:t>UBC SSC</a:t>
-            </a:r>
-          </a:p>
-          <a:p>
-            <a:r>
-              <a:rPr lang="en-US" dirty="0"/>
-              <a:t>Try to do good things with that power</a:t>
-            </a:r>
-          </a:p>
-          <a:p>
-            <a:pPr lvl="1"/>
-            <a:r>
-              <a:rPr lang="en-US" dirty="0"/>
-              <a:t>not everyone can work on cancer (former head TA S*** in NYC working on that now)</a:t>
-            </a:r>
-          </a:p>
-          <a:p>
-            <a:pPr lvl="1"/>
-            <a:r>
-              <a:rPr lang="en-US" dirty="0"/>
-              <a:t>not everyone can go to cool hot company (former students are at all of them)</a:t>
-            </a:r>
-          </a:p>
-          <a:p>
-            <a:pPr lvl="1"/>
-            <a:r>
-              <a:rPr lang="en-US" dirty="0"/>
-              <a:t>we also need payroll systems, and traffic automation, and 10k+ other important systems</a:t>
-            </a:r>
-          </a:p>
-          <a:p>
-            <a:pPr lvl="1"/>
-            <a:r>
-              <a:rPr lang="en-US" dirty="0"/>
-              <a:t>but some things are less good…, some questions to ask</a:t>
-            </a:r>
-          </a:p>
-          <a:p>
-            <a:pPr lvl="2"/>
-            <a:r>
-              <a:rPr lang="en-US" dirty="0"/>
-              <a:t>where does the wealth go? where does it come from?</a:t>
-            </a:r>
-          </a:p>
-          <a:p>
-            <a:pPr lvl="2"/>
-            <a:r>
-              <a:rPr lang="en-US" dirty="0"/>
-              <a:t>who has the power over the information?</a:t>
-            </a:r>
-          </a:p>
-          <a:p>
-            <a:pPr lvl="2"/>
-            <a:r>
-              <a:rPr lang="en-US" dirty="0"/>
-              <a:t>who has agency in how the system works?</a:t>
-            </a:r>
-          </a:p>
-        </p:txBody>
-      </p:sp>
-    </p:spTree>
-    <p:extLst>
-      <p:ext uri="{BB962C8B-B14F-4D97-AF65-F5344CB8AC3E}">
-        <p14:creationId xmlns:p14="http://schemas.microsoft.com/office/powerpoint/2010/main" val="35273196"/>
-      </p:ext>
-    </p:extLst>
-  </p:cSld>
-  <p:clrMapOvr>
-    <a:masterClrMapping/>
-  </p:clrMapOvr>
-</p:sld>
-</file>
-
-<file path=ppt/slides/slide3.xml><?xml version="1.0" encoding="utf-8"?>
+<file path=ppt/slides/slide4.xml><?xml version="1.0" encoding="utf-8"?>
 <p:sld xmlns:a="http://schemas.openxmlformats.org/drawingml/2006/main" xmlns:r="http://schemas.openxmlformats.org/officeDocument/2006/relationships" xmlns:p="http://schemas.openxmlformats.org/presentationml/2006/main">
   <p:cSld>
     <p:spTree>
@@ -6037,7 +6381,7 @@
 </p:sld>
 </file>
 
-<file path=ppt/slides/slide4.xml><?xml version="1.0" encoding="utf-8"?>
+<file path=ppt/slides/slide5.xml><?xml version="1.0" encoding="utf-8"?>
 <p:sld xmlns:a="http://schemas.openxmlformats.org/drawingml/2006/main" xmlns:r="http://schemas.openxmlformats.org/officeDocument/2006/relationships" xmlns:p="http://schemas.openxmlformats.org/presentationml/2006/main">
   <p:cSld>
     <p:spTree>
@@ -6097,92 +6441,6 @@
 </p:sld>
 </file>
 
-<file path=ppt/slides/slide5.xml><?xml version="1.0" encoding="utf-8"?>
-<p:sld xmlns:a="http://schemas.openxmlformats.org/drawingml/2006/main" xmlns:r="http://schemas.openxmlformats.org/officeDocument/2006/relationships" xmlns:p="http://schemas.openxmlformats.org/presentationml/2006/main">
-  <p:cSld>
-    <p:spTree>
-      <p:nvGrpSpPr>
-        <p:cNvPr id="1" name=""/>
-        <p:cNvGrpSpPr/>
-        <p:nvPr/>
-      </p:nvGrpSpPr>
-      <p:grpSpPr>
-        <a:xfrm>
-          <a:off x="0" y="0"/>
-          <a:ext cx="0" cy="0"/>
-          <a:chOff x="0" y="0"/>
-          <a:chExt cx="0" cy="0"/>
-        </a:xfrm>
-      </p:grpSpPr>
-      <p:sp>
-        <p:nvSpPr>
-          <p:cNvPr id="2" name="Title 1"/>
-          <p:cNvSpPr>
-            <a:spLocks noGrp="1"/>
-          </p:cNvSpPr>
-          <p:nvPr>
-            <p:ph type="title"/>
-          </p:nvPr>
-        </p:nvSpPr>
-        <p:spPr>
-          <a:xfrm>
-            <a:off x="838199" y="365125"/>
-            <a:ext cx="11060431" cy="6000951"/>
-          </a:xfrm>
-        </p:spPr>
-        <p:txBody>
-          <a:bodyPr>
-            <a:normAutofit/>
-          </a:bodyPr>
-          <a:lstStyle/>
-          <a:p>
-            <a:pPr>
-              <a:lnSpc>
-                <a:spcPct val="150000"/>
-              </a:lnSpc>
-            </a:pPr>
-            <a:r>
-              <a:rPr lang="en-CA" dirty="0"/>
-              <a:t>Lots of office hours will be posted.</a:t>
-            </a:r>
-            <a:br>
-              <a:rPr lang="en-CA" dirty="0"/>
-            </a:br>
-            <a:r>
-              <a:rPr lang="en-CA" dirty="0"/>
-              <a:t>Instructor hours will be posted shortly.</a:t>
-            </a:r>
-            <a:br>
-              <a:rPr lang="en-CA" dirty="0"/>
-            </a:br>
-            <a:r>
-              <a:rPr lang="en-CA" dirty="0"/>
-              <a:t>There are comments about the final in this lecture, but no “hidden hints”. </a:t>
-            </a:r>
-            <a:br>
-              <a:rPr lang="en-CA" dirty="0"/>
-            </a:br>
-            <a:r>
-              <a:rPr lang="en-CA" dirty="0"/>
-              <a:t>The final covers the whole course.</a:t>
-            </a:r>
-            <a:endParaRPr lang="en-US" dirty="0"/>
-          </a:p>
-        </p:txBody>
-      </p:sp>
-    </p:spTree>
-    <p:extLst>
-      <p:ext uri="{BB962C8B-B14F-4D97-AF65-F5344CB8AC3E}">
-        <p14:creationId xmlns:p14="http://schemas.microsoft.com/office/powerpoint/2010/main" val="922466944"/>
-      </p:ext>
-    </p:extLst>
-  </p:cSld>
-  <p:clrMapOvr>
-    <a:masterClrMapping/>
-  </p:clrMapOvr>
-</p:sld>
-</file>
-
 <file path=ppt/slides/slide6.xml><?xml version="1.0" encoding="utf-8"?>
 <p:sld xmlns:a="http://schemas.openxmlformats.org/drawingml/2006/main" xmlns:r="http://schemas.openxmlformats.org/officeDocument/2006/relationships" xmlns:p="http://schemas.openxmlformats.org/presentationml/2006/main">
   <p:cSld>
@@ -6210,7 +6468,12 @@
             <p:ph type="title"/>
           </p:nvPr>
         </p:nvSpPr>
-        <p:spPr/>
+        <p:spPr>
+          <a:xfrm>
+            <a:off x="838199" y="365125"/>
+            <a:ext cx="11060431" cy="6000951"/>
+          </a:xfrm>
+        </p:spPr>
         <p:txBody>
           <a:bodyPr>
             <a:normAutofit/>
@@ -6223,62 +6486,38 @@
               </a:lnSpc>
             </a:pPr>
             <a:r>
-              <a:rPr lang="en-US" dirty="0"/>
-              <a:t>Plan for rest of today</a:t>
-            </a:r>
-          </a:p>
-        </p:txBody>
-      </p:sp>
-      <p:sp>
-        <p:nvSpPr>
-          <p:cNvPr id="8" name="Content Placeholder 7">
-            <a:extLst>
-              <a:ext uri="{FF2B5EF4-FFF2-40B4-BE49-F238E27FC236}">
-                <a16:creationId xmlns:a16="http://schemas.microsoft.com/office/drawing/2014/main" id="{DE8A77DE-1B86-0D4B-9485-4E45BC312FF9}"/>
-              </a:ext>
-            </a:extLst>
-          </p:cNvPr>
-          <p:cNvSpPr>
-            <a:spLocks noGrp="1"/>
-          </p:cNvSpPr>
-          <p:nvPr>
-            <p:ph idx="1"/>
-          </p:nvPr>
-        </p:nvSpPr>
-        <p:spPr/>
-        <p:txBody>
-          <a:bodyPr/>
-          <a:lstStyle/>
-          <a:p>
-            <a:r>
-              <a:rPr lang="en-US" dirty="0"/>
-              <a:t>What have you learned?</a:t>
-            </a:r>
-          </a:p>
-          <a:p>
-            <a:r>
-              <a:rPr lang="en-US" dirty="0"/>
-              <a:t>What about other languages?</a:t>
-            </a:r>
-          </a:p>
-          <a:p>
-            <a:r>
-              <a:rPr lang="en-US" dirty="0"/>
-              <a:t>What’s next?</a:t>
-            </a:r>
-          </a:p>
-          <a:p>
-            <a:r>
-              <a:rPr lang="en-US" dirty="0"/>
-              <a:t>Student Survey</a:t>
-            </a:r>
+              <a:rPr lang="en-CA" dirty="0"/>
+              <a:t>Lots of office hours will be posted.</a:t>
+            </a:r>
+            <a:br>
+              <a:rPr lang="en-CA" dirty="0"/>
+            </a:br>
+            <a:r>
+              <a:rPr lang="en-CA" dirty="0"/>
+              <a:t>Instructor hours will be posted shortly.</a:t>
+            </a:r>
+            <a:br>
+              <a:rPr lang="en-CA" dirty="0"/>
+            </a:br>
+            <a:r>
+              <a:rPr lang="en-CA" dirty="0"/>
+              <a:t>There are comments about the final in this lecture, but no “hidden hints”. </a:t>
+            </a:r>
+            <a:br>
+              <a:rPr lang="en-CA" dirty="0"/>
+            </a:br>
+            <a:r>
+              <a:rPr lang="en-CA" dirty="0"/>
+              <a:t>The final covers the whole course.</a:t>
+            </a:r>
+            <a:endParaRPr lang="en-US" dirty="0"/>
           </a:p>
         </p:txBody>
       </p:sp>
     </p:spTree>
     <p:extLst>
       <p:ext uri="{BB962C8B-B14F-4D97-AF65-F5344CB8AC3E}">
-        <p14:creationId xmlns:p14="http://schemas.microsoft.com/office/powerpoint/2010/main" val="2630507906"/>
+        <p14:creationId xmlns:p14="http://schemas.microsoft.com/office/powerpoint/2010/main" val="922466944"/>
       </p:ext>
     </p:extLst>
   </p:cSld>

--- a/instructor/l23/lec23-wrap.pptx
+++ b/instructor/l23/lec23-wrap.pptx
@@ -5,35 +5,37 @@
     <p:sldMasterId id="2147483648" r:id="rId1"/>
   </p:sldMasterIdLst>
   <p:notesMasterIdLst>
-    <p:notesMasterId r:id="rId25"/>
+    <p:notesMasterId r:id="rId27"/>
   </p:notesMasterIdLst>
   <p:handoutMasterIdLst>
-    <p:handoutMasterId r:id="rId26"/>
+    <p:handoutMasterId r:id="rId28"/>
   </p:handoutMasterIdLst>
   <p:sldIdLst>
     <p:sldId id="292" r:id="rId2"/>
-    <p:sldId id="272" r:id="rId3"/>
-    <p:sldId id="284" r:id="rId4"/>
-    <p:sldId id="285" r:id="rId5"/>
-    <p:sldId id="286" r:id="rId6"/>
-    <p:sldId id="266" r:id="rId7"/>
-    <p:sldId id="278" r:id="rId8"/>
-    <p:sldId id="279" r:id="rId9"/>
-    <p:sldId id="280" r:id="rId10"/>
-    <p:sldId id="281" r:id="rId11"/>
-    <p:sldId id="276" r:id="rId12"/>
-    <p:sldId id="277" r:id="rId13"/>
-    <p:sldId id="282" r:id="rId14"/>
-    <p:sldId id="294" r:id="rId15"/>
-    <p:sldId id="290" r:id="rId16"/>
-    <p:sldId id="289" r:id="rId17"/>
-    <p:sldId id="283" r:id="rId18"/>
-    <p:sldId id="295" r:id="rId19"/>
-    <p:sldId id="291" r:id="rId20"/>
-    <p:sldId id="293" r:id="rId21"/>
-    <p:sldId id="264" r:id="rId22"/>
-    <p:sldId id="275" r:id="rId23"/>
-    <p:sldId id="259" r:id="rId24"/>
+    <p:sldId id="296" r:id="rId3"/>
+    <p:sldId id="272" r:id="rId4"/>
+    <p:sldId id="284" r:id="rId5"/>
+    <p:sldId id="285" r:id="rId6"/>
+    <p:sldId id="286" r:id="rId7"/>
+    <p:sldId id="266" r:id="rId8"/>
+    <p:sldId id="278" r:id="rId9"/>
+    <p:sldId id="279" r:id="rId10"/>
+    <p:sldId id="280" r:id="rId11"/>
+    <p:sldId id="281" r:id="rId12"/>
+    <p:sldId id="276" r:id="rId13"/>
+    <p:sldId id="277" r:id="rId14"/>
+    <p:sldId id="282" r:id="rId15"/>
+    <p:sldId id="294" r:id="rId16"/>
+    <p:sldId id="290" r:id="rId17"/>
+    <p:sldId id="289" r:id="rId18"/>
+    <p:sldId id="283" r:id="rId19"/>
+    <p:sldId id="295" r:id="rId20"/>
+    <p:sldId id="291" r:id="rId21"/>
+    <p:sldId id="293" r:id="rId22"/>
+    <p:sldId id="264" r:id="rId23"/>
+    <p:sldId id="275" r:id="rId24"/>
+    <p:sldId id="297" r:id="rId25"/>
+    <p:sldId id="259" r:id="rId26"/>
   </p:sldIdLst>
   <p:sldSz cx="12192000" cy="6858000"/>
   <p:notesSz cx="6858000" cy="9144000"/>
@@ -234,7 +236,7 @@
           <a:p>
             <a:fld id="{840221F2-9221-C947-8AA1-B2ECA6CA3F5F}" type="datetimeFigureOut">
               <a:rPr lang="en-US" smtClean="0"/>
-              <a:t>12/7/23</a:t>
+              <a:t>12/2/24</a:t>
             </a:fld>
             <a:endParaRPr lang="en-US"/>
           </a:p>
@@ -411,7 +413,7 @@
           <a:p>
             <a:fld id="{C6FAA5DE-27F5-9745-9CE3-8D5124841CBB}" type="datetimeFigureOut">
               <a:rPr lang="en-US" smtClean="0"/>
-              <a:t>12/7/23</a:t>
+              <a:t>12/2/24</a:t>
             </a:fld>
             <a:endParaRPr lang="en-US"/>
           </a:p>
@@ -743,7 +745,175 @@
           <a:p>
             <a:fld id="{0C7229E6-C67A-E449-A6EE-0F1EA2469FC1}" type="slidenum">
               <a:rPr lang="en-US" smtClean="0"/>
-              <a:t>21</a:t>
+              <a:t>17</a:t>
+            </a:fld>
+            <a:endParaRPr lang="en-US"/>
+          </a:p>
+        </p:txBody>
+      </p:sp>
+    </p:spTree>
+    <p:extLst>
+      <p:ext uri="{BB962C8B-B14F-4D97-AF65-F5344CB8AC3E}">
+        <p14:creationId xmlns:p14="http://schemas.microsoft.com/office/powerpoint/2010/main" val="3990825976"/>
+      </p:ext>
+    </p:extLst>
+  </p:cSld>
+  <p:clrMapOvr>
+    <a:masterClrMapping/>
+  </p:clrMapOvr>
+</p:notes>
+</file>
+
+<file path=ppt/notesSlides/notesSlide2.xml><?xml version="1.0" encoding="utf-8"?>
+<p:notes xmlns:a="http://schemas.openxmlformats.org/drawingml/2006/main" xmlns:r="http://schemas.openxmlformats.org/officeDocument/2006/relationships" xmlns:p="http://schemas.openxmlformats.org/presentationml/2006/main">
+  <p:cSld>
+    <p:spTree>
+      <p:nvGrpSpPr>
+        <p:cNvPr id="1" name=""/>
+        <p:cNvGrpSpPr/>
+        <p:nvPr/>
+      </p:nvGrpSpPr>
+      <p:grpSpPr>
+        <a:xfrm>
+          <a:off x="0" y="0"/>
+          <a:ext cx="0" cy="0"/>
+          <a:chOff x="0" y="0"/>
+          <a:chExt cx="0" cy="0"/>
+        </a:xfrm>
+      </p:grpSpPr>
+      <p:sp>
+        <p:nvSpPr>
+          <p:cNvPr id="2" name="Slide Image Placeholder 1"/>
+          <p:cNvSpPr>
+            <a:spLocks noGrp="1" noRot="1" noChangeAspect="1"/>
+          </p:cNvSpPr>
+          <p:nvPr>
+            <p:ph type="sldImg"/>
+          </p:nvPr>
+        </p:nvSpPr>
+        <p:spPr/>
+      </p:sp>
+      <p:sp>
+        <p:nvSpPr>
+          <p:cNvPr id="3" name="Notes Placeholder 2"/>
+          <p:cNvSpPr>
+            <a:spLocks noGrp="1"/>
+          </p:cNvSpPr>
+          <p:nvPr>
+            <p:ph type="body" idx="1"/>
+          </p:nvPr>
+        </p:nvSpPr>
+        <p:spPr/>
+        <p:txBody>
+          <a:bodyPr/>
+          <a:lstStyle/>
+          <a:p>
+            <a:endParaRPr lang="en-US" dirty="0"/>
+          </a:p>
+        </p:txBody>
+      </p:sp>
+      <p:sp>
+        <p:nvSpPr>
+          <p:cNvPr id="4" name="Slide Number Placeholder 3"/>
+          <p:cNvSpPr>
+            <a:spLocks noGrp="1"/>
+          </p:cNvSpPr>
+          <p:nvPr>
+            <p:ph type="sldNum" sz="quarter" idx="5"/>
+          </p:nvPr>
+        </p:nvSpPr>
+        <p:spPr/>
+        <p:txBody>
+          <a:bodyPr/>
+          <a:lstStyle/>
+          <a:p>
+            <a:fld id="{0C7229E6-C67A-E449-A6EE-0F1EA2469FC1}" type="slidenum">
+              <a:rPr lang="en-US" smtClean="0"/>
+              <a:t>19</a:t>
+            </a:fld>
+            <a:endParaRPr lang="en-US"/>
+          </a:p>
+        </p:txBody>
+      </p:sp>
+    </p:spTree>
+    <p:extLst>
+      <p:ext uri="{BB962C8B-B14F-4D97-AF65-F5344CB8AC3E}">
+        <p14:creationId xmlns:p14="http://schemas.microsoft.com/office/powerpoint/2010/main" val="1426377092"/>
+      </p:ext>
+    </p:extLst>
+  </p:cSld>
+  <p:clrMapOvr>
+    <a:masterClrMapping/>
+  </p:clrMapOvr>
+</p:notes>
+</file>
+
+<file path=ppt/notesSlides/notesSlide3.xml><?xml version="1.0" encoding="utf-8"?>
+<p:notes xmlns:a="http://schemas.openxmlformats.org/drawingml/2006/main" xmlns:r="http://schemas.openxmlformats.org/officeDocument/2006/relationships" xmlns:p="http://schemas.openxmlformats.org/presentationml/2006/main">
+  <p:cSld>
+    <p:spTree>
+      <p:nvGrpSpPr>
+        <p:cNvPr id="1" name=""/>
+        <p:cNvGrpSpPr/>
+        <p:nvPr/>
+      </p:nvGrpSpPr>
+      <p:grpSpPr>
+        <a:xfrm>
+          <a:off x="0" y="0"/>
+          <a:ext cx="0" cy="0"/>
+          <a:chOff x="0" y="0"/>
+          <a:chExt cx="0" cy="0"/>
+        </a:xfrm>
+      </p:grpSpPr>
+      <p:sp>
+        <p:nvSpPr>
+          <p:cNvPr id="2" name="Slide Image Placeholder 1"/>
+          <p:cNvSpPr>
+            <a:spLocks noGrp="1" noRot="1" noChangeAspect="1"/>
+          </p:cNvSpPr>
+          <p:nvPr>
+            <p:ph type="sldImg"/>
+          </p:nvPr>
+        </p:nvSpPr>
+        <p:spPr/>
+      </p:sp>
+      <p:sp>
+        <p:nvSpPr>
+          <p:cNvPr id="3" name="Notes Placeholder 2"/>
+          <p:cNvSpPr>
+            <a:spLocks noGrp="1"/>
+          </p:cNvSpPr>
+          <p:nvPr>
+            <p:ph type="body" idx="1"/>
+          </p:nvPr>
+        </p:nvSpPr>
+        <p:spPr/>
+        <p:txBody>
+          <a:bodyPr/>
+          <a:lstStyle/>
+          <a:p>
+            <a:endParaRPr lang="en-US" dirty="0"/>
+          </a:p>
+        </p:txBody>
+      </p:sp>
+      <p:sp>
+        <p:nvSpPr>
+          <p:cNvPr id="4" name="Slide Number Placeholder 3"/>
+          <p:cNvSpPr>
+            <a:spLocks noGrp="1"/>
+          </p:cNvSpPr>
+          <p:nvPr>
+            <p:ph type="sldNum" sz="quarter" idx="5"/>
+          </p:nvPr>
+        </p:nvSpPr>
+        <p:spPr/>
+        <p:txBody>
+          <a:bodyPr/>
+          <a:lstStyle/>
+          <a:p>
+            <a:fld id="{0C7229E6-C67A-E449-A6EE-0F1EA2469FC1}" type="slidenum">
+              <a:rPr lang="en-US" smtClean="0"/>
+              <a:t>22</a:t>
             </a:fld>
             <a:endParaRPr lang="en-US"/>
           </a:p>
@@ -891,7 +1061,7 @@
           <a:p>
             <a:fld id="{43C25A20-5354-3B46-B5A4-C1220A4644A2}" type="datetimeFigureOut">
               <a:rPr lang="en-US" smtClean="0"/>
-              <a:t>12/7/23</a:t>
+              <a:t>12/2/24</a:t>
             </a:fld>
             <a:endParaRPr lang="en-US"/>
           </a:p>
@@ -1059,7 +1229,7 @@
           <a:p>
             <a:fld id="{43C25A20-5354-3B46-B5A4-C1220A4644A2}" type="datetimeFigureOut">
               <a:rPr lang="en-US" smtClean="0"/>
-              <a:t>12/7/23</a:t>
+              <a:t>12/2/24</a:t>
             </a:fld>
             <a:endParaRPr lang="en-US"/>
           </a:p>
@@ -1237,7 +1407,7 @@
           <a:p>
             <a:fld id="{43C25A20-5354-3B46-B5A4-C1220A4644A2}" type="datetimeFigureOut">
               <a:rPr lang="en-US" smtClean="0"/>
-              <a:t>12/7/23</a:t>
+              <a:t>12/2/24</a:t>
             </a:fld>
             <a:endParaRPr lang="en-US"/>
           </a:p>
@@ -1405,7 +1575,7 @@
           <a:p>
             <a:fld id="{43C25A20-5354-3B46-B5A4-C1220A4644A2}" type="datetimeFigureOut">
               <a:rPr lang="en-US" smtClean="0"/>
-              <a:t>12/7/23</a:t>
+              <a:t>12/2/24</a:t>
             </a:fld>
             <a:endParaRPr lang="en-US"/>
           </a:p>
@@ -1650,7 +1820,7 @@
           <a:p>
             <a:fld id="{43C25A20-5354-3B46-B5A4-C1220A4644A2}" type="datetimeFigureOut">
               <a:rPr lang="en-US" smtClean="0"/>
-              <a:t>12/7/23</a:t>
+              <a:t>12/2/24</a:t>
             </a:fld>
             <a:endParaRPr lang="en-US"/>
           </a:p>
@@ -1879,7 +2049,7 @@
           <a:p>
             <a:fld id="{43C25A20-5354-3B46-B5A4-C1220A4644A2}" type="datetimeFigureOut">
               <a:rPr lang="en-US" smtClean="0"/>
-              <a:t>12/7/23</a:t>
+              <a:t>12/2/24</a:t>
             </a:fld>
             <a:endParaRPr lang="en-US"/>
           </a:p>
@@ -2243,7 +2413,7 @@
           <a:p>
             <a:fld id="{43C25A20-5354-3B46-B5A4-C1220A4644A2}" type="datetimeFigureOut">
               <a:rPr lang="en-US" smtClean="0"/>
-              <a:t>12/7/23</a:t>
+              <a:t>12/2/24</a:t>
             </a:fld>
             <a:endParaRPr lang="en-US"/>
           </a:p>
@@ -2360,7 +2530,7 @@
           <a:p>
             <a:fld id="{43C25A20-5354-3B46-B5A4-C1220A4644A2}" type="datetimeFigureOut">
               <a:rPr lang="en-US" smtClean="0"/>
-              <a:t>12/7/23</a:t>
+              <a:t>12/2/24</a:t>
             </a:fld>
             <a:endParaRPr lang="en-US"/>
           </a:p>
@@ -2455,7 +2625,7 @@
           <a:p>
             <a:fld id="{43C25A20-5354-3B46-B5A4-C1220A4644A2}" type="datetimeFigureOut">
               <a:rPr lang="en-US" smtClean="0"/>
-              <a:t>12/7/23</a:t>
+              <a:t>12/2/24</a:t>
             </a:fld>
             <a:endParaRPr lang="en-US"/>
           </a:p>
@@ -2730,7 +2900,7 @@
           <a:p>
             <a:fld id="{43C25A20-5354-3B46-B5A4-C1220A4644A2}" type="datetimeFigureOut">
               <a:rPr lang="en-US" smtClean="0"/>
-              <a:t>12/7/23</a:t>
+              <a:t>12/2/24</a:t>
             </a:fld>
             <a:endParaRPr lang="en-US"/>
           </a:p>
@@ -2982,7 +3152,7 @@
           <a:p>
             <a:fld id="{43C25A20-5354-3B46-B5A4-C1220A4644A2}" type="datetimeFigureOut">
               <a:rPr lang="en-US" smtClean="0"/>
-              <a:t>12/7/23</a:t>
+              <a:t>12/2/24</a:t>
             </a:fld>
             <a:endParaRPr lang="en-US"/>
           </a:p>
@@ -3193,7 +3363,7 @@
           <a:p>
             <a:fld id="{43C25A20-5354-3B46-B5A4-C1220A4644A2}" type="datetimeFigureOut">
               <a:rPr lang="en-US" smtClean="0"/>
-              <a:t>12/7/23</a:t>
+              <a:t>12/2/24</a:t>
             </a:fld>
             <a:endParaRPr lang="en-US"/>
           </a:p>
@@ -3690,19 +3860,14 @@
             <p:ph type="title"/>
           </p:nvPr>
         </p:nvSpPr>
-        <p:spPr>
-          <a:xfrm>
-            <a:off x="838200" y="365125"/>
-            <a:ext cx="10515600" cy="1325563"/>
-          </a:xfrm>
-        </p:spPr>
+        <p:spPr/>
         <p:txBody>
           <a:bodyPr/>
           <a:lstStyle/>
           <a:p>
             <a:r>
               <a:rPr lang="en-US" dirty="0"/>
-              <a:t>Hopefully you also learned</a:t>
+              <a:t>What have you learned ... about design?</a:t>
             </a:r>
           </a:p>
         </p:txBody>
@@ -3726,28 +3891,24 @@
         <p:spPr>
           <a:xfrm>
             <a:off x="838200" y="1825625"/>
-            <a:ext cx="10515600" cy="4351338"/>
+            <a:ext cx="10515600" cy="4830356"/>
           </a:xfrm>
         </p:spPr>
         <p:txBody>
-          <a:bodyPr/>
-          <a:lstStyle/>
+          <a:bodyPr>
+            <a:normAutofit/>
+          </a:bodyPr>
+          <a:lstStyle/>
+          <a:p>
+            <a:r>
+              <a:rPr lang="en-US" sz="3600" dirty="0"/>
+              <a:t>but sometimes</a:t>
+            </a:r>
+          </a:p>
           <a:p>
             <a:endParaRPr lang="en-US" dirty="0"/>
           </a:p>
           <a:p>
-            <a:r>
-              <a:rPr lang="en-US" dirty="0"/>
-              <a:t>that you can solve larger and harder problems than you thought</a:t>
-            </a:r>
-          </a:p>
-          <a:p>
-            <a:r>
-              <a:rPr lang="en-US" dirty="0"/>
-              <a:t>some of what it will take to solve harder and harder problems</a:t>
-            </a:r>
-          </a:p>
-          <a:p>
             <a:endParaRPr lang="en-US" dirty="0"/>
           </a:p>
           <a:p>
@@ -3757,9 +3918,27 @@
             <a:endParaRPr lang="en-US" dirty="0"/>
           </a:p>
           <a:p>
-            <a:r>
-              <a:rPr lang="en-US" dirty="0"/>
-              <a:t>patience, attention to detail, humility are important parts of it</a:t>
+            <a:endParaRPr lang="en-US" dirty="0"/>
+          </a:p>
+          <a:p>
+            <a:pPr lvl="1"/>
+            <a:r>
+              <a:rPr lang="en-US" dirty="0"/>
+              <a:t>despite your best efforts</a:t>
+            </a:r>
+          </a:p>
+          <a:p>
+            <a:pPr lvl="1"/>
+            <a:r>
+              <a:rPr lang="en-US" dirty="0"/>
+              <a:t>what you end up with is not what you really wanted</a:t>
+            </a:r>
+          </a:p>
+          <a:p>
+            <a:pPr lvl="1"/>
+            <a:r>
+              <a:rPr lang="en-US" dirty="0"/>
+              <a:t>go back and systematically revise the design, and learn from that error</a:t>
             </a:r>
           </a:p>
           <a:p>
@@ -3767,14 +3946,80 @@
             <a:endParaRPr lang="en-US" dirty="0"/>
           </a:p>
           <a:p>
+            <a:pPr marL="457200" lvl="1" indent="0">
+              <a:buNone/>
+            </a:pPr>
             <a:endParaRPr lang="en-US" dirty="0"/>
+          </a:p>
+          <a:p>
+            <a:endParaRPr lang="en-US" dirty="0"/>
+          </a:p>
+        </p:txBody>
+      </p:sp>
+      <p:sp>
+        <p:nvSpPr>
+          <p:cNvPr id="4" name="TextBox 3">
+            <a:extLst>
+              <a:ext uri="{FF2B5EF4-FFF2-40B4-BE49-F238E27FC236}">
+                <a16:creationId xmlns:a16="http://schemas.microsoft.com/office/drawing/2014/main" id="{9DAEF986-FC6E-2540-8868-F58DD833305B}"/>
+              </a:ext>
+            </a:extLst>
+          </p:cNvPr>
+          <p:cNvSpPr txBox="1"/>
+          <p:nvPr/>
+        </p:nvSpPr>
+        <p:spPr>
+          <a:xfrm>
+            <a:off x="170121" y="2858034"/>
+            <a:ext cx="11851758" cy="1323439"/>
+          </a:xfrm>
+          <a:prstGeom prst="rect">
+            <a:avLst/>
+          </a:prstGeom>
+          <a:noFill/>
+        </p:spPr>
+        <p:txBody>
+          <a:bodyPr wrap="square" rtlCol="0">
+            <a:spAutoFit/>
+          </a:bodyPr>
+          <a:lstStyle/>
+          <a:p>
+            <a:br>
+              <a:rPr lang="en-CA" sz="1600" dirty="0">
+                <a:latin typeface="Monaco" pitchFamily="2" charset="77"/>
+              </a:rPr>
+            </a:br>
+            <a:endParaRPr lang="en-CA" sz="1600" dirty="0">
+              <a:latin typeface="Monaco" pitchFamily="2" charset="77"/>
+            </a:endParaRPr>
+          </a:p>
+          <a:p>
+            <a:r>
+              <a:rPr lang="en-CA" sz="1600" dirty="0">
+                <a:latin typeface="Monaco" pitchFamily="2" charset="77"/>
+              </a:rPr>
+              <a:t>  50% of  50%   Submitted tests: correct - all submitted test pass. </a:t>
+            </a:r>
+          </a:p>
+          <a:p>
+            <a:r>
+              <a:rPr lang="en-CA" sz="1600" dirty="0">
+                <a:latin typeface="Monaco" pitchFamily="2" charset="77"/>
+              </a:rPr>
+              <a:t>   0% of  50%   Additional tests: incorrect - 3 autograder internal additional tests failed. </a:t>
+            </a:r>
+          </a:p>
+          <a:p>
+            <a:endParaRPr lang="en-US" sz="1600" dirty="0">
+              <a:latin typeface="Monaco" pitchFamily="2" charset="77"/>
+            </a:endParaRPr>
           </a:p>
         </p:txBody>
       </p:sp>
     </p:spTree>
     <p:extLst>
       <p:ext uri="{BB962C8B-B14F-4D97-AF65-F5344CB8AC3E}">
-        <p14:creationId xmlns:p14="http://schemas.microsoft.com/office/powerpoint/2010/main" val="3995558550"/>
+        <p14:creationId xmlns:p14="http://schemas.microsoft.com/office/powerpoint/2010/main" val="491170874"/>
       </p:ext>
     </p:extLst>
   </p:cSld>
@@ -3806,7 +4051,7 @@
           <p:cNvPr id="2" name="Title 1">
             <a:extLst>
               <a:ext uri="{FF2B5EF4-FFF2-40B4-BE49-F238E27FC236}">
-                <a16:creationId xmlns:a16="http://schemas.microsoft.com/office/drawing/2014/main" id="{30EDED6A-0994-6C41-BD42-CD8F0E615378}"/>
+                <a16:creationId xmlns:a16="http://schemas.microsoft.com/office/drawing/2014/main" id="{628B3CBF-7A18-F54F-92E2-B975D203BF2F}"/>
               </a:ext>
             </a:extLst>
           </p:cNvPr>
@@ -3817,14 +4062,19 @@
             <p:ph type="title"/>
           </p:nvPr>
         </p:nvSpPr>
-        <p:spPr/>
+        <p:spPr>
+          <a:xfrm>
+            <a:off x="838200" y="365125"/>
+            <a:ext cx="10515600" cy="1325563"/>
+          </a:xfrm>
+        </p:spPr>
         <p:txBody>
           <a:bodyPr/>
           <a:lstStyle/>
           <a:p>
             <a:r>
               <a:rPr lang="en-US" dirty="0"/>
-              <a:t>Other languages</a:t>
+              <a:t>Hopefully you also learned</a:t>
             </a:r>
           </a:p>
         </p:txBody>
@@ -3834,7 +4084,7 @@
           <p:cNvPr id="3" name="Content Placeholder 2">
             <a:extLst>
               <a:ext uri="{FF2B5EF4-FFF2-40B4-BE49-F238E27FC236}">
-                <a16:creationId xmlns:a16="http://schemas.microsoft.com/office/drawing/2014/main" id="{4E5B8446-E292-8F48-BACA-ECAF7A46BEB1}"/>
+                <a16:creationId xmlns:a16="http://schemas.microsoft.com/office/drawing/2014/main" id="{22ACEF78-0A45-E74E-9B25-4DB16636EE7C}"/>
               </a:ext>
             </a:extLst>
           </p:cNvPr>
@@ -3847,69 +4097,56 @@
         </p:nvSpPr>
         <p:spPr>
           <a:xfrm>
-            <a:off x="838199" y="1825625"/>
-            <a:ext cx="11029749" cy="4351338"/>
+            <a:off x="838200" y="1825625"/>
+            <a:ext cx="10515600" cy="4351338"/>
           </a:xfrm>
         </p:spPr>
         <p:txBody>
           <a:bodyPr/>
           <a:lstStyle/>
           <a:p>
-            <a:r>
-              <a:rPr lang="en-US" dirty="0"/>
-              <a:t>Everything you’ve learned in 110 works in other languages</a:t>
+            <a:endParaRPr lang="en-US" dirty="0"/>
+          </a:p>
+          <a:p>
+            <a:r>
+              <a:rPr lang="en-US" dirty="0"/>
+              <a:t>that you can solve larger and harder problems than you thought</a:t>
+            </a:r>
+          </a:p>
+          <a:p>
+            <a:r>
+              <a:rPr lang="en-US" dirty="0"/>
+              <a:t>some of what it will take to solve harder and harder problems</a:t>
+            </a:r>
+          </a:p>
+          <a:p>
+            <a:endParaRPr lang="en-US" dirty="0"/>
+          </a:p>
+          <a:p>
+            <a:endParaRPr lang="en-US" dirty="0"/>
+          </a:p>
+          <a:p>
+            <a:endParaRPr lang="en-US" dirty="0"/>
+          </a:p>
+          <a:p>
+            <a:r>
+              <a:rPr lang="en-US" dirty="0"/>
+              <a:t>patience, attention to detail, humility are important parts of it</a:t>
             </a:r>
           </a:p>
           <a:p>
             <a:pPr lvl="1"/>
-            <a:r>
-              <a:rPr lang="en-US" dirty="0"/>
-              <a:t>data design, function design, tests, templates…</a:t>
-            </a:r>
-          </a:p>
-          <a:p>
-            <a:pPr lvl="1"/>
-            <a:r>
-              <a:rPr lang="en-US" dirty="0"/>
-              <a:t>above all, working systematically to narrow the gap between problem and solution</a:t>
-            </a:r>
-          </a:p>
-          <a:p>
             <a:endParaRPr lang="en-US" dirty="0"/>
           </a:p>
           <a:p>
-            <a:r>
-              <a:rPr lang="en-US" dirty="0"/>
-              <a:t>Learn new languages by reading code</a:t>
-            </a:r>
-          </a:p>
-          <a:p>
-            <a:pPr lvl="1"/>
-            <a:r>
-              <a:rPr lang="en-US" dirty="0"/>
-              <a:t>find code that “must do X”</a:t>
-            </a:r>
-          </a:p>
-          <a:p>
-            <a:pPr lvl="1"/>
-            <a:r>
-              <a:rPr lang="en-US" dirty="0"/>
-              <a:t>use what you know to understand the chunks (the templates)</a:t>
-            </a:r>
-          </a:p>
-          <a:p>
-            <a:pPr lvl="1"/>
-            <a:r>
-              <a:rPr lang="en-US" dirty="0"/>
-              <a:t>figure it out from there</a:t>
-            </a:r>
+            <a:endParaRPr lang="en-US" dirty="0"/>
           </a:p>
         </p:txBody>
       </p:sp>
     </p:spTree>
     <p:extLst>
       <p:ext uri="{BB962C8B-B14F-4D97-AF65-F5344CB8AC3E}">
-        <p14:creationId xmlns:p14="http://schemas.microsoft.com/office/powerpoint/2010/main" val="3377514866"/>
+        <p14:creationId xmlns:p14="http://schemas.microsoft.com/office/powerpoint/2010/main" val="3995558550"/>
       </p:ext>
     </p:extLst>
   </p:cSld>
@@ -3952,29 +4189,24 @@
             <p:ph type="title"/>
           </p:nvPr>
         </p:nvSpPr>
-        <p:spPr>
-          <a:xfrm>
-            <a:off x="838200" y="365125"/>
-            <a:ext cx="10515600" cy="1325563"/>
-          </a:xfrm>
-        </p:spPr>
+        <p:spPr/>
         <p:txBody>
           <a:bodyPr/>
           <a:lstStyle/>
           <a:p>
             <a:r>
               <a:rPr lang="en-US" dirty="0"/>
-              <a:t>Our last starter…</a:t>
-            </a:r>
-          </a:p>
-        </p:txBody>
-      </p:sp>
-      <p:sp>
-        <p:nvSpPr>
-          <p:cNvPr id="5" name="Content Placeholder 4">
+              <a:t>Other languages</a:t>
+            </a:r>
+          </a:p>
+        </p:txBody>
+      </p:sp>
+      <p:sp>
+        <p:nvSpPr>
+          <p:cNvPr id="3" name="Content Placeholder 2">
             <a:extLst>
               <a:ext uri="{FF2B5EF4-FFF2-40B4-BE49-F238E27FC236}">
-                <a16:creationId xmlns:a16="http://schemas.microsoft.com/office/drawing/2014/main" id="{014611F3-48D9-5558-FBE0-329A6EBF2055}"/>
+                <a16:creationId xmlns:a16="http://schemas.microsoft.com/office/drawing/2014/main" id="{4E5B8446-E292-8F48-BACA-ECAF7A46BEB1}"/>
               </a:ext>
             </a:extLst>
           </p:cNvPr>
@@ -3985,41 +4217,63 @@
             <p:ph idx="1"/>
           </p:nvPr>
         </p:nvSpPr>
-        <p:spPr/>
+        <p:spPr>
+          <a:xfrm>
+            <a:off x="838199" y="1825625"/>
+            <a:ext cx="11029749" cy="4351338"/>
+          </a:xfrm>
+        </p:spPr>
         <p:txBody>
           <a:bodyPr/>
           <a:lstStyle/>
           <a:p>
             <a:r>
               <a:rPr lang="en-US" dirty="0"/>
-              <a:t>I feel like when the code is explained to me</a:t>
-            </a:r>
-          </a:p>
-          <a:p>
-            <a:pPr marL="914400" lvl="1" indent="-457200">
-              <a:buAutoNum type="alphaUcParenBoth"/>
-            </a:pPr>
-            <a:r>
-              <a:rPr lang="en-US" dirty="0"/>
-              <a:t>I can see the parts of it and sort of understand it</a:t>
-            </a:r>
-          </a:p>
-          <a:p>
-            <a:pPr marL="914400" lvl="1" indent="-457200">
-              <a:buAutoNum type="alphaUcParenBoth"/>
-            </a:pPr>
-            <a:r>
-              <a:rPr lang="en-US" dirty="0"/>
-              <a:t>I can see and understand only a small part of it</a:t>
-            </a:r>
-          </a:p>
-          <a:p>
-            <a:pPr marL="914400" lvl="1" indent="-457200">
-              <a:buAutoNum type="alphaUcParenBoth"/>
-            </a:pPr>
-            <a:r>
-              <a:rPr lang="en-US" dirty="0"/>
-              <a:t>I have no idea what I’m reading when I look at the code</a:t>
+              <a:t>Everything you’ve learned in 110 works in other languages</a:t>
+            </a:r>
+          </a:p>
+          <a:p>
+            <a:pPr lvl="1"/>
+            <a:r>
+              <a:rPr lang="en-US" dirty="0"/>
+              <a:t>data design, function design, tests, templates…</a:t>
+            </a:r>
+          </a:p>
+          <a:p>
+            <a:pPr lvl="1"/>
+            <a:r>
+              <a:rPr lang="en-US" dirty="0"/>
+              <a:t>above all, working systematically to narrow the gap between problem and solution</a:t>
+            </a:r>
+          </a:p>
+          <a:p>
+            <a:endParaRPr lang="en-US" dirty="0"/>
+          </a:p>
+          <a:p>
+            <a:r>
+              <a:rPr lang="en-US" dirty="0"/>
+              <a:t>Learn new languages by reading code</a:t>
+            </a:r>
+          </a:p>
+          <a:p>
+            <a:pPr lvl="1"/>
+            <a:r>
+              <a:rPr lang="en-US" dirty="0"/>
+              <a:t>find code that “must do X”</a:t>
+            </a:r>
+          </a:p>
+          <a:p>
+            <a:pPr lvl="1"/>
+            <a:r>
+              <a:rPr lang="en-US" dirty="0"/>
+              <a:t>use what you know to understand the chunks (the templates)</a:t>
+            </a:r>
+          </a:p>
+          <a:p>
+            <a:pPr lvl="1"/>
+            <a:r>
+              <a:rPr lang="en-US" dirty="0"/>
+              <a:t>figure it out from there</a:t>
             </a:r>
           </a:p>
         </p:txBody>
@@ -4027,7 +4281,7 @@
     </p:spTree>
     <p:extLst>
       <p:ext uri="{BB962C8B-B14F-4D97-AF65-F5344CB8AC3E}">
-        <p14:creationId xmlns:p14="http://schemas.microsoft.com/office/powerpoint/2010/main" val="2178470596"/>
+        <p14:creationId xmlns:p14="http://schemas.microsoft.com/office/powerpoint/2010/main" val="3377514866"/>
       </p:ext>
     </p:extLst>
   </p:cSld>
@@ -4059,7 +4313,7 @@
           <p:cNvPr id="2" name="Title 1">
             <a:extLst>
               <a:ext uri="{FF2B5EF4-FFF2-40B4-BE49-F238E27FC236}">
-                <a16:creationId xmlns:a16="http://schemas.microsoft.com/office/drawing/2014/main" id="{628B3CBF-7A18-F54F-92E2-B975D203BF2F}"/>
+                <a16:creationId xmlns:a16="http://schemas.microsoft.com/office/drawing/2014/main" id="{30EDED6A-0994-6C41-BD42-CD8F0E615378}"/>
               </a:ext>
             </a:extLst>
           </p:cNvPr>
@@ -4077,24 +4331,22 @@
           </a:xfrm>
         </p:spPr>
         <p:txBody>
-          <a:bodyPr>
-            <a:normAutofit/>
-          </a:bodyPr>
-          <a:lstStyle/>
-          <a:p>
-            <a:r>
-              <a:rPr lang="en-US" dirty="0"/>
-              <a:t>What have you learned ... about Computer Science?</a:t>
-            </a:r>
-          </a:p>
-        </p:txBody>
-      </p:sp>
-      <p:sp>
-        <p:nvSpPr>
-          <p:cNvPr id="3" name="Content Placeholder 2">
+          <a:bodyPr/>
+          <a:lstStyle/>
+          <a:p>
+            <a:r>
+              <a:rPr lang="en-US" dirty="0"/>
+              <a:t>Our last starter…</a:t>
+            </a:r>
+          </a:p>
+        </p:txBody>
+      </p:sp>
+      <p:sp>
+        <p:nvSpPr>
+          <p:cNvPr id="5" name="Content Placeholder 4">
             <a:extLst>
               <a:ext uri="{FF2B5EF4-FFF2-40B4-BE49-F238E27FC236}">
-                <a16:creationId xmlns:a16="http://schemas.microsoft.com/office/drawing/2014/main" id="{22ACEF78-0A45-E74E-9B25-4DB16636EE7C}"/>
+                <a16:creationId xmlns:a16="http://schemas.microsoft.com/office/drawing/2014/main" id="{014611F3-48D9-5558-FBE0-329A6EBF2055}"/>
               </a:ext>
             </a:extLst>
           </p:cNvPr>
@@ -4105,102 +4357,49 @@
             <p:ph idx="1"/>
           </p:nvPr>
         </p:nvSpPr>
-        <p:spPr>
-          <a:xfrm>
-            <a:off x="838200" y="1825625"/>
-            <a:ext cx="10515600" cy="4351338"/>
-          </a:xfrm>
-        </p:spPr>
-        <p:txBody>
-          <a:bodyPr>
-            <a:normAutofit fontScale="92500" lnSpcReduction="10000"/>
-          </a:bodyPr>
-          <a:lstStyle/>
-          <a:p>
-            <a:r>
-              <a:rPr lang="en-US" dirty="0"/>
-              <a:t>foundations of software engineering</a:t>
-            </a:r>
-          </a:p>
-          <a:p>
-            <a:pPr lvl="1"/>
-            <a:r>
-              <a:rPr lang="en-US" dirty="0"/>
-              <a:t>much more in 210, 310, 410</a:t>
-            </a:r>
-          </a:p>
-          <a:p>
-            <a:r>
-              <a:rPr lang="en-US" dirty="0"/>
-              <a:t>simple functional programming language</a:t>
-            </a:r>
-          </a:p>
-          <a:p>
-            <a:pPr lvl="1"/>
-            <a:r>
-              <a:rPr lang="en-US" dirty="0"/>
-              <a:t>much more in 311, 312, 411</a:t>
-            </a:r>
-          </a:p>
-          <a:p>
-            <a:r>
-              <a:rPr lang="en-US" dirty="0"/>
-              <a:t>a bit about algorithms and data structures</a:t>
-            </a:r>
-          </a:p>
-          <a:p>
-            <a:pPr lvl="1"/>
-            <a:r>
-              <a:rPr lang="en-US" dirty="0"/>
-              <a:t>trees, graphs, sorting, searching</a:t>
-            </a:r>
-          </a:p>
-          <a:p>
-            <a:pPr lvl="1"/>
-            <a:r>
-              <a:rPr lang="en-US" dirty="0"/>
-              <a:t>much more in 221, 320, 420</a:t>
-            </a:r>
-          </a:p>
-          <a:p>
-            <a:r>
-              <a:rPr lang="en-US" dirty="0"/>
-              <a:t>a very little bit about systems and architecture (MVC)</a:t>
-            </a:r>
-          </a:p>
-          <a:p>
-            <a:pPr lvl="1"/>
-            <a:r>
-              <a:rPr lang="en-US" dirty="0"/>
-              <a:t>much much more in 213, 313, 317</a:t>
-            </a:r>
-          </a:p>
-          <a:p>
-            <a:pPr lvl="1"/>
-            <a:endParaRPr lang="en-US" dirty="0"/>
-          </a:p>
-          <a:p>
-            <a:r>
-              <a:rPr lang="en-US" dirty="0"/>
-              <a:t>but there’s much much much much more beyond that</a:t>
-            </a:r>
-          </a:p>
-          <a:p>
-            <a:pPr lvl="1"/>
-            <a:endParaRPr lang="en-US" dirty="0"/>
-          </a:p>
-          <a:p>
-            <a:endParaRPr lang="en-US" dirty="0"/>
-          </a:p>
-          <a:p>
-            <a:endParaRPr lang="en-US" dirty="0"/>
+        <p:spPr/>
+        <p:txBody>
+          <a:bodyPr/>
+          <a:lstStyle/>
+          <a:p>
+            <a:r>
+              <a:rPr lang="en-US" dirty="0"/>
+              <a:t>I feel like when the code is explained to me</a:t>
+            </a:r>
+          </a:p>
+          <a:p>
+            <a:pPr marL="914400" lvl="1" indent="-457200">
+              <a:buAutoNum type="alphaUcParenBoth"/>
+            </a:pPr>
+            <a:r>
+              <a:rPr lang="en-US" dirty="0"/>
+              <a:t>I can see the parts of it and sort of understand it</a:t>
+            </a:r>
+          </a:p>
+          <a:p>
+            <a:pPr marL="914400" lvl="1" indent="-457200">
+              <a:buAutoNum type="alphaUcParenBoth"/>
+            </a:pPr>
+            <a:r>
+              <a:rPr lang="en-US" dirty="0"/>
+              <a:t>I can see and understand only a small part of it</a:t>
+            </a:r>
+          </a:p>
+          <a:p>
+            <a:pPr marL="914400" lvl="1" indent="-457200">
+              <a:buAutoNum type="alphaUcParenBoth"/>
+            </a:pPr>
+            <a:r>
+              <a:rPr lang="en-US" dirty="0"/>
+              <a:t>I have no idea what I’m reading when I look at the code</a:t>
+            </a:r>
           </a:p>
         </p:txBody>
       </p:sp>
     </p:spTree>
     <p:extLst>
       <p:ext uri="{BB962C8B-B14F-4D97-AF65-F5344CB8AC3E}">
-        <p14:creationId xmlns:p14="http://schemas.microsoft.com/office/powerpoint/2010/main" val="4276937663"/>
+        <p14:creationId xmlns:p14="http://schemas.microsoft.com/office/powerpoint/2010/main" val="2178470596"/>
       </p:ext>
     </p:extLst>
   </p:cSld>
@@ -4232,6 +4431,179 @@
           <p:cNvPr id="2" name="Title 1">
             <a:extLst>
               <a:ext uri="{FF2B5EF4-FFF2-40B4-BE49-F238E27FC236}">
+                <a16:creationId xmlns:a16="http://schemas.microsoft.com/office/drawing/2014/main" id="{628B3CBF-7A18-F54F-92E2-B975D203BF2F}"/>
+              </a:ext>
+            </a:extLst>
+          </p:cNvPr>
+          <p:cNvSpPr>
+            <a:spLocks noGrp="1"/>
+          </p:cNvSpPr>
+          <p:nvPr>
+            <p:ph type="title"/>
+          </p:nvPr>
+        </p:nvSpPr>
+        <p:spPr>
+          <a:xfrm>
+            <a:off x="838200" y="365125"/>
+            <a:ext cx="10515600" cy="1325563"/>
+          </a:xfrm>
+        </p:spPr>
+        <p:txBody>
+          <a:bodyPr>
+            <a:normAutofit/>
+          </a:bodyPr>
+          <a:lstStyle/>
+          <a:p>
+            <a:r>
+              <a:rPr lang="en-US" dirty="0"/>
+              <a:t>What have you learned ... about Computer Science?</a:t>
+            </a:r>
+          </a:p>
+        </p:txBody>
+      </p:sp>
+      <p:sp>
+        <p:nvSpPr>
+          <p:cNvPr id="3" name="Content Placeholder 2">
+            <a:extLst>
+              <a:ext uri="{FF2B5EF4-FFF2-40B4-BE49-F238E27FC236}">
+                <a16:creationId xmlns:a16="http://schemas.microsoft.com/office/drawing/2014/main" id="{22ACEF78-0A45-E74E-9B25-4DB16636EE7C}"/>
+              </a:ext>
+            </a:extLst>
+          </p:cNvPr>
+          <p:cNvSpPr>
+            <a:spLocks noGrp="1"/>
+          </p:cNvSpPr>
+          <p:nvPr>
+            <p:ph idx="1"/>
+          </p:nvPr>
+        </p:nvSpPr>
+        <p:spPr>
+          <a:xfrm>
+            <a:off x="838200" y="1825625"/>
+            <a:ext cx="10515600" cy="4351338"/>
+          </a:xfrm>
+        </p:spPr>
+        <p:txBody>
+          <a:bodyPr>
+            <a:normAutofit fontScale="92500" lnSpcReduction="10000"/>
+          </a:bodyPr>
+          <a:lstStyle/>
+          <a:p>
+            <a:r>
+              <a:rPr lang="en-US" dirty="0"/>
+              <a:t>foundations of software engineering</a:t>
+            </a:r>
+          </a:p>
+          <a:p>
+            <a:pPr lvl="1"/>
+            <a:r>
+              <a:rPr lang="en-US" dirty="0"/>
+              <a:t>much more in 210, 310, 410</a:t>
+            </a:r>
+          </a:p>
+          <a:p>
+            <a:r>
+              <a:rPr lang="en-US" dirty="0"/>
+              <a:t>simple functional programming language</a:t>
+            </a:r>
+          </a:p>
+          <a:p>
+            <a:pPr lvl="1"/>
+            <a:r>
+              <a:rPr lang="en-US" dirty="0"/>
+              <a:t>much more in 311, 312, 411</a:t>
+            </a:r>
+          </a:p>
+          <a:p>
+            <a:r>
+              <a:rPr lang="en-US" dirty="0"/>
+              <a:t>a bit about algorithms and data structures</a:t>
+            </a:r>
+          </a:p>
+          <a:p>
+            <a:pPr lvl="1"/>
+            <a:r>
+              <a:rPr lang="en-US" dirty="0"/>
+              <a:t>trees, graphs, sorting, searching</a:t>
+            </a:r>
+          </a:p>
+          <a:p>
+            <a:pPr lvl="1"/>
+            <a:r>
+              <a:rPr lang="en-US" dirty="0"/>
+              <a:t>much more in 221, 320, 420</a:t>
+            </a:r>
+          </a:p>
+          <a:p>
+            <a:r>
+              <a:rPr lang="en-US" dirty="0"/>
+              <a:t>a very little bit about systems and architecture (MVC)</a:t>
+            </a:r>
+          </a:p>
+          <a:p>
+            <a:pPr lvl="1"/>
+            <a:r>
+              <a:rPr lang="en-US" dirty="0"/>
+              <a:t>much much more in 213, 313, 317</a:t>
+            </a:r>
+          </a:p>
+          <a:p>
+            <a:pPr lvl="1"/>
+            <a:endParaRPr lang="en-US" dirty="0"/>
+          </a:p>
+          <a:p>
+            <a:r>
+              <a:rPr lang="en-US" dirty="0"/>
+              <a:t>but there’s much much much much more beyond that</a:t>
+            </a:r>
+          </a:p>
+          <a:p>
+            <a:pPr lvl="1"/>
+            <a:endParaRPr lang="en-US" dirty="0"/>
+          </a:p>
+          <a:p>
+            <a:endParaRPr lang="en-US" dirty="0"/>
+          </a:p>
+          <a:p>
+            <a:endParaRPr lang="en-US" dirty="0"/>
+          </a:p>
+        </p:txBody>
+      </p:sp>
+    </p:spTree>
+    <p:extLst>
+      <p:ext uri="{BB962C8B-B14F-4D97-AF65-F5344CB8AC3E}">
+        <p14:creationId xmlns:p14="http://schemas.microsoft.com/office/powerpoint/2010/main" val="4276937663"/>
+      </p:ext>
+    </p:extLst>
+  </p:cSld>
+  <p:clrMapOvr>
+    <a:masterClrMapping/>
+  </p:clrMapOvr>
+</p:sld>
+</file>
+
+<file path=ppt/slides/slide15.xml><?xml version="1.0" encoding="utf-8"?>
+<p:sld xmlns:a="http://schemas.openxmlformats.org/drawingml/2006/main" xmlns:r="http://schemas.openxmlformats.org/officeDocument/2006/relationships" xmlns:p="http://schemas.openxmlformats.org/presentationml/2006/main">
+  <p:cSld>
+    <p:spTree>
+      <p:nvGrpSpPr>
+        <p:cNvPr id="1" name=""/>
+        <p:cNvGrpSpPr/>
+        <p:nvPr/>
+      </p:nvGrpSpPr>
+      <p:grpSpPr>
+        <a:xfrm>
+          <a:off x="0" y="0"/>
+          <a:ext cx="0" cy="0"/>
+          <a:chOff x="0" y="0"/>
+          <a:chExt cx="0" cy="0"/>
+        </a:xfrm>
+      </p:grpSpPr>
+      <p:sp>
+        <p:nvSpPr>
+          <p:cNvPr id="2" name="Title 1">
+            <a:extLst>
+              <a:ext uri="{FF2B5EF4-FFF2-40B4-BE49-F238E27FC236}">
                 <a16:creationId xmlns:a16="http://schemas.microsoft.com/office/drawing/2014/main" id="{5D3C8597-DB1E-45FB-3D67-247B6DDF234E}"/>
               </a:ext>
             </a:extLst>
@@ -4308,7 +4680,7 @@
 </p:sld>
 </file>
 
-<file path=ppt/slides/slide15.xml><?xml version="1.0" encoding="utf-8"?>
+<file path=ppt/slides/slide16.xml><?xml version="1.0" encoding="utf-8"?>
 <p:sld xmlns:a="http://schemas.openxmlformats.org/drawingml/2006/main" xmlns:r="http://schemas.openxmlformats.org/officeDocument/2006/relationships" xmlns:p="http://schemas.openxmlformats.org/presentationml/2006/main">
   <p:cSld>
     <p:spTree>
@@ -4437,7 +4809,7 @@
 </p:sld>
 </file>
 
-<file path=ppt/slides/slide16.xml><?xml version="1.0" encoding="utf-8"?>
+<file path=ppt/slides/slide17.xml><?xml version="1.0" encoding="utf-8"?>
 <p:sld xmlns:a="http://schemas.openxmlformats.org/drawingml/2006/main" xmlns:r="http://schemas.openxmlformats.org/officeDocument/2006/relationships" xmlns:p="http://schemas.openxmlformats.org/presentationml/2006/main">
   <p:cSld>
     <p:spTree>
@@ -4954,177 +5326,6 @@
 </p:sld>
 </file>
 
-<file path=ppt/slides/slide17.xml><?xml version="1.0" encoding="utf-8"?>
-<p:sld xmlns:a="http://schemas.openxmlformats.org/drawingml/2006/main" xmlns:r="http://schemas.openxmlformats.org/officeDocument/2006/relationships" xmlns:p="http://schemas.openxmlformats.org/presentationml/2006/main">
-  <p:cSld>
-    <p:spTree>
-      <p:nvGrpSpPr>
-        <p:cNvPr id="1" name=""/>
-        <p:cNvGrpSpPr/>
-        <p:nvPr/>
-      </p:nvGrpSpPr>
-      <p:grpSpPr>
-        <a:xfrm>
-          <a:off x="0" y="0"/>
-          <a:ext cx="0" cy="0"/>
-          <a:chOff x="0" y="0"/>
-          <a:chExt cx="0" cy="0"/>
-        </a:xfrm>
-      </p:grpSpPr>
-      <p:sp>
-        <p:nvSpPr>
-          <p:cNvPr id="2" name="Title 1">
-            <a:extLst>
-              <a:ext uri="{FF2B5EF4-FFF2-40B4-BE49-F238E27FC236}">
-                <a16:creationId xmlns:a16="http://schemas.microsoft.com/office/drawing/2014/main" id="{9CE5A388-A163-D443-8402-C789EC09967D}"/>
-              </a:ext>
-            </a:extLst>
-          </p:cNvPr>
-          <p:cNvSpPr>
-            <a:spLocks noGrp="1"/>
-          </p:cNvSpPr>
-          <p:nvPr>
-            <p:ph type="title"/>
-          </p:nvPr>
-        </p:nvSpPr>
-        <p:spPr/>
-        <p:txBody>
-          <a:bodyPr/>
-          <a:lstStyle/>
-          <a:p>
-            <a:r>
-              <a:rPr lang="en-US" dirty="0"/>
-              <a:t>Job Search Process Points</a:t>
-            </a:r>
-          </a:p>
-        </p:txBody>
-      </p:sp>
-      <p:sp>
-        <p:nvSpPr>
-          <p:cNvPr id="4" name="Content Placeholder 3">
-            <a:extLst>
-              <a:ext uri="{FF2B5EF4-FFF2-40B4-BE49-F238E27FC236}">
-                <a16:creationId xmlns:a16="http://schemas.microsoft.com/office/drawing/2014/main" id="{70EFB29E-530E-7E40-959E-039ADEDC4A5E}"/>
-              </a:ext>
-            </a:extLst>
-          </p:cNvPr>
-          <p:cNvSpPr txBox="1">
-            <a:spLocks noGrp="1"/>
-          </p:cNvSpPr>
-          <p:nvPr>
-            <p:ph idx="1"/>
-          </p:nvPr>
-        </p:nvSpPr>
-        <p:spPr>
-          <a:xfrm>
-            <a:off x="838200" y="1825625"/>
-            <a:ext cx="10515600" cy="4914679"/>
-          </a:xfrm>
-          <a:prstGeom prst="rect">
-            <a:avLst/>
-          </a:prstGeom>
-          <a:noFill/>
-          <a:ln>
-            <a:solidFill>
-              <a:schemeClr val="tx1"/>
-            </a:solidFill>
-          </a:ln>
-        </p:spPr>
-        <p:txBody>
-          <a:bodyPr wrap="square" rtlCol="0">
-            <a:spAutoFit/>
-          </a:bodyPr>
-          <a:lstStyle/>
-          <a:p>
-            <a:pPr marL="0" indent="0">
-              <a:buNone/>
-            </a:pPr>
-            <a:r>
-              <a:rPr lang="en-US" dirty="0"/>
-              <a:t>Jobs outside universities…</a:t>
-            </a:r>
-          </a:p>
-          <a:p>
-            <a:r>
-              <a:rPr lang="en-US" dirty="0"/>
-              <a:t>Build your own portfolio</a:t>
-            </a:r>
-            <a:r>
-              <a:rPr lang="en-US" baseline="30000" dirty="0"/>
-              <a:t>1</a:t>
-            </a:r>
-            <a:r>
-              <a:rPr lang="en-US" dirty="0"/>
-              <a:t>, get internships, COOP  and/or work with faculty</a:t>
-            </a:r>
-          </a:p>
-          <a:p>
-            <a:r>
-              <a:rPr lang="en-US" dirty="0"/>
-              <a:t>Interviews are about what you can DO, not what you remember</a:t>
-            </a:r>
-          </a:p>
-          <a:p>
-            <a:pPr marL="0" indent="0">
-              <a:buNone/>
-            </a:pPr>
-            <a:endParaRPr lang="en-US" dirty="0"/>
-          </a:p>
-          <a:p>
-            <a:r>
-              <a:rPr lang="en-US" dirty="0"/>
-              <a:t>A reference letter that helps must have all three of these properties:</a:t>
-            </a:r>
-          </a:p>
-          <a:p>
-            <a:pPr lvl="1"/>
-            <a:r>
-              <a:rPr lang="en-US" dirty="0"/>
-              <a:t>comes from someone the committee will trust</a:t>
-            </a:r>
-          </a:p>
-          <a:p>
-            <a:pPr lvl="1"/>
-            <a:r>
-              <a:rPr lang="en-US" dirty="0"/>
-              <a:t>comes from someone who has something specific to say about you</a:t>
-            </a:r>
-          </a:p>
-          <a:p>
-            <a:pPr lvl="1"/>
-            <a:r>
-              <a:rPr lang="en-US" dirty="0"/>
-              <a:t>says specific things about you that compare favorably with rest of group</a:t>
-            </a:r>
-            <a:br>
-              <a:rPr lang="en-US" dirty="0"/>
-            </a:br>
-            <a:endParaRPr lang="en-US" dirty="0"/>
-          </a:p>
-          <a:p>
-            <a:pPr marL="0" indent="0">
-              <a:buNone/>
-            </a:pPr>
-            <a:r>
-              <a:rPr lang="en-US" sz="2400" dirty="0"/>
-              <a:t>1. I wish this wasn’t good advice, it’s blatantly discriminatory.</a:t>
-            </a:r>
-          </a:p>
-        </p:txBody>
-      </p:sp>
-    </p:spTree>
-    <p:extLst>
-      <p:ext uri="{BB962C8B-B14F-4D97-AF65-F5344CB8AC3E}">
-        <p14:creationId xmlns:p14="http://schemas.microsoft.com/office/powerpoint/2010/main" val="3924815329"/>
-      </p:ext>
-    </p:extLst>
-  </p:cSld>
-  <p:clrMapOvr>
-    <a:masterClrMapping/>
-  </p:clrMapOvr>
-</p:sld>
-</file>
-
 <file path=ppt/slides/slide18.xml><?xml version="1.0" encoding="utf-8"?>
 <p:sld xmlns:a="http://schemas.openxmlformats.org/drawingml/2006/main" xmlns:r="http://schemas.openxmlformats.org/officeDocument/2006/relationships" xmlns:p="http://schemas.openxmlformats.org/presentationml/2006/main">
   <p:cSld>
@@ -5147,7 +5348,7 @@
           <p:cNvPr id="2" name="Title 1">
             <a:extLst>
               <a:ext uri="{FF2B5EF4-FFF2-40B4-BE49-F238E27FC236}">
-                <a16:creationId xmlns:a16="http://schemas.microsoft.com/office/drawing/2014/main" id="{1B1D2B69-5FD4-C7DD-76D2-5188A6B8FF05}"/>
+                <a16:creationId xmlns:a16="http://schemas.microsoft.com/office/drawing/2014/main" id="{9CE5A388-A163-D443-8402-C789EC09967D}"/>
               </a:ext>
             </a:extLst>
           </p:cNvPr>
@@ -5165,55 +5366,128 @@
           <a:p>
             <a:r>
               <a:rPr lang="en-US" dirty="0"/>
-              <a:t>Two summer interns	</a:t>
-            </a:r>
-          </a:p>
-        </p:txBody>
-      </p:sp>
-      <p:sp>
-        <p:nvSpPr>
-          <p:cNvPr id="3" name="Content Placeholder 2">
+              <a:t>Job Search Process Points</a:t>
+            </a:r>
+          </a:p>
+        </p:txBody>
+      </p:sp>
+      <p:sp>
+        <p:nvSpPr>
+          <p:cNvPr id="4" name="Content Placeholder 3">
             <a:extLst>
               <a:ext uri="{FF2B5EF4-FFF2-40B4-BE49-F238E27FC236}">
-                <a16:creationId xmlns:a16="http://schemas.microsoft.com/office/drawing/2014/main" id="{A0ABE84E-1441-3092-392A-F63A46D76F18}"/>
+                <a16:creationId xmlns:a16="http://schemas.microsoft.com/office/drawing/2014/main" id="{70EFB29E-530E-7E40-959E-039ADEDC4A5E}"/>
               </a:ext>
             </a:extLst>
           </p:cNvPr>
-          <p:cNvSpPr>
+          <p:cNvSpPr txBox="1">
             <a:spLocks noGrp="1"/>
           </p:cNvSpPr>
           <p:nvPr>
             <p:ph idx="1"/>
           </p:nvPr>
         </p:nvSpPr>
-        <p:spPr/>
-        <p:txBody>
-          <a:bodyPr/>
-          <a:lstStyle/>
-          <a:p>
-            <a:r>
-              <a:rPr lang="en-US" dirty="0"/>
-              <a:t>When faced with an underspecified task at work:</a:t>
+        <p:spPr>
+          <a:xfrm>
+            <a:off x="838200" y="1825625"/>
+            <a:ext cx="10515600" cy="4914679"/>
+          </a:xfrm>
+          <a:prstGeom prst="rect">
+            <a:avLst/>
+          </a:prstGeom>
+          <a:noFill/>
+          <a:ln>
+            <a:solidFill>
+              <a:schemeClr val="tx1"/>
+            </a:solidFill>
+          </a:ln>
+        </p:spPr>
+        <p:txBody>
+          <a:bodyPr wrap="square" rtlCol="0">
+            <a:spAutoFit/>
+          </a:bodyPr>
+          <a:lstStyle/>
+          <a:p>
+            <a:pPr marL="0" indent="0">
+              <a:buNone/>
+            </a:pPr>
+            <a:r>
+              <a:rPr lang="en-US" dirty="0"/>
+              <a:t>Jobs outside universities…</a:t>
+            </a:r>
+          </a:p>
+          <a:p>
+            <a:r>
+              <a:rPr lang="en-US" dirty="0"/>
+              <a:t>Build your own portfolio</a:t>
+            </a:r>
+            <a:r>
+              <a:rPr lang="en-US" baseline="30000" dirty="0"/>
+              <a:t>1</a:t>
+            </a:r>
+            <a:r>
+              <a:rPr lang="en-US" dirty="0"/>
+              <a:t>, get internships, COOP  and/or work with faculty</a:t>
+            </a:r>
+          </a:p>
+          <a:p>
+            <a:r>
+              <a:rPr lang="en-US" dirty="0"/>
+              <a:t>Interviews are about what you can DO, not what you remember</a:t>
+            </a:r>
+          </a:p>
+          <a:p>
+            <a:pPr marL="0" indent="0">
+              <a:buNone/>
+            </a:pPr>
+            <a:endParaRPr lang="en-US" dirty="0"/>
+          </a:p>
+          <a:p>
+            <a:r>
+              <a:rPr lang="en-US" dirty="0"/>
+              <a:t>A reference letter that helps </a:t>
+            </a:r>
+            <a:r>
+              <a:rPr lang="en-US" u="sng" dirty="0"/>
+              <a:t>must have all three</a:t>
+            </a:r>
+            <a:r>
+              <a:rPr lang="en-US" dirty="0"/>
+              <a:t> of these properties:</a:t>
             </a:r>
           </a:p>
           <a:p>
             <a:pPr lvl="1"/>
             <a:r>
               <a:rPr lang="en-US" dirty="0"/>
-              <a:t>Intern A usually goes to their manager to seek clarification before proceeding.</a:t>
+              <a:t>comes from someone the committee will trust</a:t>
             </a:r>
           </a:p>
           <a:p>
             <a:pPr lvl="1"/>
             <a:r>
               <a:rPr lang="en-US" dirty="0"/>
-              <a:t>Intern B usually tries to make a reasonable decision about what is needed and proceeds.</a:t>
-            </a:r>
-          </a:p>
-          <a:p>
-            <a:r>
-              <a:rPr lang="en-US" dirty="0"/>
-              <a:t>At the end of the summer, which one gets a permanent job offer?</a:t>
+              <a:t>comes from someone who has something specific to say about you</a:t>
+            </a:r>
+          </a:p>
+          <a:p>
+            <a:pPr lvl="1"/>
+            <a:r>
+              <a:rPr lang="en-US" dirty="0"/>
+              <a:t>says specific things about you that compare favorably with rest of group</a:t>
+            </a:r>
+            <a:br>
+              <a:rPr lang="en-US" dirty="0"/>
+            </a:br>
+            <a:endParaRPr lang="en-US" dirty="0"/>
+          </a:p>
+          <a:p>
+            <a:pPr marL="0" indent="0">
+              <a:buNone/>
+            </a:pPr>
+            <a:r>
+              <a:rPr lang="en-US" sz="2400" dirty="0"/>
+              <a:t>1. I wish this wasn’t good advice, it’s blatantly discriminatory.</a:t>
             </a:r>
           </a:p>
         </p:txBody>
@@ -5221,7 +5495,7 @@
     </p:spTree>
     <p:extLst>
       <p:ext uri="{BB962C8B-B14F-4D97-AF65-F5344CB8AC3E}">
-        <p14:creationId xmlns:p14="http://schemas.microsoft.com/office/powerpoint/2010/main" val="3280050734"/>
+        <p14:creationId xmlns:p14="http://schemas.microsoft.com/office/powerpoint/2010/main" val="3924815329"/>
       </p:ext>
     </p:extLst>
   </p:cSld>
@@ -5253,7 +5527,7 @@
           <p:cNvPr id="2" name="Title 1">
             <a:extLst>
               <a:ext uri="{FF2B5EF4-FFF2-40B4-BE49-F238E27FC236}">
-                <a16:creationId xmlns:a16="http://schemas.microsoft.com/office/drawing/2014/main" id="{10F9E1B0-4780-53FD-26CE-FDA8D545D7C3}"/>
+                <a16:creationId xmlns:a16="http://schemas.microsoft.com/office/drawing/2014/main" id="{1B1D2B69-5FD4-C7DD-76D2-5188A6B8FF05}"/>
               </a:ext>
             </a:extLst>
           </p:cNvPr>
@@ -5271,13 +5545,8 @@
           <a:p>
             <a:r>
               <a:rPr lang="en-US" dirty="0"/>
-              <a:t>At work - </a:t>
-            </a:r>
-            <a:r>
-              <a:rPr lang="en-US" dirty="0" err="1"/>
-              <a:t>FtR</a:t>
-            </a:r>
-            <a:endParaRPr lang="en-US" dirty="0"/>
+              <a:t>Two summer interns	</a:t>
+            </a:r>
           </a:p>
         </p:txBody>
       </p:sp>
@@ -5286,7 +5555,7 @@
           <p:cNvPr id="3" name="Content Placeholder 2">
             <a:extLst>
               <a:ext uri="{FF2B5EF4-FFF2-40B4-BE49-F238E27FC236}">
-                <a16:creationId xmlns:a16="http://schemas.microsoft.com/office/drawing/2014/main" id="{C8B8F99D-3492-A1A3-25A4-18B2BBF50294}"/>
+                <a16:creationId xmlns:a16="http://schemas.microsoft.com/office/drawing/2014/main" id="{A0ABE84E-1441-3092-392A-F63A46D76F18}"/>
               </a:ext>
             </a:extLst>
           </p:cNvPr>
@@ -5299,105 +5568,41 @@
         </p:nvSpPr>
         <p:spPr>
           <a:xfrm>
-            <a:off x="838200" y="1825625"/>
-            <a:ext cx="10515600" cy="4739562"/>
+            <a:off x="838199" y="1825625"/>
+            <a:ext cx="10901855" cy="4351338"/>
           </a:xfrm>
         </p:spPr>
         <p:txBody>
-          <a:bodyPr>
-            <a:normAutofit lnSpcReduction="10000"/>
-          </a:bodyPr>
-          <a:lstStyle/>
-          <a:p>
-            <a:r>
-              <a:rPr lang="en-US" dirty="0"/>
-              <a:t>Managers don’t have time for employees who need to be given a detailed description of what to do</a:t>
+          <a:bodyPr/>
+          <a:lstStyle/>
+          <a:p>
+            <a:r>
+              <a:rPr lang="en-US" dirty="0"/>
+              <a:t>When faced with an underspecified task at work:</a:t>
             </a:r>
           </a:p>
           <a:p>
             <a:pPr lvl="1"/>
             <a:r>
               <a:rPr lang="en-US" dirty="0"/>
-              <a:t>figure it out</a:t>
+              <a:t>Intern A always goes to their manager to seek clarification before proceeding.</a:t>
             </a:r>
           </a:p>
           <a:p>
             <a:pPr lvl="1"/>
             <a:r>
               <a:rPr lang="en-US" dirty="0"/>
-              <a:t>do something reasonable</a:t>
-            </a:r>
-          </a:p>
-          <a:p>
-            <a:pPr lvl="1"/>
-            <a:r>
-              <a:rPr lang="en-US" dirty="0"/>
-              <a:t>ask only very well developed questions</a:t>
-            </a:r>
-          </a:p>
-          <a:p>
+              <a:t>Intern B tries to make a reasonable decision about what is needed and proceeds.</a:t>
+            </a:r>
+            <a:br>
+              <a:rPr lang="en-US" dirty="0"/>
+            </a:br>
             <a:endParaRPr lang="en-US" dirty="0"/>
           </a:p>
           <a:p>
             <a:r>
               <a:rPr lang="en-US" dirty="0"/>
-              <a:t>It’s easy to be fun to be around when you know what you are doing</a:t>
-            </a:r>
-          </a:p>
-          <a:p>
-            <a:pPr lvl="1"/>
-            <a:r>
-              <a:rPr lang="en-US" dirty="0"/>
-              <a:t>teams want people who are fun to be around when they don’t know what they are doing</a:t>
-            </a:r>
-          </a:p>
-          <a:p>
-            <a:pPr lvl="1"/>
-            <a:r>
-              <a:rPr lang="en-US" dirty="0"/>
-              <a:t>interview processes are in part trying to uncover that, they want to push you into uncomfortable territory to see how you handle that – they aren’t trying to intimidate or be macho (many of them aren’t anyways)</a:t>
-            </a:r>
-          </a:p>
-        </p:txBody>
-      </p:sp>
-      <p:sp>
-        <p:nvSpPr>
-          <p:cNvPr id="5" name="TextBox 4">
-            <a:extLst>
-              <a:ext uri="{FF2B5EF4-FFF2-40B4-BE49-F238E27FC236}">
-                <a16:creationId xmlns:a16="http://schemas.microsoft.com/office/drawing/2014/main" id="{C936CEB3-555D-613B-3792-AEA2636E7C07}"/>
-              </a:ext>
-            </a:extLst>
-          </p:cNvPr>
-          <p:cNvSpPr txBox="1"/>
-          <p:nvPr/>
-        </p:nvSpPr>
-        <p:spPr>
-          <a:xfrm>
-            <a:off x="4826285" y="230188"/>
-            <a:ext cx="6979578" cy="954107"/>
-          </a:xfrm>
-          <a:prstGeom prst="rect">
-            <a:avLst/>
-          </a:prstGeom>
-          <a:noFill/>
-        </p:spPr>
-        <p:txBody>
-          <a:bodyPr wrap="square">
-            <a:spAutoFit/>
-          </a:bodyPr>
-          <a:lstStyle/>
-          <a:p>
-            <a:r>
-              <a:rPr lang="en-US" sz="2800" i="1" dirty="0"/>
-              <a:t>“We are what we repeatedly do.</a:t>
-            </a:r>
-            <a:br>
-              <a:rPr lang="en-US" sz="2800" i="1" dirty="0"/>
-            </a:br>
-            <a:r>
-              <a:rPr lang="en-US" sz="2800" i="1" dirty="0"/>
-              <a:t>Excellence, then, is not an act, but a habit.”</a:t>
+              <a:t>At the end of the summer, which one gets a permanent job offer?</a:t>
             </a:r>
           </a:p>
         </p:txBody>
@@ -5405,7 +5610,7 @@
     </p:spTree>
     <p:extLst>
       <p:ext uri="{BB962C8B-B14F-4D97-AF65-F5344CB8AC3E}">
-        <p14:creationId xmlns:p14="http://schemas.microsoft.com/office/powerpoint/2010/main" val="2549518288"/>
+        <p14:creationId xmlns:p14="http://schemas.microsoft.com/office/powerpoint/2010/main" val="3280050734"/>
       </p:ext>
     </p:extLst>
   </p:cSld>
@@ -5434,39 +5639,10 @@
       </p:grpSpPr>
       <p:sp>
         <p:nvSpPr>
-          <p:cNvPr id="2" name="Title 1"/>
-          <p:cNvSpPr>
-            <a:spLocks noGrp="1"/>
-          </p:cNvSpPr>
-          <p:nvPr>
-            <p:ph type="title"/>
-          </p:nvPr>
-        </p:nvSpPr>
-        <p:spPr/>
-        <p:txBody>
-          <a:bodyPr>
-            <a:normAutofit/>
-          </a:bodyPr>
-          <a:lstStyle/>
-          <a:p>
-            <a:pPr>
-              <a:lnSpc>
-                <a:spcPct val="150000"/>
-              </a:lnSpc>
-            </a:pPr>
-            <a:r>
-              <a:rPr lang="en-US" dirty="0"/>
-              <a:t>Plan for rest of today</a:t>
-            </a:r>
-          </a:p>
-        </p:txBody>
-      </p:sp>
-      <p:sp>
-        <p:nvSpPr>
-          <p:cNvPr id="8" name="Content Placeholder 7">
+          <p:cNvPr id="2" name="Title 1">
             <a:extLst>
               <a:ext uri="{FF2B5EF4-FFF2-40B4-BE49-F238E27FC236}">
-                <a16:creationId xmlns:a16="http://schemas.microsoft.com/office/drawing/2014/main" id="{DE8A77DE-1B86-0D4B-9485-4E45BC312FF9}"/>
+                <a16:creationId xmlns:a16="http://schemas.microsoft.com/office/drawing/2014/main" id="{2E0D9021-6D45-4C10-C179-548A5D0A1E12}"/>
               </a:ext>
             </a:extLst>
           </p:cNvPr>
@@ -5474,7 +5650,7 @@
             <a:spLocks noGrp="1"/>
           </p:cNvSpPr>
           <p:nvPr>
-            <p:ph idx="1"/>
+            <p:ph type="title"/>
           </p:nvPr>
         </p:nvSpPr>
         <p:spPr/>
@@ -5484,101 +5660,91 @@
           <a:p>
             <a:r>
               <a:rPr lang="en-US" dirty="0"/>
-              <a:t>How do you feel about final?</a:t>
-            </a:r>
-          </a:p>
-          <a:p>
-            <a:r>
-              <a:rPr lang="en-US" dirty="0"/>
-              <a:t>What have you learned?</a:t>
-            </a:r>
-          </a:p>
-          <a:p>
-            <a:r>
-              <a:rPr lang="en-US" dirty="0"/>
-              <a:t>What about other languages?</a:t>
-            </a:r>
-          </a:p>
-          <a:p>
-            <a:r>
-              <a:rPr lang="en-US" dirty="0"/>
-              <a:t>What’s next?</a:t>
-            </a:r>
-          </a:p>
-          <a:p>
-            <a:r>
-              <a:rPr lang="en-US" dirty="0"/>
-              <a:t>A few thoughts on generative AI</a:t>
-            </a:r>
-          </a:p>
-          <a:p>
-            <a:r>
-              <a:rPr lang="en-US" dirty="0"/>
-              <a:t>Student Survey</a:t>
-            </a:r>
-          </a:p>
-        </p:txBody>
-      </p:sp>
-      <p:sp>
-        <p:nvSpPr>
-          <p:cNvPr id="3" name="TextBox 2">
+              <a:t>Last song</a:t>
+            </a:r>
+          </a:p>
+        </p:txBody>
+      </p:sp>
+      <p:sp>
+        <p:nvSpPr>
+          <p:cNvPr id="3" name="Content Placeholder 2">
             <a:extLst>
               <a:ext uri="{FF2B5EF4-FFF2-40B4-BE49-F238E27FC236}">
-                <a16:creationId xmlns:a16="http://schemas.microsoft.com/office/drawing/2014/main" id="{C3EEC4B3-2616-AEB3-48D8-3CF97E400DDC}"/>
+                <a16:creationId xmlns:a16="http://schemas.microsoft.com/office/drawing/2014/main" id="{3B9FACF7-5F8D-07CE-E68C-6E5114946097}"/>
               </a:ext>
             </a:extLst>
           </p:cNvPr>
-          <p:cNvSpPr txBox="1"/>
-          <p:nvPr/>
-        </p:nvSpPr>
-        <p:spPr>
-          <a:xfrm>
-            <a:off x="7941923" y="421241"/>
-            <a:ext cx="3883631" cy="1323439"/>
-          </a:xfrm>
-          <a:prstGeom prst="rect">
-            <a:avLst/>
-          </a:prstGeom>
-          <a:noFill/>
-        </p:spPr>
-        <p:txBody>
-          <a:bodyPr wrap="square" rtlCol="0">
-            <a:spAutoFit/>
+          <p:cNvSpPr>
+            <a:spLocks noGrp="1"/>
+          </p:cNvSpPr>
+          <p:nvPr>
+            <p:ph idx="1"/>
+          </p:nvPr>
+        </p:nvSpPr>
+        <p:spPr/>
+        <p:txBody>
+          <a:bodyPr>
+            <a:normAutofit lnSpcReduction="10000"/>
           </a:bodyPr>
           <a:lstStyle/>
           <a:p>
-            <a:r>
-              <a:rPr lang="en-US" sz="2000" dirty="0">
-                <a:solidFill>
-                  <a:srgbClr val="FF0000"/>
-                </a:solidFill>
-              </a:rPr>
-              <a:t>There will be clickers!</a:t>
-            </a:r>
-          </a:p>
-          <a:p>
-            <a:r>
-              <a:rPr lang="en-US" sz="2000" dirty="0">
-                <a:solidFill>
-                  <a:srgbClr val="FF0000"/>
-                </a:solidFill>
-              </a:rPr>
-              <a:t>All answers will be correct, but not answering will not be correct.</a:t>
-            </a:r>
-            <a:br>
-              <a:rPr lang="en-US" sz="2000" dirty="0">
-                <a:solidFill>
-                  <a:srgbClr val="FF0000"/>
-                </a:solidFill>
-              </a:rPr>
-            </a:br>
-            <a:r>
-              <a:rPr lang="en-US" sz="2000" dirty="0">
-                <a:solidFill>
-                  <a:srgbClr val="FF0000"/>
-                </a:solidFill>
-              </a:rPr>
-              <a:t>Leave your devices open.</a:t>
+            <a:pPr marL="0" indent="0">
+              <a:buNone/>
+            </a:pPr>
+            <a:endParaRPr lang="en-US" sz="3200" dirty="0"/>
+          </a:p>
+          <a:p>
+            <a:pPr marL="0" indent="0">
+              <a:buNone/>
+            </a:pPr>
+            <a:r>
+              <a:rPr lang="en-US" sz="3200" dirty="0"/>
+              <a:t>Cassidy by Bob Weir and John Barlow</a:t>
+            </a:r>
+          </a:p>
+          <a:p>
+            <a:pPr marL="0" indent="0">
+              <a:buNone/>
+            </a:pPr>
+            <a:endParaRPr lang="en-US" sz="3200" dirty="0"/>
+          </a:p>
+          <a:p>
+            <a:pPr marL="0" indent="0">
+              <a:buNone/>
+            </a:pPr>
+            <a:r>
+              <a:rPr lang="en-US" sz="3200" dirty="0"/>
+              <a:t>A song about comings and goings; especially about comings.</a:t>
+            </a:r>
+          </a:p>
+          <a:p>
+            <a:pPr marL="0" indent="0">
+              <a:buNone/>
+            </a:pPr>
+            <a:endParaRPr lang="en-US" sz="3200" dirty="0"/>
+          </a:p>
+          <a:p>
+            <a:pPr marL="0" indent="0">
+              <a:buNone/>
+            </a:pPr>
+            <a:r>
+              <a:rPr lang="en-US" sz="3200" dirty="0"/>
+              <a:t>I’ll let you read the lyrics and see what they say to you, but…</a:t>
+            </a:r>
+          </a:p>
+          <a:p>
+            <a:pPr marL="0" indent="0">
+              <a:buNone/>
+            </a:pPr>
+            <a:endParaRPr lang="en-US" sz="3200" dirty="0"/>
+          </a:p>
+          <a:p>
+            <a:pPr marL="0" indent="0">
+              <a:buNone/>
+            </a:pPr>
+            <a:r>
+              <a:rPr lang="en-US" sz="3200" dirty="0"/>
+              <a:t>“Wheel to the storm and fly”</a:t>
             </a:r>
           </a:p>
         </p:txBody>
@@ -5586,7 +5752,7 @@
     </p:spTree>
     <p:extLst>
       <p:ext uri="{BB962C8B-B14F-4D97-AF65-F5344CB8AC3E}">
-        <p14:creationId xmlns:p14="http://schemas.microsoft.com/office/powerpoint/2010/main" val="2630507906"/>
+        <p14:creationId xmlns:p14="http://schemas.microsoft.com/office/powerpoint/2010/main" val="299265907"/>
       </p:ext>
     </p:extLst>
   </p:cSld>
@@ -5618,7 +5784,7 @@
           <p:cNvPr id="2" name="Title 1">
             <a:extLst>
               <a:ext uri="{FF2B5EF4-FFF2-40B4-BE49-F238E27FC236}">
-                <a16:creationId xmlns:a16="http://schemas.microsoft.com/office/drawing/2014/main" id="{024C97C4-0C09-B6D4-7A37-41DFBC6D4691}"/>
+                <a16:creationId xmlns:a16="http://schemas.microsoft.com/office/drawing/2014/main" id="{10F9E1B0-4780-53FD-26CE-FDA8D545D7C3}"/>
               </a:ext>
             </a:extLst>
           </p:cNvPr>
@@ -5636,8 +5802,13 @@
           <a:p>
             <a:r>
               <a:rPr lang="en-US" dirty="0"/>
-              <a:t>What About Generative AI?</a:t>
-            </a:r>
+              <a:t>At work - </a:t>
+            </a:r>
+            <a:r>
+              <a:rPr lang="en-US" dirty="0" err="1"/>
+              <a:t>FtR</a:t>
+            </a:r>
+            <a:endParaRPr lang="en-US" dirty="0"/>
           </a:p>
         </p:txBody>
       </p:sp>
@@ -5646,7 +5817,7 @@
           <p:cNvPr id="3" name="Content Placeholder 2">
             <a:extLst>
               <a:ext uri="{FF2B5EF4-FFF2-40B4-BE49-F238E27FC236}">
-                <a16:creationId xmlns:a16="http://schemas.microsoft.com/office/drawing/2014/main" id="{FA19CDD8-6D31-8ACA-AB4E-08B4DDDE49BA}"/>
+                <a16:creationId xmlns:a16="http://schemas.microsoft.com/office/drawing/2014/main" id="{C8B8F99D-3492-A1A3-25A4-18B2BBF50294}"/>
               </a:ext>
             </a:extLst>
           </p:cNvPr>
@@ -5659,8 +5830,8 @@
         </p:nvSpPr>
         <p:spPr>
           <a:xfrm>
-            <a:off x="838199" y="1825625"/>
-            <a:ext cx="11254483" cy="4351338"/>
+            <a:off x="838200" y="1825625"/>
+            <a:ext cx="10515600" cy="4739562"/>
           </a:xfrm>
         </p:spPr>
         <p:txBody>
@@ -5671,82 +5842,107 @@
           <a:p>
             <a:r>
               <a:rPr lang="en-US" dirty="0"/>
-              <a:t>All kinds of work is about to change – maybe a lot</a:t>
-            </a:r>
-          </a:p>
-          <a:p>
-            <a:r>
-              <a:rPr lang="en-US" dirty="0"/>
-              <a:t>Long term isn’t clear (issues go way beyond technology)</a:t>
-            </a:r>
-          </a:p>
-          <a:p>
-            <a:r>
-              <a:rPr lang="en-US" dirty="0"/>
-              <a:t>It does seem clear that in 2-3 years or less</a:t>
+              <a:t>Managers don’t have time for employees who need to be given a detailed description of what to do</a:t>
             </a:r>
           </a:p>
           <a:p>
             <a:pPr lvl="1"/>
             <a:r>
               <a:rPr lang="en-US" dirty="0"/>
-              <a:t>software engineers (including interns) will need to be able to use tools like Copilot (or similar) to be more </a:t>
-            </a:r>
-            <a:r>
-              <a:rPr lang="en-US" u="sng" dirty="0"/>
-              <a:t>productive</a:t>
-            </a:r>
-            <a:r>
-              <a:rPr lang="en-US" dirty="0"/>
-              <a:t> (produce more value per salary dollar)</a:t>
+              <a:t>figure it out</a:t>
+            </a:r>
+          </a:p>
+          <a:p>
+            <a:pPr lvl="1"/>
+            <a:r>
+              <a:rPr lang="en-US" dirty="0"/>
+              <a:t>do something reasonable</a:t>
+            </a:r>
+          </a:p>
+          <a:p>
+            <a:pPr lvl="1"/>
+            <a:r>
+              <a:rPr lang="en-US" dirty="0"/>
+              <a:t>ask only very well developed questions</a:t>
             </a:r>
           </a:p>
           <a:p>
             <a:pPr lvl="2"/>
             <a:r>
               <a:rPr lang="en-US" dirty="0"/>
-              <a:t>produce/revise code faster</a:t>
-            </a:r>
-          </a:p>
-          <a:p>
-            <a:pPr lvl="2"/>
-            <a:r>
-              <a:rPr lang="en-US" dirty="0"/>
-              <a:t>produce better code</a:t>
-            </a:r>
-          </a:p>
-          <a:p>
-            <a:pPr lvl="2"/>
-            <a:r>
-              <a:rPr lang="en-US" dirty="0"/>
-              <a:t>…</a:t>
+              <a:t>“It seems like there’s two different things we could do, one would look like this,</a:t>
+            </a:r>
+            <a:br>
+              <a:rPr lang="en-US" dirty="0"/>
+            </a:br>
+            <a:r>
+              <a:rPr lang="en-US" dirty="0"/>
+              <a:t>the other would look like this…” (The examples step of the recipe!)</a:t>
+            </a:r>
+          </a:p>
+          <a:p>
+            <a:endParaRPr lang="en-US" dirty="0"/>
+          </a:p>
+          <a:p>
+            <a:r>
+              <a:rPr lang="en-US" dirty="0"/>
+              <a:t>It’s easy to be fun to be around when you know what you are doing</a:t>
             </a:r>
           </a:p>
           <a:p>
             <a:pPr lvl="1"/>
             <a:r>
               <a:rPr lang="en-US" dirty="0"/>
-              <a:t>One part of that will be quickly evaluating code an AI tool proposes</a:t>
+              <a:t>teams want people who are fun to be around when they don’t know what they are doing</a:t>
             </a:r>
           </a:p>
           <a:p>
             <a:pPr lvl="1"/>
             <a:r>
               <a:rPr lang="en-US" dirty="0"/>
-              <a:t>One part of that will be having a dialog with an AI tool about code you have written</a:t>
-            </a:r>
-          </a:p>
-          <a:p>
-            <a:r>
-              <a:rPr lang="en-US" dirty="0"/>
-              <a:t>We have tried to given you a foundation for that</a:t>
-            </a:r>
-          </a:p>
-          <a:p>
-            <a:pPr lvl="1"/>
-            <a:r>
-              <a:rPr lang="en-US" dirty="0"/>
-              <a:t>by focusing on design level constructs that exist across all languages and tools</a:t>
+              <a:t>interview processes are in part trying to uncover that, they want to push you into uncomfortable territory to see how you handle that – they aren’t trying to intimidate or be macho (many of them aren’t anyways)</a:t>
+            </a:r>
+          </a:p>
+        </p:txBody>
+      </p:sp>
+      <p:sp>
+        <p:nvSpPr>
+          <p:cNvPr id="5" name="TextBox 4">
+            <a:extLst>
+              <a:ext uri="{FF2B5EF4-FFF2-40B4-BE49-F238E27FC236}">
+                <a16:creationId xmlns:a16="http://schemas.microsoft.com/office/drawing/2014/main" id="{C936CEB3-555D-613B-3792-AEA2636E7C07}"/>
+              </a:ext>
+            </a:extLst>
+          </p:cNvPr>
+          <p:cNvSpPr txBox="1"/>
+          <p:nvPr/>
+        </p:nvSpPr>
+        <p:spPr>
+          <a:xfrm>
+            <a:off x="4826285" y="230188"/>
+            <a:ext cx="6979578" cy="954107"/>
+          </a:xfrm>
+          <a:prstGeom prst="rect">
+            <a:avLst/>
+          </a:prstGeom>
+          <a:noFill/>
+        </p:spPr>
+        <p:txBody>
+          <a:bodyPr wrap="square">
+            <a:spAutoFit/>
+          </a:bodyPr>
+          <a:lstStyle/>
+          <a:p>
+            <a:r>
+              <a:rPr lang="en-US" sz="2800" i="1" dirty="0"/>
+              <a:t>“We are what we repeatedly do.</a:t>
+            </a:r>
+            <a:br>
+              <a:rPr lang="en-US" sz="2800" i="1" dirty="0"/>
+            </a:br>
+            <a:r>
+              <a:rPr lang="en-US" sz="2800" i="1" dirty="0"/>
+              <a:t>Excellence, then, is not an act, but a habit.”</a:t>
             </a:r>
           </a:p>
         </p:txBody>
@@ -5754,7 +5950,7 @@
     </p:spTree>
     <p:extLst>
       <p:ext uri="{BB962C8B-B14F-4D97-AF65-F5344CB8AC3E}">
-        <p14:creationId xmlns:p14="http://schemas.microsoft.com/office/powerpoint/2010/main" val="1899560148"/>
+        <p14:creationId xmlns:p14="http://schemas.microsoft.com/office/powerpoint/2010/main" val="2549518288"/>
       </p:ext>
     </p:extLst>
   </p:cSld>
@@ -5783,7 +5979,13 @@
       </p:grpSpPr>
       <p:sp>
         <p:nvSpPr>
-          <p:cNvPr id="2" name="Title 1"/>
+          <p:cNvPr id="2" name="Title 1">
+            <a:extLst>
+              <a:ext uri="{FF2B5EF4-FFF2-40B4-BE49-F238E27FC236}">
+                <a16:creationId xmlns:a16="http://schemas.microsoft.com/office/drawing/2014/main" id="{024C97C4-0C09-B6D4-7A37-41DFBC6D4691}"/>
+              </a:ext>
+            </a:extLst>
+          </p:cNvPr>
           <p:cNvSpPr>
             <a:spLocks noGrp="1"/>
           </p:cNvSpPr>
@@ -5798,14 +6000,20 @@
           <a:p>
             <a:r>
               <a:rPr lang="en-US" dirty="0"/>
-              <a:t>Final review</a:t>
-            </a:r>
-          </a:p>
-        </p:txBody>
-      </p:sp>
-      <p:sp>
-        <p:nvSpPr>
-          <p:cNvPr id="3" name="Content Placeholder 2"/>
+              <a:t>What About Generative AI?</a:t>
+            </a:r>
+          </a:p>
+        </p:txBody>
+      </p:sp>
+      <p:sp>
+        <p:nvSpPr>
+          <p:cNvPr id="3" name="Content Placeholder 2">
+            <a:extLst>
+              <a:ext uri="{FF2B5EF4-FFF2-40B4-BE49-F238E27FC236}">
+                <a16:creationId xmlns:a16="http://schemas.microsoft.com/office/drawing/2014/main" id="{FA19CDD8-6D31-8ACA-AB4E-08B4DDDE49BA}"/>
+              </a:ext>
+            </a:extLst>
+          </p:cNvPr>
           <p:cNvSpPr>
             <a:spLocks noGrp="1"/>
           </p:cNvSpPr>
@@ -5813,89 +6021,104 @@
             <p:ph idx="1"/>
           </p:nvPr>
         </p:nvSpPr>
-        <p:spPr/>
+        <p:spPr>
+          <a:xfrm>
+            <a:off x="838199" y="1825625"/>
+            <a:ext cx="11254483" cy="4351338"/>
+          </a:xfrm>
+        </p:spPr>
         <p:txBody>
           <a:bodyPr>
-            <a:normAutofit fontScale="85000" lnSpcReduction="20000"/>
+            <a:normAutofit fontScale="92500" lnSpcReduction="10000"/>
           </a:bodyPr>
           <a:lstStyle/>
           <a:p>
             <a:r>
               <a:rPr lang="en-US" dirty="0"/>
-              <a:t>Monitor Piazza forum closely – ask well setup questions</a:t>
-            </a:r>
-          </a:p>
-          <a:p>
-            <a:r>
-              <a:rPr lang="en-US" dirty="0"/>
-              <a:t>Work through problems (as opposed to reviewing solutions)</a:t>
-            </a:r>
-          </a:p>
-          <a:p>
-            <a:r>
-              <a:rPr lang="en-US" dirty="0"/>
-              <a:t>Focus on WHY you type the code you do</a:t>
+              <a:t>All kinds of work is about to change – maybe a lot</a:t>
+            </a:r>
+          </a:p>
+          <a:p>
+            <a:r>
+              <a:rPr lang="en-US" dirty="0"/>
+              <a:t>Long term isn’t clear (issues go way beyond technology)</a:t>
+            </a:r>
+          </a:p>
+          <a:p>
+            <a:r>
+              <a:rPr lang="en-US" dirty="0"/>
+              <a:t>It does seem clear that in 2-3 years or less</a:t>
             </a:r>
           </a:p>
           <a:p>
             <a:pPr lvl="1"/>
             <a:r>
               <a:rPr lang="en-US" dirty="0"/>
-              <a:t>What rule? What observation? What idea?</a:t>
+              <a:t>software engineers (including interns) will need to be able to use tools like Copilot (or similar) to be more </a:t>
+            </a:r>
+            <a:r>
+              <a:rPr lang="en-US" u="sng" dirty="0"/>
+              <a:t>productive</a:t>
+            </a:r>
+            <a:r>
+              <a:rPr lang="en-US" dirty="0"/>
+              <a:t> (produce more value per salary dollar)</a:t>
+            </a:r>
+          </a:p>
+          <a:p>
+            <a:pPr lvl="2"/>
+            <a:r>
+              <a:rPr lang="en-US" dirty="0"/>
+              <a:t>produce/revise code faster</a:t>
+            </a:r>
+          </a:p>
+          <a:p>
+            <a:pPr lvl="2"/>
+            <a:r>
+              <a:rPr lang="en-US" dirty="0"/>
+              <a:t>produce better code</a:t>
+            </a:r>
+          </a:p>
+          <a:p>
+            <a:pPr lvl="2"/>
+            <a:r>
+              <a:rPr lang="en-US" dirty="0"/>
+              <a:t>…</a:t>
             </a:r>
           </a:p>
           <a:p>
             <a:pPr lvl="1"/>
-            <a:endParaRPr lang="en-US" dirty="0"/>
-          </a:p>
-          <a:p>
-            <a:r>
-              <a:rPr lang="en-US" dirty="0"/>
-              <a:t>Work through them online</a:t>
-            </a:r>
-          </a:p>
-          <a:p>
-            <a:r>
-              <a:rPr lang="en-US" dirty="0"/>
-              <a:t>Practice getting RUNNING solutions</a:t>
-            </a:r>
-          </a:p>
-          <a:p>
-            <a:r>
-              <a:rPr lang="en-US" dirty="0"/>
-              <a:t>Work through being stuck, don’t just look at the solution</a:t>
-            </a:r>
-          </a:p>
-          <a:p>
-            <a:r>
-              <a:rPr lang="en-US" dirty="0"/>
-              <a:t>Work in office hours (hints are better than looking at solutions)</a:t>
-            </a:r>
-          </a:p>
-          <a:p>
-            <a:r>
-              <a:rPr lang="en-US" dirty="0"/>
-              <a:t>Work in 2.5 hour chunks w/o interruption</a:t>
-            </a:r>
-          </a:p>
-          <a:p>
-            <a:endParaRPr lang="en-US" dirty="0"/>
-          </a:p>
-          <a:p>
-            <a:r>
-              <a:rPr lang="en-US" dirty="0"/>
-              <a:t>Several hours every day beats 24 hours the day before the exam</a:t>
-            </a:r>
-          </a:p>
-          <a:p>
-            <a:endParaRPr lang="en-US" dirty="0"/>
+            <a:r>
+              <a:rPr lang="en-US" dirty="0"/>
+              <a:t>One part of that will be quickly evaluating code an AI tool proposes</a:t>
+            </a:r>
+          </a:p>
+          <a:p>
+            <a:pPr lvl="1"/>
+            <a:r>
+              <a:rPr lang="en-US" dirty="0"/>
+              <a:t>One part of that will be having a dialog with an AI tool about code you have written</a:t>
+            </a:r>
+          </a:p>
+          <a:p>
+            <a:r>
+              <a:rPr lang="en-US" dirty="0"/>
+              <a:t>We have tried to given you a foundation for that</a:t>
+            </a:r>
+          </a:p>
+          <a:p>
+            <a:pPr lvl="1"/>
+            <a:r>
+              <a:rPr lang="en-US" dirty="0"/>
+              <a:t>by focusing on design level constructs that exist across all languages and tools</a:t>
+            </a:r>
           </a:p>
         </p:txBody>
       </p:sp>
     </p:spTree>
     <p:extLst>
       <p:ext uri="{BB962C8B-B14F-4D97-AF65-F5344CB8AC3E}">
-        <p14:creationId xmlns:p14="http://schemas.microsoft.com/office/powerpoint/2010/main" val="1012606840"/>
+        <p14:creationId xmlns:p14="http://schemas.microsoft.com/office/powerpoint/2010/main" val="1899560148"/>
       </p:ext>
     </p:extLst>
   </p:cSld>
@@ -5924,13 +6147,7 @@
       </p:grpSpPr>
       <p:sp>
         <p:nvSpPr>
-          <p:cNvPr id="2" name="Title 1">
-            <a:extLst>
-              <a:ext uri="{FF2B5EF4-FFF2-40B4-BE49-F238E27FC236}">
-                <a16:creationId xmlns:a16="http://schemas.microsoft.com/office/drawing/2014/main" id="{D03972D7-CAB1-3C4D-A989-78EF897D24B0}"/>
-              </a:ext>
-            </a:extLst>
-          </p:cNvPr>
+          <p:cNvPr id="2" name="Title 1"/>
           <p:cNvSpPr>
             <a:spLocks noGrp="1"/>
           </p:cNvSpPr>
@@ -5945,20 +6162,14 @@
           <a:p>
             <a:r>
               <a:rPr lang="en-US" dirty="0"/>
-              <a:t>You are now bearers of IT sorcery…</a:t>
-            </a:r>
-          </a:p>
-        </p:txBody>
-      </p:sp>
-      <p:sp>
-        <p:nvSpPr>
-          <p:cNvPr id="3" name="Content Placeholder 2">
-            <a:extLst>
-              <a:ext uri="{FF2B5EF4-FFF2-40B4-BE49-F238E27FC236}">
-                <a16:creationId xmlns:a16="http://schemas.microsoft.com/office/drawing/2014/main" id="{B5309F92-A0A2-FE49-8EB8-A978133C80E3}"/>
-              </a:ext>
-            </a:extLst>
-          </p:cNvPr>
+              <a:t>Final review</a:t>
+            </a:r>
+          </a:p>
+        </p:txBody>
+      </p:sp>
+      <p:sp>
+        <p:nvSpPr>
+          <p:cNvPr id="3" name="Content Placeholder 2"/>
           <p:cNvSpPr>
             <a:spLocks noGrp="1"/>
           </p:cNvSpPr>
@@ -5966,117 +6177,89 @@
             <p:ph idx="1"/>
           </p:nvPr>
         </p:nvSpPr>
-        <p:spPr>
-          <a:xfrm>
-            <a:off x="838199" y="1825625"/>
-            <a:ext cx="11102163" cy="4854308"/>
-          </a:xfrm>
-        </p:spPr>
+        <p:spPr/>
         <p:txBody>
           <a:bodyPr>
-            <a:normAutofit fontScale="92500"/>
+            <a:normAutofit fontScale="85000" lnSpcReduction="20000"/>
           </a:bodyPr>
           <a:lstStyle/>
           <a:p>
             <a:r>
               <a:rPr lang="en-US" dirty="0"/>
-              <a:t>Information technology is extraordinarily powerful</a:t>
+              <a:t>Monitor Piazza forum closely – ask well setup questions</a:t>
+            </a:r>
+          </a:p>
+          <a:p>
+            <a:r>
+              <a:rPr lang="en-US" dirty="0"/>
+              <a:t>Work through problems (as opposed to reviewing solutions)</a:t>
+            </a:r>
+          </a:p>
+          <a:p>
+            <a:r>
+              <a:rPr lang="en-US" dirty="0"/>
+              <a:t>Focus on WHY you type the code you do</a:t>
             </a:r>
           </a:p>
           <a:p>
             <a:pPr lvl="1"/>
             <a:r>
               <a:rPr lang="en-US" dirty="0"/>
-              <a:t>DeepMind protein folding</a:t>
+              <a:t>What rule? What observation? What idea?</a:t>
             </a:r>
           </a:p>
           <a:p>
             <a:pPr lvl="1"/>
-            <a:r>
-              <a:rPr lang="en-US" dirty="0"/>
-              <a:t>Self driving cars</a:t>
-            </a:r>
-          </a:p>
-          <a:p>
-            <a:pPr lvl="1"/>
-            <a:r>
-              <a:rPr lang="en-US" dirty="0"/>
-              <a:t>…</a:t>
-            </a:r>
-          </a:p>
-          <a:p>
-            <a:pPr lvl="1"/>
-            <a:r>
-              <a:rPr lang="en-US" dirty="0"/>
-              <a:t>UBC SSC</a:t>
-            </a:r>
-          </a:p>
-          <a:p>
-            <a:r>
-              <a:rPr lang="en-US" dirty="0"/>
-              <a:t>Try to do good things with that power</a:t>
-            </a:r>
-          </a:p>
-          <a:p>
-            <a:pPr lvl="1"/>
-            <a:r>
-              <a:rPr lang="en-US" dirty="0"/>
-              <a:t>not everyone can work </a:t>
-            </a:r>
-            <a:r>
-              <a:rPr lang="en-US"/>
-              <a:t>on cancer</a:t>
-            </a:r>
             <a:endParaRPr lang="en-US" dirty="0"/>
           </a:p>
           <a:p>
-            <a:pPr lvl="1"/>
-            <a:r>
-              <a:rPr lang="en-US" dirty="0"/>
-              <a:t>not everyone can go to cool hot company (former students are at all of them)</a:t>
-            </a:r>
-          </a:p>
-          <a:p>
-            <a:pPr lvl="1"/>
-            <a:r>
-              <a:rPr lang="en-US" dirty="0"/>
-              <a:t>we also need payroll systems, and traffic automation, and 10k+ other important systems</a:t>
-            </a:r>
-          </a:p>
-          <a:p>
-            <a:pPr lvl="1"/>
-            <a:r>
-              <a:rPr lang="en-US" dirty="0"/>
-              <a:t>but some things are less good…, some questions to ask</a:t>
-            </a:r>
-          </a:p>
-          <a:p>
-            <a:pPr lvl="2"/>
-            <a:r>
-              <a:rPr lang="en-US" dirty="0"/>
-              <a:t>where does the wealth go? where does it come from?</a:t>
-            </a:r>
-          </a:p>
-          <a:p>
-            <a:pPr lvl="2"/>
-            <a:r>
-              <a:rPr lang="en-US" dirty="0"/>
-              <a:t>who has the power over the information?</a:t>
-            </a:r>
-          </a:p>
-          <a:p>
-            <a:pPr lvl="2"/>
-            <a:r>
-              <a:rPr lang="en-US" dirty="0"/>
-              <a:t>who has agency in how the system works?</a:t>
-            </a:r>
+            <a:r>
+              <a:rPr lang="en-US" dirty="0"/>
+              <a:t>Work through them online</a:t>
+            </a:r>
+          </a:p>
+          <a:p>
+            <a:r>
+              <a:rPr lang="en-US" dirty="0"/>
+              <a:t>Practice getting RUNNING solutions</a:t>
+            </a:r>
+          </a:p>
+          <a:p>
+            <a:r>
+              <a:rPr lang="en-US" dirty="0"/>
+              <a:t>Work through being stuck, don’t just look at the solution</a:t>
+            </a:r>
+          </a:p>
+          <a:p>
+            <a:r>
+              <a:rPr lang="en-US" dirty="0"/>
+              <a:t>Work in office hours (hints are better than looking at solutions)</a:t>
+            </a:r>
+          </a:p>
+          <a:p>
+            <a:r>
+              <a:rPr lang="en-US" dirty="0"/>
+              <a:t>Work in 2.5 hour chunks w/o interruption</a:t>
+            </a:r>
+          </a:p>
+          <a:p>
+            <a:endParaRPr lang="en-US" dirty="0"/>
+          </a:p>
+          <a:p>
+            <a:r>
+              <a:rPr lang="en-US" dirty="0"/>
+              <a:t>Several hours every day beats 24 hours the day before the exam</a:t>
+            </a:r>
+          </a:p>
+          <a:p>
+            <a:endParaRPr lang="en-US" dirty="0"/>
           </a:p>
         </p:txBody>
       </p:sp>
     </p:spTree>
     <p:extLst>
       <p:ext uri="{BB962C8B-B14F-4D97-AF65-F5344CB8AC3E}">
-        <p14:creationId xmlns:p14="http://schemas.microsoft.com/office/powerpoint/2010/main" val="35273196"/>
+        <p14:creationId xmlns:p14="http://schemas.microsoft.com/office/powerpoint/2010/main" val="1012606840"/>
       </p:ext>
     </p:extLst>
   </p:cSld>
@@ -6105,6 +6288,284 @@
       </p:grpSpPr>
       <p:sp>
         <p:nvSpPr>
+          <p:cNvPr id="2" name="Title 1">
+            <a:extLst>
+              <a:ext uri="{FF2B5EF4-FFF2-40B4-BE49-F238E27FC236}">
+                <a16:creationId xmlns:a16="http://schemas.microsoft.com/office/drawing/2014/main" id="{D03972D7-CAB1-3C4D-A989-78EF897D24B0}"/>
+              </a:ext>
+            </a:extLst>
+          </p:cNvPr>
+          <p:cNvSpPr>
+            <a:spLocks noGrp="1"/>
+          </p:cNvSpPr>
+          <p:nvPr>
+            <p:ph type="title"/>
+          </p:nvPr>
+        </p:nvSpPr>
+        <p:spPr/>
+        <p:txBody>
+          <a:bodyPr/>
+          <a:lstStyle/>
+          <a:p>
+            <a:r>
+              <a:rPr lang="en-US" dirty="0"/>
+              <a:t>You are now bearers of IT sorcery…</a:t>
+            </a:r>
+          </a:p>
+        </p:txBody>
+      </p:sp>
+      <p:sp>
+        <p:nvSpPr>
+          <p:cNvPr id="3" name="Content Placeholder 2">
+            <a:extLst>
+              <a:ext uri="{FF2B5EF4-FFF2-40B4-BE49-F238E27FC236}">
+                <a16:creationId xmlns:a16="http://schemas.microsoft.com/office/drawing/2014/main" id="{B5309F92-A0A2-FE49-8EB8-A978133C80E3}"/>
+              </a:ext>
+            </a:extLst>
+          </p:cNvPr>
+          <p:cNvSpPr>
+            <a:spLocks noGrp="1"/>
+          </p:cNvSpPr>
+          <p:nvPr>
+            <p:ph idx="1"/>
+          </p:nvPr>
+        </p:nvSpPr>
+        <p:spPr>
+          <a:xfrm>
+            <a:off x="838199" y="1825625"/>
+            <a:ext cx="11102163" cy="4854308"/>
+          </a:xfrm>
+        </p:spPr>
+        <p:txBody>
+          <a:bodyPr>
+            <a:normAutofit fontScale="92500"/>
+          </a:bodyPr>
+          <a:lstStyle/>
+          <a:p>
+            <a:r>
+              <a:rPr lang="en-US" dirty="0"/>
+              <a:t>Information technology is extraordinarily powerful</a:t>
+            </a:r>
+          </a:p>
+          <a:p>
+            <a:pPr lvl="1"/>
+            <a:r>
+              <a:rPr lang="en-US" dirty="0"/>
+              <a:t>Protein folding</a:t>
+            </a:r>
+          </a:p>
+          <a:p>
+            <a:pPr lvl="1"/>
+            <a:r>
+              <a:rPr lang="en-US" dirty="0"/>
+              <a:t>Self driving cars</a:t>
+            </a:r>
+          </a:p>
+          <a:p>
+            <a:pPr lvl="1"/>
+            <a:r>
+              <a:rPr lang="en-US" dirty="0"/>
+              <a:t>…</a:t>
+            </a:r>
+          </a:p>
+          <a:p>
+            <a:pPr lvl="1"/>
+            <a:r>
+              <a:rPr lang="en-US" dirty="0"/>
+              <a:t>Workday </a:t>
+            </a:r>
+            <a:r>
+              <a:rPr lang="en-US" dirty="0">
+                <a:sym typeface="Wingdings" pitchFamily="2" charset="2"/>
+              </a:rPr>
+              <a:t></a:t>
+            </a:r>
+            <a:endParaRPr lang="en-US" dirty="0"/>
+          </a:p>
+          <a:p>
+            <a:r>
+              <a:rPr lang="en-US" dirty="0"/>
+              <a:t>Try to do good things with that power</a:t>
+            </a:r>
+          </a:p>
+          <a:p>
+            <a:pPr lvl="1"/>
+            <a:r>
+              <a:rPr lang="en-US" dirty="0"/>
+              <a:t>not everyone can work on cancer</a:t>
+            </a:r>
+          </a:p>
+          <a:p>
+            <a:pPr lvl="1"/>
+            <a:r>
+              <a:rPr lang="en-US" dirty="0"/>
+              <a:t>not everyone can go to cool hot company (former students are at all of them)</a:t>
+            </a:r>
+          </a:p>
+          <a:p>
+            <a:pPr lvl="1"/>
+            <a:r>
+              <a:rPr lang="en-US" dirty="0"/>
+              <a:t>we also need payroll systems, and traffic automation, and 10k+ other important systems</a:t>
+            </a:r>
+          </a:p>
+          <a:p>
+            <a:pPr lvl="1"/>
+            <a:r>
+              <a:rPr lang="en-US" dirty="0"/>
+              <a:t>but some things are less good…, some questions to ask</a:t>
+            </a:r>
+          </a:p>
+          <a:p>
+            <a:pPr lvl="2"/>
+            <a:r>
+              <a:rPr lang="en-US" dirty="0"/>
+              <a:t>where does the wealth go? where does it come from?</a:t>
+            </a:r>
+          </a:p>
+          <a:p>
+            <a:pPr lvl="2"/>
+            <a:r>
+              <a:rPr lang="en-US" dirty="0"/>
+              <a:t>who has control over the information?</a:t>
+            </a:r>
+          </a:p>
+          <a:p>
+            <a:pPr lvl="2"/>
+            <a:r>
+              <a:rPr lang="en-US" dirty="0"/>
+              <a:t>who has agency in how the system works?</a:t>
+            </a:r>
+          </a:p>
+        </p:txBody>
+      </p:sp>
+    </p:spTree>
+    <p:extLst>
+      <p:ext uri="{BB962C8B-B14F-4D97-AF65-F5344CB8AC3E}">
+        <p14:creationId xmlns:p14="http://schemas.microsoft.com/office/powerpoint/2010/main" val="35273196"/>
+      </p:ext>
+    </p:extLst>
+  </p:cSld>
+  <p:clrMapOvr>
+    <a:masterClrMapping/>
+  </p:clrMapOvr>
+</p:sld>
+</file>
+
+<file path=ppt/slides/slide24.xml><?xml version="1.0" encoding="utf-8"?>
+<p:sld xmlns:a="http://schemas.openxmlformats.org/drawingml/2006/main" xmlns:r="http://schemas.openxmlformats.org/officeDocument/2006/relationships" xmlns:p="http://schemas.openxmlformats.org/presentationml/2006/main">
+  <p:cSld>
+    <p:spTree>
+      <p:nvGrpSpPr>
+        <p:cNvPr id="1" name=""/>
+        <p:cNvGrpSpPr/>
+        <p:nvPr/>
+      </p:nvGrpSpPr>
+      <p:grpSpPr>
+        <a:xfrm>
+          <a:off x="0" y="0"/>
+          <a:ext cx="0" cy="0"/>
+          <a:chOff x="0" y="0"/>
+          <a:chExt cx="0" cy="0"/>
+        </a:xfrm>
+      </p:grpSpPr>
+      <p:sp>
+        <p:nvSpPr>
+          <p:cNvPr id="2" name="Title 1">
+            <a:extLst>
+              <a:ext uri="{FF2B5EF4-FFF2-40B4-BE49-F238E27FC236}">
+                <a16:creationId xmlns:a16="http://schemas.microsoft.com/office/drawing/2014/main" id="{0B06439B-E131-A005-F00A-709B6E6DF7FA}"/>
+              </a:ext>
+            </a:extLst>
+          </p:cNvPr>
+          <p:cNvSpPr>
+            <a:spLocks noGrp="1"/>
+          </p:cNvSpPr>
+          <p:nvPr>
+            <p:ph type="title"/>
+          </p:nvPr>
+        </p:nvSpPr>
+        <p:spPr/>
+        <p:txBody>
+          <a:bodyPr/>
+          <a:lstStyle/>
+          <a:p>
+            <a:r>
+              <a:rPr lang="en-US" dirty="0"/>
+              <a:t>Remember</a:t>
+            </a:r>
+          </a:p>
+        </p:txBody>
+      </p:sp>
+      <p:sp>
+        <p:nvSpPr>
+          <p:cNvPr id="3" name="Content Placeholder 2">
+            <a:extLst>
+              <a:ext uri="{FF2B5EF4-FFF2-40B4-BE49-F238E27FC236}">
+                <a16:creationId xmlns:a16="http://schemas.microsoft.com/office/drawing/2014/main" id="{9C3844D1-BE28-11A7-5FB8-E7F005ACF670}"/>
+              </a:ext>
+            </a:extLst>
+          </p:cNvPr>
+          <p:cNvSpPr>
+            <a:spLocks noGrp="1"/>
+          </p:cNvSpPr>
+          <p:nvPr>
+            <p:ph idx="1"/>
+          </p:nvPr>
+        </p:nvSpPr>
+        <p:spPr/>
+        <p:txBody>
+          <a:bodyPr/>
+          <a:lstStyle/>
+          <a:p>
+            <a:pPr marL="0" indent="0">
+              <a:buNone/>
+            </a:pPr>
+            <a:endParaRPr lang="en-US" dirty="0"/>
+          </a:p>
+          <a:p>
+            <a:pPr marL="0" indent="0">
+              <a:buNone/>
+            </a:pPr>
+            <a:r>
+              <a:rPr lang="en-US" dirty="0"/>
+              <a:t>“Wheel to the storm and fly”</a:t>
+            </a:r>
+          </a:p>
+        </p:txBody>
+      </p:sp>
+    </p:spTree>
+    <p:extLst>
+      <p:ext uri="{BB962C8B-B14F-4D97-AF65-F5344CB8AC3E}">
+        <p14:creationId xmlns:p14="http://schemas.microsoft.com/office/powerpoint/2010/main" val="1158070717"/>
+      </p:ext>
+    </p:extLst>
+  </p:cSld>
+  <p:clrMapOvr>
+    <a:masterClrMapping/>
+  </p:clrMapOvr>
+</p:sld>
+</file>
+
+<file path=ppt/slides/slide25.xml><?xml version="1.0" encoding="utf-8"?>
+<p:sld xmlns:a="http://schemas.openxmlformats.org/drawingml/2006/main" xmlns:r="http://schemas.openxmlformats.org/officeDocument/2006/relationships" xmlns:p="http://schemas.openxmlformats.org/presentationml/2006/main">
+  <p:cSld>
+    <p:spTree>
+      <p:nvGrpSpPr>
+        <p:cNvPr id="1" name=""/>
+        <p:cNvGrpSpPr/>
+        <p:nvPr/>
+      </p:nvGrpSpPr>
+      <p:grpSpPr>
+        <a:xfrm>
+          <a:off x="0" y="0"/>
+          <a:ext cx="0" cy="0"/>
+          <a:chOff x="0" y="0"/>
+          <a:chExt cx="0" cy="0"/>
+        </a:xfrm>
+      </p:grpSpPr>
+      <p:sp>
+        <p:nvSpPr>
           <p:cNvPr id="2" name="Title 1"/>
           <p:cNvSpPr>
             <a:spLocks noGrp="1"/>
@@ -6262,6 +6723,187 @@
 </file>
 
 <file path=ppt/slides/slide3.xml><?xml version="1.0" encoding="utf-8"?>
+<p:sld xmlns:a="http://schemas.openxmlformats.org/drawingml/2006/main" xmlns:r="http://schemas.openxmlformats.org/officeDocument/2006/relationships" xmlns:p="http://schemas.openxmlformats.org/presentationml/2006/main">
+  <p:cSld>
+    <p:spTree>
+      <p:nvGrpSpPr>
+        <p:cNvPr id="1" name=""/>
+        <p:cNvGrpSpPr/>
+        <p:nvPr/>
+      </p:nvGrpSpPr>
+      <p:grpSpPr>
+        <a:xfrm>
+          <a:off x="0" y="0"/>
+          <a:ext cx="0" cy="0"/>
+          <a:chOff x="0" y="0"/>
+          <a:chExt cx="0" cy="0"/>
+        </a:xfrm>
+      </p:grpSpPr>
+      <p:sp>
+        <p:nvSpPr>
+          <p:cNvPr id="2" name="Title 1"/>
+          <p:cNvSpPr>
+            <a:spLocks noGrp="1"/>
+          </p:cNvSpPr>
+          <p:nvPr>
+            <p:ph type="title"/>
+          </p:nvPr>
+        </p:nvSpPr>
+        <p:spPr/>
+        <p:txBody>
+          <a:bodyPr>
+            <a:normAutofit/>
+          </a:bodyPr>
+          <a:lstStyle/>
+          <a:p>
+            <a:pPr>
+              <a:lnSpc>
+                <a:spcPct val="150000"/>
+              </a:lnSpc>
+            </a:pPr>
+            <a:r>
+              <a:rPr lang="en-US" dirty="0"/>
+              <a:t>Plan for rest of today</a:t>
+            </a:r>
+          </a:p>
+        </p:txBody>
+      </p:sp>
+      <p:sp>
+        <p:nvSpPr>
+          <p:cNvPr id="8" name="Content Placeholder 7">
+            <a:extLst>
+              <a:ext uri="{FF2B5EF4-FFF2-40B4-BE49-F238E27FC236}">
+                <a16:creationId xmlns:a16="http://schemas.microsoft.com/office/drawing/2014/main" id="{DE8A77DE-1B86-0D4B-9485-4E45BC312FF9}"/>
+              </a:ext>
+            </a:extLst>
+          </p:cNvPr>
+          <p:cNvSpPr>
+            <a:spLocks noGrp="1"/>
+          </p:cNvSpPr>
+          <p:nvPr>
+            <p:ph idx="1"/>
+          </p:nvPr>
+        </p:nvSpPr>
+        <p:spPr/>
+        <p:txBody>
+          <a:bodyPr/>
+          <a:lstStyle/>
+          <a:p>
+            <a:r>
+              <a:rPr lang="en-US" dirty="0"/>
+              <a:t>How do you feel about final?</a:t>
+            </a:r>
+          </a:p>
+          <a:p>
+            <a:r>
+              <a:rPr lang="en-US" dirty="0"/>
+              <a:t>What have you learned?</a:t>
+            </a:r>
+          </a:p>
+          <a:p>
+            <a:r>
+              <a:rPr lang="en-US" dirty="0"/>
+              <a:t>What about other languages?</a:t>
+            </a:r>
+          </a:p>
+          <a:p>
+            <a:r>
+              <a:rPr lang="en-US" dirty="0"/>
+              <a:t>What’s next?</a:t>
+            </a:r>
+          </a:p>
+          <a:p>
+            <a:r>
+              <a:rPr lang="en-US" dirty="0"/>
+              <a:t>A few thoughts on generative AI</a:t>
+            </a:r>
+          </a:p>
+          <a:p>
+            <a:r>
+              <a:rPr lang="en-US" dirty="0"/>
+              <a:t>Student Survey</a:t>
+            </a:r>
+          </a:p>
+        </p:txBody>
+      </p:sp>
+      <p:sp>
+        <p:nvSpPr>
+          <p:cNvPr id="3" name="TextBox 2">
+            <a:extLst>
+              <a:ext uri="{FF2B5EF4-FFF2-40B4-BE49-F238E27FC236}">
+                <a16:creationId xmlns:a16="http://schemas.microsoft.com/office/drawing/2014/main" id="{C3EEC4B3-2616-AEB3-48D8-3CF97E400DDC}"/>
+              </a:ext>
+            </a:extLst>
+          </p:cNvPr>
+          <p:cNvSpPr txBox="1"/>
+          <p:nvPr/>
+        </p:nvSpPr>
+        <p:spPr>
+          <a:xfrm>
+            <a:off x="7941923" y="421241"/>
+            <a:ext cx="3883631" cy="1323439"/>
+          </a:xfrm>
+          <a:prstGeom prst="rect">
+            <a:avLst/>
+          </a:prstGeom>
+          <a:noFill/>
+        </p:spPr>
+        <p:txBody>
+          <a:bodyPr wrap="square" rtlCol="0">
+            <a:spAutoFit/>
+          </a:bodyPr>
+          <a:lstStyle/>
+          <a:p>
+            <a:r>
+              <a:rPr lang="en-US" sz="2000" dirty="0">
+                <a:solidFill>
+                  <a:srgbClr val="FF0000"/>
+                </a:solidFill>
+              </a:rPr>
+              <a:t>There will be clickers!</a:t>
+            </a:r>
+          </a:p>
+          <a:p>
+            <a:r>
+              <a:rPr lang="en-US" sz="2000" dirty="0">
+                <a:solidFill>
+                  <a:srgbClr val="FF0000"/>
+                </a:solidFill>
+              </a:rPr>
+              <a:t>All answers will be correct, but not answering will not be correct.</a:t>
+            </a:r>
+            <a:br>
+              <a:rPr lang="en-US" sz="2000" dirty="0">
+                <a:solidFill>
+                  <a:srgbClr val="FF0000"/>
+                </a:solidFill>
+              </a:rPr>
+            </a:br>
+            <a:r>
+              <a:rPr lang="en-US" sz="2000" dirty="0">
+                <a:solidFill>
+                  <a:srgbClr val="FF0000"/>
+                </a:solidFill>
+              </a:rPr>
+              <a:t>Leave your devices open.</a:t>
+            </a:r>
+          </a:p>
+        </p:txBody>
+      </p:sp>
+    </p:spTree>
+    <p:extLst>
+      <p:ext uri="{BB962C8B-B14F-4D97-AF65-F5344CB8AC3E}">
+        <p14:creationId xmlns:p14="http://schemas.microsoft.com/office/powerpoint/2010/main" val="2630507906"/>
+      </p:ext>
+    </p:extLst>
+  </p:cSld>
+  <p:clrMapOvr>
+    <a:masterClrMapping/>
+  </p:clrMapOvr>
+</p:sld>
+</file>
+
+<file path=ppt/slides/slide4.xml><?xml version="1.0" encoding="utf-8"?>
 <p:sld xmlns:a="http://schemas.openxmlformats.org/drawingml/2006/main" xmlns:r="http://schemas.openxmlformats.org/officeDocument/2006/relationships" xmlns:p="http://schemas.openxmlformats.org/presentationml/2006/main">
   <p:cSld>
     <p:spTree>
@@ -6321,7 +6963,7 @@
 </p:sld>
 </file>
 
-<file path=ppt/slides/slide4.xml><?xml version="1.0" encoding="utf-8"?>
+<file path=ppt/slides/slide5.xml><?xml version="1.0" encoding="utf-8"?>
 <p:sld xmlns:a="http://schemas.openxmlformats.org/drawingml/2006/main" xmlns:r="http://schemas.openxmlformats.org/officeDocument/2006/relationships" xmlns:p="http://schemas.openxmlformats.org/presentationml/2006/main">
   <p:cSld>
     <p:spTree>
@@ -6381,7 +7023,7 @@
 </p:sld>
 </file>
 
-<file path=ppt/slides/slide5.xml><?xml version="1.0" encoding="utf-8"?>
+<file path=ppt/slides/slide6.xml><?xml version="1.0" encoding="utf-8"?>
 <p:sld xmlns:a="http://schemas.openxmlformats.org/drawingml/2006/main" xmlns:r="http://schemas.openxmlformats.org/officeDocument/2006/relationships" xmlns:p="http://schemas.openxmlformats.org/presentationml/2006/main">
   <p:cSld>
     <p:spTree>
@@ -6441,92 +7083,6 @@
 </p:sld>
 </file>
 
-<file path=ppt/slides/slide6.xml><?xml version="1.0" encoding="utf-8"?>
-<p:sld xmlns:a="http://schemas.openxmlformats.org/drawingml/2006/main" xmlns:r="http://schemas.openxmlformats.org/officeDocument/2006/relationships" xmlns:p="http://schemas.openxmlformats.org/presentationml/2006/main">
-  <p:cSld>
-    <p:spTree>
-      <p:nvGrpSpPr>
-        <p:cNvPr id="1" name=""/>
-        <p:cNvGrpSpPr/>
-        <p:nvPr/>
-      </p:nvGrpSpPr>
-      <p:grpSpPr>
-        <a:xfrm>
-          <a:off x="0" y="0"/>
-          <a:ext cx="0" cy="0"/>
-          <a:chOff x="0" y="0"/>
-          <a:chExt cx="0" cy="0"/>
-        </a:xfrm>
-      </p:grpSpPr>
-      <p:sp>
-        <p:nvSpPr>
-          <p:cNvPr id="2" name="Title 1"/>
-          <p:cNvSpPr>
-            <a:spLocks noGrp="1"/>
-          </p:cNvSpPr>
-          <p:nvPr>
-            <p:ph type="title"/>
-          </p:nvPr>
-        </p:nvSpPr>
-        <p:spPr>
-          <a:xfrm>
-            <a:off x="838199" y="365125"/>
-            <a:ext cx="11060431" cy="6000951"/>
-          </a:xfrm>
-        </p:spPr>
-        <p:txBody>
-          <a:bodyPr>
-            <a:normAutofit/>
-          </a:bodyPr>
-          <a:lstStyle/>
-          <a:p>
-            <a:pPr>
-              <a:lnSpc>
-                <a:spcPct val="150000"/>
-              </a:lnSpc>
-            </a:pPr>
-            <a:r>
-              <a:rPr lang="en-CA" dirty="0"/>
-              <a:t>Lots of office hours will be posted.</a:t>
-            </a:r>
-            <a:br>
-              <a:rPr lang="en-CA" dirty="0"/>
-            </a:br>
-            <a:r>
-              <a:rPr lang="en-CA" dirty="0"/>
-              <a:t>Instructor hours will be posted shortly.</a:t>
-            </a:r>
-            <a:br>
-              <a:rPr lang="en-CA" dirty="0"/>
-            </a:br>
-            <a:r>
-              <a:rPr lang="en-CA" dirty="0"/>
-              <a:t>There are comments about the final in this lecture, but no “hidden hints”. </a:t>
-            </a:r>
-            <a:br>
-              <a:rPr lang="en-CA" dirty="0"/>
-            </a:br>
-            <a:r>
-              <a:rPr lang="en-CA" dirty="0"/>
-              <a:t>The final covers the whole course.</a:t>
-            </a:r>
-            <a:endParaRPr lang="en-US" dirty="0"/>
-          </a:p>
-        </p:txBody>
-      </p:sp>
-    </p:spTree>
-    <p:extLst>
-      <p:ext uri="{BB962C8B-B14F-4D97-AF65-F5344CB8AC3E}">
-        <p14:creationId xmlns:p14="http://schemas.microsoft.com/office/powerpoint/2010/main" val="922466944"/>
-      </p:ext>
-    </p:extLst>
-  </p:cSld>
-  <p:clrMapOvr>
-    <a:masterClrMapping/>
-  </p:clrMapOvr>
-</p:sld>
-</file>
-
 <file path=ppt/slides/slide7.xml><?xml version="1.0" encoding="utf-8"?>
 <p:sld xmlns:a="http://schemas.openxmlformats.org/drawingml/2006/main" xmlns:r="http://schemas.openxmlformats.org/officeDocument/2006/relationships" xmlns:p="http://schemas.openxmlformats.org/presentationml/2006/main">
   <p:cSld>
@@ -6546,13 +7102,7 @@
       </p:grpSpPr>
       <p:sp>
         <p:nvSpPr>
-          <p:cNvPr id="2" name="Title 1">
-            <a:extLst>
-              <a:ext uri="{FF2B5EF4-FFF2-40B4-BE49-F238E27FC236}">
-                <a16:creationId xmlns:a16="http://schemas.microsoft.com/office/drawing/2014/main" id="{628B3CBF-7A18-F54F-92E2-B975D203BF2F}"/>
-              </a:ext>
-            </a:extLst>
-          </p:cNvPr>
+          <p:cNvPr id="2" name="Title 1"/>
           <p:cNvSpPr>
             <a:spLocks noGrp="1"/>
           </p:cNvSpPr>
@@ -6560,92 +7110,56 @@
             <p:ph type="title"/>
           </p:nvPr>
         </p:nvSpPr>
-        <p:spPr/>
-        <p:txBody>
-          <a:bodyPr/>
-          <a:lstStyle/>
-          <a:p>
-            <a:r>
-              <a:rPr lang="en-US" dirty="0"/>
-              <a:t>What have you learned ... about design?</a:t>
-            </a:r>
-          </a:p>
-        </p:txBody>
-      </p:sp>
-      <p:sp>
-        <p:nvSpPr>
-          <p:cNvPr id="3" name="Content Placeholder 2">
-            <a:extLst>
-              <a:ext uri="{FF2B5EF4-FFF2-40B4-BE49-F238E27FC236}">
-                <a16:creationId xmlns:a16="http://schemas.microsoft.com/office/drawing/2014/main" id="{22ACEF78-0A45-E74E-9B25-4DB16636EE7C}"/>
-              </a:ext>
-            </a:extLst>
-          </p:cNvPr>
-          <p:cNvSpPr>
-            <a:spLocks noGrp="1"/>
-          </p:cNvSpPr>
-          <p:nvPr>
-            <p:ph idx="1"/>
-          </p:nvPr>
-        </p:nvSpPr>
-        <p:spPr/>
-        <p:txBody>
-          <a:bodyPr/>
-          <a:lstStyle/>
-          <a:p>
-            <a:r>
-              <a:rPr lang="en-US" sz="3600" dirty="0"/>
-              <a:t>Figuring out what you actually want is half the battle</a:t>
-            </a:r>
-          </a:p>
-          <a:p>
+        <p:spPr>
+          <a:xfrm>
+            <a:off x="838199" y="365125"/>
+            <a:ext cx="11060431" cy="6000951"/>
+          </a:xfrm>
+        </p:spPr>
+        <p:txBody>
+          <a:bodyPr>
+            <a:normAutofit/>
+          </a:bodyPr>
+          <a:lstStyle/>
+          <a:p>
+            <a:pPr>
+              <a:lnSpc>
+                <a:spcPct val="150000"/>
+              </a:lnSpc>
+            </a:pPr>
+            <a:r>
+              <a:rPr lang="en-CA" dirty="0"/>
+              <a:t>Lots of office hours will be posted.</a:t>
+            </a:r>
+            <a:br>
+              <a:rPr lang="en-CA" dirty="0"/>
+            </a:br>
+            <a:r>
+              <a:rPr lang="en-CA" dirty="0"/>
+              <a:t>Instructor hours will be posted shortly.</a:t>
+            </a:r>
+            <a:br>
+              <a:rPr lang="en-CA" dirty="0"/>
+            </a:br>
+            <a:r>
+              <a:rPr lang="en-CA" dirty="0"/>
+              <a:t>There are comments about the final in this lecture, but no “hidden hints”. </a:t>
+            </a:r>
+            <a:br>
+              <a:rPr lang="en-CA" dirty="0"/>
+            </a:br>
+            <a:r>
+              <a:rPr lang="en-CA" dirty="0"/>
+              <a:t>The final covers everything but world programs.</a:t>
+            </a:r>
             <a:endParaRPr lang="en-US" dirty="0"/>
-          </a:p>
-          <a:p>
-            <a:pPr lvl="1"/>
-            <a:r>
-              <a:rPr lang="en-US" dirty="0"/>
-              <a:t>signature</a:t>
-            </a:r>
-          </a:p>
-          <a:p>
-            <a:pPr lvl="1"/>
-            <a:r>
-              <a:rPr lang="en-US" dirty="0"/>
-              <a:t>purpose</a:t>
-            </a:r>
-          </a:p>
-          <a:p>
-            <a:pPr lvl="1"/>
-            <a:r>
-              <a:rPr lang="en-US" dirty="0"/>
-              <a:t>examples (wrapped in check-expect)</a:t>
-            </a:r>
-          </a:p>
-          <a:p>
-            <a:pPr lvl="1"/>
-            <a:endParaRPr lang="en-US" dirty="0"/>
-          </a:p>
-          <a:p>
-            <a:pPr lvl="1"/>
-            <a:r>
-              <a:rPr lang="en-US" dirty="0"/>
-              <a:t>information examples</a:t>
-            </a:r>
-          </a:p>
-          <a:p>
-            <a:pPr lvl="1"/>
-            <a:r>
-              <a:rPr lang="en-US" dirty="0"/>
-              <a:t>interpretation</a:t>
-            </a:r>
           </a:p>
         </p:txBody>
       </p:sp>
     </p:spTree>
     <p:extLst>
       <p:ext uri="{BB962C8B-B14F-4D97-AF65-F5344CB8AC3E}">
-        <p14:creationId xmlns:p14="http://schemas.microsoft.com/office/powerpoint/2010/main" val="861622272"/>
+        <p14:creationId xmlns:p14="http://schemas.microsoft.com/office/powerpoint/2010/main" val="922466944"/>
       </p:ext>
     </p:extLst>
   </p:cSld>
@@ -6723,7 +7237,7 @@
           <a:p>
             <a:r>
               <a:rPr lang="en-US" sz="3600" dirty="0"/>
-              <a:t>then the structure of the solution</a:t>
+              <a:t>Figuring out what you actually want is half the battle</a:t>
             </a:r>
           </a:p>
           <a:p>
@@ -6733,14 +7247,21 @@
             <a:pPr lvl="1"/>
             <a:r>
               <a:rPr lang="en-US" dirty="0"/>
-              <a:t>template origins</a:t>
+              <a:t>signature</a:t>
             </a:r>
           </a:p>
           <a:p>
             <a:pPr lvl="1"/>
             <a:r>
               <a:rPr lang="en-US" dirty="0"/>
-              <a:t>accumulator types and invariants</a:t>
+              <a:t>purpose</a:t>
+            </a:r>
+          </a:p>
+          <a:p>
+            <a:pPr lvl="1"/>
+            <a:r>
+              <a:rPr lang="en-US" dirty="0"/>
+              <a:t>examples (wrapped in check-expect)</a:t>
             </a:r>
           </a:p>
           <a:p>
@@ -6748,66 +7269,17 @@
             <a:endParaRPr lang="en-US" dirty="0"/>
           </a:p>
           <a:p>
-            <a:r>
-              <a:rPr lang="en-US" sz="3600" dirty="0"/>
-              <a:t>and the details</a:t>
-            </a:r>
-          </a:p>
-          <a:p>
-            <a:endParaRPr lang="en-US" dirty="0"/>
-          </a:p>
-          <a:p>
             <a:pPr lvl="1"/>
             <a:r>
               <a:rPr lang="en-US" dirty="0"/>
-              <a:t>fill in … according to all above</a:t>
+              <a:t>information examples</a:t>
             </a:r>
           </a:p>
           <a:p>
             <a:pPr lvl="1"/>
             <a:r>
               <a:rPr lang="en-US" dirty="0"/>
-              <a:t>debug</a:t>
-            </a:r>
-          </a:p>
-          <a:p>
-            <a:endParaRPr lang="en-US" dirty="0"/>
-          </a:p>
-        </p:txBody>
-      </p:sp>
-      <p:sp>
-        <p:nvSpPr>
-          <p:cNvPr id="4" name="TextBox 3">
-            <a:extLst>
-              <a:ext uri="{FF2B5EF4-FFF2-40B4-BE49-F238E27FC236}">
-                <a16:creationId xmlns:a16="http://schemas.microsoft.com/office/drawing/2014/main" id="{A5490351-7D8A-D040-AC37-B7B0B88C93A9}"/>
-              </a:ext>
-            </a:extLst>
-          </p:cNvPr>
-          <p:cNvSpPr txBox="1"/>
-          <p:nvPr/>
-        </p:nvSpPr>
-        <p:spPr>
-          <a:xfrm>
-            <a:off x="7506586" y="5653743"/>
-            <a:ext cx="4391245" cy="523220"/>
-          </a:xfrm>
-          <a:prstGeom prst="rect">
-            <a:avLst/>
-          </a:prstGeom>
-          <a:noFill/>
-        </p:spPr>
-        <p:txBody>
-          <a:bodyPr wrap="square" rtlCol="0">
-            <a:spAutoFit/>
-          </a:bodyPr>
-          <a:lstStyle/>
-          <a:p>
-            <a:r>
-              <a:rPr lang="en-US" sz="2800" dirty="0">
-                <a:latin typeface="Monaco" pitchFamily="2" charset="77"/>
-              </a:rPr>
-              <a:t>All 5 tests pass!</a:t>
+              <a:t>interpretation</a:t>
             </a:r>
           </a:p>
         </p:txBody>
@@ -6815,7 +7287,7 @@
     </p:spTree>
     <p:extLst>
       <p:ext uri="{BB962C8B-B14F-4D97-AF65-F5344CB8AC3E}">
-        <p14:creationId xmlns:p14="http://schemas.microsoft.com/office/powerpoint/2010/main" val="406896256"/>
+        <p14:creationId xmlns:p14="http://schemas.microsoft.com/office/powerpoint/2010/main" val="861622272"/>
       </p:ext>
     </p:extLst>
   </p:cSld>
@@ -6886,57 +7358,31 @@
             <p:ph idx="1"/>
           </p:nvPr>
         </p:nvSpPr>
-        <p:spPr>
-          <a:xfrm>
-            <a:off x="838200" y="1825625"/>
-            <a:ext cx="10515600" cy="4830356"/>
-          </a:xfrm>
-        </p:spPr>
-        <p:txBody>
-          <a:bodyPr>
-            <a:normAutofit/>
-          </a:bodyPr>
+        <p:spPr/>
+        <p:txBody>
+          <a:bodyPr/>
           <a:lstStyle/>
           <a:p>
             <a:r>
               <a:rPr lang="en-US" sz="3600" dirty="0"/>
-              <a:t>but sometimes</a:t>
+              <a:t>then the structure of the solution</a:t>
             </a:r>
           </a:p>
           <a:p>
             <a:endParaRPr lang="en-US" dirty="0"/>
           </a:p>
           <a:p>
-            <a:endParaRPr lang="en-US" dirty="0"/>
-          </a:p>
-          <a:p>
-            <a:endParaRPr lang="en-US" dirty="0"/>
-          </a:p>
-          <a:p>
-            <a:endParaRPr lang="en-US" dirty="0"/>
-          </a:p>
-          <a:p>
-            <a:endParaRPr lang="en-US" dirty="0"/>
-          </a:p>
-          <a:p>
             <a:pPr lvl="1"/>
             <a:r>
               <a:rPr lang="en-US" dirty="0"/>
-              <a:t>despite your best efforts</a:t>
+              <a:t>template origins</a:t>
             </a:r>
           </a:p>
           <a:p>
             <a:pPr lvl="1"/>
             <a:r>
               <a:rPr lang="en-US" dirty="0"/>
-              <a:t>what you end up with is not what you really wanted</a:t>
-            </a:r>
-          </a:p>
-          <a:p>
-            <a:pPr lvl="1"/>
-            <a:r>
-              <a:rPr lang="en-US" dirty="0"/>
-              <a:t>go back and systematically revise the design, and learn from that error</a:t>
+              <a:t>accumulator types and invariants</a:t>
             </a:r>
           </a:p>
           <a:p>
@@ -6944,10 +7390,27 @@
             <a:endParaRPr lang="en-US" dirty="0"/>
           </a:p>
           <a:p>
-            <a:pPr marL="457200" lvl="1" indent="0">
-              <a:buNone/>
-            </a:pPr>
+            <a:r>
+              <a:rPr lang="en-US" sz="3600" dirty="0"/>
+              <a:t>and the details</a:t>
+            </a:r>
+          </a:p>
+          <a:p>
             <a:endParaRPr lang="en-US" dirty="0"/>
+          </a:p>
+          <a:p>
+            <a:pPr lvl="1"/>
+            <a:r>
+              <a:rPr lang="en-US" dirty="0"/>
+              <a:t>fill in … according to all above</a:t>
+            </a:r>
+          </a:p>
+          <a:p>
+            <a:pPr lvl="1"/>
+            <a:r>
+              <a:rPr lang="en-US" dirty="0"/>
+              <a:t>debug</a:t>
+            </a:r>
           </a:p>
           <a:p>
             <a:endParaRPr lang="en-US" dirty="0"/>
@@ -6959,7 +7422,7 @@
           <p:cNvPr id="4" name="TextBox 3">
             <a:extLst>
               <a:ext uri="{FF2B5EF4-FFF2-40B4-BE49-F238E27FC236}">
-                <a16:creationId xmlns:a16="http://schemas.microsoft.com/office/drawing/2014/main" id="{9DAEF986-FC6E-2540-8868-F58DD833305B}"/>
+                <a16:creationId xmlns:a16="http://schemas.microsoft.com/office/drawing/2014/main" id="{A5490351-7D8A-D040-AC37-B7B0B88C93A9}"/>
               </a:ext>
             </a:extLst>
           </p:cNvPr>
@@ -6968,8 +7431,8 @@
         </p:nvSpPr>
         <p:spPr>
           <a:xfrm>
-            <a:off x="170121" y="2858034"/>
-            <a:ext cx="11851758" cy="1323439"/>
+            <a:off x="7506586" y="5653743"/>
+            <a:ext cx="4391245" cy="523220"/>
           </a:xfrm>
           <a:prstGeom prst="rect">
             <a:avLst/>
@@ -6982,42 +7445,19 @@
           </a:bodyPr>
           <a:lstStyle/>
           <a:p>
-            <a:br>
-              <a:rPr lang="en-CA" sz="1600" dirty="0">
+            <a:r>
+              <a:rPr lang="en-US" sz="2800" dirty="0">
                 <a:latin typeface="Monaco" pitchFamily="2" charset="77"/>
               </a:rPr>
-            </a:br>
-            <a:endParaRPr lang="en-CA" sz="1600" dirty="0">
-              <a:latin typeface="Monaco" pitchFamily="2" charset="77"/>
-            </a:endParaRPr>
-          </a:p>
-          <a:p>
-            <a:r>
-              <a:rPr lang="en-CA" sz="1600" dirty="0">
-                <a:latin typeface="Monaco" pitchFamily="2" charset="77"/>
-              </a:rPr>
-              <a:t>  50% of  50%   Submitted tests: correct - all submitted test pass. </a:t>
-            </a:r>
-          </a:p>
-          <a:p>
-            <a:r>
-              <a:rPr lang="en-CA" sz="1600" dirty="0">
-                <a:latin typeface="Monaco" pitchFamily="2" charset="77"/>
-              </a:rPr>
-              <a:t>   0% of  50%   Additional tests: incorrect - 3 autograder internal additional tests failed. </a:t>
-            </a:r>
-          </a:p>
-          <a:p>
-            <a:endParaRPr lang="en-US" sz="1600" dirty="0">
-              <a:latin typeface="Monaco" pitchFamily="2" charset="77"/>
-            </a:endParaRPr>
+              <a:t>All 5 tests pass!</a:t>
+            </a:r>
           </a:p>
         </p:txBody>
       </p:sp>
     </p:spTree>
     <p:extLst>
       <p:ext uri="{BB962C8B-B14F-4D97-AF65-F5344CB8AC3E}">
-        <p14:creationId xmlns:p14="http://schemas.microsoft.com/office/powerpoint/2010/main" val="491170874"/>
+        <p14:creationId xmlns:p14="http://schemas.microsoft.com/office/powerpoint/2010/main" val="406896256"/>
       </p:ext>
     </p:extLst>
   </p:cSld>

--- a/instructor/l23/lec23-wrap.pptx
+++ b/instructor/l23/lec23-wrap.pptx
@@ -5,37 +5,41 @@
     <p:sldMasterId id="2147483648" r:id="rId1"/>
   </p:sldMasterIdLst>
   <p:notesMasterIdLst>
-    <p:notesMasterId r:id="rId27"/>
+    <p:notesMasterId r:id="rId31"/>
   </p:notesMasterIdLst>
   <p:handoutMasterIdLst>
-    <p:handoutMasterId r:id="rId28"/>
+    <p:handoutMasterId r:id="rId32"/>
   </p:handoutMasterIdLst>
   <p:sldIdLst>
     <p:sldId id="292" r:id="rId2"/>
-    <p:sldId id="296" r:id="rId3"/>
-    <p:sldId id="272" r:id="rId4"/>
-    <p:sldId id="284" r:id="rId5"/>
-    <p:sldId id="285" r:id="rId6"/>
-    <p:sldId id="286" r:id="rId7"/>
-    <p:sldId id="266" r:id="rId8"/>
-    <p:sldId id="278" r:id="rId9"/>
-    <p:sldId id="279" r:id="rId10"/>
-    <p:sldId id="280" r:id="rId11"/>
-    <p:sldId id="281" r:id="rId12"/>
-    <p:sldId id="276" r:id="rId13"/>
-    <p:sldId id="277" r:id="rId14"/>
-    <p:sldId id="282" r:id="rId15"/>
-    <p:sldId id="294" r:id="rId16"/>
-    <p:sldId id="290" r:id="rId17"/>
-    <p:sldId id="289" r:id="rId18"/>
-    <p:sldId id="283" r:id="rId19"/>
-    <p:sldId id="295" r:id="rId20"/>
-    <p:sldId id="291" r:id="rId21"/>
-    <p:sldId id="293" r:id="rId22"/>
-    <p:sldId id="264" r:id="rId23"/>
-    <p:sldId id="275" r:id="rId24"/>
-    <p:sldId id="297" r:id="rId25"/>
-    <p:sldId id="259" r:id="rId26"/>
+    <p:sldId id="272" r:id="rId3"/>
+    <p:sldId id="284" r:id="rId4"/>
+    <p:sldId id="285" r:id="rId5"/>
+    <p:sldId id="286" r:id="rId6"/>
+    <p:sldId id="266" r:id="rId7"/>
+    <p:sldId id="278" r:id="rId8"/>
+    <p:sldId id="279" r:id="rId9"/>
+    <p:sldId id="280" r:id="rId10"/>
+    <p:sldId id="281" r:id="rId11"/>
+    <p:sldId id="276" r:id="rId12"/>
+    <p:sldId id="277" r:id="rId13"/>
+    <p:sldId id="302" r:id="rId14"/>
+    <p:sldId id="303" r:id="rId15"/>
+    <p:sldId id="301" r:id="rId16"/>
+    <p:sldId id="304" r:id="rId17"/>
+    <p:sldId id="298" r:id="rId18"/>
+    <p:sldId id="299" r:id="rId19"/>
+    <p:sldId id="282" r:id="rId20"/>
+    <p:sldId id="294" r:id="rId21"/>
+    <p:sldId id="290" r:id="rId22"/>
+    <p:sldId id="289" r:id="rId23"/>
+    <p:sldId id="283" r:id="rId24"/>
+    <p:sldId id="295" r:id="rId25"/>
+    <p:sldId id="291" r:id="rId26"/>
+    <p:sldId id="293" r:id="rId27"/>
+    <p:sldId id="264" r:id="rId28"/>
+    <p:sldId id="275" r:id="rId29"/>
+    <p:sldId id="259" r:id="rId30"/>
   </p:sldIdLst>
   <p:sldSz cx="12192000" cy="6858000"/>
   <p:notesSz cx="6858000" cy="9144000"/>
@@ -236,7 +240,7 @@
           <a:p>
             <a:fld id="{840221F2-9221-C947-8AA1-B2ECA6CA3F5F}" type="datetimeFigureOut">
               <a:rPr lang="en-US" smtClean="0"/>
-              <a:t>12/2/24</a:t>
+              <a:t>12/3/25</a:t>
             </a:fld>
             <a:endParaRPr lang="en-US"/>
           </a:p>
@@ -413,7 +417,7 @@
           <a:p>
             <a:fld id="{C6FAA5DE-27F5-9745-9CE3-8D5124841CBB}" type="datetimeFigureOut">
               <a:rPr lang="en-US" smtClean="0"/>
-              <a:t>12/2/24</a:t>
+              <a:t>12/3/25</a:t>
             </a:fld>
             <a:endParaRPr lang="en-US"/>
           </a:p>
@@ -745,7 +749,7 @@
           <a:p>
             <a:fld id="{0C7229E6-C67A-E449-A6EE-0F1EA2469FC1}" type="slidenum">
               <a:rPr lang="en-US" smtClean="0"/>
-              <a:t>17</a:t>
+              <a:t>22</a:t>
             </a:fld>
             <a:endParaRPr lang="en-US"/>
           </a:p>
@@ -829,7 +833,7 @@
           <a:p>
             <a:fld id="{0C7229E6-C67A-E449-A6EE-0F1EA2469FC1}" type="slidenum">
               <a:rPr lang="en-US" smtClean="0"/>
-              <a:t>19</a:t>
+              <a:t>24</a:t>
             </a:fld>
             <a:endParaRPr lang="en-US"/>
           </a:p>
@@ -913,7 +917,7 @@
           <a:p>
             <a:fld id="{0C7229E6-C67A-E449-A6EE-0F1EA2469FC1}" type="slidenum">
               <a:rPr lang="en-US" smtClean="0"/>
-              <a:t>22</a:t>
+              <a:t>27</a:t>
             </a:fld>
             <a:endParaRPr lang="en-US"/>
           </a:p>
@@ -1061,7 +1065,7 @@
           <a:p>
             <a:fld id="{43C25A20-5354-3B46-B5A4-C1220A4644A2}" type="datetimeFigureOut">
               <a:rPr lang="en-US" smtClean="0"/>
-              <a:t>12/2/24</a:t>
+              <a:t>12/3/25</a:t>
             </a:fld>
             <a:endParaRPr lang="en-US"/>
           </a:p>
@@ -1229,7 +1233,7 @@
           <a:p>
             <a:fld id="{43C25A20-5354-3B46-B5A4-C1220A4644A2}" type="datetimeFigureOut">
               <a:rPr lang="en-US" smtClean="0"/>
-              <a:t>12/2/24</a:t>
+              <a:t>12/3/25</a:t>
             </a:fld>
             <a:endParaRPr lang="en-US"/>
           </a:p>
@@ -1407,7 +1411,7 @@
           <a:p>
             <a:fld id="{43C25A20-5354-3B46-B5A4-C1220A4644A2}" type="datetimeFigureOut">
               <a:rPr lang="en-US" smtClean="0"/>
-              <a:t>12/2/24</a:t>
+              <a:t>12/3/25</a:t>
             </a:fld>
             <a:endParaRPr lang="en-US"/>
           </a:p>
@@ -1575,7 +1579,7 @@
           <a:p>
             <a:fld id="{43C25A20-5354-3B46-B5A4-C1220A4644A2}" type="datetimeFigureOut">
               <a:rPr lang="en-US" smtClean="0"/>
-              <a:t>12/2/24</a:t>
+              <a:t>12/3/25</a:t>
             </a:fld>
             <a:endParaRPr lang="en-US"/>
           </a:p>
@@ -1820,7 +1824,7 @@
           <a:p>
             <a:fld id="{43C25A20-5354-3B46-B5A4-C1220A4644A2}" type="datetimeFigureOut">
               <a:rPr lang="en-US" smtClean="0"/>
-              <a:t>12/2/24</a:t>
+              <a:t>12/3/25</a:t>
             </a:fld>
             <a:endParaRPr lang="en-US"/>
           </a:p>
@@ -2049,7 +2053,7 @@
           <a:p>
             <a:fld id="{43C25A20-5354-3B46-B5A4-C1220A4644A2}" type="datetimeFigureOut">
               <a:rPr lang="en-US" smtClean="0"/>
-              <a:t>12/2/24</a:t>
+              <a:t>12/3/25</a:t>
             </a:fld>
             <a:endParaRPr lang="en-US"/>
           </a:p>
@@ -2413,7 +2417,7 @@
           <a:p>
             <a:fld id="{43C25A20-5354-3B46-B5A4-C1220A4644A2}" type="datetimeFigureOut">
               <a:rPr lang="en-US" smtClean="0"/>
-              <a:t>12/2/24</a:t>
+              <a:t>12/3/25</a:t>
             </a:fld>
             <a:endParaRPr lang="en-US"/>
           </a:p>
@@ -2530,7 +2534,7 @@
           <a:p>
             <a:fld id="{43C25A20-5354-3B46-B5A4-C1220A4644A2}" type="datetimeFigureOut">
               <a:rPr lang="en-US" smtClean="0"/>
-              <a:t>12/2/24</a:t>
+              <a:t>12/3/25</a:t>
             </a:fld>
             <a:endParaRPr lang="en-US"/>
           </a:p>
@@ -2625,7 +2629,7 @@
           <a:p>
             <a:fld id="{43C25A20-5354-3B46-B5A4-C1220A4644A2}" type="datetimeFigureOut">
               <a:rPr lang="en-US" smtClean="0"/>
-              <a:t>12/2/24</a:t>
+              <a:t>12/3/25</a:t>
             </a:fld>
             <a:endParaRPr lang="en-US"/>
           </a:p>
@@ -2900,7 +2904,7 @@
           <a:p>
             <a:fld id="{43C25A20-5354-3B46-B5A4-C1220A4644A2}" type="datetimeFigureOut">
               <a:rPr lang="en-US" smtClean="0"/>
-              <a:t>12/2/24</a:t>
+              <a:t>12/3/25</a:t>
             </a:fld>
             <a:endParaRPr lang="en-US"/>
           </a:p>
@@ -3152,7 +3156,7 @@
           <a:p>
             <a:fld id="{43C25A20-5354-3B46-B5A4-C1220A4644A2}" type="datetimeFigureOut">
               <a:rPr lang="en-US" smtClean="0"/>
-              <a:t>12/2/24</a:t>
+              <a:t>12/3/25</a:t>
             </a:fld>
             <a:endParaRPr lang="en-US"/>
           </a:p>
@@ -3363,7 +3367,7 @@
           <a:p>
             <a:fld id="{43C25A20-5354-3B46-B5A4-C1220A4644A2}" type="datetimeFigureOut">
               <a:rPr lang="en-US" smtClean="0"/>
-              <a:t>12/2/24</a:t>
+              <a:t>12/3/25</a:t>
             </a:fld>
             <a:endParaRPr lang="en-US"/>
           </a:p>
@@ -3860,14 +3864,19 @@
             <p:ph type="title"/>
           </p:nvPr>
         </p:nvSpPr>
-        <p:spPr/>
+        <p:spPr>
+          <a:xfrm>
+            <a:off x="838200" y="365125"/>
+            <a:ext cx="10515600" cy="1325563"/>
+          </a:xfrm>
+        </p:spPr>
         <p:txBody>
           <a:bodyPr/>
           <a:lstStyle/>
           <a:p>
             <a:r>
               <a:rPr lang="en-US" dirty="0"/>
-              <a:t>What have you learned ... about design?</a:t>
+              <a:t>Hopefully you also learned</a:t>
             </a:r>
           </a:p>
         </p:txBody>
@@ -3891,24 +3900,28 @@
         <p:spPr>
           <a:xfrm>
             <a:off x="838200" y="1825625"/>
-            <a:ext cx="10515600" cy="4830356"/>
+            <a:ext cx="10515600" cy="4351338"/>
           </a:xfrm>
         </p:spPr>
         <p:txBody>
-          <a:bodyPr>
-            <a:normAutofit/>
-          </a:bodyPr>
-          <a:lstStyle/>
-          <a:p>
-            <a:r>
-              <a:rPr lang="en-US" sz="3600" dirty="0"/>
-              <a:t>but sometimes</a:t>
-            </a:r>
-          </a:p>
+          <a:bodyPr/>
+          <a:lstStyle/>
           <a:p>
             <a:endParaRPr lang="en-US" dirty="0"/>
           </a:p>
           <a:p>
+            <a:r>
+              <a:rPr lang="en-US" dirty="0"/>
+              <a:t>that you can solve larger and harder problems than you thought</a:t>
+            </a:r>
+          </a:p>
+          <a:p>
+            <a:r>
+              <a:rPr lang="en-US" dirty="0"/>
+              <a:t>some of what it will take to solve harder and harder problems</a:t>
+            </a:r>
+          </a:p>
+          <a:p>
             <a:endParaRPr lang="en-US" dirty="0"/>
           </a:p>
           <a:p>
@@ -3918,27 +3931,9 @@
             <a:endParaRPr lang="en-US" dirty="0"/>
           </a:p>
           <a:p>
-            <a:endParaRPr lang="en-US" dirty="0"/>
-          </a:p>
-          <a:p>
-            <a:pPr lvl="1"/>
-            <a:r>
-              <a:rPr lang="en-US" dirty="0"/>
-              <a:t>despite your best efforts</a:t>
-            </a:r>
-          </a:p>
-          <a:p>
-            <a:pPr lvl="1"/>
-            <a:r>
-              <a:rPr lang="en-US" dirty="0"/>
-              <a:t>what you end up with is not what you really wanted</a:t>
-            </a:r>
-          </a:p>
-          <a:p>
-            <a:pPr lvl="1"/>
-            <a:r>
-              <a:rPr lang="en-US" dirty="0"/>
-              <a:t>go back and systematically revise the design, and learn from that error</a:t>
+            <a:r>
+              <a:rPr lang="en-US" dirty="0"/>
+              <a:t>patience, attention to detail, humility are important parts of it</a:t>
             </a:r>
           </a:p>
           <a:p>
@@ -3946,80 +3941,14 @@
             <a:endParaRPr lang="en-US" dirty="0"/>
           </a:p>
           <a:p>
-            <a:pPr marL="457200" lvl="1" indent="0">
-              <a:buNone/>
-            </a:pPr>
             <a:endParaRPr lang="en-US" dirty="0"/>
-          </a:p>
-          <a:p>
-            <a:endParaRPr lang="en-US" dirty="0"/>
-          </a:p>
-        </p:txBody>
-      </p:sp>
-      <p:sp>
-        <p:nvSpPr>
-          <p:cNvPr id="4" name="TextBox 3">
-            <a:extLst>
-              <a:ext uri="{FF2B5EF4-FFF2-40B4-BE49-F238E27FC236}">
-                <a16:creationId xmlns:a16="http://schemas.microsoft.com/office/drawing/2014/main" id="{9DAEF986-FC6E-2540-8868-F58DD833305B}"/>
-              </a:ext>
-            </a:extLst>
-          </p:cNvPr>
-          <p:cNvSpPr txBox="1"/>
-          <p:nvPr/>
-        </p:nvSpPr>
-        <p:spPr>
-          <a:xfrm>
-            <a:off x="170121" y="2858034"/>
-            <a:ext cx="11851758" cy="1323439"/>
-          </a:xfrm>
-          <a:prstGeom prst="rect">
-            <a:avLst/>
-          </a:prstGeom>
-          <a:noFill/>
-        </p:spPr>
-        <p:txBody>
-          <a:bodyPr wrap="square" rtlCol="0">
-            <a:spAutoFit/>
-          </a:bodyPr>
-          <a:lstStyle/>
-          <a:p>
-            <a:br>
-              <a:rPr lang="en-CA" sz="1600" dirty="0">
-                <a:latin typeface="Monaco" pitchFamily="2" charset="77"/>
-              </a:rPr>
-            </a:br>
-            <a:endParaRPr lang="en-CA" sz="1600" dirty="0">
-              <a:latin typeface="Monaco" pitchFamily="2" charset="77"/>
-            </a:endParaRPr>
-          </a:p>
-          <a:p>
-            <a:r>
-              <a:rPr lang="en-CA" sz="1600" dirty="0">
-                <a:latin typeface="Monaco" pitchFamily="2" charset="77"/>
-              </a:rPr>
-              <a:t>  50% of  50%   Submitted tests: correct - all submitted test pass. </a:t>
-            </a:r>
-          </a:p>
-          <a:p>
-            <a:r>
-              <a:rPr lang="en-CA" sz="1600" dirty="0">
-                <a:latin typeface="Monaco" pitchFamily="2" charset="77"/>
-              </a:rPr>
-              <a:t>   0% of  50%   Additional tests: incorrect - 3 autograder internal additional tests failed. </a:t>
-            </a:r>
-          </a:p>
-          <a:p>
-            <a:endParaRPr lang="en-US" sz="1600" dirty="0">
-              <a:latin typeface="Monaco" pitchFamily="2" charset="77"/>
-            </a:endParaRPr>
           </a:p>
         </p:txBody>
       </p:sp>
     </p:spTree>
     <p:extLst>
       <p:ext uri="{BB962C8B-B14F-4D97-AF65-F5344CB8AC3E}">
-        <p14:creationId xmlns:p14="http://schemas.microsoft.com/office/powerpoint/2010/main" val="491170874"/>
+        <p14:creationId xmlns:p14="http://schemas.microsoft.com/office/powerpoint/2010/main" val="3995558550"/>
       </p:ext>
     </p:extLst>
   </p:cSld>
@@ -4051,7 +3980,7 @@
           <p:cNvPr id="2" name="Title 1">
             <a:extLst>
               <a:ext uri="{FF2B5EF4-FFF2-40B4-BE49-F238E27FC236}">
-                <a16:creationId xmlns:a16="http://schemas.microsoft.com/office/drawing/2014/main" id="{628B3CBF-7A18-F54F-92E2-B975D203BF2F}"/>
+                <a16:creationId xmlns:a16="http://schemas.microsoft.com/office/drawing/2014/main" id="{30EDED6A-0994-6C41-BD42-CD8F0E615378}"/>
               </a:ext>
             </a:extLst>
           </p:cNvPr>
@@ -4062,19 +3991,14 @@
             <p:ph type="title"/>
           </p:nvPr>
         </p:nvSpPr>
-        <p:spPr>
-          <a:xfrm>
-            <a:off x="838200" y="365125"/>
-            <a:ext cx="10515600" cy="1325563"/>
-          </a:xfrm>
-        </p:spPr>
+        <p:spPr/>
         <p:txBody>
           <a:bodyPr/>
           <a:lstStyle/>
           <a:p>
             <a:r>
               <a:rPr lang="en-US" dirty="0"/>
-              <a:t>Hopefully you also learned</a:t>
+              <a:t>Other languages</a:t>
             </a:r>
           </a:p>
         </p:txBody>
@@ -4084,7 +4008,7 @@
           <p:cNvPr id="3" name="Content Placeholder 2">
             <a:extLst>
               <a:ext uri="{FF2B5EF4-FFF2-40B4-BE49-F238E27FC236}">
-                <a16:creationId xmlns:a16="http://schemas.microsoft.com/office/drawing/2014/main" id="{22ACEF78-0A45-E74E-9B25-4DB16636EE7C}"/>
+                <a16:creationId xmlns:a16="http://schemas.microsoft.com/office/drawing/2014/main" id="{4E5B8446-E292-8F48-BACA-ECAF7A46BEB1}"/>
               </a:ext>
             </a:extLst>
           </p:cNvPr>
@@ -4097,56 +4021,69 @@
         </p:nvSpPr>
         <p:spPr>
           <a:xfrm>
-            <a:off x="838200" y="1825625"/>
-            <a:ext cx="10515600" cy="4351338"/>
+            <a:off x="838199" y="1825625"/>
+            <a:ext cx="11029749" cy="4351338"/>
           </a:xfrm>
         </p:spPr>
         <p:txBody>
           <a:bodyPr/>
           <a:lstStyle/>
           <a:p>
+            <a:r>
+              <a:rPr lang="en-US" dirty="0"/>
+              <a:t>Everything you’ve learned in 110 works in other languages</a:t>
+            </a:r>
+          </a:p>
+          <a:p>
+            <a:pPr lvl="1"/>
+            <a:r>
+              <a:rPr lang="en-US" dirty="0"/>
+              <a:t>data design, function design, tests, templates…</a:t>
+            </a:r>
+          </a:p>
+          <a:p>
+            <a:pPr lvl="1"/>
+            <a:r>
+              <a:rPr lang="en-US" dirty="0"/>
+              <a:t>above all, working systematically to narrow the gap between problem and solution</a:t>
+            </a:r>
+          </a:p>
+          <a:p>
             <a:endParaRPr lang="en-US" dirty="0"/>
           </a:p>
           <a:p>
             <a:r>
               <a:rPr lang="en-US" dirty="0"/>
-              <a:t>that you can solve larger and harder problems than you thought</a:t>
-            </a:r>
-          </a:p>
-          <a:p>
-            <a:r>
-              <a:rPr lang="en-US" dirty="0"/>
-              <a:t>some of what it will take to solve harder and harder problems</a:t>
-            </a:r>
-          </a:p>
-          <a:p>
-            <a:endParaRPr lang="en-US" dirty="0"/>
-          </a:p>
-          <a:p>
-            <a:endParaRPr lang="en-US" dirty="0"/>
-          </a:p>
-          <a:p>
-            <a:endParaRPr lang="en-US" dirty="0"/>
-          </a:p>
-          <a:p>
-            <a:r>
-              <a:rPr lang="en-US" dirty="0"/>
-              <a:t>patience, attention to detail, humility are important parts of it</a:t>
+              <a:t>Learn new languages by reading code</a:t>
             </a:r>
           </a:p>
           <a:p>
             <a:pPr lvl="1"/>
-            <a:endParaRPr lang="en-US" dirty="0"/>
-          </a:p>
-          <a:p>
-            <a:endParaRPr lang="en-US" dirty="0"/>
+            <a:r>
+              <a:rPr lang="en-US" dirty="0"/>
+              <a:t>find code that “must do X”</a:t>
+            </a:r>
+          </a:p>
+          <a:p>
+            <a:pPr lvl="1"/>
+            <a:r>
+              <a:rPr lang="en-US" dirty="0"/>
+              <a:t>use what you know to understand the chunks (the templates)</a:t>
+            </a:r>
+          </a:p>
+          <a:p>
+            <a:pPr lvl="1"/>
+            <a:r>
+              <a:rPr lang="en-US" dirty="0"/>
+              <a:t>figure it out from there</a:t>
+            </a:r>
           </a:p>
         </p:txBody>
       </p:sp>
     </p:spTree>
     <p:extLst>
       <p:ext uri="{BB962C8B-B14F-4D97-AF65-F5344CB8AC3E}">
-        <p14:creationId xmlns:p14="http://schemas.microsoft.com/office/powerpoint/2010/main" val="3995558550"/>
+        <p14:creationId xmlns:p14="http://schemas.microsoft.com/office/powerpoint/2010/main" val="3377514866"/>
       </p:ext>
     </p:extLst>
   </p:cSld>
@@ -4157,7 +4094,7 @@
 </file>
 
 <file path=ppt/slides/slide12.xml><?xml version="1.0" encoding="utf-8"?>
-<p:sld xmlns:a="http://schemas.openxmlformats.org/drawingml/2006/main" xmlns:r="http://schemas.openxmlformats.org/officeDocument/2006/relationships" xmlns:p="http://schemas.openxmlformats.org/presentationml/2006/main">
+<p:sld xmlns:a="http://schemas.openxmlformats.org/drawingml/2006/main" xmlns:r="http://schemas.openxmlformats.org/officeDocument/2006/relationships" xmlns:p="http://schemas.openxmlformats.org/presentationml/2006/main" show="0">
   <p:cSld>
     <p:spTree>
       <p:nvGrpSpPr>
@@ -4189,24 +4126,37 @@
             <p:ph type="title"/>
           </p:nvPr>
         </p:nvSpPr>
-        <p:spPr/>
+        <p:spPr>
+          <a:xfrm>
+            <a:off x="838200" y="365125"/>
+            <a:ext cx="10515600" cy="1325563"/>
+          </a:xfrm>
+        </p:spPr>
         <p:txBody>
           <a:bodyPr/>
           <a:lstStyle/>
           <a:p>
             <a:r>
               <a:rPr lang="en-US" dirty="0"/>
-              <a:t>Other languages</a:t>
-            </a:r>
-          </a:p>
-        </p:txBody>
-      </p:sp>
-      <p:sp>
-        <p:nvSpPr>
-          <p:cNvPr id="3" name="Content Placeholder 2">
+              <a:t>The python-loop-w-</a:t>
+            </a:r>
+            <a:r>
+              <a:rPr lang="en-US" dirty="0" err="1"/>
+              <a:t>acc.py</a:t>
+            </a:r>
+            <a:r>
+              <a:rPr lang="en-US" dirty="0"/>
+              <a:t> starter…</a:t>
+            </a:r>
+          </a:p>
+        </p:txBody>
+      </p:sp>
+      <p:sp>
+        <p:nvSpPr>
+          <p:cNvPr id="5" name="Content Placeholder 4">
             <a:extLst>
               <a:ext uri="{FF2B5EF4-FFF2-40B4-BE49-F238E27FC236}">
-                <a16:creationId xmlns:a16="http://schemas.microsoft.com/office/drawing/2014/main" id="{4E5B8446-E292-8F48-BACA-ECAF7A46BEB1}"/>
+                <a16:creationId xmlns:a16="http://schemas.microsoft.com/office/drawing/2014/main" id="{014611F3-48D9-5558-FBE0-329A6EBF2055}"/>
               </a:ext>
             </a:extLst>
           </p:cNvPr>
@@ -4217,63 +4167,41 @@
             <p:ph idx="1"/>
           </p:nvPr>
         </p:nvSpPr>
-        <p:spPr>
-          <a:xfrm>
-            <a:off x="838199" y="1825625"/>
-            <a:ext cx="11029749" cy="4351338"/>
-          </a:xfrm>
-        </p:spPr>
+        <p:spPr/>
         <p:txBody>
           <a:bodyPr/>
           <a:lstStyle/>
           <a:p>
             <a:r>
               <a:rPr lang="en-US" dirty="0"/>
-              <a:t>Everything you’ve learned in 110 works in other languages</a:t>
-            </a:r>
-          </a:p>
-          <a:p>
-            <a:pPr lvl="1"/>
-            <a:r>
-              <a:rPr lang="en-US" dirty="0"/>
-              <a:t>data design, function design, tests, templates…</a:t>
-            </a:r>
-          </a:p>
-          <a:p>
-            <a:pPr lvl="1"/>
-            <a:r>
-              <a:rPr lang="en-US" dirty="0"/>
-              <a:t>above all, working systematically to narrow the gap between problem and solution</a:t>
-            </a:r>
-          </a:p>
-          <a:p>
-            <a:endParaRPr lang="en-US" dirty="0"/>
-          </a:p>
-          <a:p>
-            <a:r>
-              <a:rPr lang="en-US" dirty="0"/>
-              <a:t>Learn new languages by reading code</a:t>
-            </a:r>
-          </a:p>
-          <a:p>
-            <a:pPr lvl="1"/>
-            <a:r>
-              <a:rPr lang="en-US" dirty="0"/>
-              <a:t>find code that “must do X”</a:t>
-            </a:r>
-          </a:p>
-          <a:p>
-            <a:pPr lvl="1"/>
-            <a:r>
-              <a:rPr lang="en-US" dirty="0"/>
-              <a:t>use what you know to understand the chunks (the templates)</a:t>
-            </a:r>
-          </a:p>
-          <a:p>
-            <a:pPr lvl="1"/>
-            <a:r>
-              <a:rPr lang="en-US" dirty="0"/>
-              <a:t>figure it out from there</a:t>
+              <a:t>I feel like when the code is explained to me</a:t>
+            </a:r>
+          </a:p>
+          <a:p>
+            <a:pPr marL="914400" lvl="1" indent="-457200">
+              <a:buAutoNum type="alphaUcParenBoth"/>
+            </a:pPr>
+            <a:r>
+              <a:rPr lang="en-US" dirty="0"/>
+              <a:t>I can see the parts of it and sort of understand it</a:t>
+            </a:r>
+          </a:p>
+          <a:p>
+            <a:pPr marL="914400" lvl="1" indent="-457200">
+              <a:buAutoNum type="alphaUcParenBoth"/>
+            </a:pPr>
+            <a:r>
+              <a:rPr lang="en-US" dirty="0"/>
+              <a:t>I can see and understand only a small part of it</a:t>
+            </a:r>
+          </a:p>
+          <a:p>
+            <a:pPr marL="914400" lvl="1" indent="-457200">
+              <a:buAutoNum type="alphaUcParenBoth"/>
+            </a:pPr>
+            <a:r>
+              <a:rPr lang="en-US" dirty="0"/>
+              <a:t>I have no idea what I’m reading when I look at the code</a:t>
             </a:r>
           </a:p>
         </p:txBody>
@@ -4281,7 +4209,7 @@
     </p:spTree>
     <p:extLst>
       <p:ext uri="{BB962C8B-B14F-4D97-AF65-F5344CB8AC3E}">
-        <p14:creationId xmlns:p14="http://schemas.microsoft.com/office/powerpoint/2010/main" val="3377514866"/>
+        <p14:creationId xmlns:p14="http://schemas.microsoft.com/office/powerpoint/2010/main" val="2178470596"/>
       </p:ext>
     </p:extLst>
   </p:cSld>
@@ -4313,7 +4241,7 @@
           <p:cNvPr id="2" name="Title 1">
             <a:extLst>
               <a:ext uri="{FF2B5EF4-FFF2-40B4-BE49-F238E27FC236}">
-                <a16:creationId xmlns:a16="http://schemas.microsoft.com/office/drawing/2014/main" id="{30EDED6A-0994-6C41-BD42-CD8F0E615378}"/>
+                <a16:creationId xmlns:a16="http://schemas.microsoft.com/office/drawing/2014/main" id="{EA20AD6F-CF37-40E3-245A-BC65FF5BAF9B}"/>
               </a:ext>
             </a:extLst>
           </p:cNvPr>
@@ -4324,29 +4252,24 @@
             <p:ph type="title"/>
           </p:nvPr>
         </p:nvSpPr>
-        <p:spPr>
-          <a:xfrm>
-            <a:off x="838200" y="365125"/>
-            <a:ext cx="10515600" cy="1325563"/>
-          </a:xfrm>
-        </p:spPr>
+        <p:spPr/>
         <p:txBody>
           <a:bodyPr/>
           <a:lstStyle/>
           <a:p>
             <a:r>
               <a:rPr lang="en-US" dirty="0"/>
-              <a:t>Our last starter…</a:t>
-            </a:r>
-          </a:p>
-        </p:txBody>
-      </p:sp>
-      <p:sp>
-        <p:nvSpPr>
-          <p:cNvPr id="5" name="Content Placeholder 4">
+              <a:t>Software Requirements and Specification</a:t>
+            </a:r>
+          </a:p>
+        </p:txBody>
+      </p:sp>
+      <p:sp>
+        <p:nvSpPr>
+          <p:cNvPr id="3" name="Content Placeholder 2">
             <a:extLst>
               <a:ext uri="{FF2B5EF4-FFF2-40B4-BE49-F238E27FC236}">
-                <a16:creationId xmlns:a16="http://schemas.microsoft.com/office/drawing/2014/main" id="{014611F3-48D9-5558-FBE0-329A6EBF2055}"/>
+                <a16:creationId xmlns:a16="http://schemas.microsoft.com/office/drawing/2014/main" id="{27D0D4F8-1A0D-AE07-253A-22BB545FDFCD}"/>
               </a:ext>
             </a:extLst>
           </p:cNvPr>
@@ -4359,47 +4282,99 @@
         </p:nvSpPr>
         <p:spPr/>
         <p:txBody>
-          <a:bodyPr/>
-          <a:lstStyle/>
-          <a:p>
-            <a:r>
-              <a:rPr lang="en-US" dirty="0"/>
-              <a:t>I feel like when the code is explained to me</a:t>
-            </a:r>
-          </a:p>
-          <a:p>
-            <a:pPr marL="914400" lvl="1" indent="-457200">
-              <a:buAutoNum type="alphaUcParenBoth"/>
+          <a:bodyPr>
+            <a:normAutofit/>
+          </a:bodyPr>
+          <a:lstStyle/>
+          <a:p>
+            <a:r>
+              <a:rPr lang="en-US" dirty="0"/>
+              <a:t>Knowing </a:t>
+            </a:r>
+            <a:r>
+              <a:rPr lang="en-US" i="1" dirty="0"/>
+              <a:t>what</a:t>
+            </a:r>
+            <a:r>
+              <a:rPr lang="en-US" dirty="0"/>
+              <a:t> to build is often half of the battle (or more!)</a:t>
+            </a:r>
+          </a:p>
+          <a:p>
+            <a:pPr lvl="1"/>
+            <a:r>
+              <a:rPr lang="en-US" dirty="0"/>
+              <a:t>Software won’t do what you didn’t tell it to do</a:t>
+            </a:r>
+          </a:p>
+          <a:p>
+            <a:r>
+              <a:rPr lang="en-US" b="1" dirty="0"/>
+              <a:t>Domain analysis</a:t>
+            </a:r>
+            <a:r>
+              <a:rPr lang="en-US" dirty="0"/>
+              <a:t> is used to identify and </a:t>
+            </a:r>
+            <a:r>
+              <a:rPr lang="en-US" i="1" dirty="0"/>
+              <a:t>communicate</a:t>
+            </a:r>
+            <a:r>
+              <a:rPr lang="en-US" dirty="0"/>
+              <a:t> requirements </a:t>
+            </a:r>
+          </a:p>
+          <a:p>
+            <a:r>
+              <a:rPr lang="en-US" b="1" dirty="0" err="1"/>
+              <a:t>Wishlists</a:t>
+            </a:r>
+            <a:r>
+              <a:rPr lang="en-US" dirty="0"/>
+              <a:t> enable systems to be specified incrementally; it’s the basis for how modern systems are designed and built</a:t>
+            </a:r>
+            <a:endParaRPr lang="en-US" b="1" dirty="0"/>
+          </a:p>
+          <a:p>
+            <a:r>
+              <a:rPr lang="en-US" b="1" dirty="0"/>
+              <a:t>Purpose Statements</a:t>
+            </a:r>
+            <a:r>
+              <a:rPr lang="en-US" dirty="0"/>
+              <a:t> specify the </a:t>
+            </a:r>
+            <a:r>
+              <a:rPr lang="en-US" dirty="0" err="1"/>
+              <a:t>behaviour</a:t>
+            </a:r>
+            <a:r>
+              <a:rPr lang="en-US" dirty="0"/>
+              <a:t> (and constraints) of functions</a:t>
+            </a:r>
+          </a:p>
+          <a:p>
+            <a:pPr marL="0" indent="0">
+              <a:buNone/>
             </a:pPr>
-            <a:r>
-              <a:rPr lang="en-US" dirty="0"/>
-              <a:t>I can see the parts of it and sort of understand it</a:t>
-            </a:r>
-          </a:p>
-          <a:p>
-            <a:pPr marL="914400" lvl="1" indent="-457200">
-              <a:buAutoNum type="alphaUcParenBoth"/>
+            <a:endParaRPr lang="en-US" dirty="0"/>
+          </a:p>
+          <a:p>
+            <a:pPr marL="0" indent="0">
+              <a:buNone/>
             </a:pPr>
-            <a:r>
-              <a:rPr lang="en-US" dirty="0"/>
-              <a:t>I can see and understand only a small part of it</a:t>
-            </a:r>
-          </a:p>
-          <a:p>
-            <a:pPr marL="914400" lvl="1" indent="-457200">
-              <a:buAutoNum type="alphaUcParenBoth"/>
-            </a:pPr>
-            <a:r>
-              <a:rPr lang="en-US" dirty="0"/>
-              <a:t>I have no idea what I’m reading when I look at the code</a:t>
-            </a:r>
+            <a:endParaRPr lang="en-US" dirty="0"/>
+          </a:p>
+          <a:p>
+            <a:endParaRPr lang="en-US" dirty="0"/>
           </a:p>
         </p:txBody>
       </p:sp>
     </p:spTree>
     <p:extLst>
       <p:ext uri="{BB962C8B-B14F-4D97-AF65-F5344CB8AC3E}">
-        <p14:creationId xmlns:p14="http://schemas.microsoft.com/office/powerpoint/2010/main" val="2178470596"/>
+        <p14:creationId xmlns:p14="http://schemas.microsoft.com/office/powerpoint/2010/main" val="144557107"/>
       </p:ext>
     </p:extLst>
   </p:cSld>
@@ -4431,7 +4406,7 @@
           <p:cNvPr id="2" name="Title 1">
             <a:extLst>
               <a:ext uri="{FF2B5EF4-FFF2-40B4-BE49-F238E27FC236}">
-                <a16:creationId xmlns:a16="http://schemas.microsoft.com/office/drawing/2014/main" id="{628B3CBF-7A18-F54F-92E2-B975D203BF2F}"/>
+                <a16:creationId xmlns:a16="http://schemas.microsoft.com/office/drawing/2014/main" id="{29196FA9-C2FD-09B8-91F9-4B75E73F4415}"/>
               </a:ext>
             </a:extLst>
           </p:cNvPr>
@@ -4442,10 +4417,38 @@
             <p:ph type="title"/>
           </p:nvPr>
         </p:nvSpPr>
+        <p:spPr/>
+        <p:txBody>
+          <a:bodyPr/>
+          <a:lstStyle/>
+          <a:p>
+            <a:r>
+              <a:rPr lang="en-US" dirty="0"/>
+              <a:t>Software Testing</a:t>
+            </a:r>
+          </a:p>
+        </p:txBody>
+      </p:sp>
+      <p:sp>
+        <p:nvSpPr>
+          <p:cNvPr id="3" name="Content Placeholder 2">
+            <a:extLst>
+              <a:ext uri="{FF2B5EF4-FFF2-40B4-BE49-F238E27FC236}">
+                <a16:creationId xmlns:a16="http://schemas.microsoft.com/office/drawing/2014/main" id="{093F4F2D-FBF2-6ED4-6D2A-47A5DF019F9F}"/>
+              </a:ext>
+            </a:extLst>
+          </p:cNvPr>
+          <p:cNvSpPr>
+            <a:spLocks noGrp="1"/>
+          </p:cNvSpPr>
+          <p:nvPr>
+            <p:ph idx="1"/>
+          </p:nvPr>
+        </p:nvSpPr>
         <p:spPr>
           <a:xfrm>
-            <a:off x="838200" y="365125"/>
-            <a:ext cx="10515600" cy="1325563"/>
+            <a:off x="838200" y="1825625"/>
+            <a:ext cx="4238297" cy="4351338"/>
           </a:xfrm>
         </p:spPr>
         <p:txBody>
@@ -4455,124 +4458,105 @@
           <a:lstStyle/>
           <a:p>
             <a:r>
-              <a:rPr lang="en-US" dirty="0"/>
-              <a:t>What have you learned ... about Computer Science?</a:t>
-            </a:r>
-          </a:p>
-        </p:txBody>
-      </p:sp>
-      <p:sp>
-        <p:nvSpPr>
-          <p:cNvPr id="3" name="Content Placeholder 2">
+              <a:rPr lang="en-US" b="1" dirty="0"/>
+              <a:t>Check-Expects</a:t>
+            </a:r>
+            <a:endParaRPr lang="en-US" dirty="0"/>
+          </a:p>
+          <a:p>
+            <a:pPr lvl="1"/>
+            <a:r>
+              <a:rPr lang="en-US" dirty="0"/>
+              <a:t>Examples to help us reason about design</a:t>
+            </a:r>
+          </a:p>
+          <a:p>
+            <a:pPr lvl="1"/>
+            <a:r>
+              <a:rPr lang="en-US" dirty="0"/>
+              <a:t>(Unit) tests that provide </a:t>
+            </a:r>
+            <a:r>
+              <a:rPr lang="en-US" i="1" dirty="0"/>
+              <a:t>some</a:t>
+            </a:r>
+            <a:r>
+              <a:rPr lang="en-US" dirty="0"/>
+              <a:t> assurance of a function’s </a:t>
+            </a:r>
+            <a:r>
+              <a:rPr lang="en-US" dirty="0" err="1"/>
+              <a:t>behaviour</a:t>
+            </a:r>
+            <a:r>
+              <a:rPr lang="en-US" dirty="0"/>
+              <a:t>, and support refactoring</a:t>
+            </a:r>
+          </a:p>
+          <a:p>
+            <a:r>
+              <a:rPr lang="en-US" b="1" dirty="0"/>
+              <a:t>Stubs</a:t>
+            </a:r>
+            <a:r>
+              <a:rPr lang="en-US" dirty="0"/>
+              <a:t> or mocks are used heavily in design and testing to isolate different parts of big systems</a:t>
+            </a:r>
+            <a:endParaRPr lang="en-US" b="1" dirty="0"/>
+          </a:p>
+        </p:txBody>
+      </p:sp>
+      <p:pic>
+        <p:nvPicPr>
+          <p:cNvPr id="2050" name="Picture 2" descr="Image-2-1">
             <a:extLst>
               <a:ext uri="{FF2B5EF4-FFF2-40B4-BE49-F238E27FC236}">
-                <a16:creationId xmlns:a16="http://schemas.microsoft.com/office/drawing/2014/main" id="{22ACEF78-0A45-E74E-9B25-4DB16636EE7C}"/>
+                <a16:creationId xmlns:a16="http://schemas.microsoft.com/office/drawing/2014/main" id="{AE087877-6CF5-5244-B7A3-2545068D6E3E}"/>
               </a:ext>
             </a:extLst>
           </p:cNvPr>
-          <p:cNvSpPr>
-            <a:spLocks noGrp="1"/>
-          </p:cNvSpPr>
-          <p:nvPr>
-            <p:ph idx="1"/>
-          </p:nvPr>
-        </p:nvSpPr>
-        <p:spPr>
+          <p:cNvPicPr>
+            <a:picLocks noChangeAspect="1" noChangeArrowheads="1"/>
+          </p:cNvPicPr>
+          <p:nvPr/>
+        </p:nvPicPr>
+        <p:blipFill rotWithShape="1">
+          <a:blip r:embed="rId2">
+            <a:extLst>
+              <a:ext uri="{28A0092B-C50C-407E-A947-70E740481C1C}">
+                <a14:useLocalDpi xmlns:a14="http://schemas.microsoft.com/office/drawing/2010/main" val="0"/>
+              </a:ext>
+            </a:extLst>
+          </a:blip>
+          <a:srcRect l="2143" t="3882" r="5925" b="7810"/>
+          <a:stretch>
+            <a:fillRect/>
+          </a:stretch>
+        </p:blipFill>
+        <p:spPr bwMode="auto">
           <a:xfrm>
-            <a:off x="838200" y="1825625"/>
-            <a:ext cx="10515600" cy="4351338"/>
+            <a:off x="5507421" y="1327552"/>
+            <a:ext cx="6684579" cy="4747427"/>
           </a:xfrm>
+          <a:prstGeom prst="rect">
+            <a:avLst/>
+          </a:prstGeom>
+          <a:noFill/>
+          <a:extLst>
+            <a:ext uri="{909E8E84-426E-40DD-AFC4-6F175D3DCCD1}">
+              <a14:hiddenFill xmlns:a14="http://schemas.microsoft.com/office/drawing/2010/main">
+                <a:solidFill>
+                  <a:srgbClr val="FFFFFF"/>
+                </a:solidFill>
+              </a14:hiddenFill>
+            </a:ext>
+          </a:extLst>
         </p:spPr>
-        <p:txBody>
-          <a:bodyPr>
-            <a:normAutofit fontScale="92500" lnSpcReduction="10000"/>
-          </a:bodyPr>
-          <a:lstStyle/>
-          <a:p>
-            <a:r>
-              <a:rPr lang="en-US" dirty="0"/>
-              <a:t>foundations of software engineering</a:t>
-            </a:r>
-          </a:p>
-          <a:p>
-            <a:pPr lvl="1"/>
-            <a:r>
-              <a:rPr lang="en-US" dirty="0"/>
-              <a:t>much more in 210, 310, 410</a:t>
-            </a:r>
-          </a:p>
-          <a:p>
-            <a:r>
-              <a:rPr lang="en-US" dirty="0"/>
-              <a:t>simple functional programming language</a:t>
-            </a:r>
-          </a:p>
-          <a:p>
-            <a:pPr lvl="1"/>
-            <a:r>
-              <a:rPr lang="en-US" dirty="0"/>
-              <a:t>much more in 311, 312, 411</a:t>
-            </a:r>
-          </a:p>
-          <a:p>
-            <a:r>
-              <a:rPr lang="en-US" dirty="0"/>
-              <a:t>a bit about algorithms and data structures</a:t>
-            </a:r>
-          </a:p>
-          <a:p>
-            <a:pPr lvl="1"/>
-            <a:r>
-              <a:rPr lang="en-US" dirty="0"/>
-              <a:t>trees, graphs, sorting, searching</a:t>
-            </a:r>
-          </a:p>
-          <a:p>
-            <a:pPr lvl="1"/>
-            <a:r>
-              <a:rPr lang="en-US" dirty="0"/>
-              <a:t>much more in 221, 320, 420</a:t>
-            </a:r>
-          </a:p>
-          <a:p>
-            <a:r>
-              <a:rPr lang="en-US" dirty="0"/>
-              <a:t>a very little bit about systems and architecture (MVC)</a:t>
-            </a:r>
-          </a:p>
-          <a:p>
-            <a:pPr lvl="1"/>
-            <a:r>
-              <a:rPr lang="en-US" dirty="0"/>
-              <a:t>much much more in 213, 313, 317</a:t>
-            </a:r>
-          </a:p>
-          <a:p>
-            <a:pPr lvl="1"/>
-            <a:endParaRPr lang="en-US" dirty="0"/>
-          </a:p>
-          <a:p>
-            <a:r>
-              <a:rPr lang="en-US" dirty="0"/>
-              <a:t>but there’s much much much much more beyond that</a:t>
-            </a:r>
-          </a:p>
-          <a:p>
-            <a:pPr lvl="1"/>
-            <a:endParaRPr lang="en-US" dirty="0"/>
-          </a:p>
-          <a:p>
-            <a:endParaRPr lang="en-US" dirty="0"/>
-          </a:p>
-          <a:p>
-            <a:endParaRPr lang="en-US" dirty="0"/>
-          </a:p>
-        </p:txBody>
-      </p:sp>
+      </p:pic>
     </p:spTree>
     <p:extLst>
       <p:ext uri="{BB962C8B-B14F-4D97-AF65-F5344CB8AC3E}">
-        <p14:creationId xmlns:p14="http://schemas.microsoft.com/office/powerpoint/2010/main" val="4276937663"/>
+        <p14:creationId xmlns:p14="http://schemas.microsoft.com/office/powerpoint/2010/main" val="2699274340"/>
       </p:ext>
     </p:extLst>
   </p:cSld>
@@ -4604,6 +4588,1329 @@
           <p:cNvPr id="2" name="Title 1">
             <a:extLst>
               <a:ext uri="{FF2B5EF4-FFF2-40B4-BE49-F238E27FC236}">
+                <a16:creationId xmlns:a16="http://schemas.microsoft.com/office/drawing/2014/main" id="{067B3C2D-B6B6-0651-1F21-97C0EF016A95}"/>
+              </a:ext>
+            </a:extLst>
+          </p:cNvPr>
+          <p:cNvSpPr>
+            <a:spLocks noGrp="1"/>
+          </p:cNvSpPr>
+          <p:nvPr>
+            <p:ph type="title"/>
+          </p:nvPr>
+        </p:nvSpPr>
+        <p:spPr/>
+        <p:txBody>
+          <a:bodyPr/>
+          <a:lstStyle/>
+          <a:p>
+            <a:r>
+              <a:rPr lang="en-US" dirty="0"/>
+              <a:t>Fundamentals of Type Systems</a:t>
+            </a:r>
+          </a:p>
+        </p:txBody>
+      </p:sp>
+      <p:sp>
+        <p:nvSpPr>
+          <p:cNvPr id="3" name="Content Placeholder 2">
+            <a:extLst>
+              <a:ext uri="{FF2B5EF4-FFF2-40B4-BE49-F238E27FC236}">
+                <a16:creationId xmlns:a16="http://schemas.microsoft.com/office/drawing/2014/main" id="{BD16A938-A1A8-21D1-195C-C80E8BBC4447}"/>
+              </a:ext>
+            </a:extLst>
+          </p:cNvPr>
+          <p:cNvSpPr>
+            <a:spLocks noGrp="1"/>
+          </p:cNvSpPr>
+          <p:nvPr>
+            <p:ph idx="1"/>
+          </p:nvPr>
+        </p:nvSpPr>
+        <p:spPr/>
+        <p:txBody>
+          <a:bodyPr/>
+          <a:lstStyle/>
+          <a:p>
+            <a:r>
+              <a:rPr lang="en-US" b="1" dirty="0"/>
+              <a:t>Data Definitions</a:t>
+            </a:r>
+            <a:r>
+              <a:rPr lang="en-US" dirty="0"/>
+              <a:t> and </a:t>
+            </a:r>
+            <a:r>
+              <a:rPr lang="en-US" b="1" dirty="0"/>
+              <a:t>Type Comments</a:t>
+            </a:r>
+            <a:r>
+              <a:rPr lang="en-US" dirty="0"/>
+              <a:t> describe the shape of data</a:t>
+            </a:r>
+          </a:p>
+          <a:p>
+            <a:pPr lvl="1"/>
+            <a:r>
+              <a:rPr lang="en-US" dirty="0"/>
+              <a:t>Details are different but the </a:t>
+            </a:r>
+            <a:r>
+              <a:rPr lang="en-US" i="1" dirty="0"/>
+              <a:t>concept </a:t>
+            </a:r>
+            <a:r>
+              <a:rPr lang="en-US" dirty="0"/>
+              <a:t>applies to all programs</a:t>
+            </a:r>
+          </a:p>
+          <a:p>
+            <a:pPr marL="0" indent="0">
+              <a:buNone/>
+            </a:pPr>
+            <a:endParaRPr lang="en-US" dirty="0"/>
+          </a:p>
+          <a:p>
+            <a:pPr marL="0" indent="0">
+              <a:buNone/>
+            </a:pPr>
+            <a:r>
+              <a:rPr lang="en-US" dirty="0"/>
+              <a:t>	</a:t>
+            </a:r>
+          </a:p>
+          <a:p>
+            <a:pPr marL="0" indent="0">
+              <a:buNone/>
+            </a:pPr>
+            <a:endParaRPr lang="en-US" dirty="0"/>
+          </a:p>
+          <a:p>
+            <a:r>
+              <a:rPr lang="en-US" b="1" dirty="0"/>
+              <a:t>Signatures</a:t>
+            </a:r>
+            <a:r>
+              <a:rPr lang="en-US" dirty="0"/>
+              <a:t> describe a what a function consumes/produces</a:t>
+            </a:r>
+          </a:p>
+          <a:p>
+            <a:r>
+              <a:rPr lang="en-US" b="1" dirty="0"/>
+              <a:t>Type inference</a:t>
+            </a:r>
+            <a:r>
+              <a:rPr lang="en-US" dirty="0"/>
+              <a:t> can help prevent bugs </a:t>
+            </a:r>
+            <a:r>
+              <a:rPr lang="en-US" i="1" dirty="0"/>
+              <a:t>before</a:t>
+            </a:r>
+            <a:r>
+              <a:rPr lang="en-US" dirty="0"/>
+              <a:t> running a program</a:t>
+            </a:r>
+          </a:p>
+          <a:p>
+            <a:pPr lvl="1"/>
+            <a:r>
+              <a:rPr lang="en-US" dirty="0"/>
+              <a:t>Automatic inference tools require you have clear understanding of your types</a:t>
+            </a:r>
+          </a:p>
+        </p:txBody>
+      </p:sp>
+      <p:pic>
+        <p:nvPicPr>
+          <p:cNvPr id="5" name="Picture 4">
+            <a:extLst>
+              <a:ext uri="{FF2B5EF4-FFF2-40B4-BE49-F238E27FC236}">
+                <a16:creationId xmlns:a16="http://schemas.microsoft.com/office/drawing/2014/main" id="{B3DA2A27-98AD-58BA-9F8D-4BC98D571653}"/>
+              </a:ext>
+            </a:extLst>
+          </p:cNvPr>
+          <p:cNvPicPr>
+            <a:picLocks noChangeAspect="1"/>
+          </p:cNvPicPr>
+          <p:nvPr/>
+        </p:nvPicPr>
+        <p:blipFill>
+          <a:blip r:embed="rId2"/>
+          <a:stretch>
+            <a:fillRect/>
+          </a:stretch>
+        </p:blipFill>
+        <p:spPr>
+          <a:xfrm>
+            <a:off x="838200" y="2889250"/>
+            <a:ext cx="6705600" cy="1079500"/>
+          </a:xfrm>
+          <a:prstGeom prst="rect">
+            <a:avLst/>
+          </a:prstGeom>
+        </p:spPr>
+      </p:pic>
+      <p:pic>
+        <p:nvPicPr>
+          <p:cNvPr id="6" name="Picture 5">
+            <a:extLst>
+              <a:ext uri="{FF2B5EF4-FFF2-40B4-BE49-F238E27FC236}">
+                <a16:creationId xmlns:a16="http://schemas.microsoft.com/office/drawing/2014/main" id="{3F9B568E-55A0-A835-6294-662F19A45402}"/>
+              </a:ext>
+            </a:extLst>
+          </p:cNvPr>
+          <p:cNvPicPr>
+            <a:picLocks noChangeAspect="1"/>
+          </p:cNvPicPr>
+          <p:nvPr/>
+        </p:nvPicPr>
+        <p:blipFill>
+          <a:blip r:embed="rId3"/>
+          <a:stretch>
+            <a:fillRect/>
+          </a:stretch>
+        </p:blipFill>
+        <p:spPr>
+          <a:xfrm>
+            <a:off x="7947354" y="2736850"/>
+            <a:ext cx="2603500" cy="1384300"/>
+          </a:xfrm>
+          <a:prstGeom prst="rect">
+            <a:avLst/>
+          </a:prstGeom>
+        </p:spPr>
+      </p:pic>
+    </p:spTree>
+    <p:extLst>
+      <p:ext uri="{BB962C8B-B14F-4D97-AF65-F5344CB8AC3E}">
+        <p14:creationId xmlns:p14="http://schemas.microsoft.com/office/powerpoint/2010/main" val="2472488173"/>
+      </p:ext>
+    </p:extLst>
+  </p:cSld>
+  <p:clrMapOvr>
+    <a:masterClrMapping/>
+  </p:clrMapOvr>
+</p:sld>
+</file>
+
+<file path=ppt/slides/slide16.xml><?xml version="1.0" encoding="utf-8"?>
+<p:sld xmlns:a="http://schemas.openxmlformats.org/drawingml/2006/main" xmlns:r="http://schemas.openxmlformats.org/officeDocument/2006/relationships" xmlns:p="http://schemas.openxmlformats.org/presentationml/2006/main">
+  <p:cSld>
+    <p:spTree>
+      <p:nvGrpSpPr>
+        <p:cNvPr id="1" name=""/>
+        <p:cNvGrpSpPr/>
+        <p:nvPr/>
+      </p:nvGrpSpPr>
+      <p:grpSpPr>
+        <a:xfrm>
+          <a:off x="0" y="0"/>
+          <a:ext cx="0" cy="0"/>
+          <a:chOff x="0" y="0"/>
+          <a:chExt cx="0" cy="0"/>
+        </a:xfrm>
+      </p:grpSpPr>
+      <p:sp>
+        <p:nvSpPr>
+          <p:cNvPr id="2" name="Title 1">
+            <a:extLst>
+              <a:ext uri="{FF2B5EF4-FFF2-40B4-BE49-F238E27FC236}">
+                <a16:creationId xmlns:a16="http://schemas.microsoft.com/office/drawing/2014/main" id="{66A3AD35-9BCD-DAD9-88C6-302EEAEE5B79}"/>
+              </a:ext>
+            </a:extLst>
+          </p:cNvPr>
+          <p:cNvSpPr>
+            <a:spLocks noGrp="1"/>
+          </p:cNvSpPr>
+          <p:nvPr>
+            <p:ph type="title"/>
+          </p:nvPr>
+        </p:nvSpPr>
+        <p:spPr>
+          <a:xfrm>
+            <a:off x="838200" y="365125"/>
+            <a:ext cx="5849937" cy="1325563"/>
+          </a:xfrm>
+        </p:spPr>
+        <p:txBody>
+          <a:bodyPr/>
+          <a:lstStyle/>
+          <a:p>
+            <a:r>
+              <a:rPr lang="en-US" dirty="0"/>
+              <a:t>Design Patterns and Modularity</a:t>
+            </a:r>
+          </a:p>
+        </p:txBody>
+      </p:sp>
+      <p:sp>
+        <p:nvSpPr>
+          <p:cNvPr id="3" name="Content Placeholder 2">
+            <a:extLst>
+              <a:ext uri="{FF2B5EF4-FFF2-40B4-BE49-F238E27FC236}">
+                <a16:creationId xmlns:a16="http://schemas.microsoft.com/office/drawing/2014/main" id="{7892A5B9-9573-014D-47B3-598F99079BA0}"/>
+              </a:ext>
+            </a:extLst>
+          </p:cNvPr>
+          <p:cNvSpPr>
+            <a:spLocks noGrp="1"/>
+          </p:cNvSpPr>
+          <p:nvPr>
+            <p:ph idx="1"/>
+          </p:nvPr>
+        </p:nvSpPr>
+        <p:spPr>
+          <a:xfrm>
+            <a:off x="838200" y="1825625"/>
+            <a:ext cx="5849937" cy="4351338"/>
+          </a:xfrm>
+        </p:spPr>
+        <p:txBody>
+          <a:bodyPr/>
+          <a:lstStyle/>
+          <a:p>
+            <a:r>
+              <a:rPr lang="en-US" b="1" dirty="0"/>
+              <a:t>Templates</a:t>
+            </a:r>
+            <a:r>
+              <a:rPr lang="en-US" dirty="0"/>
+              <a:t> provide reusable and composable solutions to commonly encountered problems</a:t>
+            </a:r>
+          </a:p>
+          <a:p>
+            <a:pPr marL="0" indent="0">
+              <a:buNone/>
+            </a:pPr>
+            <a:endParaRPr lang="en-US" dirty="0"/>
+          </a:p>
+          <a:p>
+            <a:r>
+              <a:rPr lang="en-US" b="1" dirty="0"/>
+              <a:t>Encapsulation</a:t>
+            </a:r>
+            <a:r>
+              <a:rPr lang="en-US" dirty="0"/>
+              <a:t> (using local) brings related aspects of a program together and is the basis for Object-Oriented Software and Module systems </a:t>
+            </a:r>
+          </a:p>
+        </p:txBody>
+      </p:sp>
+      <p:pic>
+        <p:nvPicPr>
+          <p:cNvPr id="1026" name="Picture 2" descr="Gang of Four Design Patterns - Spring Framework Guru">
+            <a:extLst>
+              <a:ext uri="{FF2B5EF4-FFF2-40B4-BE49-F238E27FC236}">
+                <a16:creationId xmlns:a16="http://schemas.microsoft.com/office/drawing/2014/main" id="{FA654DDC-2EF0-AFFF-1ADF-02D9BDE22DD8}"/>
+              </a:ext>
+            </a:extLst>
+          </p:cNvPr>
+          <p:cNvPicPr>
+            <a:picLocks noChangeAspect="1" noChangeArrowheads="1"/>
+          </p:cNvPicPr>
+          <p:nvPr/>
+        </p:nvPicPr>
+        <p:blipFill>
+          <a:blip r:embed="rId2">
+            <a:extLst>
+              <a:ext uri="{28A0092B-C50C-407E-A947-70E740481C1C}">
+                <a14:useLocalDpi xmlns:a14="http://schemas.microsoft.com/office/drawing/2010/main" val="0"/>
+              </a:ext>
+            </a:extLst>
+          </a:blip>
+          <a:srcRect/>
+          <a:stretch>
+            <a:fillRect/>
+          </a:stretch>
+        </p:blipFill>
+        <p:spPr bwMode="auto">
+          <a:xfrm>
+            <a:off x="6688137" y="0"/>
+            <a:ext cx="5503863" cy="6858000"/>
+          </a:xfrm>
+          <a:prstGeom prst="rect">
+            <a:avLst/>
+          </a:prstGeom>
+          <a:noFill/>
+          <a:extLst>
+            <a:ext uri="{909E8E84-426E-40DD-AFC4-6F175D3DCCD1}">
+              <a14:hiddenFill xmlns:a14="http://schemas.microsoft.com/office/drawing/2010/main">
+                <a:solidFill>
+                  <a:srgbClr val="FFFFFF"/>
+                </a:solidFill>
+              </a14:hiddenFill>
+            </a:ext>
+          </a:extLst>
+        </p:spPr>
+      </p:pic>
+    </p:spTree>
+    <p:extLst>
+      <p:ext uri="{BB962C8B-B14F-4D97-AF65-F5344CB8AC3E}">
+        <p14:creationId xmlns:p14="http://schemas.microsoft.com/office/powerpoint/2010/main" val="1047412809"/>
+      </p:ext>
+    </p:extLst>
+  </p:cSld>
+  <p:clrMapOvr>
+    <a:masterClrMapping/>
+  </p:clrMapOvr>
+</p:sld>
+</file>
+
+<file path=ppt/slides/slide17.xml><?xml version="1.0" encoding="utf-8"?>
+<p:sld xmlns:a="http://schemas.openxmlformats.org/drawingml/2006/main" xmlns:r="http://schemas.openxmlformats.org/officeDocument/2006/relationships" xmlns:p="http://schemas.openxmlformats.org/presentationml/2006/main" show="0">
+  <p:cSld>
+    <p:spTree>
+      <p:nvGrpSpPr>
+        <p:cNvPr id="1" name=""/>
+        <p:cNvGrpSpPr/>
+        <p:nvPr/>
+      </p:nvGrpSpPr>
+      <p:grpSpPr>
+        <a:xfrm>
+          <a:off x="0" y="0"/>
+          <a:ext cx="0" cy="0"/>
+          <a:chOff x="0" y="0"/>
+          <a:chExt cx="0" cy="0"/>
+        </a:xfrm>
+      </p:grpSpPr>
+      <p:sp>
+        <p:nvSpPr>
+          <p:cNvPr id="2" name="Title 1">
+            <a:extLst>
+              <a:ext uri="{FF2B5EF4-FFF2-40B4-BE49-F238E27FC236}">
+                <a16:creationId xmlns:a16="http://schemas.microsoft.com/office/drawing/2014/main" id="{4775EAC4-7652-700F-6434-2BA3575FEBC7}"/>
+              </a:ext>
+            </a:extLst>
+          </p:cNvPr>
+          <p:cNvSpPr>
+            <a:spLocks noGrp="1"/>
+          </p:cNvSpPr>
+          <p:nvPr>
+            <p:ph type="title"/>
+          </p:nvPr>
+        </p:nvSpPr>
+        <p:spPr/>
+        <p:txBody>
+          <a:bodyPr/>
+          <a:lstStyle/>
+          <a:p>
+            <a:r>
+              <a:rPr lang="en-US" dirty="0"/>
+              <a:t>Search problems in the wild</a:t>
+            </a:r>
+          </a:p>
+        </p:txBody>
+      </p:sp>
+      <p:sp>
+        <p:nvSpPr>
+          <p:cNvPr id="3" name="Content Placeholder 2">
+            <a:extLst>
+              <a:ext uri="{FF2B5EF4-FFF2-40B4-BE49-F238E27FC236}">
+                <a16:creationId xmlns:a16="http://schemas.microsoft.com/office/drawing/2014/main" id="{402DCE2B-671C-2F85-A610-C3ACAB68E959}"/>
+              </a:ext>
+            </a:extLst>
+          </p:cNvPr>
+          <p:cNvSpPr>
+            <a:spLocks noGrp="1"/>
+          </p:cNvSpPr>
+          <p:nvPr>
+            <p:ph idx="1"/>
+          </p:nvPr>
+        </p:nvSpPr>
+        <p:spPr/>
+        <p:txBody>
+          <a:bodyPr/>
+          <a:lstStyle/>
+          <a:p>
+            <a:r>
+              <a:rPr lang="en-US" dirty="0"/>
+              <a:t>Theorem provers -&gt; Constraint Satisfaction Problems</a:t>
+            </a:r>
+          </a:p>
+          <a:p>
+            <a:r>
+              <a:rPr lang="en-US" dirty="0"/>
+              <a:t>&lt;Simple example expression w/ assignment &gt;</a:t>
+            </a:r>
+          </a:p>
+          <a:p>
+            <a:r>
+              <a:rPr lang="en-US" dirty="0"/>
+              <a:t>Real CSP problems may have 100s or 1000s of expressions to satisfy</a:t>
+            </a:r>
+          </a:p>
+          <a:p>
+            <a:r>
+              <a:rPr lang="en-US" dirty="0"/>
+              <a:t>Z3 Library &lt;add picture&gt;</a:t>
+            </a:r>
+          </a:p>
+          <a:p>
+            <a:pPr lvl="1"/>
+            <a:r>
+              <a:rPr lang="en-US" dirty="0"/>
+              <a:t>Efficient search over by generating different valid assignments</a:t>
+            </a:r>
+          </a:p>
+          <a:p>
+            <a:endParaRPr lang="en-US" dirty="0"/>
+          </a:p>
+        </p:txBody>
+      </p:sp>
+    </p:spTree>
+    <p:extLst>
+      <p:ext uri="{BB962C8B-B14F-4D97-AF65-F5344CB8AC3E}">
+        <p14:creationId xmlns:p14="http://schemas.microsoft.com/office/powerpoint/2010/main" val="2989681006"/>
+      </p:ext>
+    </p:extLst>
+  </p:cSld>
+  <p:clrMapOvr>
+    <a:masterClrMapping/>
+  </p:clrMapOvr>
+</p:sld>
+</file>
+
+<file path=ppt/slides/slide18.xml><?xml version="1.0" encoding="utf-8"?>
+<p:sld xmlns:a="http://schemas.openxmlformats.org/drawingml/2006/main" xmlns:r="http://schemas.openxmlformats.org/officeDocument/2006/relationships" xmlns:p="http://schemas.openxmlformats.org/presentationml/2006/main" show="0">
+  <p:cSld>
+    <p:spTree>
+      <p:nvGrpSpPr>
+        <p:cNvPr id="1" name="">
+          <a:extLst>
+            <a:ext uri="{FF2B5EF4-FFF2-40B4-BE49-F238E27FC236}">
+              <a16:creationId xmlns:a16="http://schemas.microsoft.com/office/drawing/2014/main" id="{29FF2523-90C3-6A26-5666-6DE8D20A0097}"/>
+            </a:ext>
+          </a:extLst>
+        </p:cNvPr>
+        <p:cNvGrpSpPr/>
+        <p:nvPr/>
+      </p:nvGrpSpPr>
+      <p:grpSpPr>
+        <a:xfrm>
+          <a:off x="0" y="0"/>
+          <a:ext cx="0" cy="0"/>
+          <a:chOff x="0" y="0"/>
+          <a:chExt cx="0" cy="0"/>
+        </a:xfrm>
+      </p:grpSpPr>
+      <p:sp>
+        <p:nvSpPr>
+          <p:cNvPr id="2" name="Title 1">
+            <a:extLst>
+              <a:ext uri="{FF2B5EF4-FFF2-40B4-BE49-F238E27FC236}">
+                <a16:creationId xmlns:a16="http://schemas.microsoft.com/office/drawing/2014/main" id="{92E86A7A-7A24-03C1-7647-EF678893356D}"/>
+              </a:ext>
+            </a:extLst>
+          </p:cNvPr>
+          <p:cNvSpPr>
+            <a:spLocks noGrp="1"/>
+          </p:cNvSpPr>
+          <p:nvPr>
+            <p:ph type="title"/>
+          </p:nvPr>
+        </p:nvSpPr>
+        <p:spPr>
+          <a:xfrm>
+            <a:off x="838200" y="365125"/>
+            <a:ext cx="10515600" cy="1325563"/>
+          </a:xfrm>
+        </p:spPr>
+        <p:txBody>
+          <a:bodyPr>
+            <a:normAutofit/>
+          </a:bodyPr>
+          <a:lstStyle/>
+          <a:p>
+            <a:r>
+              <a:rPr lang="en-US" dirty="0"/>
+              <a:t>What have you learned ... about Software Engineering?</a:t>
+            </a:r>
+          </a:p>
+        </p:txBody>
+      </p:sp>
+      <p:sp>
+        <p:nvSpPr>
+          <p:cNvPr id="3" name="Content Placeholder 2">
+            <a:extLst>
+              <a:ext uri="{FF2B5EF4-FFF2-40B4-BE49-F238E27FC236}">
+                <a16:creationId xmlns:a16="http://schemas.microsoft.com/office/drawing/2014/main" id="{38A9BA26-A5FA-E0BA-C4AB-F47F915E7316}"/>
+              </a:ext>
+            </a:extLst>
+          </p:cNvPr>
+          <p:cNvSpPr>
+            <a:spLocks noGrp="1"/>
+          </p:cNvSpPr>
+          <p:nvPr>
+            <p:ph idx="1"/>
+          </p:nvPr>
+        </p:nvSpPr>
+        <p:spPr>
+          <a:xfrm>
+            <a:off x="838200" y="1825625"/>
+            <a:ext cx="10515600" cy="4351338"/>
+          </a:xfrm>
+        </p:spPr>
+        <p:txBody>
+          <a:bodyPr>
+            <a:normAutofit/>
+          </a:bodyPr>
+          <a:lstStyle/>
+          <a:p>
+            <a:pPr marL="457200" lvl="1" indent="0">
+              <a:buNone/>
+            </a:pPr>
+            <a:endParaRPr lang="en-US" dirty="0"/>
+          </a:p>
+          <a:p>
+            <a:pPr marL="457200" lvl="1" indent="0">
+              <a:buNone/>
+            </a:pPr>
+            <a:endParaRPr lang="en-US" dirty="0"/>
+          </a:p>
+          <a:p>
+            <a:pPr marL="457200" lvl="1" indent="0">
+              <a:buNone/>
+            </a:pPr>
+            <a:endParaRPr lang="en-US" dirty="0"/>
+          </a:p>
+          <a:p>
+            <a:pPr marL="457200" lvl="1" indent="0">
+              <a:buNone/>
+            </a:pPr>
+            <a:endParaRPr lang="en-US" dirty="0"/>
+          </a:p>
+          <a:p>
+            <a:pPr marL="457200" lvl="1" indent="0">
+              <a:buNone/>
+            </a:pPr>
+            <a:endParaRPr lang="en-US" dirty="0"/>
+          </a:p>
+          <a:p>
+            <a:pPr marL="457200" lvl="1" indent="0">
+              <a:buNone/>
+            </a:pPr>
+            <a:endParaRPr lang="en-US" dirty="0"/>
+          </a:p>
+          <a:p>
+            <a:pPr marL="457200" lvl="1" indent="0">
+              <a:buNone/>
+            </a:pPr>
+            <a:endParaRPr lang="en-US" dirty="0"/>
+          </a:p>
+          <a:p>
+            <a:pPr marL="457200" lvl="1" indent="0">
+              <a:buNone/>
+            </a:pPr>
+            <a:endParaRPr lang="en-US" dirty="0"/>
+          </a:p>
+          <a:p>
+            <a:pPr marL="457200" lvl="1" indent="0">
+              <a:buNone/>
+            </a:pPr>
+            <a:endParaRPr lang="en-US" dirty="0"/>
+          </a:p>
+          <a:p>
+            <a:pPr marL="457200" lvl="1" indent="0">
+              <a:buNone/>
+            </a:pPr>
+            <a:r>
+              <a:rPr lang="en-US" dirty="0"/>
+              <a:t>much more SE in 210, 310, 410</a:t>
+            </a:r>
+          </a:p>
+          <a:p>
+            <a:endParaRPr lang="en-US" dirty="0"/>
+          </a:p>
+          <a:p>
+            <a:endParaRPr lang="en-US" dirty="0"/>
+          </a:p>
+        </p:txBody>
+      </p:sp>
+      <p:graphicFrame>
+        <p:nvGraphicFramePr>
+          <p:cNvPr id="4" name="Content Placeholder 3">
+            <a:extLst>
+              <a:ext uri="{FF2B5EF4-FFF2-40B4-BE49-F238E27FC236}">
+                <a16:creationId xmlns:a16="http://schemas.microsoft.com/office/drawing/2014/main" id="{D87E9D19-08EA-388D-B092-9A969D405499}"/>
+              </a:ext>
+            </a:extLst>
+          </p:cNvPr>
+          <p:cNvGraphicFramePr>
+            <a:graphicFrameLocks/>
+          </p:cNvGraphicFramePr>
+          <p:nvPr>
+            <p:extLst>
+              <p:ext uri="{D42A27DB-BD31-4B8C-83A1-F6EECF244321}">
+                <p14:modId xmlns:p14="http://schemas.microsoft.com/office/powerpoint/2010/main" val="2579212610"/>
+              </p:ext>
+            </p:extLst>
+          </p:nvPr>
+        </p:nvGraphicFramePr>
+        <p:xfrm>
+          <a:off x="838200" y="1825625"/>
+          <a:ext cx="10515600" cy="3337560"/>
+        </p:xfrm>
+        <a:graphic>
+          <a:graphicData uri="http://schemas.openxmlformats.org/drawingml/2006/table">
+            <a:tbl>
+              <a:tblPr firstRow="1" bandRow="1">
+                <a:tableStyleId>{5C22544A-7EE6-4342-B048-85BDC9FD1C3A}</a:tableStyleId>
+              </a:tblPr>
+              <a:tblGrid>
+                <a:gridCol w="5257800">
+                  <a:extLst>
+                    <a:ext uri="{9D8B030D-6E8A-4147-A177-3AD203B41FA5}">
+                      <a16:colId xmlns:a16="http://schemas.microsoft.com/office/drawing/2014/main" val="1506021729"/>
+                    </a:ext>
+                  </a:extLst>
+                </a:gridCol>
+                <a:gridCol w="5257800">
+                  <a:extLst>
+                    <a:ext uri="{9D8B030D-6E8A-4147-A177-3AD203B41FA5}">
+                      <a16:colId xmlns:a16="http://schemas.microsoft.com/office/drawing/2014/main" val="1020737088"/>
+                    </a:ext>
+                  </a:extLst>
+                </a:gridCol>
+              </a:tblGrid>
+              <a:tr h="370840">
+                <a:tc>
+                  <a:txBody>
+                    <a:bodyPr/>
+                    <a:lstStyle/>
+                    <a:p>
+                      <a:r>
+                        <a:rPr lang="en-US" dirty="0"/>
+                        <a:t>110 Concept</a:t>
+                      </a:r>
+                    </a:p>
+                  </a:txBody>
+                  <a:tcPr/>
+                </a:tc>
+                <a:tc>
+                  <a:txBody>
+                    <a:bodyPr/>
+                    <a:lstStyle/>
+                    <a:p>
+                      <a:r>
+                        <a:rPr lang="en-US" dirty="0"/>
+                        <a:t>Software Engineering</a:t>
+                      </a:r>
+                    </a:p>
+                  </a:txBody>
+                  <a:tcPr/>
+                </a:tc>
+                <a:extLst>
+                  <a:ext uri="{0D108BD9-81ED-4DB2-BD59-A6C34878D82A}">
+                    <a16:rowId xmlns:a16="http://schemas.microsoft.com/office/drawing/2014/main" val="216277573"/>
+                  </a:ext>
+                </a:extLst>
+              </a:tr>
+              <a:tr h="370840">
+                <a:tc>
+                  <a:txBody>
+                    <a:bodyPr/>
+                    <a:lstStyle/>
+                    <a:p>
+                      <a:r>
+                        <a:rPr lang="en-US" dirty="0"/>
+                        <a:t>Data Definitions, Signatures, Type Inference</a:t>
+                      </a:r>
+                    </a:p>
+                  </a:txBody>
+                  <a:tcPr/>
+                </a:tc>
+                <a:tc>
+                  <a:txBody>
+                    <a:bodyPr/>
+                    <a:lstStyle/>
+                    <a:p>
+                      <a:r>
+                        <a:rPr lang="en-US" dirty="0"/>
+                        <a:t>Type Systems</a:t>
+                      </a:r>
+                    </a:p>
+                  </a:txBody>
+                  <a:tcPr/>
+                </a:tc>
+                <a:extLst>
+                  <a:ext uri="{0D108BD9-81ED-4DB2-BD59-A6C34878D82A}">
+                    <a16:rowId xmlns:a16="http://schemas.microsoft.com/office/drawing/2014/main" val="441433553"/>
+                  </a:ext>
+                </a:extLst>
+              </a:tr>
+              <a:tr h="370840">
+                <a:tc>
+                  <a:txBody>
+                    <a:bodyPr/>
+                    <a:lstStyle/>
+                    <a:p>
+                      <a:r>
+                        <a:rPr lang="en-US" dirty="0"/>
+                        <a:t>Purpose Statements</a:t>
+                      </a:r>
+                    </a:p>
+                  </a:txBody>
+                  <a:tcPr/>
+                </a:tc>
+                <a:tc>
+                  <a:txBody>
+                    <a:bodyPr/>
+                    <a:lstStyle/>
+                    <a:p>
+                      <a:r>
+                        <a:rPr lang="en-US" dirty="0"/>
+                        <a:t>Requirements and Specification</a:t>
+                      </a:r>
+                    </a:p>
+                  </a:txBody>
+                  <a:tcPr/>
+                </a:tc>
+                <a:extLst>
+                  <a:ext uri="{0D108BD9-81ED-4DB2-BD59-A6C34878D82A}">
+                    <a16:rowId xmlns:a16="http://schemas.microsoft.com/office/drawing/2014/main" val="1366349148"/>
+                  </a:ext>
+                </a:extLst>
+              </a:tr>
+              <a:tr h="370840">
+                <a:tc>
+                  <a:txBody>
+                    <a:bodyPr/>
+                    <a:lstStyle/>
+                    <a:p>
+                      <a:r>
+                        <a:rPr lang="en-US" dirty="0"/>
+                        <a:t>Check-expects (as tests and as examples)</a:t>
+                      </a:r>
+                    </a:p>
+                  </a:txBody>
+                  <a:tcPr/>
+                </a:tc>
+                <a:tc>
+                  <a:txBody>
+                    <a:bodyPr/>
+                    <a:lstStyle/>
+                    <a:p>
+                      <a:r>
+                        <a:rPr lang="en-US" dirty="0"/>
+                        <a:t>Unit testing, Test-Driven-Development (TDD)</a:t>
+                      </a:r>
+                    </a:p>
+                  </a:txBody>
+                  <a:tcPr/>
+                </a:tc>
+                <a:extLst>
+                  <a:ext uri="{0D108BD9-81ED-4DB2-BD59-A6C34878D82A}">
+                    <a16:rowId xmlns:a16="http://schemas.microsoft.com/office/drawing/2014/main" val="1345729816"/>
+                  </a:ext>
+                </a:extLst>
+              </a:tr>
+              <a:tr h="370840">
+                <a:tc>
+                  <a:txBody>
+                    <a:bodyPr/>
+                    <a:lstStyle/>
+                    <a:p>
+                      <a:r>
+                        <a:rPr lang="en-US" dirty="0"/>
+                        <a:t>Stubs</a:t>
+                      </a:r>
+                    </a:p>
+                  </a:txBody>
+                  <a:tcPr/>
+                </a:tc>
+                <a:tc>
+                  <a:txBody>
+                    <a:bodyPr/>
+                    <a:lstStyle/>
+                    <a:p>
+                      <a:r>
+                        <a:rPr lang="en-US" dirty="0"/>
+                        <a:t>Mocks</a:t>
+                      </a:r>
+                    </a:p>
+                  </a:txBody>
+                  <a:tcPr/>
+                </a:tc>
+                <a:extLst>
+                  <a:ext uri="{0D108BD9-81ED-4DB2-BD59-A6C34878D82A}">
+                    <a16:rowId xmlns:a16="http://schemas.microsoft.com/office/drawing/2014/main" val="2465963697"/>
+                  </a:ext>
+                </a:extLst>
+              </a:tr>
+              <a:tr h="370840">
+                <a:tc>
+                  <a:txBody>
+                    <a:bodyPr/>
+                    <a:lstStyle/>
+                    <a:p>
+                      <a:r>
+                        <a:rPr lang="en-US" dirty="0"/>
+                        <a:t>Templates</a:t>
+                      </a:r>
+                    </a:p>
+                  </a:txBody>
+                  <a:tcPr/>
+                </a:tc>
+                <a:tc>
+                  <a:txBody>
+                    <a:bodyPr/>
+                    <a:lstStyle/>
+                    <a:p>
+                      <a:r>
+                        <a:rPr lang="en-US" dirty="0"/>
+                        <a:t>Design Patterns (e.g., Visitor Pattern)</a:t>
+                      </a:r>
+                    </a:p>
+                  </a:txBody>
+                  <a:tcPr/>
+                </a:tc>
+                <a:extLst>
+                  <a:ext uri="{0D108BD9-81ED-4DB2-BD59-A6C34878D82A}">
+                    <a16:rowId xmlns:a16="http://schemas.microsoft.com/office/drawing/2014/main" val="145617744"/>
+                  </a:ext>
+                </a:extLst>
+              </a:tr>
+              <a:tr h="370840">
+                <a:tc>
+                  <a:txBody>
+                    <a:bodyPr/>
+                    <a:lstStyle/>
+                    <a:p>
+                      <a:r>
+                        <a:rPr lang="en-US" dirty="0"/>
+                        <a:t>Encapsulation (using local)</a:t>
+                      </a:r>
+                    </a:p>
+                  </a:txBody>
+                  <a:tcPr/>
+                </a:tc>
+                <a:tc>
+                  <a:txBody>
+                    <a:bodyPr/>
+                    <a:lstStyle/>
+                    <a:p>
+                      <a:r>
+                        <a:rPr lang="en-US" dirty="0"/>
+                        <a:t>Module systems, Refactoring</a:t>
+                      </a:r>
+                    </a:p>
+                  </a:txBody>
+                  <a:tcPr/>
+                </a:tc>
+                <a:extLst>
+                  <a:ext uri="{0D108BD9-81ED-4DB2-BD59-A6C34878D82A}">
+                    <a16:rowId xmlns:a16="http://schemas.microsoft.com/office/drawing/2014/main" val="2328668522"/>
+                  </a:ext>
+                </a:extLst>
+              </a:tr>
+              <a:tr h="370840">
+                <a:tc>
+                  <a:txBody>
+                    <a:bodyPr/>
+                    <a:lstStyle/>
+                    <a:p>
+                      <a:r>
+                        <a:rPr lang="en-US" dirty="0"/>
+                        <a:t>2-one-of Cross Product of Type Comments</a:t>
+                      </a:r>
+                    </a:p>
+                  </a:txBody>
+                  <a:tcPr/>
+                </a:tc>
+                <a:tc>
+                  <a:txBody>
+                    <a:bodyPr/>
+                    <a:lstStyle/>
+                    <a:p>
+                      <a:r>
+                        <a:rPr lang="en-US" dirty="0"/>
+                        <a:t>Model-Driven-Development</a:t>
+                      </a:r>
+                    </a:p>
+                  </a:txBody>
+                  <a:tcPr/>
+                </a:tc>
+                <a:extLst>
+                  <a:ext uri="{0D108BD9-81ED-4DB2-BD59-A6C34878D82A}">
+                    <a16:rowId xmlns:a16="http://schemas.microsoft.com/office/drawing/2014/main" val="1015307906"/>
+                  </a:ext>
+                </a:extLst>
+              </a:tr>
+              <a:tr h="370840">
+                <a:tc>
+                  <a:txBody>
+                    <a:bodyPr/>
+                    <a:lstStyle/>
+                    <a:p>
+                      <a:r>
+                        <a:rPr lang="en-US" dirty="0"/>
+                        <a:t>BSL/ISL</a:t>
+                      </a:r>
+                    </a:p>
+                  </a:txBody>
+                  <a:tcPr/>
+                </a:tc>
+                <a:tc>
+                  <a:txBody>
+                    <a:bodyPr/>
+                    <a:lstStyle/>
+                    <a:p>
+                      <a:pPr marL="0" marR="0" lvl="0" indent="0" algn="l" defTabSz="914400" rtl="0" eaLnBrk="1" fontAlgn="auto" latinLnBrk="0" hangingPunct="1">
+                        <a:lnSpc>
+                          <a:spcPct val="100000"/>
+                        </a:lnSpc>
+                        <a:spcBef>
+                          <a:spcPts val="0"/>
+                        </a:spcBef>
+                        <a:spcAft>
+                          <a:spcPts val="0"/>
+                        </a:spcAft>
+                        <a:buClrTx/>
+                        <a:buSzTx/>
+                        <a:buFontTx/>
+                        <a:buNone/>
+                        <a:tabLst/>
+                        <a:defRPr/>
+                      </a:pPr>
+                      <a:r>
+                        <a:rPr lang="en-US" dirty="0"/>
+                        <a:t>Functional Programming</a:t>
+                      </a:r>
+                    </a:p>
+                  </a:txBody>
+                  <a:tcPr/>
+                </a:tc>
+                <a:extLst>
+                  <a:ext uri="{0D108BD9-81ED-4DB2-BD59-A6C34878D82A}">
+                    <a16:rowId xmlns:a16="http://schemas.microsoft.com/office/drawing/2014/main" val="2490838195"/>
+                  </a:ext>
+                </a:extLst>
+              </a:tr>
+            </a:tbl>
+          </a:graphicData>
+        </a:graphic>
+      </p:graphicFrame>
+    </p:spTree>
+    <p:extLst>
+      <p:ext uri="{BB962C8B-B14F-4D97-AF65-F5344CB8AC3E}">
+        <p14:creationId xmlns:p14="http://schemas.microsoft.com/office/powerpoint/2010/main" val="3059009006"/>
+      </p:ext>
+    </p:extLst>
+  </p:cSld>
+  <p:clrMapOvr>
+    <a:masterClrMapping/>
+  </p:clrMapOvr>
+</p:sld>
+</file>
+
+<file path=ppt/slides/slide19.xml><?xml version="1.0" encoding="utf-8"?>
+<p:sld xmlns:a="http://schemas.openxmlformats.org/drawingml/2006/main" xmlns:r="http://schemas.openxmlformats.org/officeDocument/2006/relationships" xmlns:p="http://schemas.openxmlformats.org/presentationml/2006/main">
+  <p:cSld>
+    <p:spTree>
+      <p:nvGrpSpPr>
+        <p:cNvPr id="1" name=""/>
+        <p:cNvGrpSpPr/>
+        <p:nvPr/>
+      </p:nvGrpSpPr>
+      <p:grpSpPr>
+        <a:xfrm>
+          <a:off x="0" y="0"/>
+          <a:ext cx="0" cy="0"/>
+          <a:chOff x="0" y="0"/>
+          <a:chExt cx="0" cy="0"/>
+        </a:xfrm>
+      </p:grpSpPr>
+      <p:sp>
+        <p:nvSpPr>
+          <p:cNvPr id="2" name="Title 1">
+            <a:extLst>
+              <a:ext uri="{FF2B5EF4-FFF2-40B4-BE49-F238E27FC236}">
+                <a16:creationId xmlns:a16="http://schemas.microsoft.com/office/drawing/2014/main" id="{628B3CBF-7A18-F54F-92E2-B975D203BF2F}"/>
+              </a:ext>
+            </a:extLst>
+          </p:cNvPr>
+          <p:cNvSpPr>
+            <a:spLocks noGrp="1"/>
+          </p:cNvSpPr>
+          <p:nvPr>
+            <p:ph type="title"/>
+          </p:nvPr>
+        </p:nvSpPr>
+        <p:spPr>
+          <a:xfrm>
+            <a:off x="838200" y="365125"/>
+            <a:ext cx="10515600" cy="1325563"/>
+          </a:xfrm>
+        </p:spPr>
+        <p:txBody>
+          <a:bodyPr>
+            <a:normAutofit/>
+          </a:bodyPr>
+          <a:lstStyle/>
+          <a:p>
+            <a:r>
+              <a:rPr lang="en-US" dirty="0"/>
+              <a:t>What have you learned ... about Computer Science?</a:t>
+            </a:r>
+          </a:p>
+        </p:txBody>
+      </p:sp>
+      <p:sp>
+        <p:nvSpPr>
+          <p:cNvPr id="3" name="Content Placeholder 2">
+            <a:extLst>
+              <a:ext uri="{FF2B5EF4-FFF2-40B4-BE49-F238E27FC236}">
+                <a16:creationId xmlns:a16="http://schemas.microsoft.com/office/drawing/2014/main" id="{22ACEF78-0A45-E74E-9B25-4DB16636EE7C}"/>
+              </a:ext>
+            </a:extLst>
+          </p:cNvPr>
+          <p:cNvSpPr>
+            <a:spLocks noGrp="1"/>
+          </p:cNvSpPr>
+          <p:nvPr>
+            <p:ph idx="1"/>
+          </p:nvPr>
+        </p:nvSpPr>
+        <p:spPr>
+          <a:xfrm>
+            <a:off x="838200" y="1825625"/>
+            <a:ext cx="10515600" cy="4351338"/>
+          </a:xfrm>
+        </p:spPr>
+        <p:txBody>
+          <a:bodyPr>
+            <a:normAutofit fontScale="92500" lnSpcReduction="10000"/>
+          </a:bodyPr>
+          <a:lstStyle/>
+          <a:p>
+            <a:r>
+              <a:rPr lang="en-US" dirty="0"/>
+              <a:t>foundations of software engineering</a:t>
+            </a:r>
+          </a:p>
+          <a:p>
+            <a:pPr lvl="1"/>
+            <a:r>
+              <a:rPr lang="en-US" dirty="0"/>
+              <a:t>much more in 210, 310, 410</a:t>
+            </a:r>
+          </a:p>
+          <a:p>
+            <a:r>
+              <a:rPr lang="en-US" dirty="0"/>
+              <a:t>simple functional programming language</a:t>
+            </a:r>
+          </a:p>
+          <a:p>
+            <a:pPr lvl="1"/>
+            <a:r>
+              <a:rPr lang="en-US" dirty="0"/>
+              <a:t>much more in 311, 312, 411</a:t>
+            </a:r>
+          </a:p>
+          <a:p>
+            <a:r>
+              <a:rPr lang="en-US" dirty="0"/>
+              <a:t>a bit about algorithms and data structures</a:t>
+            </a:r>
+          </a:p>
+          <a:p>
+            <a:pPr lvl="1"/>
+            <a:r>
+              <a:rPr lang="en-US" dirty="0"/>
+              <a:t>trees, graphs, sorting, searching</a:t>
+            </a:r>
+          </a:p>
+          <a:p>
+            <a:pPr lvl="1"/>
+            <a:r>
+              <a:rPr lang="en-US" dirty="0"/>
+              <a:t>much more in 221, 320, 420</a:t>
+            </a:r>
+          </a:p>
+          <a:p>
+            <a:r>
+              <a:rPr lang="en-US" dirty="0"/>
+              <a:t>a very little bit about systems and architecture (MVC)</a:t>
+            </a:r>
+          </a:p>
+          <a:p>
+            <a:pPr lvl="1"/>
+            <a:r>
+              <a:rPr lang="en-US" dirty="0"/>
+              <a:t>much much more in 213, 313, 317</a:t>
+            </a:r>
+          </a:p>
+          <a:p>
+            <a:pPr lvl="1"/>
+            <a:endParaRPr lang="en-US" dirty="0"/>
+          </a:p>
+          <a:p>
+            <a:r>
+              <a:rPr lang="en-US" dirty="0"/>
+              <a:t>but there’s much much much much more beyond that</a:t>
+            </a:r>
+          </a:p>
+          <a:p>
+            <a:pPr lvl="1"/>
+            <a:endParaRPr lang="en-US" dirty="0"/>
+          </a:p>
+          <a:p>
+            <a:endParaRPr lang="en-US" dirty="0"/>
+          </a:p>
+          <a:p>
+            <a:endParaRPr lang="en-US" dirty="0"/>
+          </a:p>
+        </p:txBody>
+      </p:sp>
+    </p:spTree>
+    <p:extLst>
+      <p:ext uri="{BB962C8B-B14F-4D97-AF65-F5344CB8AC3E}">
+        <p14:creationId xmlns:p14="http://schemas.microsoft.com/office/powerpoint/2010/main" val="4276937663"/>
+      </p:ext>
+    </p:extLst>
+  </p:cSld>
+  <p:clrMapOvr>
+    <a:masterClrMapping/>
+  </p:clrMapOvr>
+</p:sld>
+</file>
+
+<file path=ppt/slides/slide2.xml><?xml version="1.0" encoding="utf-8"?>
+<p:sld xmlns:a="http://schemas.openxmlformats.org/drawingml/2006/main" xmlns:r="http://schemas.openxmlformats.org/officeDocument/2006/relationships" xmlns:p="http://schemas.openxmlformats.org/presentationml/2006/main">
+  <p:cSld>
+    <p:spTree>
+      <p:nvGrpSpPr>
+        <p:cNvPr id="1" name=""/>
+        <p:cNvGrpSpPr/>
+        <p:nvPr/>
+      </p:nvGrpSpPr>
+      <p:grpSpPr>
+        <a:xfrm>
+          <a:off x="0" y="0"/>
+          <a:ext cx="0" cy="0"/>
+          <a:chOff x="0" y="0"/>
+          <a:chExt cx="0" cy="0"/>
+        </a:xfrm>
+      </p:grpSpPr>
+      <p:sp>
+        <p:nvSpPr>
+          <p:cNvPr id="2" name="Title 1"/>
+          <p:cNvSpPr>
+            <a:spLocks noGrp="1"/>
+          </p:cNvSpPr>
+          <p:nvPr>
+            <p:ph type="title"/>
+          </p:nvPr>
+        </p:nvSpPr>
+        <p:spPr/>
+        <p:txBody>
+          <a:bodyPr>
+            <a:normAutofit/>
+          </a:bodyPr>
+          <a:lstStyle/>
+          <a:p>
+            <a:pPr>
+              <a:lnSpc>
+                <a:spcPct val="150000"/>
+              </a:lnSpc>
+            </a:pPr>
+            <a:r>
+              <a:rPr lang="en-US" dirty="0"/>
+              <a:t>Plan for rest of today</a:t>
+            </a:r>
+          </a:p>
+        </p:txBody>
+      </p:sp>
+      <p:sp>
+        <p:nvSpPr>
+          <p:cNvPr id="8" name="Content Placeholder 7">
+            <a:extLst>
+              <a:ext uri="{FF2B5EF4-FFF2-40B4-BE49-F238E27FC236}">
+                <a16:creationId xmlns:a16="http://schemas.microsoft.com/office/drawing/2014/main" id="{DE8A77DE-1B86-0D4B-9485-4E45BC312FF9}"/>
+              </a:ext>
+            </a:extLst>
+          </p:cNvPr>
+          <p:cNvSpPr>
+            <a:spLocks noGrp="1"/>
+          </p:cNvSpPr>
+          <p:nvPr>
+            <p:ph idx="1"/>
+          </p:nvPr>
+        </p:nvSpPr>
+        <p:spPr/>
+        <p:txBody>
+          <a:bodyPr/>
+          <a:lstStyle/>
+          <a:p>
+            <a:r>
+              <a:rPr lang="en-US" dirty="0"/>
+              <a:t>Designing functions with loops and mutable accumulators</a:t>
+            </a:r>
+          </a:p>
+          <a:p>
+            <a:r>
+              <a:rPr lang="en-US" dirty="0"/>
+              <a:t>How do you feel about final?</a:t>
+            </a:r>
+          </a:p>
+          <a:p>
+            <a:r>
+              <a:rPr lang="en-US" dirty="0"/>
+              <a:t>What have you learned?</a:t>
+            </a:r>
+          </a:p>
+          <a:p>
+            <a:r>
+              <a:rPr lang="en-US" dirty="0"/>
+              <a:t>What about other languages?</a:t>
+            </a:r>
+          </a:p>
+          <a:p>
+            <a:r>
+              <a:rPr lang="en-US" dirty="0"/>
+              <a:t>What’s next?</a:t>
+            </a:r>
+          </a:p>
+        </p:txBody>
+      </p:sp>
+    </p:spTree>
+    <p:extLst>
+      <p:ext uri="{BB962C8B-B14F-4D97-AF65-F5344CB8AC3E}">
+        <p14:creationId xmlns:p14="http://schemas.microsoft.com/office/powerpoint/2010/main" val="2630507906"/>
+      </p:ext>
+    </p:extLst>
+  </p:cSld>
+  <p:clrMapOvr>
+    <a:masterClrMapping/>
+  </p:clrMapOvr>
+</p:sld>
+</file>
+
+<file path=ppt/slides/slide20.xml><?xml version="1.0" encoding="utf-8"?>
+<p:sld xmlns:a="http://schemas.openxmlformats.org/drawingml/2006/main" xmlns:r="http://schemas.openxmlformats.org/officeDocument/2006/relationships" xmlns:p="http://schemas.openxmlformats.org/presentationml/2006/main" show="0">
+  <p:cSld>
+    <p:spTree>
+      <p:nvGrpSpPr>
+        <p:cNvPr id="1" name=""/>
+        <p:cNvGrpSpPr/>
+        <p:nvPr/>
+      </p:nvGrpSpPr>
+      <p:grpSpPr>
+        <a:xfrm>
+          <a:off x="0" y="0"/>
+          <a:ext cx="0" cy="0"/>
+          <a:chOff x="0" y="0"/>
+          <a:chExt cx="0" cy="0"/>
+        </a:xfrm>
+      </p:grpSpPr>
+      <p:sp>
+        <p:nvSpPr>
+          <p:cNvPr id="2" name="Title 1">
+            <a:extLst>
+              <a:ext uri="{FF2B5EF4-FFF2-40B4-BE49-F238E27FC236}">
                 <a16:creationId xmlns:a16="http://schemas.microsoft.com/office/drawing/2014/main" id="{5D3C8597-DB1E-45FB-3D67-247B6DDF234E}"/>
               </a:ext>
             </a:extLst>
@@ -4680,7 +5987,7 @@
 </p:sld>
 </file>
 
-<file path=ppt/slides/slide16.xml><?xml version="1.0" encoding="utf-8"?>
+<file path=ppt/slides/slide21.xml><?xml version="1.0" encoding="utf-8"?>
 <p:sld xmlns:a="http://schemas.openxmlformats.org/drawingml/2006/main" xmlns:r="http://schemas.openxmlformats.org/officeDocument/2006/relationships" xmlns:p="http://schemas.openxmlformats.org/presentationml/2006/main">
   <p:cSld>
     <p:spTree>
@@ -4728,41 +6035,6 @@
       </p:pic>
       <p:sp>
         <p:nvSpPr>
-          <p:cNvPr id="2" name="TextBox 1">
-            <a:extLst>
-              <a:ext uri="{FF2B5EF4-FFF2-40B4-BE49-F238E27FC236}">
-                <a16:creationId xmlns:a16="http://schemas.microsoft.com/office/drawing/2014/main" id="{F8AFA4D5-0C01-48E0-3CA0-F204B73125CC}"/>
-              </a:ext>
-            </a:extLst>
-          </p:cNvPr>
-          <p:cNvSpPr txBox="1"/>
-          <p:nvPr/>
-        </p:nvSpPr>
-        <p:spPr>
-          <a:xfrm>
-            <a:off x="390418" y="6246688"/>
-            <a:ext cx="4715838" cy="369332"/>
-          </a:xfrm>
-          <a:prstGeom prst="rect">
-            <a:avLst/>
-          </a:prstGeom>
-          <a:noFill/>
-        </p:spPr>
-        <p:txBody>
-          <a:bodyPr wrap="square" rtlCol="0">
-            <a:spAutoFit/>
-          </a:bodyPr>
-          <a:lstStyle/>
-          <a:p>
-            <a:r>
-              <a:rPr lang="en-US" dirty="0"/>
-              <a:t>Which kind of course most interests you now?</a:t>
-            </a:r>
-          </a:p>
-        </p:txBody>
-      </p:sp>
-      <p:sp>
-        <p:nvSpPr>
           <p:cNvPr id="3" name="TextBox 2">
             <a:extLst>
               <a:ext uri="{FF2B5EF4-FFF2-40B4-BE49-F238E27FC236}">
@@ -4809,8 +6081,8 @@
 </p:sld>
 </file>
 
-<file path=ppt/slides/slide17.xml><?xml version="1.0" encoding="utf-8"?>
-<p:sld xmlns:a="http://schemas.openxmlformats.org/drawingml/2006/main" xmlns:r="http://schemas.openxmlformats.org/officeDocument/2006/relationships" xmlns:p="http://schemas.openxmlformats.org/presentationml/2006/main">
+<file path=ppt/slides/slide22.xml><?xml version="1.0" encoding="utf-8"?>
+<p:sld xmlns:a="http://schemas.openxmlformats.org/drawingml/2006/main" xmlns:r="http://schemas.openxmlformats.org/officeDocument/2006/relationships" xmlns:p="http://schemas.openxmlformats.org/presentationml/2006/main" show="0">
   <p:cSld>
     <p:spTree>
       <p:nvGrpSpPr>
@@ -5326,7 +6598,667 @@
 </p:sld>
 </file>
 
-<file path=ppt/slides/slide18.xml><?xml version="1.0" encoding="utf-8"?>
+<file path=ppt/slides/slide23.xml><?xml version="1.0" encoding="utf-8"?>
+<p:sld xmlns:a="http://schemas.openxmlformats.org/drawingml/2006/main" xmlns:r="http://schemas.openxmlformats.org/officeDocument/2006/relationships" xmlns:p="http://schemas.openxmlformats.org/presentationml/2006/main" show="0">
+  <p:cSld>
+    <p:spTree>
+      <p:nvGrpSpPr>
+        <p:cNvPr id="1" name=""/>
+        <p:cNvGrpSpPr/>
+        <p:nvPr/>
+      </p:nvGrpSpPr>
+      <p:grpSpPr>
+        <a:xfrm>
+          <a:off x="0" y="0"/>
+          <a:ext cx="0" cy="0"/>
+          <a:chOff x="0" y="0"/>
+          <a:chExt cx="0" cy="0"/>
+        </a:xfrm>
+      </p:grpSpPr>
+      <p:sp>
+        <p:nvSpPr>
+          <p:cNvPr id="2" name="Title 1">
+            <a:extLst>
+              <a:ext uri="{FF2B5EF4-FFF2-40B4-BE49-F238E27FC236}">
+                <a16:creationId xmlns:a16="http://schemas.microsoft.com/office/drawing/2014/main" id="{9CE5A388-A163-D443-8402-C789EC09967D}"/>
+              </a:ext>
+            </a:extLst>
+          </p:cNvPr>
+          <p:cNvSpPr>
+            <a:spLocks noGrp="1"/>
+          </p:cNvSpPr>
+          <p:nvPr>
+            <p:ph type="title"/>
+          </p:nvPr>
+        </p:nvSpPr>
+        <p:spPr/>
+        <p:txBody>
+          <a:bodyPr/>
+          <a:lstStyle/>
+          <a:p>
+            <a:r>
+              <a:rPr lang="en-US" dirty="0"/>
+              <a:t>Job Search Process Points</a:t>
+            </a:r>
+          </a:p>
+        </p:txBody>
+      </p:sp>
+      <p:sp>
+        <p:nvSpPr>
+          <p:cNvPr id="4" name="Content Placeholder 3">
+            <a:extLst>
+              <a:ext uri="{FF2B5EF4-FFF2-40B4-BE49-F238E27FC236}">
+                <a16:creationId xmlns:a16="http://schemas.microsoft.com/office/drawing/2014/main" id="{70EFB29E-530E-7E40-959E-039ADEDC4A5E}"/>
+              </a:ext>
+            </a:extLst>
+          </p:cNvPr>
+          <p:cNvSpPr txBox="1">
+            <a:spLocks noGrp="1"/>
+          </p:cNvSpPr>
+          <p:nvPr>
+            <p:ph idx="1"/>
+          </p:nvPr>
+        </p:nvSpPr>
+        <p:spPr>
+          <a:xfrm>
+            <a:off x="838200" y="1825625"/>
+            <a:ext cx="10515600" cy="4914679"/>
+          </a:xfrm>
+          <a:prstGeom prst="rect">
+            <a:avLst/>
+          </a:prstGeom>
+          <a:noFill/>
+          <a:ln>
+            <a:solidFill>
+              <a:schemeClr val="tx1"/>
+            </a:solidFill>
+          </a:ln>
+        </p:spPr>
+        <p:txBody>
+          <a:bodyPr wrap="square" rtlCol="0">
+            <a:spAutoFit/>
+          </a:bodyPr>
+          <a:lstStyle/>
+          <a:p>
+            <a:pPr marL="0" indent="0">
+              <a:buNone/>
+            </a:pPr>
+            <a:r>
+              <a:rPr lang="en-US" dirty="0"/>
+              <a:t>Jobs outside universities…</a:t>
+            </a:r>
+          </a:p>
+          <a:p>
+            <a:r>
+              <a:rPr lang="en-US" dirty="0"/>
+              <a:t>Build your own portfolio</a:t>
+            </a:r>
+            <a:r>
+              <a:rPr lang="en-US" baseline="30000" dirty="0"/>
+              <a:t>1</a:t>
+            </a:r>
+            <a:r>
+              <a:rPr lang="en-US" dirty="0"/>
+              <a:t>, get internships, COOP  and/or work with faculty</a:t>
+            </a:r>
+          </a:p>
+          <a:p>
+            <a:r>
+              <a:rPr lang="en-US" dirty="0"/>
+              <a:t>Interviews are about what you can DO, not what you remember</a:t>
+            </a:r>
+          </a:p>
+          <a:p>
+            <a:pPr marL="0" indent="0">
+              <a:buNone/>
+            </a:pPr>
+            <a:endParaRPr lang="en-US" dirty="0"/>
+          </a:p>
+          <a:p>
+            <a:r>
+              <a:rPr lang="en-US" dirty="0"/>
+              <a:t>A reference letter that helps </a:t>
+            </a:r>
+            <a:r>
+              <a:rPr lang="en-US" u="sng" dirty="0"/>
+              <a:t>must have all three</a:t>
+            </a:r>
+            <a:r>
+              <a:rPr lang="en-US" dirty="0"/>
+              <a:t> of these properties:</a:t>
+            </a:r>
+          </a:p>
+          <a:p>
+            <a:pPr lvl="1"/>
+            <a:r>
+              <a:rPr lang="en-US" dirty="0"/>
+              <a:t>comes from someone the committee will trust</a:t>
+            </a:r>
+          </a:p>
+          <a:p>
+            <a:pPr lvl="1"/>
+            <a:r>
+              <a:rPr lang="en-US" dirty="0"/>
+              <a:t>comes from someone who has something specific to say about you</a:t>
+            </a:r>
+          </a:p>
+          <a:p>
+            <a:pPr lvl="1"/>
+            <a:r>
+              <a:rPr lang="en-US" dirty="0"/>
+              <a:t>says specific things about you that compare favorably with rest of group</a:t>
+            </a:r>
+            <a:br>
+              <a:rPr lang="en-US" dirty="0"/>
+            </a:br>
+            <a:endParaRPr lang="en-US" dirty="0"/>
+          </a:p>
+          <a:p>
+            <a:pPr marL="0" indent="0">
+              <a:buNone/>
+            </a:pPr>
+            <a:r>
+              <a:rPr lang="en-US" sz="2400" dirty="0"/>
+              <a:t>1. I wish this wasn’t good advice, it’s blatantly discriminatory.</a:t>
+            </a:r>
+          </a:p>
+        </p:txBody>
+      </p:sp>
+    </p:spTree>
+    <p:extLst>
+      <p:ext uri="{BB962C8B-B14F-4D97-AF65-F5344CB8AC3E}">
+        <p14:creationId xmlns:p14="http://schemas.microsoft.com/office/powerpoint/2010/main" val="3924815329"/>
+      </p:ext>
+    </p:extLst>
+  </p:cSld>
+  <p:clrMapOvr>
+    <a:masterClrMapping/>
+  </p:clrMapOvr>
+</p:sld>
+</file>
+
+<file path=ppt/slides/slide24.xml><?xml version="1.0" encoding="utf-8"?>
+<p:sld xmlns:a="http://schemas.openxmlformats.org/drawingml/2006/main" xmlns:r="http://schemas.openxmlformats.org/officeDocument/2006/relationships" xmlns:p="http://schemas.openxmlformats.org/presentationml/2006/main" show="0">
+  <p:cSld>
+    <p:spTree>
+      <p:nvGrpSpPr>
+        <p:cNvPr id="1" name=""/>
+        <p:cNvGrpSpPr/>
+        <p:nvPr/>
+      </p:nvGrpSpPr>
+      <p:grpSpPr>
+        <a:xfrm>
+          <a:off x="0" y="0"/>
+          <a:ext cx="0" cy="0"/>
+          <a:chOff x="0" y="0"/>
+          <a:chExt cx="0" cy="0"/>
+        </a:xfrm>
+      </p:grpSpPr>
+      <p:sp>
+        <p:nvSpPr>
+          <p:cNvPr id="2" name="Title 1">
+            <a:extLst>
+              <a:ext uri="{FF2B5EF4-FFF2-40B4-BE49-F238E27FC236}">
+                <a16:creationId xmlns:a16="http://schemas.microsoft.com/office/drawing/2014/main" id="{1B1D2B69-5FD4-C7DD-76D2-5188A6B8FF05}"/>
+              </a:ext>
+            </a:extLst>
+          </p:cNvPr>
+          <p:cNvSpPr>
+            <a:spLocks noGrp="1"/>
+          </p:cNvSpPr>
+          <p:nvPr>
+            <p:ph type="title"/>
+          </p:nvPr>
+        </p:nvSpPr>
+        <p:spPr/>
+        <p:txBody>
+          <a:bodyPr/>
+          <a:lstStyle/>
+          <a:p>
+            <a:r>
+              <a:rPr lang="en-US" dirty="0"/>
+              <a:t>Two summer interns	</a:t>
+            </a:r>
+          </a:p>
+        </p:txBody>
+      </p:sp>
+      <p:sp>
+        <p:nvSpPr>
+          <p:cNvPr id="3" name="Content Placeholder 2">
+            <a:extLst>
+              <a:ext uri="{FF2B5EF4-FFF2-40B4-BE49-F238E27FC236}">
+                <a16:creationId xmlns:a16="http://schemas.microsoft.com/office/drawing/2014/main" id="{A0ABE84E-1441-3092-392A-F63A46D76F18}"/>
+              </a:ext>
+            </a:extLst>
+          </p:cNvPr>
+          <p:cNvSpPr>
+            <a:spLocks noGrp="1"/>
+          </p:cNvSpPr>
+          <p:nvPr>
+            <p:ph idx="1"/>
+          </p:nvPr>
+        </p:nvSpPr>
+        <p:spPr>
+          <a:xfrm>
+            <a:off x="838199" y="1825625"/>
+            <a:ext cx="10901855" cy="4351338"/>
+          </a:xfrm>
+        </p:spPr>
+        <p:txBody>
+          <a:bodyPr/>
+          <a:lstStyle/>
+          <a:p>
+            <a:r>
+              <a:rPr lang="en-US" dirty="0"/>
+              <a:t>When faced with an underspecified task at work:</a:t>
+            </a:r>
+          </a:p>
+          <a:p>
+            <a:pPr lvl="1"/>
+            <a:r>
+              <a:rPr lang="en-US" dirty="0"/>
+              <a:t>Intern A always goes to their manager to seek clarification before proceeding.</a:t>
+            </a:r>
+          </a:p>
+          <a:p>
+            <a:pPr lvl="1"/>
+            <a:r>
+              <a:rPr lang="en-US" dirty="0"/>
+              <a:t>Intern B tries to make a reasonable decision about what is needed and proceeds.</a:t>
+            </a:r>
+            <a:br>
+              <a:rPr lang="en-US" dirty="0"/>
+            </a:br>
+            <a:endParaRPr lang="en-US" dirty="0"/>
+          </a:p>
+          <a:p>
+            <a:r>
+              <a:rPr lang="en-US" dirty="0"/>
+              <a:t>At the end of the summer, which one gets a permanent job offer?</a:t>
+            </a:r>
+          </a:p>
+        </p:txBody>
+      </p:sp>
+    </p:spTree>
+    <p:extLst>
+      <p:ext uri="{BB962C8B-B14F-4D97-AF65-F5344CB8AC3E}">
+        <p14:creationId xmlns:p14="http://schemas.microsoft.com/office/powerpoint/2010/main" val="3280050734"/>
+      </p:ext>
+    </p:extLst>
+  </p:cSld>
+  <p:clrMapOvr>
+    <a:masterClrMapping/>
+  </p:clrMapOvr>
+</p:sld>
+</file>
+
+<file path=ppt/slides/slide25.xml><?xml version="1.0" encoding="utf-8"?>
+<p:sld xmlns:a="http://schemas.openxmlformats.org/drawingml/2006/main" xmlns:r="http://schemas.openxmlformats.org/officeDocument/2006/relationships" xmlns:p="http://schemas.openxmlformats.org/presentationml/2006/main" show="0">
+  <p:cSld>
+    <p:spTree>
+      <p:nvGrpSpPr>
+        <p:cNvPr id="1" name=""/>
+        <p:cNvGrpSpPr/>
+        <p:nvPr/>
+      </p:nvGrpSpPr>
+      <p:grpSpPr>
+        <a:xfrm>
+          <a:off x="0" y="0"/>
+          <a:ext cx="0" cy="0"/>
+          <a:chOff x="0" y="0"/>
+          <a:chExt cx="0" cy="0"/>
+        </a:xfrm>
+      </p:grpSpPr>
+      <p:sp>
+        <p:nvSpPr>
+          <p:cNvPr id="2" name="Title 1">
+            <a:extLst>
+              <a:ext uri="{FF2B5EF4-FFF2-40B4-BE49-F238E27FC236}">
+                <a16:creationId xmlns:a16="http://schemas.microsoft.com/office/drawing/2014/main" id="{10F9E1B0-4780-53FD-26CE-FDA8D545D7C3}"/>
+              </a:ext>
+            </a:extLst>
+          </p:cNvPr>
+          <p:cNvSpPr>
+            <a:spLocks noGrp="1"/>
+          </p:cNvSpPr>
+          <p:nvPr>
+            <p:ph type="title"/>
+          </p:nvPr>
+        </p:nvSpPr>
+        <p:spPr/>
+        <p:txBody>
+          <a:bodyPr/>
+          <a:lstStyle/>
+          <a:p>
+            <a:r>
+              <a:rPr lang="en-US" dirty="0"/>
+              <a:t>At work - </a:t>
+            </a:r>
+            <a:r>
+              <a:rPr lang="en-US" dirty="0" err="1"/>
+              <a:t>FtR</a:t>
+            </a:r>
+            <a:endParaRPr lang="en-US" dirty="0"/>
+          </a:p>
+        </p:txBody>
+      </p:sp>
+      <p:sp>
+        <p:nvSpPr>
+          <p:cNvPr id="3" name="Content Placeholder 2">
+            <a:extLst>
+              <a:ext uri="{FF2B5EF4-FFF2-40B4-BE49-F238E27FC236}">
+                <a16:creationId xmlns:a16="http://schemas.microsoft.com/office/drawing/2014/main" id="{C8B8F99D-3492-A1A3-25A4-18B2BBF50294}"/>
+              </a:ext>
+            </a:extLst>
+          </p:cNvPr>
+          <p:cNvSpPr>
+            <a:spLocks noGrp="1"/>
+          </p:cNvSpPr>
+          <p:nvPr>
+            <p:ph idx="1"/>
+          </p:nvPr>
+        </p:nvSpPr>
+        <p:spPr>
+          <a:xfrm>
+            <a:off x="838200" y="1825625"/>
+            <a:ext cx="10515600" cy="4739562"/>
+          </a:xfrm>
+        </p:spPr>
+        <p:txBody>
+          <a:bodyPr>
+            <a:normAutofit fontScale="92500" lnSpcReduction="10000"/>
+          </a:bodyPr>
+          <a:lstStyle/>
+          <a:p>
+            <a:r>
+              <a:rPr lang="en-US" dirty="0"/>
+              <a:t>Managers don’t have time for employees who need to be given a detailed description of what to do</a:t>
+            </a:r>
+          </a:p>
+          <a:p>
+            <a:pPr lvl="1"/>
+            <a:r>
+              <a:rPr lang="en-US" dirty="0"/>
+              <a:t>figure it out</a:t>
+            </a:r>
+          </a:p>
+          <a:p>
+            <a:pPr lvl="1"/>
+            <a:r>
+              <a:rPr lang="en-US" dirty="0"/>
+              <a:t>do something reasonable</a:t>
+            </a:r>
+          </a:p>
+          <a:p>
+            <a:pPr lvl="1"/>
+            <a:r>
+              <a:rPr lang="en-US" dirty="0"/>
+              <a:t>ask only very well developed questions</a:t>
+            </a:r>
+          </a:p>
+          <a:p>
+            <a:pPr lvl="2"/>
+            <a:r>
+              <a:rPr lang="en-US" dirty="0"/>
+              <a:t>“It seems like there’s two different things we could do, one would look like this,</a:t>
+            </a:r>
+            <a:br>
+              <a:rPr lang="en-US" dirty="0"/>
+            </a:br>
+            <a:r>
+              <a:rPr lang="en-US" dirty="0"/>
+              <a:t>the other would look like this…” (The examples step of the recipe!)</a:t>
+            </a:r>
+          </a:p>
+          <a:p>
+            <a:endParaRPr lang="en-US" dirty="0"/>
+          </a:p>
+          <a:p>
+            <a:r>
+              <a:rPr lang="en-US" dirty="0"/>
+              <a:t>It’s easy to be fun to be around when you know what you are doing</a:t>
+            </a:r>
+          </a:p>
+          <a:p>
+            <a:pPr lvl="1"/>
+            <a:r>
+              <a:rPr lang="en-US" dirty="0"/>
+              <a:t>teams want people who are fun to be around when they don’t know what they are doing</a:t>
+            </a:r>
+          </a:p>
+          <a:p>
+            <a:pPr lvl="1"/>
+            <a:r>
+              <a:rPr lang="en-US" dirty="0"/>
+              <a:t>interview processes are in part trying to uncover that, they want to push you into uncomfortable territory to see how you handle that – they aren’t trying to intimidate or be macho (many of them aren’t anyways)</a:t>
+            </a:r>
+          </a:p>
+        </p:txBody>
+      </p:sp>
+      <p:sp>
+        <p:nvSpPr>
+          <p:cNvPr id="5" name="TextBox 4">
+            <a:extLst>
+              <a:ext uri="{FF2B5EF4-FFF2-40B4-BE49-F238E27FC236}">
+                <a16:creationId xmlns:a16="http://schemas.microsoft.com/office/drawing/2014/main" id="{C936CEB3-555D-613B-3792-AEA2636E7C07}"/>
+              </a:ext>
+            </a:extLst>
+          </p:cNvPr>
+          <p:cNvSpPr txBox="1"/>
+          <p:nvPr/>
+        </p:nvSpPr>
+        <p:spPr>
+          <a:xfrm>
+            <a:off x="4826285" y="230188"/>
+            <a:ext cx="6979578" cy="954107"/>
+          </a:xfrm>
+          <a:prstGeom prst="rect">
+            <a:avLst/>
+          </a:prstGeom>
+          <a:noFill/>
+        </p:spPr>
+        <p:txBody>
+          <a:bodyPr wrap="square">
+            <a:spAutoFit/>
+          </a:bodyPr>
+          <a:lstStyle/>
+          <a:p>
+            <a:r>
+              <a:rPr lang="en-US" sz="2800" i="1" dirty="0"/>
+              <a:t>“We are what we repeatedly do.</a:t>
+            </a:r>
+            <a:br>
+              <a:rPr lang="en-US" sz="2800" i="1" dirty="0"/>
+            </a:br>
+            <a:r>
+              <a:rPr lang="en-US" sz="2800" i="1" dirty="0"/>
+              <a:t>Excellence, then, is not an act, but a habit.”</a:t>
+            </a:r>
+          </a:p>
+        </p:txBody>
+      </p:sp>
+    </p:spTree>
+    <p:extLst>
+      <p:ext uri="{BB962C8B-B14F-4D97-AF65-F5344CB8AC3E}">
+        <p14:creationId xmlns:p14="http://schemas.microsoft.com/office/powerpoint/2010/main" val="2549518288"/>
+      </p:ext>
+    </p:extLst>
+  </p:cSld>
+  <p:clrMapOvr>
+    <a:masterClrMapping/>
+  </p:clrMapOvr>
+</p:sld>
+</file>
+
+<file path=ppt/slides/slide26.xml><?xml version="1.0" encoding="utf-8"?>
+<p:sld xmlns:a="http://schemas.openxmlformats.org/drawingml/2006/main" xmlns:r="http://schemas.openxmlformats.org/officeDocument/2006/relationships" xmlns:p="http://schemas.openxmlformats.org/presentationml/2006/main" show="0">
+  <p:cSld>
+    <p:spTree>
+      <p:nvGrpSpPr>
+        <p:cNvPr id="1" name=""/>
+        <p:cNvGrpSpPr/>
+        <p:nvPr/>
+      </p:nvGrpSpPr>
+      <p:grpSpPr>
+        <a:xfrm>
+          <a:off x="0" y="0"/>
+          <a:ext cx="0" cy="0"/>
+          <a:chOff x="0" y="0"/>
+          <a:chExt cx="0" cy="0"/>
+        </a:xfrm>
+      </p:grpSpPr>
+      <p:sp>
+        <p:nvSpPr>
+          <p:cNvPr id="2" name="Title 1">
+            <a:extLst>
+              <a:ext uri="{FF2B5EF4-FFF2-40B4-BE49-F238E27FC236}">
+                <a16:creationId xmlns:a16="http://schemas.microsoft.com/office/drawing/2014/main" id="{024C97C4-0C09-B6D4-7A37-41DFBC6D4691}"/>
+              </a:ext>
+            </a:extLst>
+          </p:cNvPr>
+          <p:cNvSpPr>
+            <a:spLocks noGrp="1"/>
+          </p:cNvSpPr>
+          <p:nvPr>
+            <p:ph type="title"/>
+          </p:nvPr>
+        </p:nvSpPr>
+        <p:spPr/>
+        <p:txBody>
+          <a:bodyPr/>
+          <a:lstStyle/>
+          <a:p>
+            <a:r>
+              <a:rPr lang="en-US" dirty="0"/>
+              <a:t>What About Generative AI?</a:t>
+            </a:r>
+          </a:p>
+        </p:txBody>
+      </p:sp>
+      <p:sp>
+        <p:nvSpPr>
+          <p:cNvPr id="3" name="Content Placeholder 2">
+            <a:extLst>
+              <a:ext uri="{FF2B5EF4-FFF2-40B4-BE49-F238E27FC236}">
+                <a16:creationId xmlns:a16="http://schemas.microsoft.com/office/drawing/2014/main" id="{FA19CDD8-6D31-8ACA-AB4E-08B4DDDE49BA}"/>
+              </a:ext>
+            </a:extLst>
+          </p:cNvPr>
+          <p:cNvSpPr>
+            <a:spLocks noGrp="1"/>
+          </p:cNvSpPr>
+          <p:nvPr>
+            <p:ph idx="1"/>
+          </p:nvPr>
+        </p:nvSpPr>
+        <p:spPr>
+          <a:xfrm>
+            <a:off x="838199" y="1825625"/>
+            <a:ext cx="11254483" cy="4351338"/>
+          </a:xfrm>
+        </p:spPr>
+        <p:txBody>
+          <a:bodyPr>
+            <a:normAutofit fontScale="92500" lnSpcReduction="10000"/>
+          </a:bodyPr>
+          <a:lstStyle/>
+          <a:p>
+            <a:r>
+              <a:rPr lang="en-US" dirty="0"/>
+              <a:t>All kinds of work is about to change – maybe a lot</a:t>
+            </a:r>
+          </a:p>
+          <a:p>
+            <a:r>
+              <a:rPr lang="en-US" dirty="0"/>
+              <a:t>Long term isn’t clear (issues go way beyond technology)</a:t>
+            </a:r>
+          </a:p>
+          <a:p>
+            <a:r>
+              <a:rPr lang="en-US" dirty="0"/>
+              <a:t>It does seem clear that in 2-3 years or less</a:t>
+            </a:r>
+          </a:p>
+          <a:p>
+            <a:pPr lvl="1"/>
+            <a:r>
+              <a:rPr lang="en-US" dirty="0"/>
+              <a:t>software engineers (including interns) will need to be able to use tools like Copilot (or similar) to be more </a:t>
+            </a:r>
+            <a:r>
+              <a:rPr lang="en-US" u="sng" dirty="0"/>
+              <a:t>productive</a:t>
+            </a:r>
+            <a:r>
+              <a:rPr lang="en-US" dirty="0"/>
+              <a:t> (produce more value per salary dollar)</a:t>
+            </a:r>
+          </a:p>
+          <a:p>
+            <a:pPr lvl="2"/>
+            <a:r>
+              <a:rPr lang="en-US" dirty="0"/>
+              <a:t>produce/revise code faster</a:t>
+            </a:r>
+          </a:p>
+          <a:p>
+            <a:pPr lvl="2"/>
+            <a:r>
+              <a:rPr lang="en-US" dirty="0"/>
+              <a:t>produce better code</a:t>
+            </a:r>
+          </a:p>
+          <a:p>
+            <a:pPr lvl="2"/>
+            <a:r>
+              <a:rPr lang="en-US" dirty="0"/>
+              <a:t>…</a:t>
+            </a:r>
+          </a:p>
+          <a:p>
+            <a:pPr lvl="1"/>
+            <a:r>
+              <a:rPr lang="en-US" dirty="0"/>
+              <a:t>One part of that will be quickly evaluating code an AI tool proposes</a:t>
+            </a:r>
+          </a:p>
+          <a:p>
+            <a:pPr lvl="1"/>
+            <a:r>
+              <a:rPr lang="en-US" dirty="0"/>
+              <a:t>One part of that will be having a dialog with an AI tool about code you have written</a:t>
+            </a:r>
+          </a:p>
+          <a:p>
+            <a:r>
+              <a:rPr lang="en-US" dirty="0"/>
+              <a:t>We have tried to given you a foundation for that</a:t>
+            </a:r>
+          </a:p>
+          <a:p>
+            <a:pPr lvl="1"/>
+            <a:r>
+              <a:rPr lang="en-US" dirty="0"/>
+              <a:t>by focusing on design level constructs that exist across all languages and tools</a:t>
+            </a:r>
+          </a:p>
+        </p:txBody>
+      </p:sp>
+    </p:spTree>
+    <p:extLst>
+      <p:ext uri="{BB962C8B-B14F-4D97-AF65-F5344CB8AC3E}">
+        <p14:creationId xmlns:p14="http://schemas.microsoft.com/office/powerpoint/2010/main" val="1899560148"/>
+      </p:ext>
+    </p:extLst>
+  </p:cSld>
+  <p:clrMapOvr>
+    <a:masterClrMapping/>
+  </p:clrMapOvr>
+</p:sld>
+</file>
+
+<file path=ppt/slides/slide27.xml><?xml version="1.0" encoding="utf-8"?>
 <p:sld xmlns:a="http://schemas.openxmlformats.org/drawingml/2006/main" xmlns:r="http://schemas.openxmlformats.org/officeDocument/2006/relationships" xmlns:p="http://schemas.openxmlformats.org/presentationml/2006/main">
   <p:cSld>
     <p:spTree>
@@ -5345,13 +7277,7 @@
       </p:grpSpPr>
       <p:sp>
         <p:nvSpPr>
-          <p:cNvPr id="2" name="Title 1">
-            <a:extLst>
-              <a:ext uri="{FF2B5EF4-FFF2-40B4-BE49-F238E27FC236}">
-                <a16:creationId xmlns:a16="http://schemas.microsoft.com/office/drawing/2014/main" id="{9CE5A388-A163-D443-8402-C789EC09967D}"/>
-              </a:ext>
-            </a:extLst>
-          </p:cNvPr>
+          <p:cNvPr id="2" name="Title 1"/>
           <p:cNvSpPr>
             <a:spLocks noGrp="1"/>
           </p:cNvSpPr>
@@ -5366,136 +7292,104 @@
           <a:p>
             <a:r>
               <a:rPr lang="en-US" dirty="0"/>
-              <a:t>Job Search Process Points</a:t>
-            </a:r>
-          </a:p>
-        </p:txBody>
-      </p:sp>
-      <p:sp>
-        <p:nvSpPr>
-          <p:cNvPr id="4" name="Content Placeholder 3">
-            <a:extLst>
-              <a:ext uri="{FF2B5EF4-FFF2-40B4-BE49-F238E27FC236}">
-                <a16:creationId xmlns:a16="http://schemas.microsoft.com/office/drawing/2014/main" id="{70EFB29E-530E-7E40-959E-039ADEDC4A5E}"/>
-              </a:ext>
-            </a:extLst>
-          </p:cNvPr>
-          <p:cNvSpPr txBox="1">
+              <a:t>Final review</a:t>
+            </a:r>
+          </a:p>
+        </p:txBody>
+      </p:sp>
+      <p:sp>
+        <p:nvSpPr>
+          <p:cNvPr id="3" name="Content Placeholder 2"/>
+          <p:cNvSpPr>
             <a:spLocks noGrp="1"/>
           </p:cNvSpPr>
           <p:nvPr>
             <p:ph idx="1"/>
           </p:nvPr>
         </p:nvSpPr>
-        <p:spPr>
-          <a:xfrm>
-            <a:off x="838200" y="1825625"/>
-            <a:ext cx="10515600" cy="4914679"/>
-          </a:xfrm>
-          <a:prstGeom prst="rect">
-            <a:avLst/>
-          </a:prstGeom>
-          <a:noFill/>
-          <a:ln>
-            <a:solidFill>
-              <a:schemeClr val="tx1"/>
-            </a:solidFill>
-          </a:ln>
-        </p:spPr>
-        <p:txBody>
-          <a:bodyPr wrap="square" rtlCol="0">
-            <a:spAutoFit/>
+        <p:spPr/>
+        <p:txBody>
+          <a:bodyPr>
+            <a:normAutofit fontScale="85000" lnSpcReduction="20000"/>
           </a:bodyPr>
           <a:lstStyle/>
           <a:p>
-            <a:pPr marL="0" indent="0">
-              <a:buNone/>
-            </a:pPr>
-            <a:r>
-              <a:rPr lang="en-US" dirty="0"/>
-              <a:t>Jobs outside universities…</a:t>
-            </a:r>
-          </a:p>
-          <a:p>
-            <a:r>
-              <a:rPr lang="en-US" dirty="0"/>
-              <a:t>Build your own portfolio</a:t>
-            </a:r>
-            <a:r>
-              <a:rPr lang="en-US" baseline="30000" dirty="0"/>
-              <a:t>1</a:t>
-            </a:r>
-            <a:r>
-              <a:rPr lang="en-US" dirty="0"/>
-              <a:t>, get internships, COOP  and/or work with faculty</a:t>
-            </a:r>
-          </a:p>
-          <a:p>
-            <a:r>
-              <a:rPr lang="en-US" dirty="0"/>
-              <a:t>Interviews are about what you can DO, not what you remember</a:t>
-            </a:r>
-          </a:p>
-          <a:p>
-            <a:pPr marL="0" indent="0">
-              <a:buNone/>
-            </a:pPr>
+            <a:r>
+              <a:rPr lang="en-US" dirty="0"/>
+              <a:t>Monitor Piazza forum closely – ask well-setup questions</a:t>
+            </a:r>
+          </a:p>
+          <a:p>
+            <a:r>
+              <a:rPr lang="en-US" dirty="0"/>
+              <a:t>Work through problems (as opposed to reviewing solutions)</a:t>
+            </a:r>
+          </a:p>
+          <a:p>
+            <a:r>
+              <a:rPr lang="en-US" dirty="0"/>
+              <a:t>Focus on WHY you type the code you do</a:t>
+            </a:r>
+          </a:p>
+          <a:p>
+            <a:pPr lvl="1"/>
+            <a:r>
+              <a:rPr lang="en-US" dirty="0"/>
+              <a:t>What rule? What observation? What idea?</a:t>
+            </a:r>
+          </a:p>
+          <a:p>
+            <a:pPr lvl="1"/>
             <a:endParaRPr lang="en-US" dirty="0"/>
           </a:p>
           <a:p>
             <a:r>
               <a:rPr lang="en-US" dirty="0"/>
-              <a:t>A reference letter that helps </a:t>
-            </a:r>
-            <a:r>
-              <a:rPr lang="en-US" u="sng" dirty="0"/>
-              <a:t>must have all three</a:t>
-            </a:r>
-            <a:r>
-              <a:rPr lang="en-US" dirty="0"/>
-              <a:t> of these properties:</a:t>
-            </a:r>
-          </a:p>
-          <a:p>
-            <a:pPr lvl="1"/>
-            <a:r>
-              <a:rPr lang="en-US" dirty="0"/>
-              <a:t>comes from someone the committee will trust</a:t>
-            </a:r>
-          </a:p>
-          <a:p>
-            <a:pPr lvl="1"/>
-            <a:r>
-              <a:rPr lang="en-US" dirty="0"/>
-              <a:t>comes from someone who has something specific to say about you</a:t>
-            </a:r>
-          </a:p>
-          <a:p>
-            <a:pPr lvl="1"/>
-            <a:r>
-              <a:rPr lang="en-US" dirty="0"/>
-              <a:t>says specific things about you that compare favorably with rest of group</a:t>
-            </a:r>
-            <a:br>
-              <a:rPr lang="en-US" dirty="0"/>
-            </a:br>
+              <a:t>Work through them online</a:t>
+            </a:r>
+          </a:p>
+          <a:p>
+            <a:r>
+              <a:rPr lang="en-US" dirty="0"/>
+              <a:t>Practice getting RUNNING solutions</a:t>
+            </a:r>
+          </a:p>
+          <a:p>
+            <a:r>
+              <a:rPr lang="en-US" dirty="0"/>
+              <a:t>Work through being stuck, don’t just look at the solution</a:t>
+            </a:r>
+          </a:p>
+          <a:p>
+            <a:r>
+              <a:rPr lang="en-US" dirty="0"/>
+              <a:t>Work in office hours (hints are better than looking at solutions)</a:t>
+            </a:r>
+          </a:p>
+          <a:p>
+            <a:r>
+              <a:rPr lang="en-US" dirty="0"/>
+              <a:t>Work in 2.5 hour chunks w/o interruption</a:t>
+            </a:r>
+          </a:p>
+          <a:p>
             <a:endParaRPr lang="en-US" dirty="0"/>
           </a:p>
           <a:p>
-            <a:pPr marL="0" indent="0">
-              <a:buNone/>
-            </a:pPr>
-            <a:r>
-              <a:rPr lang="en-US" sz="2400" dirty="0"/>
-              <a:t>1. I wish this wasn’t good advice, it’s blatantly discriminatory.</a:t>
-            </a:r>
+            <a:r>
+              <a:rPr lang="en-US" dirty="0"/>
+              <a:t>Several hours every day beats 24 hours the day before the exam</a:t>
+            </a:r>
+          </a:p>
+          <a:p>
+            <a:endParaRPr lang="en-US" dirty="0"/>
           </a:p>
         </p:txBody>
       </p:sp>
     </p:spTree>
     <p:extLst>
       <p:ext uri="{BB962C8B-B14F-4D97-AF65-F5344CB8AC3E}">
-        <p14:creationId xmlns:p14="http://schemas.microsoft.com/office/powerpoint/2010/main" val="3924815329"/>
+        <p14:creationId xmlns:p14="http://schemas.microsoft.com/office/powerpoint/2010/main" val="1012606840"/>
       </p:ext>
     </p:extLst>
   </p:cSld>
@@ -5505,7 +7399,190 @@
 </p:sld>
 </file>
 
-<file path=ppt/slides/slide19.xml><?xml version="1.0" encoding="utf-8"?>
+<file path=ppt/slides/slide28.xml><?xml version="1.0" encoding="utf-8"?>
+<p:sld xmlns:a="http://schemas.openxmlformats.org/drawingml/2006/main" xmlns:r="http://schemas.openxmlformats.org/officeDocument/2006/relationships" xmlns:p="http://schemas.openxmlformats.org/presentationml/2006/main" show="0">
+  <p:cSld>
+    <p:spTree>
+      <p:nvGrpSpPr>
+        <p:cNvPr id="1" name=""/>
+        <p:cNvGrpSpPr/>
+        <p:nvPr/>
+      </p:nvGrpSpPr>
+      <p:grpSpPr>
+        <a:xfrm>
+          <a:off x="0" y="0"/>
+          <a:ext cx="0" cy="0"/>
+          <a:chOff x="0" y="0"/>
+          <a:chExt cx="0" cy="0"/>
+        </a:xfrm>
+      </p:grpSpPr>
+      <p:sp>
+        <p:nvSpPr>
+          <p:cNvPr id="2" name="Title 1">
+            <a:extLst>
+              <a:ext uri="{FF2B5EF4-FFF2-40B4-BE49-F238E27FC236}">
+                <a16:creationId xmlns:a16="http://schemas.microsoft.com/office/drawing/2014/main" id="{D03972D7-CAB1-3C4D-A989-78EF897D24B0}"/>
+              </a:ext>
+            </a:extLst>
+          </p:cNvPr>
+          <p:cNvSpPr>
+            <a:spLocks noGrp="1"/>
+          </p:cNvSpPr>
+          <p:nvPr>
+            <p:ph type="title"/>
+          </p:nvPr>
+        </p:nvSpPr>
+        <p:spPr/>
+        <p:txBody>
+          <a:bodyPr/>
+          <a:lstStyle/>
+          <a:p>
+            <a:r>
+              <a:rPr lang="en-US" dirty="0"/>
+              <a:t>You are now bearers of IT sorcery…</a:t>
+            </a:r>
+          </a:p>
+        </p:txBody>
+      </p:sp>
+      <p:sp>
+        <p:nvSpPr>
+          <p:cNvPr id="3" name="Content Placeholder 2">
+            <a:extLst>
+              <a:ext uri="{FF2B5EF4-FFF2-40B4-BE49-F238E27FC236}">
+                <a16:creationId xmlns:a16="http://schemas.microsoft.com/office/drawing/2014/main" id="{B5309F92-A0A2-FE49-8EB8-A978133C80E3}"/>
+              </a:ext>
+            </a:extLst>
+          </p:cNvPr>
+          <p:cNvSpPr>
+            <a:spLocks noGrp="1"/>
+          </p:cNvSpPr>
+          <p:nvPr>
+            <p:ph idx="1"/>
+          </p:nvPr>
+        </p:nvSpPr>
+        <p:spPr>
+          <a:xfrm>
+            <a:off x="838199" y="1825625"/>
+            <a:ext cx="11102163" cy="4854308"/>
+          </a:xfrm>
+        </p:spPr>
+        <p:txBody>
+          <a:bodyPr>
+            <a:normAutofit fontScale="92500"/>
+          </a:bodyPr>
+          <a:lstStyle/>
+          <a:p>
+            <a:r>
+              <a:rPr lang="en-US" dirty="0"/>
+              <a:t>Information technology is extraordinarily powerful</a:t>
+            </a:r>
+          </a:p>
+          <a:p>
+            <a:pPr lvl="1"/>
+            <a:r>
+              <a:rPr lang="en-US" dirty="0"/>
+              <a:t>Protein folding</a:t>
+            </a:r>
+          </a:p>
+          <a:p>
+            <a:pPr lvl="1"/>
+            <a:r>
+              <a:rPr lang="en-US" dirty="0"/>
+              <a:t>Self driving cars</a:t>
+            </a:r>
+          </a:p>
+          <a:p>
+            <a:pPr lvl="1"/>
+            <a:r>
+              <a:rPr lang="en-US" dirty="0"/>
+              <a:t>…</a:t>
+            </a:r>
+          </a:p>
+          <a:p>
+            <a:pPr lvl="1"/>
+            <a:r>
+              <a:rPr lang="en-US" dirty="0"/>
+              <a:t>Workday </a:t>
+            </a:r>
+            <a:r>
+              <a:rPr lang="en-US" dirty="0">
+                <a:sym typeface="Wingdings" pitchFamily="2" charset="2"/>
+              </a:rPr>
+              <a:t></a:t>
+            </a:r>
+            <a:endParaRPr lang="en-US" dirty="0"/>
+          </a:p>
+          <a:p>
+            <a:r>
+              <a:rPr lang="en-US" dirty="0"/>
+              <a:t>Try to do good things with that power</a:t>
+            </a:r>
+          </a:p>
+          <a:p>
+            <a:pPr lvl="1"/>
+            <a:r>
+              <a:rPr lang="en-US" dirty="0"/>
+              <a:t>not everyone can work on cancer</a:t>
+            </a:r>
+          </a:p>
+          <a:p>
+            <a:pPr lvl="1"/>
+            <a:r>
+              <a:rPr lang="en-US" dirty="0"/>
+              <a:t>not everyone can go to cool hot company (former students are at all of them)</a:t>
+            </a:r>
+          </a:p>
+          <a:p>
+            <a:pPr lvl="1"/>
+            <a:r>
+              <a:rPr lang="en-US" dirty="0"/>
+              <a:t>we also need payroll systems, and traffic automation, and 10k+ other important systems</a:t>
+            </a:r>
+          </a:p>
+          <a:p>
+            <a:pPr lvl="1"/>
+            <a:r>
+              <a:rPr lang="en-US" dirty="0"/>
+              <a:t>but some things are less good…, some questions to ask</a:t>
+            </a:r>
+          </a:p>
+          <a:p>
+            <a:pPr lvl="2"/>
+            <a:r>
+              <a:rPr lang="en-US" dirty="0"/>
+              <a:t>where does the wealth go? where does it come from?</a:t>
+            </a:r>
+          </a:p>
+          <a:p>
+            <a:pPr lvl="2"/>
+            <a:r>
+              <a:rPr lang="en-US" dirty="0"/>
+              <a:t>who has control over the information?</a:t>
+            </a:r>
+          </a:p>
+          <a:p>
+            <a:pPr lvl="2"/>
+            <a:r>
+              <a:rPr lang="en-US" dirty="0"/>
+              <a:t>who has agency in how the system works?</a:t>
+            </a:r>
+          </a:p>
+        </p:txBody>
+      </p:sp>
+    </p:spTree>
+    <p:extLst>
+      <p:ext uri="{BB962C8B-B14F-4D97-AF65-F5344CB8AC3E}">
+        <p14:creationId xmlns:p14="http://schemas.microsoft.com/office/powerpoint/2010/main" val="35273196"/>
+      </p:ext>
+    </p:extLst>
+  </p:cSld>
+  <p:clrMapOvr>
+    <a:masterClrMapping/>
+  </p:clrMapOvr>
+</p:sld>
+</file>
+
+<file path=ppt/slides/slide29.xml><?xml version="1.0" encoding="utf-8"?>
 <p:sld xmlns:a="http://schemas.openxmlformats.org/drawingml/2006/main" xmlns:r="http://schemas.openxmlformats.org/officeDocument/2006/relationships" xmlns:p="http://schemas.openxmlformats.org/presentationml/2006/main">
   <p:cSld>
     <p:spTree>
@@ -5524,1048 +7601,6 @@
       </p:grpSpPr>
       <p:sp>
         <p:nvSpPr>
-          <p:cNvPr id="2" name="Title 1">
-            <a:extLst>
-              <a:ext uri="{FF2B5EF4-FFF2-40B4-BE49-F238E27FC236}">
-                <a16:creationId xmlns:a16="http://schemas.microsoft.com/office/drawing/2014/main" id="{1B1D2B69-5FD4-C7DD-76D2-5188A6B8FF05}"/>
-              </a:ext>
-            </a:extLst>
-          </p:cNvPr>
-          <p:cNvSpPr>
-            <a:spLocks noGrp="1"/>
-          </p:cNvSpPr>
-          <p:nvPr>
-            <p:ph type="title"/>
-          </p:nvPr>
-        </p:nvSpPr>
-        <p:spPr/>
-        <p:txBody>
-          <a:bodyPr/>
-          <a:lstStyle/>
-          <a:p>
-            <a:r>
-              <a:rPr lang="en-US" dirty="0"/>
-              <a:t>Two summer interns	</a:t>
-            </a:r>
-          </a:p>
-        </p:txBody>
-      </p:sp>
-      <p:sp>
-        <p:nvSpPr>
-          <p:cNvPr id="3" name="Content Placeholder 2">
-            <a:extLst>
-              <a:ext uri="{FF2B5EF4-FFF2-40B4-BE49-F238E27FC236}">
-                <a16:creationId xmlns:a16="http://schemas.microsoft.com/office/drawing/2014/main" id="{A0ABE84E-1441-3092-392A-F63A46D76F18}"/>
-              </a:ext>
-            </a:extLst>
-          </p:cNvPr>
-          <p:cNvSpPr>
-            <a:spLocks noGrp="1"/>
-          </p:cNvSpPr>
-          <p:nvPr>
-            <p:ph idx="1"/>
-          </p:nvPr>
-        </p:nvSpPr>
-        <p:spPr>
-          <a:xfrm>
-            <a:off x="838199" y="1825625"/>
-            <a:ext cx="10901855" cy="4351338"/>
-          </a:xfrm>
-        </p:spPr>
-        <p:txBody>
-          <a:bodyPr/>
-          <a:lstStyle/>
-          <a:p>
-            <a:r>
-              <a:rPr lang="en-US" dirty="0"/>
-              <a:t>When faced with an underspecified task at work:</a:t>
-            </a:r>
-          </a:p>
-          <a:p>
-            <a:pPr lvl="1"/>
-            <a:r>
-              <a:rPr lang="en-US" dirty="0"/>
-              <a:t>Intern A always goes to their manager to seek clarification before proceeding.</a:t>
-            </a:r>
-          </a:p>
-          <a:p>
-            <a:pPr lvl="1"/>
-            <a:r>
-              <a:rPr lang="en-US" dirty="0"/>
-              <a:t>Intern B tries to make a reasonable decision about what is needed and proceeds.</a:t>
-            </a:r>
-            <a:br>
-              <a:rPr lang="en-US" dirty="0"/>
-            </a:br>
-            <a:endParaRPr lang="en-US" dirty="0"/>
-          </a:p>
-          <a:p>
-            <a:r>
-              <a:rPr lang="en-US" dirty="0"/>
-              <a:t>At the end of the summer, which one gets a permanent job offer?</a:t>
-            </a:r>
-          </a:p>
-        </p:txBody>
-      </p:sp>
-    </p:spTree>
-    <p:extLst>
-      <p:ext uri="{BB962C8B-B14F-4D97-AF65-F5344CB8AC3E}">
-        <p14:creationId xmlns:p14="http://schemas.microsoft.com/office/powerpoint/2010/main" val="3280050734"/>
-      </p:ext>
-    </p:extLst>
-  </p:cSld>
-  <p:clrMapOvr>
-    <a:masterClrMapping/>
-  </p:clrMapOvr>
-</p:sld>
-</file>
-
-<file path=ppt/slides/slide2.xml><?xml version="1.0" encoding="utf-8"?>
-<p:sld xmlns:a="http://schemas.openxmlformats.org/drawingml/2006/main" xmlns:r="http://schemas.openxmlformats.org/officeDocument/2006/relationships" xmlns:p="http://schemas.openxmlformats.org/presentationml/2006/main">
-  <p:cSld>
-    <p:spTree>
-      <p:nvGrpSpPr>
-        <p:cNvPr id="1" name=""/>
-        <p:cNvGrpSpPr/>
-        <p:nvPr/>
-      </p:nvGrpSpPr>
-      <p:grpSpPr>
-        <a:xfrm>
-          <a:off x="0" y="0"/>
-          <a:ext cx="0" cy="0"/>
-          <a:chOff x="0" y="0"/>
-          <a:chExt cx="0" cy="0"/>
-        </a:xfrm>
-      </p:grpSpPr>
-      <p:sp>
-        <p:nvSpPr>
-          <p:cNvPr id="2" name="Title 1">
-            <a:extLst>
-              <a:ext uri="{FF2B5EF4-FFF2-40B4-BE49-F238E27FC236}">
-                <a16:creationId xmlns:a16="http://schemas.microsoft.com/office/drawing/2014/main" id="{2E0D9021-6D45-4C10-C179-548A5D0A1E12}"/>
-              </a:ext>
-            </a:extLst>
-          </p:cNvPr>
-          <p:cNvSpPr>
-            <a:spLocks noGrp="1"/>
-          </p:cNvSpPr>
-          <p:nvPr>
-            <p:ph type="title"/>
-          </p:nvPr>
-        </p:nvSpPr>
-        <p:spPr/>
-        <p:txBody>
-          <a:bodyPr/>
-          <a:lstStyle/>
-          <a:p>
-            <a:r>
-              <a:rPr lang="en-US" dirty="0"/>
-              <a:t>Last song</a:t>
-            </a:r>
-          </a:p>
-        </p:txBody>
-      </p:sp>
-      <p:sp>
-        <p:nvSpPr>
-          <p:cNvPr id="3" name="Content Placeholder 2">
-            <a:extLst>
-              <a:ext uri="{FF2B5EF4-FFF2-40B4-BE49-F238E27FC236}">
-                <a16:creationId xmlns:a16="http://schemas.microsoft.com/office/drawing/2014/main" id="{3B9FACF7-5F8D-07CE-E68C-6E5114946097}"/>
-              </a:ext>
-            </a:extLst>
-          </p:cNvPr>
-          <p:cNvSpPr>
-            <a:spLocks noGrp="1"/>
-          </p:cNvSpPr>
-          <p:nvPr>
-            <p:ph idx="1"/>
-          </p:nvPr>
-        </p:nvSpPr>
-        <p:spPr/>
-        <p:txBody>
-          <a:bodyPr>
-            <a:normAutofit lnSpcReduction="10000"/>
-          </a:bodyPr>
-          <a:lstStyle/>
-          <a:p>
-            <a:pPr marL="0" indent="0">
-              <a:buNone/>
-            </a:pPr>
-            <a:endParaRPr lang="en-US" sz="3200" dirty="0"/>
-          </a:p>
-          <a:p>
-            <a:pPr marL="0" indent="0">
-              <a:buNone/>
-            </a:pPr>
-            <a:r>
-              <a:rPr lang="en-US" sz="3200" dirty="0"/>
-              <a:t>Cassidy by Bob Weir and John Barlow</a:t>
-            </a:r>
-          </a:p>
-          <a:p>
-            <a:pPr marL="0" indent="0">
-              <a:buNone/>
-            </a:pPr>
-            <a:endParaRPr lang="en-US" sz="3200" dirty="0"/>
-          </a:p>
-          <a:p>
-            <a:pPr marL="0" indent="0">
-              <a:buNone/>
-            </a:pPr>
-            <a:r>
-              <a:rPr lang="en-US" sz="3200" dirty="0"/>
-              <a:t>A song about comings and goings; especially about comings.</a:t>
-            </a:r>
-          </a:p>
-          <a:p>
-            <a:pPr marL="0" indent="0">
-              <a:buNone/>
-            </a:pPr>
-            <a:endParaRPr lang="en-US" sz="3200" dirty="0"/>
-          </a:p>
-          <a:p>
-            <a:pPr marL="0" indent="0">
-              <a:buNone/>
-            </a:pPr>
-            <a:r>
-              <a:rPr lang="en-US" sz="3200" dirty="0"/>
-              <a:t>I’ll let you read the lyrics and see what they say to you, but…</a:t>
-            </a:r>
-          </a:p>
-          <a:p>
-            <a:pPr marL="0" indent="0">
-              <a:buNone/>
-            </a:pPr>
-            <a:endParaRPr lang="en-US" sz="3200" dirty="0"/>
-          </a:p>
-          <a:p>
-            <a:pPr marL="0" indent="0">
-              <a:buNone/>
-            </a:pPr>
-            <a:r>
-              <a:rPr lang="en-US" sz="3200" dirty="0"/>
-              <a:t>“Wheel to the storm and fly”</a:t>
-            </a:r>
-          </a:p>
-        </p:txBody>
-      </p:sp>
-    </p:spTree>
-    <p:extLst>
-      <p:ext uri="{BB962C8B-B14F-4D97-AF65-F5344CB8AC3E}">
-        <p14:creationId xmlns:p14="http://schemas.microsoft.com/office/powerpoint/2010/main" val="299265907"/>
-      </p:ext>
-    </p:extLst>
-  </p:cSld>
-  <p:clrMapOvr>
-    <a:masterClrMapping/>
-  </p:clrMapOvr>
-</p:sld>
-</file>
-
-<file path=ppt/slides/slide20.xml><?xml version="1.0" encoding="utf-8"?>
-<p:sld xmlns:a="http://schemas.openxmlformats.org/drawingml/2006/main" xmlns:r="http://schemas.openxmlformats.org/officeDocument/2006/relationships" xmlns:p="http://schemas.openxmlformats.org/presentationml/2006/main">
-  <p:cSld>
-    <p:spTree>
-      <p:nvGrpSpPr>
-        <p:cNvPr id="1" name=""/>
-        <p:cNvGrpSpPr/>
-        <p:nvPr/>
-      </p:nvGrpSpPr>
-      <p:grpSpPr>
-        <a:xfrm>
-          <a:off x="0" y="0"/>
-          <a:ext cx="0" cy="0"/>
-          <a:chOff x="0" y="0"/>
-          <a:chExt cx="0" cy="0"/>
-        </a:xfrm>
-      </p:grpSpPr>
-      <p:sp>
-        <p:nvSpPr>
-          <p:cNvPr id="2" name="Title 1">
-            <a:extLst>
-              <a:ext uri="{FF2B5EF4-FFF2-40B4-BE49-F238E27FC236}">
-                <a16:creationId xmlns:a16="http://schemas.microsoft.com/office/drawing/2014/main" id="{10F9E1B0-4780-53FD-26CE-FDA8D545D7C3}"/>
-              </a:ext>
-            </a:extLst>
-          </p:cNvPr>
-          <p:cNvSpPr>
-            <a:spLocks noGrp="1"/>
-          </p:cNvSpPr>
-          <p:nvPr>
-            <p:ph type="title"/>
-          </p:nvPr>
-        </p:nvSpPr>
-        <p:spPr/>
-        <p:txBody>
-          <a:bodyPr/>
-          <a:lstStyle/>
-          <a:p>
-            <a:r>
-              <a:rPr lang="en-US" dirty="0"/>
-              <a:t>At work - </a:t>
-            </a:r>
-            <a:r>
-              <a:rPr lang="en-US" dirty="0" err="1"/>
-              <a:t>FtR</a:t>
-            </a:r>
-            <a:endParaRPr lang="en-US" dirty="0"/>
-          </a:p>
-        </p:txBody>
-      </p:sp>
-      <p:sp>
-        <p:nvSpPr>
-          <p:cNvPr id="3" name="Content Placeholder 2">
-            <a:extLst>
-              <a:ext uri="{FF2B5EF4-FFF2-40B4-BE49-F238E27FC236}">
-                <a16:creationId xmlns:a16="http://schemas.microsoft.com/office/drawing/2014/main" id="{C8B8F99D-3492-A1A3-25A4-18B2BBF50294}"/>
-              </a:ext>
-            </a:extLst>
-          </p:cNvPr>
-          <p:cNvSpPr>
-            <a:spLocks noGrp="1"/>
-          </p:cNvSpPr>
-          <p:nvPr>
-            <p:ph idx="1"/>
-          </p:nvPr>
-        </p:nvSpPr>
-        <p:spPr>
-          <a:xfrm>
-            <a:off x="838200" y="1825625"/>
-            <a:ext cx="10515600" cy="4739562"/>
-          </a:xfrm>
-        </p:spPr>
-        <p:txBody>
-          <a:bodyPr>
-            <a:normAutofit fontScale="92500" lnSpcReduction="10000"/>
-          </a:bodyPr>
-          <a:lstStyle/>
-          <a:p>
-            <a:r>
-              <a:rPr lang="en-US" dirty="0"/>
-              <a:t>Managers don’t have time for employees who need to be given a detailed description of what to do</a:t>
-            </a:r>
-          </a:p>
-          <a:p>
-            <a:pPr lvl="1"/>
-            <a:r>
-              <a:rPr lang="en-US" dirty="0"/>
-              <a:t>figure it out</a:t>
-            </a:r>
-          </a:p>
-          <a:p>
-            <a:pPr lvl="1"/>
-            <a:r>
-              <a:rPr lang="en-US" dirty="0"/>
-              <a:t>do something reasonable</a:t>
-            </a:r>
-          </a:p>
-          <a:p>
-            <a:pPr lvl="1"/>
-            <a:r>
-              <a:rPr lang="en-US" dirty="0"/>
-              <a:t>ask only very well developed questions</a:t>
-            </a:r>
-          </a:p>
-          <a:p>
-            <a:pPr lvl="2"/>
-            <a:r>
-              <a:rPr lang="en-US" dirty="0"/>
-              <a:t>“It seems like there’s two different things we could do, one would look like this,</a:t>
-            </a:r>
-            <a:br>
-              <a:rPr lang="en-US" dirty="0"/>
-            </a:br>
-            <a:r>
-              <a:rPr lang="en-US" dirty="0"/>
-              <a:t>the other would look like this…” (The examples step of the recipe!)</a:t>
-            </a:r>
-          </a:p>
-          <a:p>
-            <a:endParaRPr lang="en-US" dirty="0"/>
-          </a:p>
-          <a:p>
-            <a:r>
-              <a:rPr lang="en-US" dirty="0"/>
-              <a:t>It’s easy to be fun to be around when you know what you are doing</a:t>
-            </a:r>
-          </a:p>
-          <a:p>
-            <a:pPr lvl="1"/>
-            <a:r>
-              <a:rPr lang="en-US" dirty="0"/>
-              <a:t>teams want people who are fun to be around when they don’t know what they are doing</a:t>
-            </a:r>
-          </a:p>
-          <a:p>
-            <a:pPr lvl="1"/>
-            <a:r>
-              <a:rPr lang="en-US" dirty="0"/>
-              <a:t>interview processes are in part trying to uncover that, they want to push you into uncomfortable territory to see how you handle that – they aren’t trying to intimidate or be macho (many of them aren’t anyways)</a:t>
-            </a:r>
-          </a:p>
-        </p:txBody>
-      </p:sp>
-      <p:sp>
-        <p:nvSpPr>
-          <p:cNvPr id="5" name="TextBox 4">
-            <a:extLst>
-              <a:ext uri="{FF2B5EF4-FFF2-40B4-BE49-F238E27FC236}">
-                <a16:creationId xmlns:a16="http://schemas.microsoft.com/office/drawing/2014/main" id="{C936CEB3-555D-613B-3792-AEA2636E7C07}"/>
-              </a:ext>
-            </a:extLst>
-          </p:cNvPr>
-          <p:cNvSpPr txBox="1"/>
-          <p:nvPr/>
-        </p:nvSpPr>
-        <p:spPr>
-          <a:xfrm>
-            <a:off x="4826285" y="230188"/>
-            <a:ext cx="6979578" cy="954107"/>
-          </a:xfrm>
-          <a:prstGeom prst="rect">
-            <a:avLst/>
-          </a:prstGeom>
-          <a:noFill/>
-        </p:spPr>
-        <p:txBody>
-          <a:bodyPr wrap="square">
-            <a:spAutoFit/>
-          </a:bodyPr>
-          <a:lstStyle/>
-          <a:p>
-            <a:r>
-              <a:rPr lang="en-US" sz="2800" i="1" dirty="0"/>
-              <a:t>“We are what we repeatedly do.</a:t>
-            </a:r>
-            <a:br>
-              <a:rPr lang="en-US" sz="2800" i="1" dirty="0"/>
-            </a:br>
-            <a:r>
-              <a:rPr lang="en-US" sz="2800" i="1" dirty="0"/>
-              <a:t>Excellence, then, is not an act, but a habit.”</a:t>
-            </a:r>
-          </a:p>
-        </p:txBody>
-      </p:sp>
-    </p:spTree>
-    <p:extLst>
-      <p:ext uri="{BB962C8B-B14F-4D97-AF65-F5344CB8AC3E}">
-        <p14:creationId xmlns:p14="http://schemas.microsoft.com/office/powerpoint/2010/main" val="2549518288"/>
-      </p:ext>
-    </p:extLst>
-  </p:cSld>
-  <p:clrMapOvr>
-    <a:masterClrMapping/>
-  </p:clrMapOvr>
-</p:sld>
-</file>
-
-<file path=ppt/slides/slide21.xml><?xml version="1.0" encoding="utf-8"?>
-<p:sld xmlns:a="http://schemas.openxmlformats.org/drawingml/2006/main" xmlns:r="http://schemas.openxmlformats.org/officeDocument/2006/relationships" xmlns:p="http://schemas.openxmlformats.org/presentationml/2006/main">
-  <p:cSld>
-    <p:spTree>
-      <p:nvGrpSpPr>
-        <p:cNvPr id="1" name=""/>
-        <p:cNvGrpSpPr/>
-        <p:nvPr/>
-      </p:nvGrpSpPr>
-      <p:grpSpPr>
-        <a:xfrm>
-          <a:off x="0" y="0"/>
-          <a:ext cx="0" cy="0"/>
-          <a:chOff x="0" y="0"/>
-          <a:chExt cx="0" cy="0"/>
-        </a:xfrm>
-      </p:grpSpPr>
-      <p:sp>
-        <p:nvSpPr>
-          <p:cNvPr id="2" name="Title 1">
-            <a:extLst>
-              <a:ext uri="{FF2B5EF4-FFF2-40B4-BE49-F238E27FC236}">
-                <a16:creationId xmlns:a16="http://schemas.microsoft.com/office/drawing/2014/main" id="{024C97C4-0C09-B6D4-7A37-41DFBC6D4691}"/>
-              </a:ext>
-            </a:extLst>
-          </p:cNvPr>
-          <p:cNvSpPr>
-            <a:spLocks noGrp="1"/>
-          </p:cNvSpPr>
-          <p:nvPr>
-            <p:ph type="title"/>
-          </p:nvPr>
-        </p:nvSpPr>
-        <p:spPr/>
-        <p:txBody>
-          <a:bodyPr/>
-          <a:lstStyle/>
-          <a:p>
-            <a:r>
-              <a:rPr lang="en-US" dirty="0"/>
-              <a:t>What About Generative AI?</a:t>
-            </a:r>
-          </a:p>
-        </p:txBody>
-      </p:sp>
-      <p:sp>
-        <p:nvSpPr>
-          <p:cNvPr id="3" name="Content Placeholder 2">
-            <a:extLst>
-              <a:ext uri="{FF2B5EF4-FFF2-40B4-BE49-F238E27FC236}">
-                <a16:creationId xmlns:a16="http://schemas.microsoft.com/office/drawing/2014/main" id="{FA19CDD8-6D31-8ACA-AB4E-08B4DDDE49BA}"/>
-              </a:ext>
-            </a:extLst>
-          </p:cNvPr>
-          <p:cNvSpPr>
-            <a:spLocks noGrp="1"/>
-          </p:cNvSpPr>
-          <p:nvPr>
-            <p:ph idx="1"/>
-          </p:nvPr>
-        </p:nvSpPr>
-        <p:spPr>
-          <a:xfrm>
-            <a:off x="838199" y="1825625"/>
-            <a:ext cx="11254483" cy="4351338"/>
-          </a:xfrm>
-        </p:spPr>
-        <p:txBody>
-          <a:bodyPr>
-            <a:normAutofit fontScale="92500" lnSpcReduction="10000"/>
-          </a:bodyPr>
-          <a:lstStyle/>
-          <a:p>
-            <a:r>
-              <a:rPr lang="en-US" dirty="0"/>
-              <a:t>All kinds of work is about to change – maybe a lot</a:t>
-            </a:r>
-          </a:p>
-          <a:p>
-            <a:r>
-              <a:rPr lang="en-US" dirty="0"/>
-              <a:t>Long term isn’t clear (issues go way beyond technology)</a:t>
-            </a:r>
-          </a:p>
-          <a:p>
-            <a:r>
-              <a:rPr lang="en-US" dirty="0"/>
-              <a:t>It does seem clear that in 2-3 years or less</a:t>
-            </a:r>
-          </a:p>
-          <a:p>
-            <a:pPr lvl="1"/>
-            <a:r>
-              <a:rPr lang="en-US" dirty="0"/>
-              <a:t>software engineers (including interns) will need to be able to use tools like Copilot (or similar) to be more </a:t>
-            </a:r>
-            <a:r>
-              <a:rPr lang="en-US" u="sng" dirty="0"/>
-              <a:t>productive</a:t>
-            </a:r>
-            <a:r>
-              <a:rPr lang="en-US" dirty="0"/>
-              <a:t> (produce more value per salary dollar)</a:t>
-            </a:r>
-          </a:p>
-          <a:p>
-            <a:pPr lvl="2"/>
-            <a:r>
-              <a:rPr lang="en-US" dirty="0"/>
-              <a:t>produce/revise code faster</a:t>
-            </a:r>
-          </a:p>
-          <a:p>
-            <a:pPr lvl="2"/>
-            <a:r>
-              <a:rPr lang="en-US" dirty="0"/>
-              <a:t>produce better code</a:t>
-            </a:r>
-          </a:p>
-          <a:p>
-            <a:pPr lvl="2"/>
-            <a:r>
-              <a:rPr lang="en-US" dirty="0"/>
-              <a:t>…</a:t>
-            </a:r>
-          </a:p>
-          <a:p>
-            <a:pPr lvl="1"/>
-            <a:r>
-              <a:rPr lang="en-US" dirty="0"/>
-              <a:t>One part of that will be quickly evaluating code an AI tool proposes</a:t>
-            </a:r>
-          </a:p>
-          <a:p>
-            <a:pPr lvl="1"/>
-            <a:r>
-              <a:rPr lang="en-US" dirty="0"/>
-              <a:t>One part of that will be having a dialog with an AI tool about code you have written</a:t>
-            </a:r>
-          </a:p>
-          <a:p>
-            <a:r>
-              <a:rPr lang="en-US" dirty="0"/>
-              <a:t>We have tried to given you a foundation for that</a:t>
-            </a:r>
-          </a:p>
-          <a:p>
-            <a:pPr lvl="1"/>
-            <a:r>
-              <a:rPr lang="en-US" dirty="0"/>
-              <a:t>by focusing on design level constructs that exist across all languages and tools</a:t>
-            </a:r>
-          </a:p>
-        </p:txBody>
-      </p:sp>
-    </p:spTree>
-    <p:extLst>
-      <p:ext uri="{BB962C8B-B14F-4D97-AF65-F5344CB8AC3E}">
-        <p14:creationId xmlns:p14="http://schemas.microsoft.com/office/powerpoint/2010/main" val="1899560148"/>
-      </p:ext>
-    </p:extLst>
-  </p:cSld>
-  <p:clrMapOvr>
-    <a:masterClrMapping/>
-  </p:clrMapOvr>
-</p:sld>
-</file>
-
-<file path=ppt/slides/slide22.xml><?xml version="1.0" encoding="utf-8"?>
-<p:sld xmlns:a="http://schemas.openxmlformats.org/drawingml/2006/main" xmlns:r="http://schemas.openxmlformats.org/officeDocument/2006/relationships" xmlns:p="http://schemas.openxmlformats.org/presentationml/2006/main">
-  <p:cSld>
-    <p:spTree>
-      <p:nvGrpSpPr>
-        <p:cNvPr id="1" name=""/>
-        <p:cNvGrpSpPr/>
-        <p:nvPr/>
-      </p:nvGrpSpPr>
-      <p:grpSpPr>
-        <a:xfrm>
-          <a:off x="0" y="0"/>
-          <a:ext cx="0" cy="0"/>
-          <a:chOff x="0" y="0"/>
-          <a:chExt cx="0" cy="0"/>
-        </a:xfrm>
-      </p:grpSpPr>
-      <p:sp>
-        <p:nvSpPr>
-          <p:cNvPr id="2" name="Title 1"/>
-          <p:cNvSpPr>
-            <a:spLocks noGrp="1"/>
-          </p:cNvSpPr>
-          <p:nvPr>
-            <p:ph type="title"/>
-          </p:nvPr>
-        </p:nvSpPr>
-        <p:spPr/>
-        <p:txBody>
-          <a:bodyPr/>
-          <a:lstStyle/>
-          <a:p>
-            <a:r>
-              <a:rPr lang="en-US" dirty="0"/>
-              <a:t>Final review</a:t>
-            </a:r>
-          </a:p>
-        </p:txBody>
-      </p:sp>
-      <p:sp>
-        <p:nvSpPr>
-          <p:cNvPr id="3" name="Content Placeholder 2"/>
-          <p:cNvSpPr>
-            <a:spLocks noGrp="1"/>
-          </p:cNvSpPr>
-          <p:nvPr>
-            <p:ph idx="1"/>
-          </p:nvPr>
-        </p:nvSpPr>
-        <p:spPr/>
-        <p:txBody>
-          <a:bodyPr>
-            <a:normAutofit fontScale="85000" lnSpcReduction="20000"/>
-          </a:bodyPr>
-          <a:lstStyle/>
-          <a:p>
-            <a:r>
-              <a:rPr lang="en-US" dirty="0"/>
-              <a:t>Monitor Piazza forum closely – ask well setup questions</a:t>
-            </a:r>
-          </a:p>
-          <a:p>
-            <a:r>
-              <a:rPr lang="en-US" dirty="0"/>
-              <a:t>Work through problems (as opposed to reviewing solutions)</a:t>
-            </a:r>
-          </a:p>
-          <a:p>
-            <a:r>
-              <a:rPr lang="en-US" dirty="0"/>
-              <a:t>Focus on WHY you type the code you do</a:t>
-            </a:r>
-          </a:p>
-          <a:p>
-            <a:pPr lvl="1"/>
-            <a:r>
-              <a:rPr lang="en-US" dirty="0"/>
-              <a:t>What rule? What observation? What idea?</a:t>
-            </a:r>
-          </a:p>
-          <a:p>
-            <a:pPr lvl="1"/>
-            <a:endParaRPr lang="en-US" dirty="0"/>
-          </a:p>
-          <a:p>
-            <a:r>
-              <a:rPr lang="en-US" dirty="0"/>
-              <a:t>Work through them online</a:t>
-            </a:r>
-          </a:p>
-          <a:p>
-            <a:r>
-              <a:rPr lang="en-US" dirty="0"/>
-              <a:t>Practice getting RUNNING solutions</a:t>
-            </a:r>
-          </a:p>
-          <a:p>
-            <a:r>
-              <a:rPr lang="en-US" dirty="0"/>
-              <a:t>Work through being stuck, don’t just look at the solution</a:t>
-            </a:r>
-          </a:p>
-          <a:p>
-            <a:r>
-              <a:rPr lang="en-US" dirty="0"/>
-              <a:t>Work in office hours (hints are better than looking at solutions)</a:t>
-            </a:r>
-          </a:p>
-          <a:p>
-            <a:r>
-              <a:rPr lang="en-US" dirty="0"/>
-              <a:t>Work in 2.5 hour chunks w/o interruption</a:t>
-            </a:r>
-          </a:p>
-          <a:p>
-            <a:endParaRPr lang="en-US" dirty="0"/>
-          </a:p>
-          <a:p>
-            <a:r>
-              <a:rPr lang="en-US" dirty="0"/>
-              <a:t>Several hours every day beats 24 hours the day before the exam</a:t>
-            </a:r>
-          </a:p>
-          <a:p>
-            <a:endParaRPr lang="en-US" dirty="0"/>
-          </a:p>
-        </p:txBody>
-      </p:sp>
-    </p:spTree>
-    <p:extLst>
-      <p:ext uri="{BB962C8B-B14F-4D97-AF65-F5344CB8AC3E}">
-        <p14:creationId xmlns:p14="http://schemas.microsoft.com/office/powerpoint/2010/main" val="1012606840"/>
-      </p:ext>
-    </p:extLst>
-  </p:cSld>
-  <p:clrMapOvr>
-    <a:masterClrMapping/>
-  </p:clrMapOvr>
-</p:sld>
-</file>
-
-<file path=ppt/slides/slide23.xml><?xml version="1.0" encoding="utf-8"?>
-<p:sld xmlns:a="http://schemas.openxmlformats.org/drawingml/2006/main" xmlns:r="http://schemas.openxmlformats.org/officeDocument/2006/relationships" xmlns:p="http://schemas.openxmlformats.org/presentationml/2006/main">
-  <p:cSld>
-    <p:spTree>
-      <p:nvGrpSpPr>
-        <p:cNvPr id="1" name=""/>
-        <p:cNvGrpSpPr/>
-        <p:nvPr/>
-      </p:nvGrpSpPr>
-      <p:grpSpPr>
-        <a:xfrm>
-          <a:off x="0" y="0"/>
-          <a:ext cx="0" cy="0"/>
-          <a:chOff x="0" y="0"/>
-          <a:chExt cx="0" cy="0"/>
-        </a:xfrm>
-      </p:grpSpPr>
-      <p:sp>
-        <p:nvSpPr>
-          <p:cNvPr id="2" name="Title 1">
-            <a:extLst>
-              <a:ext uri="{FF2B5EF4-FFF2-40B4-BE49-F238E27FC236}">
-                <a16:creationId xmlns:a16="http://schemas.microsoft.com/office/drawing/2014/main" id="{D03972D7-CAB1-3C4D-A989-78EF897D24B0}"/>
-              </a:ext>
-            </a:extLst>
-          </p:cNvPr>
-          <p:cNvSpPr>
-            <a:spLocks noGrp="1"/>
-          </p:cNvSpPr>
-          <p:nvPr>
-            <p:ph type="title"/>
-          </p:nvPr>
-        </p:nvSpPr>
-        <p:spPr/>
-        <p:txBody>
-          <a:bodyPr/>
-          <a:lstStyle/>
-          <a:p>
-            <a:r>
-              <a:rPr lang="en-US" dirty="0"/>
-              <a:t>You are now bearers of IT sorcery…</a:t>
-            </a:r>
-          </a:p>
-        </p:txBody>
-      </p:sp>
-      <p:sp>
-        <p:nvSpPr>
-          <p:cNvPr id="3" name="Content Placeholder 2">
-            <a:extLst>
-              <a:ext uri="{FF2B5EF4-FFF2-40B4-BE49-F238E27FC236}">
-                <a16:creationId xmlns:a16="http://schemas.microsoft.com/office/drawing/2014/main" id="{B5309F92-A0A2-FE49-8EB8-A978133C80E3}"/>
-              </a:ext>
-            </a:extLst>
-          </p:cNvPr>
-          <p:cNvSpPr>
-            <a:spLocks noGrp="1"/>
-          </p:cNvSpPr>
-          <p:nvPr>
-            <p:ph idx="1"/>
-          </p:nvPr>
-        </p:nvSpPr>
-        <p:spPr>
-          <a:xfrm>
-            <a:off x="838199" y="1825625"/>
-            <a:ext cx="11102163" cy="4854308"/>
-          </a:xfrm>
-        </p:spPr>
-        <p:txBody>
-          <a:bodyPr>
-            <a:normAutofit fontScale="92500"/>
-          </a:bodyPr>
-          <a:lstStyle/>
-          <a:p>
-            <a:r>
-              <a:rPr lang="en-US" dirty="0"/>
-              <a:t>Information technology is extraordinarily powerful</a:t>
-            </a:r>
-          </a:p>
-          <a:p>
-            <a:pPr lvl="1"/>
-            <a:r>
-              <a:rPr lang="en-US" dirty="0"/>
-              <a:t>Protein folding</a:t>
-            </a:r>
-          </a:p>
-          <a:p>
-            <a:pPr lvl="1"/>
-            <a:r>
-              <a:rPr lang="en-US" dirty="0"/>
-              <a:t>Self driving cars</a:t>
-            </a:r>
-          </a:p>
-          <a:p>
-            <a:pPr lvl="1"/>
-            <a:r>
-              <a:rPr lang="en-US" dirty="0"/>
-              <a:t>…</a:t>
-            </a:r>
-          </a:p>
-          <a:p>
-            <a:pPr lvl="1"/>
-            <a:r>
-              <a:rPr lang="en-US" dirty="0"/>
-              <a:t>Workday </a:t>
-            </a:r>
-            <a:r>
-              <a:rPr lang="en-US" dirty="0">
-                <a:sym typeface="Wingdings" pitchFamily="2" charset="2"/>
-              </a:rPr>
-              <a:t></a:t>
-            </a:r>
-            <a:endParaRPr lang="en-US" dirty="0"/>
-          </a:p>
-          <a:p>
-            <a:r>
-              <a:rPr lang="en-US" dirty="0"/>
-              <a:t>Try to do good things with that power</a:t>
-            </a:r>
-          </a:p>
-          <a:p>
-            <a:pPr lvl="1"/>
-            <a:r>
-              <a:rPr lang="en-US" dirty="0"/>
-              <a:t>not everyone can work on cancer</a:t>
-            </a:r>
-          </a:p>
-          <a:p>
-            <a:pPr lvl="1"/>
-            <a:r>
-              <a:rPr lang="en-US" dirty="0"/>
-              <a:t>not everyone can go to cool hot company (former students are at all of them)</a:t>
-            </a:r>
-          </a:p>
-          <a:p>
-            <a:pPr lvl="1"/>
-            <a:r>
-              <a:rPr lang="en-US" dirty="0"/>
-              <a:t>we also need payroll systems, and traffic automation, and 10k+ other important systems</a:t>
-            </a:r>
-          </a:p>
-          <a:p>
-            <a:pPr lvl="1"/>
-            <a:r>
-              <a:rPr lang="en-US" dirty="0"/>
-              <a:t>but some things are less good…, some questions to ask</a:t>
-            </a:r>
-          </a:p>
-          <a:p>
-            <a:pPr lvl="2"/>
-            <a:r>
-              <a:rPr lang="en-US" dirty="0"/>
-              <a:t>where does the wealth go? where does it come from?</a:t>
-            </a:r>
-          </a:p>
-          <a:p>
-            <a:pPr lvl="2"/>
-            <a:r>
-              <a:rPr lang="en-US" dirty="0"/>
-              <a:t>who has control over the information?</a:t>
-            </a:r>
-          </a:p>
-          <a:p>
-            <a:pPr lvl="2"/>
-            <a:r>
-              <a:rPr lang="en-US" dirty="0"/>
-              <a:t>who has agency in how the system works?</a:t>
-            </a:r>
-          </a:p>
-        </p:txBody>
-      </p:sp>
-    </p:spTree>
-    <p:extLst>
-      <p:ext uri="{BB962C8B-B14F-4D97-AF65-F5344CB8AC3E}">
-        <p14:creationId xmlns:p14="http://schemas.microsoft.com/office/powerpoint/2010/main" val="35273196"/>
-      </p:ext>
-    </p:extLst>
-  </p:cSld>
-  <p:clrMapOvr>
-    <a:masterClrMapping/>
-  </p:clrMapOvr>
-</p:sld>
-</file>
-
-<file path=ppt/slides/slide24.xml><?xml version="1.0" encoding="utf-8"?>
-<p:sld xmlns:a="http://schemas.openxmlformats.org/drawingml/2006/main" xmlns:r="http://schemas.openxmlformats.org/officeDocument/2006/relationships" xmlns:p="http://schemas.openxmlformats.org/presentationml/2006/main">
-  <p:cSld>
-    <p:spTree>
-      <p:nvGrpSpPr>
-        <p:cNvPr id="1" name=""/>
-        <p:cNvGrpSpPr/>
-        <p:nvPr/>
-      </p:nvGrpSpPr>
-      <p:grpSpPr>
-        <a:xfrm>
-          <a:off x="0" y="0"/>
-          <a:ext cx="0" cy="0"/>
-          <a:chOff x="0" y="0"/>
-          <a:chExt cx="0" cy="0"/>
-        </a:xfrm>
-      </p:grpSpPr>
-      <p:sp>
-        <p:nvSpPr>
-          <p:cNvPr id="2" name="Title 1">
-            <a:extLst>
-              <a:ext uri="{FF2B5EF4-FFF2-40B4-BE49-F238E27FC236}">
-                <a16:creationId xmlns:a16="http://schemas.microsoft.com/office/drawing/2014/main" id="{0B06439B-E131-A005-F00A-709B6E6DF7FA}"/>
-              </a:ext>
-            </a:extLst>
-          </p:cNvPr>
-          <p:cNvSpPr>
-            <a:spLocks noGrp="1"/>
-          </p:cNvSpPr>
-          <p:nvPr>
-            <p:ph type="title"/>
-          </p:nvPr>
-        </p:nvSpPr>
-        <p:spPr/>
-        <p:txBody>
-          <a:bodyPr/>
-          <a:lstStyle/>
-          <a:p>
-            <a:r>
-              <a:rPr lang="en-US" dirty="0"/>
-              <a:t>Remember</a:t>
-            </a:r>
-          </a:p>
-        </p:txBody>
-      </p:sp>
-      <p:sp>
-        <p:nvSpPr>
-          <p:cNvPr id="3" name="Content Placeholder 2">
-            <a:extLst>
-              <a:ext uri="{FF2B5EF4-FFF2-40B4-BE49-F238E27FC236}">
-                <a16:creationId xmlns:a16="http://schemas.microsoft.com/office/drawing/2014/main" id="{9C3844D1-BE28-11A7-5FB8-E7F005ACF670}"/>
-              </a:ext>
-            </a:extLst>
-          </p:cNvPr>
-          <p:cNvSpPr>
-            <a:spLocks noGrp="1"/>
-          </p:cNvSpPr>
-          <p:nvPr>
-            <p:ph idx="1"/>
-          </p:nvPr>
-        </p:nvSpPr>
-        <p:spPr/>
-        <p:txBody>
-          <a:bodyPr/>
-          <a:lstStyle/>
-          <a:p>
-            <a:pPr marL="0" indent="0">
-              <a:buNone/>
-            </a:pPr>
-            <a:endParaRPr lang="en-US" dirty="0"/>
-          </a:p>
-          <a:p>
-            <a:pPr marL="0" indent="0">
-              <a:buNone/>
-            </a:pPr>
-            <a:r>
-              <a:rPr lang="en-US" dirty="0"/>
-              <a:t>“Wheel to the storm and fly”</a:t>
-            </a:r>
-          </a:p>
-        </p:txBody>
-      </p:sp>
-    </p:spTree>
-    <p:extLst>
-      <p:ext uri="{BB962C8B-B14F-4D97-AF65-F5344CB8AC3E}">
-        <p14:creationId xmlns:p14="http://schemas.microsoft.com/office/powerpoint/2010/main" val="1158070717"/>
-      </p:ext>
-    </p:extLst>
-  </p:cSld>
-  <p:clrMapOvr>
-    <a:masterClrMapping/>
-  </p:clrMapOvr>
-</p:sld>
-</file>
-
-<file path=ppt/slides/slide25.xml><?xml version="1.0" encoding="utf-8"?>
-<p:sld xmlns:a="http://schemas.openxmlformats.org/drawingml/2006/main" xmlns:r="http://schemas.openxmlformats.org/officeDocument/2006/relationships" xmlns:p="http://schemas.openxmlformats.org/presentationml/2006/main">
-  <p:cSld>
-    <p:spTree>
-      <p:nvGrpSpPr>
-        <p:cNvPr id="1" name=""/>
-        <p:cNvGrpSpPr/>
-        <p:nvPr/>
-      </p:nvGrpSpPr>
-      <p:grpSpPr>
-        <a:xfrm>
-          <a:off x="0" y="0"/>
-          <a:ext cx="0" cy="0"/>
-          <a:chOff x="0" y="0"/>
-          <a:chExt cx="0" cy="0"/>
-        </a:xfrm>
-      </p:grpSpPr>
-      <p:sp>
-        <p:nvSpPr>
           <p:cNvPr id="2" name="Title 1"/>
           <p:cNvSpPr>
             <a:spLocks noGrp="1"/>
@@ -6723,188 +7758,7 @@
 </file>
 
 <file path=ppt/slides/slide3.xml><?xml version="1.0" encoding="utf-8"?>
-<p:sld xmlns:a="http://schemas.openxmlformats.org/drawingml/2006/main" xmlns:r="http://schemas.openxmlformats.org/officeDocument/2006/relationships" xmlns:p="http://schemas.openxmlformats.org/presentationml/2006/main">
-  <p:cSld>
-    <p:spTree>
-      <p:nvGrpSpPr>
-        <p:cNvPr id="1" name=""/>
-        <p:cNvGrpSpPr/>
-        <p:nvPr/>
-      </p:nvGrpSpPr>
-      <p:grpSpPr>
-        <a:xfrm>
-          <a:off x="0" y="0"/>
-          <a:ext cx="0" cy="0"/>
-          <a:chOff x="0" y="0"/>
-          <a:chExt cx="0" cy="0"/>
-        </a:xfrm>
-      </p:grpSpPr>
-      <p:sp>
-        <p:nvSpPr>
-          <p:cNvPr id="2" name="Title 1"/>
-          <p:cNvSpPr>
-            <a:spLocks noGrp="1"/>
-          </p:cNvSpPr>
-          <p:nvPr>
-            <p:ph type="title"/>
-          </p:nvPr>
-        </p:nvSpPr>
-        <p:spPr/>
-        <p:txBody>
-          <a:bodyPr>
-            <a:normAutofit/>
-          </a:bodyPr>
-          <a:lstStyle/>
-          <a:p>
-            <a:pPr>
-              <a:lnSpc>
-                <a:spcPct val="150000"/>
-              </a:lnSpc>
-            </a:pPr>
-            <a:r>
-              <a:rPr lang="en-US" dirty="0"/>
-              <a:t>Plan for rest of today</a:t>
-            </a:r>
-          </a:p>
-        </p:txBody>
-      </p:sp>
-      <p:sp>
-        <p:nvSpPr>
-          <p:cNvPr id="8" name="Content Placeholder 7">
-            <a:extLst>
-              <a:ext uri="{FF2B5EF4-FFF2-40B4-BE49-F238E27FC236}">
-                <a16:creationId xmlns:a16="http://schemas.microsoft.com/office/drawing/2014/main" id="{DE8A77DE-1B86-0D4B-9485-4E45BC312FF9}"/>
-              </a:ext>
-            </a:extLst>
-          </p:cNvPr>
-          <p:cNvSpPr>
-            <a:spLocks noGrp="1"/>
-          </p:cNvSpPr>
-          <p:nvPr>
-            <p:ph idx="1"/>
-          </p:nvPr>
-        </p:nvSpPr>
-        <p:spPr/>
-        <p:txBody>
-          <a:bodyPr/>
-          <a:lstStyle/>
-          <a:p>
-            <a:r>
-              <a:rPr lang="en-US" dirty="0"/>
-              <a:t>How do you feel about final?</a:t>
-            </a:r>
-          </a:p>
-          <a:p>
-            <a:r>
-              <a:rPr lang="en-US" dirty="0"/>
-              <a:t>What have you learned?</a:t>
-            </a:r>
-          </a:p>
-          <a:p>
-            <a:r>
-              <a:rPr lang="en-US" dirty="0"/>
-              <a:t>What about other languages?</a:t>
-            </a:r>
-          </a:p>
-          <a:p>
-            <a:r>
-              <a:rPr lang="en-US" dirty="0"/>
-              <a:t>What’s next?</a:t>
-            </a:r>
-          </a:p>
-          <a:p>
-            <a:r>
-              <a:rPr lang="en-US" dirty="0"/>
-              <a:t>A few thoughts on generative AI</a:t>
-            </a:r>
-          </a:p>
-          <a:p>
-            <a:r>
-              <a:rPr lang="en-US" dirty="0"/>
-              <a:t>Student Survey</a:t>
-            </a:r>
-          </a:p>
-        </p:txBody>
-      </p:sp>
-      <p:sp>
-        <p:nvSpPr>
-          <p:cNvPr id="3" name="TextBox 2">
-            <a:extLst>
-              <a:ext uri="{FF2B5EF4-FFF2-40B4-BE49-F238E27FC236}">
-                <a16:creationId xmlns:a16="http://schemas.microsoft.com/office/drawing/2014/main" id="{C3EEC4B3-2616-AEB3-48D8-3CF97E400DDC}"/>
-              </a:ext>
-            </a:extLst>
-          </p:cNvPr>
-          <p:cNvSpPr txBox="1"/>
-          <p:nvPr/>
-        </p:nvSpPr>
-        <p:spPr>
-          <a:xfrm>
-            <a:off x="7941923" y="421241"/>
-            <a:ext cx="3883631" cy="1323439"/>
-          </a:xfrm>
-          <a:prstGeom prst="rect">
-            <a:avLst/>
-          </a:prstGeom>
-          <a:noFill/>
-        </p:spPr>
-        <p:txBody>
-          <a:bodyPr wrap="square" rtlCol="0">
-            <a:spAutoFit/>
-          </a:bodyPr>
-          <a:lstStyle/>
-          <a:p>
-            <a:r>
-              <a:rPr lang="en-US" sz="2000" dirty="0">
-                <a:solidFill>
-                  <a:srgbClr val="FF0000"/>
-                </a:solidFill>
-              </a:rPr>
-              <a:t>There will be clickers!</a:t>
-            </a:r>
-          </a:p>
-          <a:p>
-            <a:r>
-              <a:rPr lang="en-US" sz="2000" dirty="0">
-                <a:solidFill>
-                  <a:srgbClr val="FF0000"/>
-                </a:solidFill>
-              </a:rPr>
-              <a:t>All answers will be correct, but not answering will not be correct.</a:t>
-            </a:r>
-            <a:br>
-              <a:rPr lang="en-US" sz="2000" dirty="0">
-                <a:solidFill>
-                  <a:srgbClr val="FF0000"/>
-                </a:solidFill>
-              </a:rPr>
-            </a:br>
-            <a:r>
-              <a:rPr lang="en-US" sz="2000" dirty="0">
-                <a:solidFill>
-                  <a:srgbClr val="FF0000"/>
-                </a:solidFill>
-              </a:rPr>
-              <a:t>Leave your devices open.</a:t>
-            </a:r>
-          </a:p>
-        </p:txBody>
-      </p:sp>
-    </p:spTree>
-    <p:extLst>
-      <p:ext uri="{BB962C8B-B14F-4D97-AF65-F5344CB8AC3E}">
-        <p14:creationId xmlns:p14="http://schemas.microsoft.com/office/powerpoint/2010/main" val="2630507906"/>
-      </p:ext>
-    </p:extLst>
-  </p:cSld>
-  <p:clrMapOvr>
-    <a:masterClrMapping/>
-  </p:clrMapOvr>
-</p:sld>
-</file>
-
-<file path=ppt/slides/slide4.xml><?xml version="1.0" encoding="utf-8"?>
-<p:sld xmlns:a="http://schemas.openxmlformats.org/drawingml/2006/main" xmlns:r="http://schemas.openxmlformats.org/officeDocument/2006/relationships" xmlns:p="http://schemas.openxmlformats.org/presentationml/2006/main">
+<p:sld xmlns:a="http://schemas.openxmlformats.org/drawingml/2006/main" xmlns:r="http://schemas.openxmlformats.org/officeDocument/2006/relationships" xmlns:p="http://schemas.openxmlformats.org/presentationml/2006/main" show="0">
   <p:cSld>
     <p:spTree>
       <p:nvGrpSpPr>
@@ -6963,8 +7817,8 @@
 </p:sld>
 </file>
 
-<file path=ppt/slides/slide5.xml><?xml version="1.0" encoding="utf-8"?>
-<p:sld xmlns:a="http://schemas.openxmlformats.org/drawingml/2006/main" xmlns:r="http://schemas.openxmlformats.org/officeDocument/2006/relationships" xmlns:p="http://schemas.openxmlformats.org/presentationml/2006/main">
+<file path=ppt/slides/slide4.xml><?xml version="1.0" encoding="utf-8"?>
+<p:sld xmlns:a="http://schemas.openxmlformats.org/drawingml/2006/main" xmlns:r="http://schemas.openxmlformats.org/officeDocument/2006/relationships" xmlns:p="http://schemas.openxmlformats.org/presentationml/2006/main" show="0">
   <p:cSld>
     <p:spTree>
       <p:nvGrpSpPr>
@@ -7023,8 +7877,8 @@
 </p:sld>
 </file>
 
-<file path=ppt/slides/slide6.xml><?xml version="1.0" encoding="utf-8"?>
-<p:sld xmlns:a="http://schemas.openxmlformats.org/drawingml/2006/main" xmlns:r="http://schemas.openxmlformats.org/officeDocument/2006/relationships" xmlns:p="http://schemas.openxmlformats.org/presentationml/2006/main">
+<file path=ppt/slides/slide5.xml><?xml version="1.0" encoding="utf-8"?>
+<p:sld xmlns:a="http://schemas.openxmlformats.org/drawingml/2006/main" xmlns:r="http://schemas.openxmlformats.org/officeDocument/2006/relationships" xmlns:p="http://schemas.openxmlformats.org/presentationml/2006/main" show="0">
   <p:cSld>
     <p:spTree>
       <p:nvGrpSpPr>
@@ -7083,6 +7937,92 @@
 </p:sld>
 </file>
 
+<file path=ppt/slides/slide6.xml><?xml version="1.0" encoding="utf-8"?>
+<p:sld xmlns:a="http://schemas.openxmlformats.org/drawingml/2006/main" xmlns:r="http://schemas.openxmlformats.org/officeDocument/2006/relationships" xmlns:p="http://schemas.openxmlformats.org/presentationml/2006/main">
+  <p:cSld>
+    <p:spTree>
+      <p:nvGrpSpPr>
+        <p:cNvPr id="1" name=""/>
+        <p:cNvGrpSpPr/>
+        <p:nvPr/>
+      </p:nvGrpSpPr>
+      <p:grpSpPr>
+        <a:xfrm>
+          <a:off x="0" y="0"/>
+          <a:ext cx="0" cy="0"/>
+          <a:chOff x="0" y="0"/>
+          <a:chExt cx="0" cy="0"/>
+        </a:xfrm>
+      </p:grpSpPr>
+      <p:sp>
+        <p:nvSpPr>
+          <p:cNvPr id="2" name="Title 1"/>
+          <p:cNvSpPr>
+            <a:spLocks noGrp="1"/>
+          </p:cNvSpPr>
+          <p:nvPr>
+            <p:ph type="title"/>
+          </p:nvPr>
+        </p:nvSpPr>
+        <p:spPr>
+          <a:xfrm>
+            <a:off x="838199" y="365125"/>
+            <a:ext cx="11060431" cy="6000951"/>
+          </a:xfrm>
+        </p:spPr>
+        <p:txBody>
+          <a:bodyPr>
+            <a:normAutofit/>
+          </a:bodyPr>
+          <a:lstStyle/>
+          <a:p>
+            <a:pPr>
+              <a:lnSpc>
+                <a:spcPct val="150000"/>
+              </a:lnSpc>
+            </a:pPr>
+            <a:r>
+              <a:rPr lang="en-CA" dirty="0"/>
+              <a:t>Lots of office hours will be posted.</a:t>
+            </a:r>
+            <a:br>
+              <a:rPr lang="en-CA" dirty="0"/>
+            </a:br>
+            <a:r>
+              <a:rPr lang="en-CA" dirty="0"/>
+              <a:t>Instructor hours will be posted shortly.</a:t>
+            </a:r>
+            <a:br>
+              <a:rPr lang="en-CA" dirty="0"/>
+            </a:br>
+            <a:r>
+              <a:rPr lang="en-CA" dirty="0"/>
+              <a:t>There are comments about the final in this lecture, but no “hidden hints”. </a:t>
+            </a:r>
+            <a:br>
+              <a:rPr lang="en-CA" dirty="0"/>
+            </a:br>
+            <a:r>
+              <a:rPr lang="en-CA" dirty="0"/>
+              <a:t>The final covers everything but world programs.</a:t>
+            </a:r>
+            <a:endParaRPr lang="en-US" dirty="0"/>
+          </a:p>
+        </p:txBody>
+      </p:sp>
+    </p:spTree>
+    <p:extLst>
+      <p:ext uri="{BB962C8B-B14F-4D97-AF65-F5344CB8AC3E}">
+        <p14:creationId xmlns:p14="http://schemas.microsoft.com/office/powerpoint/2010/main" val="922466944"/>
+      </p:ext>
+    </p:extLst>
+  </p:cSld>
+  <p:clrMapOvr>
+    <a:masterClrMapping/>
+  </p:clrMapOvr>
+</p:sld>
+</file>
+
 <file path=ppt/slides/slide7.xml><?xml version="1.0" encoding="utf-8"?>
 <p:sld xmlns:a="http://schemas.openxmlformats.org/drawingml/2006/main" xmlns:r="http://schemas.openxmlformats.org/officeDocument/2006/relationships" xmlns:p="http://schemas.openxmlformats.org/presentationml/2006/main">
   <p:cSld>
@@ -7102,7 +8042,13 @@
       </p:grpSpPr>
       <p:sp>
         <p:nvSpPr>
-          <p:cNvPr id="2" name="Title 1"/>
+          <p:cNvPr id="2" name="Title 1">
+            <a:extLst>
+              <a:ext uri="{FF2B5EF4-FFF2-40B4-BE49-F238E27FC236}">
+                <a16:creationId xmlns:a16="http://schemas.microsoft.com/office/drawing/2014/main" id="{628B3CBF-7A18-F54F-92E2-B975D203BF2F}"/>
+              </a:ext>
+            </a:extLst>
+          </p:cNvPr>
           <p:cNvSpPr>
             <a:spLocks noGrp="1"/>
           </p:cNvSpPr>
@@ -7110,56 +8056,92 @@
             <p:ph type="title"/>
           </p:nvPr>
         </p:nvSpPr>
-        <p:spPr>
-          <a:xfrm>
-            <a:off x="838199" y="365125"/>
-            <a:ext cx="11060431" cy="6000951"/>
-          </a:xfrm>
-        </p:spPr>
-        <p:txBody>
-          <a:bodyPr>
-            <a:normAutofit/>
-          </a:bodyPr>
-          <a:lstStyle/>
-          <a:p>
-            <a:pPr>
-              <a:lnSpc>
-                <a:spcPct val="150000"/>
-              </a:lnSpc>
-            </a:pPr>
-            <a:r>
-              <a:rPr lang="en-CA" dirty="0"/>
-              <a:t>Lots of office hours will be posted.</a:t>
-            </a:r>
-            <a:br>
-              <a:rPr lang="en-CA" dirty="0"/>
-            </a:br>
-            <a:r>
-              <a:rPr lang="en-CA" dirty="0"/>
-              <a:t>Instructor hours will be posted shortly.</a:t>
-            </a:r>
-            <a:br>
-              <a:rPr lang="en-CA" dirty="0"/>
-            </a:br>
-            <a:r>
-              <a:rPr lang="en-CA" dirty="0"/>
-              <a:t>There are comments about the final in this lecture, but no “hidden hints”. </a:t>
-            </a:r>
-            <a:br>
-              <a:rPr lang="en-CA" dirty="0"/>
-            </a:br>
-            <a:r>
-              <a:rPr lang="en-CA" dirty="0"/>
-              <a:t>The final covers everything but world programs.</a:t>
-            </a:r>
+        <p:spPr/>
+        <p:txBody>
+          <a:bodyPr/>
+          <a:lstStyle/>
+          <a:p>
+            <a:r>
+              <a:rPr lang="en-US" dirty="0"/>
+              <a:t>What have you learned ... about design?</a:t>
+            </a:r>
+          </a:p>
+        </p:txBody>
+      </p:sp>
+      <p:sp>
+        <p:nvSpPr>
+          <p:cNvPr id="3" name="Content Placeholder 2">
+            <a:extLst>
+              <a:ext uri="{FF2B5EF4-FFF2-40B4-BE49-F238E27FC236}">
+                <a16:creationId xmlns:a16="http://schemas.microsoft.com/office/drawing/2014/main" id="{22ACEF78-0A45-E74E-9B25-4DB16636EE7C}"/>
+              </a:ext>
+            </a:extLst>
+          </p:cNvPr>
+          <p:cNvSpPr>
+            <a:spLocks noGrp="1"/>
+          </p:cNvSpPr>
+          <p:nvPr>
+            <p:ph idx="1"/>
+          </p:nvPr>
+        </p:nvSpPr>
+        <p:spPr/>
+        <p:txBody>
+          <a:bodyPr/>
+          <a:lstStyle/>
+          <a:p>
+            <a:r>
+              <a:rPr lang="en-US" sz="3600" dirty="0"/>
+              <a:t>Figuring out what you actually want is half the battle</a:t>
+            </a:r>
+          </a:p>
+          <a:p>
             <a:endParaRPr lang="en-US" dirty="0"/>
+          </a:p>
+          <a:p>
+            <a:pPr lvl="1"/>
+            <a:r>
+              <a:rPr lang="en-US" dirty="0"/>
+              <a:t>signature</a:t>
+            </a:r>
+          </a:p>
+          <a:p>
+            <a:pPr lvl="1"/>
+            <a:r>
+              <a:rPr lang="en-US" dirty="0"/>
+              <a:t>purpose</a:t>
+            </a:r>
+          </a:p>
+          <a:p>
+            <a:pPr lvl="1"/>
+            <a:r>
+              <a:rPr lang="en-US" dirty="0"/>
+              <a:t>examples (wrapped in check-expect)</a:t>
+            </a:r>
+          </a:p>
+          <a:p>
+            <a:pPr lvl="1"/>
+            <a:endParaRPr lang="en-US" dirty="0"/>
+          </a:p>
+          <a:p>
+            <a:pPr lvl="1"/>
+            <a:r>
+              <a:rPr lang="en-US" dirty="0"/>
+              <a:t>information examples</a:t>
+            </a:r>
+          </a:p>
+          <a:p>
+            <a:pPr lvl="1"/>
+            <a:r>
+              <a:rPr lang="en-US" dirty="0"/>
+              <a:t>interpretation</a:t>
+            </a:r>
           </a:p>
         </p:txBody>
       </p:sp>
     </p:spTree>
     <p:extLst>
       <p:ext uri="{BB962C8B-B14F-4D97-AF65-F5344CB8AC3E}">
-        <p14:creationId xmlns:p14="http://schemas.microsoft.com/office/powerpoint/2010/main" val="922466944"/>
+        <p14:creationId xmlns:p14="http://schemas.microsoft.com/office/powerpoint/2010/main" val="861622272"/>
       </p:ext>
     </p:extLst>
   </p:cSld>
@@ -7237,7 +8219,7 @@
           <a:p>
             <a:r>
               <a:rPr lang="en-US" sz="3600" dirty="0"/>
-              <a:t>Figuring out what you actually want is half the battle</a:t>
+              <a:t>then the structure of the solution</a:t>
             </a:r>
           </a:p>
           <a:p>
@@ -7247,21 +8229,14 @@
             <a:pPr lvl="1"/>
             <a:r>
               <a:rPr lang="en-US" dirty="0"/>
-              <a:t>signature</a:t>
+              <a:t>template origins</a:t>
             </a:r>
           </a:p>
           <a:p>
             <a:pPr lvl="1"/>
             <a:r>
               <a:rPr lang="en-US" dirty="0"/>
-              <a:t>purpose</a:t>
-            </a:r>
-          </a:p>
-          <a:p>
-            <a:pPr lvl="1"/>
-            <a:r>
-              <a:rPr lang="en-US" dirty="0"/>
-              <a:t>examples (wrapped in check-expect)</a:t>
+              <a:t>accumulator types and invariants</a:t>
             </a:r>
           </a:p>
           <a:p>
@@ -7269,17 +8244,66 @@
             <a:endParaRPr lang="en-US" dirty="0"/>
           </a:p>
           <a:p>
+            <a:r>
+              <a:rPr lang="en-US" sz="3600" dirty="0"/>
+              <a:t>and the details</a:t>
+            </a:r>
+          </a:p>
+          <a:p>
+            <a:endParaRPr lang="en-US" dirty="0"/>
+          </a:p>
+          <a:p>
             <a:pPr lvl="1"/>
             <a:r>
               <a:rPr lang="en-US" dirty="0"/>
-              <a:t>information examples</a:t>
+              <a:t>fill in … according to all above</a:t>
             </a:r>
           </a:p>
           <a:p>
             <a:pPr lvl="1"/>
             <a:r>
               <a:rPr lang="en-US" dirty="0"/>
-              <a:t>interpretation</a:t>
+              <a:t>debug</a:t>
+            </a:r>
+          </a:p>
+          <a:p>
+            <a:endParaRPr lang="en-US" dirty="0"/>
+          </a:p>
+        </p:txBody>
+      </p:sp>
+      <p:sp>
+        <p:nvSpPr>
+          <p:cNvPr id="4" name="TextBox 3">
+            <a:extLst>
+              <a:ext uri="{FF2B5EF4-FFF2-40B4-BE49-F238E27FC236}">
+                <a16:creationId xmlns:a16="http://schemas.microsoft.com/office/drawing/2014/main" id="{A5490351-7D8A-D040-AC37-B7B0B88C93A9}"/>
+              </a:ext>
+            </a:extLst>
+          </p:cNvPr>
+          <p:cNvSpPr txBox="1"/>
+          <p:nvPr/>
+        </p:nvSpPr>
+        <p:spPr>
+          <a:xfrm>
+            <a:off x="7506586" y="5653743"/>
+            <a:ext cx="4391245" cy="523220"/>
+          </a:xfrm>
+          <a:prstGeom prst="rect">
+            <a:avLst/>
+          </a:prstGeom>
+          <a:noFill/>
+        </p:spPr>
+        <p:txBody>
+          <a:bodyPr wrap="square" rtlCol="0">
+            <a:spAutoFit/>
+          </a:bodyPr>
+          <a:lstStyle/>
+          <a:p>
+            <a:r>
+              <a:rPr lang="en-US" sz="2800" dirty="0">
+                <a:latin typeface="Monaco" pitchFamily="2" charset="77"/>
+              </a:rPr>
+              <a:t>All 5 tests pass!</a:t>
             </a:r>
           </a:p>
         </p:txBody>
@@ -7287,7 +8311,7 @@
     </p:spTree>
     <p:extLst>
       <p:ext uri="{BB962C8B-B14F-4D97-AF65-F5344CB8AC3E}">
-        <p14:creationId xmlns:p14="http://schemas.microsoft.com/office/powerpoint/2010/main" val="861622272"/>
+        <p14:creationId xmlns:p14="http://schemas.microsoft.com/office/powerpoint/2010/main" val="406896256"/>
       </p:ext>
     </p:extLst>
   </p:cSld>
@@ -7358,31 +8382,57 @@
             <p:ph idx="1"/>
           </p:nvPr>
         </p:nvSpPr>
-        <p:spPr/>
-        <p:txBody>
-          <a:bodyPr/>
+        <p:spPr>
+          <a:xfrm>
+            <a:off x="838200" y="1825625"/>
+            <a:ext cx="10515600" cy="4830356"/>
+          </a:xfrm>
+        </p:spPr>
+        <p:txBody>
+          <a:bodyPr>
+            <a:normAutofit/>
+          </a:bodyPr>
           <a:lstStyle/>
           <a:p>
             <a:r>
               <a:rPr lang="en-US" sz="3600" dirty="0"/>
-              <a:t>then the structure of the solution</a:t>
+              <a:t>but sometimes</a:t>
             </a:r>
           </a:p>
           <a:p>
             <a:endParaRPr lang="en-US" dirty="0"/>
           </a:p>
           <a:p>
+            <a:endParaRPr lang="en-US" dirty="0"/>
+          </a:p>
+          <a:p>
+            <a:endParaRPr lang="en-US" dirty="0"/>
+          </a:p>
+          <a:p>
+            <a:endParaRPr lang="en-US" dirty="0"/>
+          </a:p>
+          <a:p>
+            <a:endParaRPr lang="en-US" dirty="0"/>
+          </a:p>
+          <a:p>
             <a:pPr lvl="1"/>
             <a:r>
               <a:rPr lang="en-US" dirty="0"/>
-              <a:t>template origins</a:t>
+              <a:t>despite your best efforts</a:t>
             </a:r>
           </a:p>
           <a:p>
             <a:pPr lvl="1"/>
             <a:r>
               <a:rPr lang="en-US" dirty="0"/>
-              <a:t>accumulator types and invariants</a:t>
+              <a:t>what you end up with is not what you really wanted</a:t>
+            </a:r>
+          </a:p>
+          <a:p>
+            <a:pPr lvl="1"/>
+            <a:r>
+              <a:rPr lang="en-US" dirty="0"/>
+              <a:t>go back and systematically revise the design, and learn from that error</a:t>
             </a:r>
           </a:p>
           <a:p>
@@ -7390,27 +8440,10 @@
             <a:endParaRPr lang="en-US" dirty="0"/>
           </a:p>
           <a:p>
-            <a:r>
-              <a:rPr lang="en-US" sz="3600" dirty="0"/>
-              <a:t>and the details</a:t>
-            </a:r>
-          </a:p>
-          <a:p>
+            <a:pPr marL="457200" lvl="1" indent="0">
+              <a:buNone/>
+            </a:pPr>
             <a:endParaRPr lang="en-US" dirty="0"/>
-          </a:p>
-          <a:p>
-            <a:pPr lvl="1"/>
-            <a:r>
-              <a:rPr lang="en-US" dirty="0"/>
-              <a:t>fill in … according to all above</a:t>
-            </a:r>
-          </a:p>
-          <a:p>
-            <a:pPr lvl="1"/>
-            <a:r>
-              <a:rPr lang="en-US" dirty="0"/>
-              <a:t>debug</a:t>
-            </a:r>
           </a:p>
           <a:p>
             <a:endParaRPr lang="en-US" dirty="0"/>
@@ -7422,7 +8455,7 @@
           <p:cNvPr id="4" name="TextBox 3">
             <a:extLst>
               <a:ext uri="{FF2B5EF4-FFF2-40B4-BE49-F238E27FC236}">
-                <a16:creationId xmlns:a16="http://schemas.microsoft.com/office/drawing/2014/main" id="{A5490351-7D8A-D040-AC37-B7B0B88C93A9}"/>
+                <a16:creationId xmlns:a16="http://schemas.microsoft.com/office/drawing/2014/main" id="{9DAEF986-FC6E-2540-8868-F58DD833305B}"/>
               </a:ext>
             </a:extLst>
           </p:cNvPr>
@@ -7431,8 +8464,8 @@
         </p:nvSpPr>
         <p:spPr>
           <a:xfrm>
-            <a:off x="7506586" y="5653743"/>
-            <a:ext cx="4391245" cy="523220"/>
+            <a:off x="170121" y="2858034"/>
+            <a:ext cx="11851758" cy="1323439"/>
           </a:xfrm>
           <a:prstGeom prst="rect">
             <a:avLst/>
@@ -7445,19 +8478,42 @@
           </a:bodyPr>
           <a:lstStyle/>
           <a:p>
-            <a:r>
-              <a:rPr lang="en-US" sz="2800" dirty="0">
+            <a:br>
+              <a:rPr lang="en-CA" sz="1600" dirty="0">
                 <a:latin typeface="Monaco" pitchFamily="2" charset="77"/>
               </a:rPr>
-              <a:t>All 5 tests pass!</a:t>
-            </a:r>
+            </a:br>
+            <a:endParaRPr lang="en-CA" sz="1600" dirty="0">
+              <a:latin typeface="Monaco" pitchFamily="2" charset="77"/>
+            </a:endParaRPr>
+          </a:p>
+          <a:p>
+            <a:r>
+              <a:rPr lang="en-CA" sz="1600" dirty="0">
+                <a:latin typeface="Monaco" pitchFamily="2" charset="77"/>
+              </a:rPr>
+              <a:t>  50% of  50%   Submitted tests: correct - all submitted test pass. </a:t>
+            </a:r>
+          </a:p>
+          <a:p>
+            <a:r>
+              <a:rPr lang="en-CA" sz="1600" dirty="0">
+                <a:latin typeface="Monaco" pitchFamily="2" charset="77"/>
+              </a:rPr>
+              <a:t>   0% of  50%   Additional tests: incorrect - 3 autograder internal additional tests failed. </a:t>
+            </a:r>
+          </a:p>
+          <a:p>
+            <a:endParaRPr lang="en-US" sz="1600" dirty="0">
+              <a:latin typeface="Monaco" pitchFamily="2" charset="77"/>
+            </a:endParaRPr>
           </a:p>
         </p:txBody>
       </p:sp>
     </p:spTree>
     <p:extLst>
       <p:ext uri="{BB962C8B-B14F-4D97-AF65-F5344CB8AC3E}">
-        <p14:creationId xmlns:p14="http://schemas.microsoft.com/office/powerpoint/2010/main" val="406896256"/>
+        <p14:creationId xmlns:p14="http://schemas.microsoft.com/office/powerpoint/2010/main" val="491170874"/>
       </p:ext>
     </p:extLst>
   </p:cSld>
